--- a/docs/AMLTooling.pptx
+++ b/docs/AMLTooling.pptx
@@ -5,10 +5,10 @@
     <p:sldMasterId id="2147483648" r:id="rId1"/>
   </p:sldMasterIdLst>
   <p:notesMasterIdLst>
-    <p:notesMasterId r:id="rId17"/>
+    <p:notesMasterId r:id="rId38"/>
   </p:notesMasterIdLst>
   <p:handoutMasterIdLst>
-    <p:handoutMasterId r:id="rId18"/>
+    <p:handoutMasterId r:id="rId39"/>
   </p:handoutMasterIdLst>
   <p:sldIdLst>
     <p:sldId id="256" r:id="rId2"/>
@@ -26,6 +26,27 @@
     <p:sldId id="269" r:id="rId14"/>
     <p:sldId id="271" r:id="rId15"/>
     <p:sldId id="272" r:id="rId16"/>
+    <p:sldId id="273" r:id="rId17"/>
+    <p:sldId id="274" r:id="rId18"/>
+    <p:sldId id="276" r:id="rId19"/>
+    <p:sldId id="277" r:id="rId20"/>
+    <p:sldId id="279" r:id="rId21"/>
+    <p:sldId id="280" r:id="rId22"/>
+    <p:sldId id="281" r:id="rId23"/>
+    <p:sldId id="282" r:id="rId24"/>
+    <p:sldId id="283" r:id="rId25"/>
+    <p:sldId id="285" r:id="rId26"/>
+    <p:sldId id="284" r:id="rId27"/>
+    <p:sldId id="286" r:id="rId28"/>
+    <p:sldId id="294" r:id="rId29"/>
+    <p:sldId id="287" r:id="rId30"/>
+    <p:sldId id="288" r:id="rId31"/>
+    <p:sldId id="289" r:id="rId32"/>
+    <p:sldId id="290" r:id="rId33"/>
+    <p:sldId id="291" r:id="rId34"/>
+    <p:sldId id="292" r:id="rId35"/>
+    <p:sldId id="293" r:id="rId36"/>
+    <p:sldId id="295" r:id="rId37"/>
   </p:sldIdLst>
   <p:sldSz cx="9144000" cy="6858000" type="screen4x3"/>
   <p:notesSz cx="6858000" cy="9144000"/>
@@ -209,7 +230,7 @@
           <a:p>
             <a:fld id="{A2E404DF-A481-9947-96A5-2670D04DEC71}" type="datetimeFigureOut">
               <a:rPr lang="en-US" smtClean="0"/>
-              <a:t>4/20/15</a:t>
+              <a:t>4/21/15</a:t>
             </a:fld>
             <a:endParaRPr lang="en-US"/>
           </a:p>
@@ -375,7 +396,7 @@
           <a:p>
             <a:fld id="{A07EB127-2393-2648-9E5A-D1CC2ED2BBDB}" type="datetimeFigureOut">
               <a:rPr lang="en-US" smtClean="0"/>
-              <a:t>4/20/15</a:t>
+              <a:t>4/21/15</a:t>
             </a:fld>
             <a:endParaRPr lang="en-US"/>
           </a:p>
@@ -785,6 +806,10 @@
           <a:bodyPr/>
           <a:lstStyle/>
           <a:p>
+            <a:r>
+              <a:rPr lang="en-US" baseline="0" dirty="0" smtClean="0"/>
+              <a:t>So we have a model which participating entities aware of and ‘reference’, it is called a reference model – A reference model defines classes, data types, modeling patterns. We see that we define constraint(s) based on our needs and what and how we want to use the RM. These constraints talk “About” the reference model and its elements. Constraint do not affect RM in any way. And that is how we have an archetype. An archetype talk about only ONE reference model.</a:t>
+            </a:r>
             <a:endParaRPr lang="en-US" baseline="0" dirty="0" smtClean="0"/>
           </a:p>
         </p:txBody>
@@ -869,6 +894,10 @@
           <a:bodyPr/>
           <a:lstStyle/>
           <a:p>
+            <a:r>
+              <a:rPr lang="en-US" baseline="0" dirty="0" smtClean="0"/>
+              <a:t>We can have an archetype library which is a set of archetypes of all sizes – that are all about a reference model.  Archetypes comes in all sizes, they can be just a simple, single constraint or can be lots of constraints and also by reusing existing archetypes.</a:t>
+            </a:r>
             <a:endParaRPr lang="en-US" baseline="0" dirty="0" smtClean="0"/>
           </a:p>
         </p:txBody>
@@ -955,9 +984,20 @@
           <a:p>
             <a:r>
               <a:rPr lang="en-US" baseline="0" dirty="0" smtClean="0"/>
-              <a:t>Inside application – not very flexible. brittle</a:t>
-            </a:r>
-            <a:endParaRPr lang="en-US" baseline="0" dirty="0" smtClean="0"/>
+              <a:t>Lets look at a situation where an application works with a RM and implements the constraints without dealing with an archetype.  The constraints are Inside the application itself </a:t>
+            </a:r>
+            <a:r>
+              <a:rPr lang="en-US" baseline="0" dirty="0" smtClean="0"/>
+              <a:t>– </a:t>
+            </a:r>
+            <a:r>
+              <a:rPr lang="en-US" baseline="0" dirty="0" smtClean="0"/>
+              <a:t>It is not </a:t>
+            </a:r>
+            <a:r>
+              <a:rPr lang="en-US" baseline="0" dirty="0" smtClean="0"/>
+              <a:t>very flexible. </a:t>
+            </a:r>
           </a:p>
         </p:txBody>
       </p:sp>
@@ -1041,6 +1081,16 @@
           <a:bodyPr/>
           <a:lstStyle/>
           <a:p>
+            <a:r>
+              <a:rPr lang="en-US" baseline="0" dirty="0" smtClean="0"/>
+              <a:t>With archetypes where an application employs with an archetype/archetype library as an external resource and just references RM to validate incoming instances by using archetypes.  </a:t>
+            </a:r>
+          </a:p>
+          <a:p>
+            <a:r>
+              <a:rPr lang="en-US" baseline="0" dirty="0" smtClean="0"/>
+              <a:t>Archetype libraries can be switched or constraints cab be changed without affecting the application itself.</a:t>
+            </a:r>
             <a:endParaRPr lang="en-US" baseline="0" dirty="0" smtClean="0"/>
           </a:p>
         </p:txBody>
@@ -1072,6 +1122,552 @@
     <p:extLst>
       <p:ext uri="{BB962C8B-B14F-4D97-AF65-F5344CB8AC3E}">
         <p14:creationId xmlns:p14="http://schemas.microsoft.com/office/powerpoint/2010/main" val="3692830207"/>
+      </p:ext>
+    </p:extLst>
+  </p:cSld>
+  <p:clrMapOvr>
+    <a:masterClrMapping/>
+  </p:clrMapOvr>
+</p:notes>
+</file>
+
+<file path=ppt/notesSlides/notesSlide14.xml><?xml version="1.0" encoding="utf-8"?>
+<p:notes xmlns:a="http://schemas.openxmlformats.org/drawingml/2006/main" xmlns:r="http://schemas.openxmlformats.org/officeDocument/2006/relationships" xmlns:p="http://schemas.openxmlformats.org/presentationml/2006/main">
+  <p:cSld>
+    <p:spTree>
+      <p:nvGrpSpPr>
+        <p:cNvPr id="1" name=""/>
+        <p:cNvGrpSpPr/>
+        <p:nvPr/>
+      </p:nvGrpSpPr>
+      <p:grpSpPr>
+        <a:xfrm>
+          <a:off x="0" y="0"/>
+          <a:ext cx="0" cy="0"/>
+          <a:chOff x="0" y="0"/>
+          <a:chExt cx="0" cy="0"/>
+        </a:xfrm>
+      </p:grpSpPr>
+      <p:sp>
+        <p:nvSpPr>
+          <p:cNvPr id="2" name="Slide Image Placeholder 1"/>
+          <p:cNvSpPr>
+            <a:spLocks noGrp="1" noRot="1" noChangeAspect="1"/>
+          </p:cNvSpPr>
+          <p:nvPr>
+            <p:ph type="sldImg"/>
+          </p:nvPr>
+        </p:nvSpPr>
+        <p:spPr/>
+      </p:sp>
+      <p:sp>
+        <p:nvSpPr>
+          <p:cNvPr id="3" name="Notes Placeholder 2"/>
+          <p:cNvSpPr>
+            <a:spLocks noGrp="1"/>
+          </p:cNvSpPr>
+          <p:nvPr>
+            <p:ph type="body" idx="1"/>
+          </p:nvPr>
+        </p:nvSpPr>
+        <p:spPr/>
+        <p:txBody>
+          <a:bodyPr/>
+          <a:lstStyle/>
+          <a:p>
+            <a:r>
+              <a:rPr lang="en-US" baseline="0" dirty="0" smtClean="0"/>
+              <a:t>Here we show an example of how an archetype might be created. First of all we have shared reference model.  This is a very simple model where element is the leaf node and item group is a collection of more item-groups or leaf nodes (ELEMENT).  Each item group can have a a meaning associated with it – tells what it means., using LINK. And a node item-group can have participation by a party – for example – and organization, patient, or care-giver.</a:t>
+            </a:r>
+          </a:p>
+          <a:p>
+            <a:endParaRPr lang="en-US" baseline="0" dirty="0" smtClean="0"/>
+          </a:p>
+        </p:txBody>
+      </p:sp>
+      <p:sp>
+        <p:nvSpPr>
+          <p:cNvPr id="4" name="Slide Number Placeholder 3"/>
+          <p:cNvSpPr>
+            <a:spLocks noGrp="1"/>
+          </p:cNvSpPr>
+          <p:nvPr>
+            <p:ph type="sldNum" sz="quarter" idx="10"/>
+          </p:nvPr>
+        </p:nvSpPr>
+        <p:spPr/>
+        <p:txBody>
+          <a:bodyPr/>
+          <a:lstStyle/>
+          <a:p>
+            <a:fld id="{EF56746B-70A0-EC44-97DF-9E8D253B1298}" type="slidenum">
+              <a:rPr lang="en-US" smtClean="0"/>
+              <a:t>16</a:t>
+            </a:fld>
+            <a:endParaRPr lang="en-US"/>
+          </a:p>
+        </p:txBody>
+      </p:sp>
+    </p:spTree>
+    <p:extLst>
+      <p:ext uri="{BB962C8B-B14F-4D97-AF65-F5344CB8AC3E}">
+        <p14:creationId xmlns:p14="http://schemas.microsoft.com/office/powerpoint/2010/main" val="3692830207"/>
+      </p:ext>
+    </p:extLst>
+  </p:cSld>
+  <p:clrMapOvr>
+    <a:masterClrMapping/>
+  </p:clrMapOvr>
+</p:notes>
+</file>
+
+<file path=ppt/notesSlides/notesSlide15.xml><?xml version="1.0" encoding="utf-8"?>
+<p:notes xmlns:a="http://schemas.openxmlformats.org/drawingml/2006/main" xmlns:r="http://schemas.openxmlformats.org/officeDocument/2006/relationships" xmlns:p="http://schemas.openxmlformats.org/presentationml/2006/main">
+  <p:cSld>
+    <p:spTree>
+      <p:nvGrpSpPr>
+        <p:cNvPr id="1" name=""/>
+        <p:cNvGrpSpPr/>
+        <p:nvPr/>
+      </p:nvGrpSpPr>
+      <p:grpSpPr>
+        <a:xfrm>
+          <a:off x="0" y="0"/>
+          <a:ext cx="0" cy="0"/>
+          <a:chOff x="0" y="0"/>
+          <a:chExt cx="0" cy="0"/>
+        </a:xfrm>
+      </p:grpSpPr>
+      <p:sp>
+        <p:nvSpPr>
+          <p:cNvPr id="2" name="Slide Image Placeholder 1"/>
+          <p:cNvSpPr>
+            <a:spLocks noGrp="1" noRot="1" noChangeAspect="1"/>
+          </p:cNvSpPr>
+          <p:nvPr>
+            <p:ph type="sldImg"/>
+          </p:nvPr>
+        </p:nvSpPr>
+        <p:spPr/>
+      </p:sp>
+      <p:sp>
+        <p:nvSpPr>
+          <p:cNvPr id="3" name="Notes Placeholder 2"/>
+          <p:cNvSpPr>
+            <a:spLocks noGrp="1"/>
+          </p:cNvSpPr>
+          <p:nvPr>
+            <p:ph type="body" idx="1"/>
+          </p:nvPr>
+        </p:nvSpPr>
+        <p:spPr/>
+        <p:txBody>
+          <a:bodyPr/>
+          <a:lstStyle/>
+          <a:p>
+            <a:r>
+              <a:rPr lang="en-US" baseline="0" dirty="0" smtClean="0"/>
+              <a:t>This example is about an archetype for patient’s specimen collection. You can see that simples archetype on the right is show the what body site the specimen comes from. Collecting a specimen is described by an archetype collection action and similarly receiving a specimen is by </a:t>
+            </a:r>
+            <a:r>
+              <a:rPr lang="en-US" baseline="0" dirty="0" err="1" smtClean="0"/>
+              <a:t>ReceiveAction</a:t>
+            </a:r>
+            <a:r>
+              <a:rPr lang="en-US" baseline="0" dirty="0" smtClean="0"/>
+              <a:t> archetype. Please note that Collection action uses an existing archetype to defined itself. Similarly Specimen itself is an archetype composed by using other smaller archetypes. It specializes a parent archetype “Material Entity”.</a:t>
+            </a:r>
+          </a:p>
+          <a:p>
+            <a:endParaRPr lang="en-US" baseline="0" dirty="0" smtClean="0"/>
+          </a:p>
+        </p:txBody>
+      </p:sp>
+      <p:sp>
+        <p:nvSpPr>
+          <p:cNvPr id="4" name="Slide Number Placeholder 3"/>
+          <p:cNvSpPr>
+            <a:spLocks noGrp="1"/>
+          </p:cNvSpPr>
+          <p:nvPr>
+            <p:ph type="sldNum" sz="quarter" idx="10"/>
+          </p:nvPr>
+        </p:nvSpPr>
+        <p:spPr/>
+        <p:txBody>
+          <a:bodyPr/>
+          <a:lstStyle/>
+          <a:p>
+            <a:fld id="{EF56746B-70A0-EC44-97DF-9E8D253B1298}" type="slidenum">
+              <a:rPr lang="en-US" smtClean="0"/>
+              <a:t>17</a:t>
+            </a:fld>
+            <a:endParaRPr lang="en-US"/>
+          </a:p>
+        </p:txBody>
+      </p:sp>
+    </p:spTree>
+    <p:extLst>
+      <p:ext uri="{BB962C8B-B14F-4D97-AF65-F5344CB8AC3E}">
+        <p14:creationId xmlns:p14="http://schemas.microsoft.com/office/powerpoint/2010/main" val="3692830207"/>
+      </p:ext>
+    </p:extLst>
+  </p:cSld>
+  <p:clrMapOvr>
+    <a:masterClrMapping/>
+  </p:clrMapOvr>
+</p:notes>
+</file>
+
+<file path=ppt/notesSlides/notesSlide16.xml><?xml version="1.0" encoding="utf-8"?>
+<p:notes xmlns:a="http://schemas.openxmlformats.org/drawingml/2006/main" xmlns:r="http://schemas.openxmlformats.org/officeDocument/2006/relationships" xmlns:p="http://schemas.openxmlformats.org/presentationml/2006/main">
+  <p:cSld>
+    <p:spTree>
+      <p:nvGrpSpPr>
+        <p:cNvPr id="1" name=""/>
+        <p:cNvGrpSpPr/>
+        <p:nvPr/>
+      </p:nvGrpSpPr>
+      <p:grpSpPr>
+        <a:xfrm>
+          <a:off x="0" y="0"/>
+          <a:ext cx="0" cy="0"/>
+          <a:chOff x="0" y="0"/>
+          <a:chExt cx="0" cy="0"/>
+        </a:xfrm>
+      </p:grpSpPr>
+      <p:sp>
+        <p:nvSpPr>
+          <p:cNvPr id="2" name="Slide Image Placeholder 1"/>
+          <p:cNvSpPr>
+            <a:spLocks noGrp="1" noRot="1" noChangeAspect="1"/>
+          </p:cNvSpPr>
+          <p:nvPr>
+            <p:ph type="sldImg"/>
+          </p:nvPr>
+        </p:nvSpPr>
+        <p:spPr/>
+      </p:sp>
+      <p:sp>
+        <p:nvSpPr>
+          <p:cNvPr id="3" name="Notes Placeholder 2"/>
+          <p:cNvSpPr>
+            <a:spLocks noGrp="1"/>
+          </p:cNvSpPr>
+          <p:nvPr>
+            <p:ph type="body" idx="1"/>
+          </p:nvPr>
+        </p:nvSpPr>
+        <p:spPr/>
+        <p:txBody>
+          <a:bodyPr/>
+          <a:lstStyle/>
+          <a:p>
+            <a:r>
+              <a:rPr lang="en-US" dirty="0" smtClean="0"/>
+              <a:t>Similarly we can</a:t>
+            </a:r>
+            <a:r>
+              <a:rPr lang="en-US" baseline="0" dirty="0" smtClean="0"/>
+              <a:t> create more and more, as needed, the clinical models like Lab test, clinical statements, reports and what not.</a:t>
+            </a:r>
+          </a:p>
+          <a:p>
+            <a:r>
+              <a:rPr lang="en-US" baseline="0" dirty="0" smtClean="0"/>
+              <a:t>So a single global collection of shared clinical models is of great value to achieve improve interoperability.</a:t>
+            </a:r>
+            <a:endParaRPr lang="en-US" dirty="0"/>
+          </a:p>
+        </p:txBody>
+      </p:sp>
+      <p:sp>
+        <p:nvSpPr>
+          <p:cNvPr id="4" name="Slide Number Placeholder 3"/>
+          <p:cNvSpPr>
+            <a:spLocks noGrp="1"/>
+          </p:cNvSpPr>
+          <p:nvPr>
+            <p:ph type="sldNum" sz="quarter" idx="10"/>
+          </p:nvPr>
+        </p:nvSpPr>
+        <p:spPr/>
+        <p:txBody>
+          <a:bodyPr/>
+          <a:lstStyle/>
+          <a:p>
+            <a:fld id="{EF56746B-70A0-EC44-97DF-9E8D253B1298}" type="slidenum">
+              <a:rPr lang="en-US" smtClean="0"/>
+              <a:t>18</a:t>
+            </a:fld>
+            <a:endParaRPr lang="en-US"/>
+          </a:p>
+        </p:txBody>
+      </p:sp>
+    </p:spTree>
+    <p:extLst>
+      <p:ext uri="{BB962C8B-B14F-4D97-AF65-F5344CB8AC3E}">
+        <p14:creationId xmlns:p14="http://schemas.microsoft.com/office/powerpoint/2010/main" val="2877493123"/>
+      </p:ext>
+    </p:extLst>
+  </p:cSld>
+  <p:clrMapOvr>
+    <a:masterClrMapping/>
+  </p:clrMapOvr>
+</p:notes>
+</file>
+
+<file path=ppt/notesSlides/notesSlide17.xml><?xml version="1.0" encoding="utf-8"?>
+<p:notes xmlns:a="http://schemas.openxmlformats.org/drawingml/2006/main" xmlns:r="http://schemas.openxmlformats.org/officeDocument/2006/relationships" xmlns:p="http://schemas.openxmlformats.org/presentationml/2006/main">
+  <p:cSld>
+    <p:spTree>
+      <p:nvGrpSpPr>
+        <p:cNvPr id="1" name=""/>
+        <p:cNvGrpSpPr/>
+        <p:nvPr/>
+      </p:nvGrpSpPr>
+      <p:grpSpPr>
+        <a:xfrm>
+          <a:off x="0" y="0"/>
+          <a:ext cx="0" cy="0"/>
+          <a:chOff x="0" y="0"/>
+          <a:chExt cx="0" cy="0"/>
+        </a:xfrm>
+      </p:grpSpPr>
+      <p:sp>
+        <p:nvSpPr>
+          <p:cNvPr id="2" name="Slide Image Placeholder 1"/>
+          <p:cNvSpPr>
+            <a:spLocks noGrp="1" noRot="1" noChangeAspect="1"/>
+          </p:cNvSpPr>
+          <p:nvPr>
+            <p:ph type="sldImg"/>
+          </p:nvPr>
+        </p:nvSpPr>
+        <p:spPr/>
+      </p:sp>
+      <p:sp>
+        <p:nvSpPr>
+          <p:cNvPr id="3" name="Notes Placeholder 2"/>
+          <p:cNvSpPr>
+            <a:spLocks noGrp="1"/>
+          </p:cNvSpPr>
+          <p:nvPr>
+            <p:ph type="body" idx="1"/>
+          </p:nvPr>
+        </p:nvSpPr>
+        <p:spPr/>
+        <p:txBody>
+          <a:bodyPr/>
+          <a:lstStyle/>
+          <a:p>
+            <a:r>
+              <a:rPr lang="en-US" dirty="0" smtClean="0"/>
+              <a:t>In 2011 meeting</a:t>
+            </a:r>
+            <a:r>
+              <a:rPr lang="en-US" baseline="0" dirty="0" smtClean="0"/>
+              <a:t> of Modelers, participants concluded that having a shared repository of shared clinical information models will be of high value for interoperability.  They felt that the newly formed group would be independent of any standards group and ensure that models that are created are open and free to use. </a:t>
+            </a:r>
+            <a:endParaRPr lang="en-US" dirty="0"/>
+          </a:p>
+        </p:txBody>
+      </p:sp>
+      <p:sp>
+        <p:nvSpPr>
+          <p:cNvPr id="4" name="Slide Number Placeholder 3"/>
+          <p:cNvSpPr>
+            <a:spLocks noGrp="1"/>
+          </p:cNvSpPr>
+          <p:nvPr>
+            <p:ph type="sldNum" sz="quarter" idx="10"/>
+          </p:nvPr>
+        </p:nvSpPr>
+        <p:spPr/>
+        <p:txBody>
+          <a:bodyPr/>
+          <a:lstStyle/>
+          <a:p>
+            <a:fld id="{EF56746B-70A0-EC44-97DF-9E8D253B1298}" type="slidenum">
+              <a:rPr lang="en-US" smtClean="0"/>
+              <a:t>19</a:t>
+            </a:fld>
+            <a:endParaRPr lang="en-US"/>
+          </a:p>
+        </p:txBody>
+      </p:sp>
+    </p:spTree>
+    <p:extLst>
+      <p:ext uri="{BB962C8B-B14F-4D97-AF65-F5344CB8AC3E}">
+        <p14:creationId xmlns:p14="http://schemas.microsoft.com/office/powerpoint/2010/main" val="3356811677"/>
+      </p:ext>
+    </p:extLst>
+  </p:cSld>
+  <p:clrMapOvr>
+    <a:masterClrMapping/>
+  </p:clrMapOvr>
+</p:notes>
+</file>
+
+<file path=ppt/notesSlides/notesSlide18.xml><?xml version="1.0" encoding="utf-8"?>
+<p:notes xmlns:a="http://schemas.openxmlformats.org/drawingml/2006/main" xmlns:r="http://schemas.openxmlformats.org/officeDocument/2006/relationships" xmlns:p="http://schemas.openxmlformats.org/presentationml/2006/main">
+  <p:cSld>
+    <p:spTree>
+      <p:nvGrpSpPr>
+        <p:cNvPr id="1" name=""/>
+        <p:cNvGrpSpPr/>
+        <p:nvPr/>
+      </p:nvGrpSpPr>
+      <p:grpSpPr>
+        <a:xfrm>
+          <a:off x="0" y="0"/>
+          <a:ext cx="0" cy="0"/>
+          <a:chOff x="0" y="0"/>
+          <a:chExt cx="0" cy="0"/>
+        </a:xfrm>
+      </p:grpSpPr>
+      <p:sp>
+        <p:nvSpPr>
+          <p:cNvPr id="2" name="Slide Image Placeholder 1"/>
+          <p:cNvSpPr>
+            <a:spLocks noGrp="1" noRot="1" noChangeAspect="1"/>
+          </p:cNvSpPr>
+          <p:nvPr>
+            <p:ph type="sldImg"/>
+          </p:nvPr>
+        </p:nvSpPr>
+        <p:spPr/>
+      </p:sp>
+      <p:sp>
+        <p:nvSpPr>
+          <p:cNvPr id="3" name="Notes Placeholder 2"/>
+          <p:cNvSpPr>
+            <a:spLocks noGrp="1"/>
+          </p:cNvSpPr>
+          <p:nvPr>
+            <p:ph type="body" idx="1"/>
+          </p:nvPr>
+        </p:nvSpPr>
+        <p:spPr/>
+        <p:txBody>
+          <a:bodyPr/>
+          <a:lstStyle/>
+          <a:p>
+            <a:endParaRPr lang="en-US" dirty="0"/>
+          </a:p>
+        </p:txBody>
+      </p:sp>
+      <p:sp>
+        <p:nvSpPr>
+          <p:cNvPr id="4" name="Slide Number Placeholder 3"/>
+          <p:cNvSpPr>
+            <a:spLocks noGrp="1"/>
+          </p:cNvSpPr>
+          <p:nvPr>
+            <p:ph type="sldNum" sz="quarter" idx="10"/>
+          </p:nvPr>
+        </p:nvSpPr>
+        <p:spPr/>
+        <p:txBody>
+          <a:bodyPr/>
+          <a:lstStyle/>
+          <a:p>
+            <a:fld id="{EF56746B-70A0-EC44-97DF-9E8D253B1298}" type="slidenum">
+              <a:rPr lang="en-US" smtClean="0"/>
+              <a:t>20</a:t>
+            </a:fld>
+            <a:endParaRPr lang="en-US"/>
+          </a:p>
+        </p:txBody>
+      </p:sp>
+    </p:spTree>
+    <p:extLst>
+      <p:ext uri="{BB962C8B-B14F-4D97-AF65-F5344CB8AC3E}">
+        <p14:creationId xmlns:p14="http://schemas.microsoft.com/office/powerpoint/2010/main" val="3356811677"/>
+      </p:ext>
+    </p:extLst>
+  </p:cSld>
+  <p:clrMapOvr>
+    <a:masterClrMapping/>
+  </p:clrMapOvr>
+</p:notes>
+</file>
+
+<file path=ppt/notesSlides/notesSlide19.xml><?xml version="1.0" encoding="utf-8"?>
+<p:notes xmlns:a="http://schemas.openxmlformats.org/drawingml/2006/main" xmlns:r="http://schemas.openxmlformats.org/officeDocument/2006/relationships" xmlns:p="http://schemas.openxmlformats.org/presentationml/2006/main">
+  <p:cSld>
+    <p:spTree>
+      <p:nvGrpSpPr>
+        <p:cNvPr id="1" name=""/>
+        <p:cNvGrpSpPr/>
+        <p:nvPr/>
+      </p:nvGrpSpPr>
+      <p:grpSpPr>
+        <a:xfrm>
+          <a:off x="0" y="0"/>
+          <a:ext cx="0" cy="0"/>
+          <a:chOff x="0" y="0"/>
+          <a:chExt cx="0" cy="0"/>
+        </a:xfrm>
+      </p:grpSpPr>
+      <p:sp>
+        <p:nvSpPr>
+          <p:cNvPr id="2" name="Slide Image Placeholder 1"/>
+          <p:cNvSpPr>
+            <a:spLocks noGrp="1" noRot="1" noChangeAspect="1"/>
+          </p:cNvSpPr>
+          <p:nvPr>
+            <p:ph type="sldImg"/>
+          </p:nvPr>
+        </p:nvSpPr>
+        <p:spPr/>
+      </p:sp>
+      <p:sp>
+        <p:nvSpPr>
+          <p:cNvPr id="3" name="Notes Placeholder 2"/>
+          <p:cNvSpPr>
+            <a:spLocks noGrp="1"/>
+          </p:cNvSpPr>
+          <p:nvPr>
+            <p:ph type="body" idx="1"/>
+          </p:nvPr>
+        </p:nvSpPr>
+        <p:spPr/>
+        <p:txBody>
+          <a:bodyPr/>
+          <a:lstStyle/>
+          <a:p>
+            <a:endParaRPr lang="en-US" dirty="0"/>
+          </a:p>
+        </p:txBody>
+      </p:sp>
+      <p:sp>
+        <p:nvSpPr>
+          <p:cNvPr id="4" name="Slide Number Placeholder 3"/>
+          <p:cNvSpPr>
+            <a:spLocks noGrp="1"/>
+          </p:cNvSpPr>
+          <p:nvPr>
+            <p:ph type="sldNum" sz="quarter" idx="10"/>
+          </p:nvPr>
+        </p:nvSpPr>
+        <p:spPr/>
+        <p:txBody>
+          <a:bodyPr/>
+          <a:lstStyle/>
+          <a:p>
+            <a:fld id="{EF56746B-70A0-EC44-97DF-9E8D253B1298}" type="slidenum">
+              <a:rPr lang="en-US" smtClean="0"/>
+              <a:t>21</a:t>
+            </a:fld>
+            <a:endParaRPr lang="en-US"/>
+          </a:p>
+        </p:txBody>
+      </p:sp>
+    </p:spTree>
+    <p:extLst>
+      <p:ext uri="{BB962C8B-B14F-4D97-AF65-F5344CB8AC3E}">
+        <p14:creationId xmlns:p14="http://schemas.microsoft.com/office/powerpoint/2010/main" val="3356811677"/>
       </p:ext>
     </p:extLst>
   </p:cSld>
@@ -1189,6 +1785,902 @@
 </p:notes>
 </file>
 
+<file path=ppt/notesSlides/notesSlide20.xml><?xml version="1.0" encoding="utf-8"?>
+<p:notes xmlns:a="http://schemas.openxmlformats.org/drawingml/2006/main" xmlns:r="http://schemas.openxmlformats.org/officeDocument/2006/relationships" xmlns:p="http://schemas.openxmlformats.org/presentationml/2006/main">
+  <p:cSld>
+    <p:spTree>
+      <p:nvGrpSpPr>
+        <p:cNvPr id="1" name=""/>
+        <p:cNvGrpSpPr/>
+        <p:nvPr/>
+      </p:nvGrpSpPr>
+      <p:grpSpPr>
+        <a:xfrm>
+          <a:off x="0" y="0"/>
+          <a:ext cx="0" cy="0"/>
+          <a:chOff x="0" y="0"/>
+          <a:chExt cx="0" cy="0"/>
+        </a:xfrm>
+      </p:grpSpPr>
+      <p:sp>
+        <p:nvSpPr>
+          <p:cNvPr id="2" name="Slide Image Placeholder 1"/>
+          <p:cNvSpPr>
+            <a:spLocks noGrp="1" noRot="1" noChangeAspect="1"/>
+          </p:cNvSpPr>
+          <p:nvPr>
+            <p:ph type="sldImg"/>
+          </p:nvPr>
+        </p:nvSpPr>
+        <p:spPr/>
+      </p:sp>
+      <p:sp>
+        <p:nvSpPr>
+          <p:cNvPr id="3" name="Notes Placeholder 2"/>
+          <p:cNvSpPr>
+            <a:spLocks noGrp="1"/>
+          </p:cNvSpPr>
+          <p:nvPr>
+            <p:ph type="body" idx="1"/>
+          </p:nvPr>
+        </p:nvSpPr>
+        <p:spPr/>
+        <p:txBody>
+          <a:bodyPr/>
+          <a:lstStyle/>
+          <a:p>
+            <a:endParaRPr lang="en-US" dirty="0"/>
+          </a:p>
+        </p:txBody>
+      </p:sp>
+      <p:sp>
+        <p:nvSpPr>
+          <p:cNvPr id="4" name="Slide Number Placeholder 3"/>
+          <p:cNvSpPr>
+            <a:spLocks noGrp="1"/>
+          </p:cNvSpPr>
+          <p:nvPr>
+            <p:ph type="sldNum" sz="quarter" idx="10"/>
+          </p:nvPr>
+        </p:nvSpPr>
+        <p:spPr/>
+        <p:txBody>
+          <a:bodyPr/>
+          <a:lstStyle/>
+          <a:p>
+            <a:fld id="{EF56746B-70A0-EC44-97DF-9E8D253B1298}" type="slidenum">
+              <a:rPr lang="en-US" smtClean="0"/>
+              <a:t>22</a:t>
+            </a:fld>
+            <a:endParaRPr lang="en-US"/>
+          </a:p>
+        </p:txBody>
+      </p:sp>
+    </p:spTree>
+    <p:extLst>
+      <p:ext uri="{BB962C8B-B14F-4D97-AF65-F5344CB8AC3E}">
+        <p14:creationId xmlns:p14="http://schemas.microsoft.com/office/powerpoint/2010/main" val="3356811677"/>
+      </p:ext>
+    </p:extLst>
+  </p:cSld>
+  <p:clrMapOvr>
+    <a:masterClrMapping/>
+  </p:clrMapOvr>
+</p:notes>
+</file>
+
+<file path=ppt/notesSlides/notesSlide21.xml><?xml version="1.0" encoding="utf-8"?>
+<p:notes xmlns:a="http://schemas.openxmlformats.org/drawingml/2006/main" xmlns:r="http://schemas.openxmlformats.org/officeDocument/2006/relationships" xmlns:p="http://schemas.openxmlformats.org/presentationml/2006/main">
+  <p:cSld>
+    <p:spTree>
+      <p:nvGrpSpPr>
+        <p:cNvPr id="1" name=""/>
+        <p:cNvGrpSpPr/>
+        <p:nvPr/>
+      </p:nvGrpSpPr>
+      <p:grpSpPr>
+        <a:xfrm>
+          <a:off x="0" y="0"/>
+          <a:ext cx="0" cy="0"/>
+          <a:chOff x="0" y="0"/>
+          <a:chExt cx="0" cy="0"/>
+        </a:xfrm>
+      </p:grpSpPr>
+      <p:sp>
+        <p:nvSpPr>
+          <p:cNvPr id="2" name="Slide Image Placeholder 1"/>
+          <p:cNvSpPr>
+            <a:spLocks noGrp="1" noRot="1" noChangeAspect="1"/>
+          </p:cNvSpPr>
+          <p:nvPr>
+            <p:ph type="sldImg"/>
+          </p:nvPr>
+        </p:nvSpPr>
+        <p:spPr/>
+      </p:sp>
+      <p:sp>
+        <p:nvSpPr>
+          <p:cNvPr id="3" name="Notes Placeholder 2"/>
+          <p:cNvSpPr>
+            <a:spLocks noGrp="1"/>
+          </p:cNvSpPr>
+          <p:nvPr>
+            <p:ph type="body" idx="1"/>
+          </p:nvPr>
+        </p:nvSpPr>
+        <p:spPr/>
+        <p:txBody>
+          <a:bodyPr/>
+          <a:lstStyle/>
+          <a:p>
+            <a:r>
+              <a:rPr lang="en-US" dirty="0" smtClean="0"/>
+              <a:t>CIMI</a:t>
+            </a:r>
+            <a:r>
+              <a:rPr lang="en-US" baseline="0" dirty="0" smtClean="0"/>
+              <a:t> shared repository enables developers of Health information system to re-use existing models that are reviewed. Initial load of models comes from </a:t>
+            </a:r>
+            <a:r>
+              <a:rPr lang="en-US" baseline="0" dirty="0" err="1" smtClean="0"/>
+              <a:t>OpenEHR</a:t>
+            </a:r>
+            <a:r>
+              <a:rPr lang="en-US" baseline="0" dirty="0" smtClean="0"/>
+              <a:t> archetypes and from IHC CEMs, about which we talk about shortly.</a:t>
+            </a:r>
+          </a:p>
+          <a:p>
+            <a:r>
+              <a:rPr lang="en-US" baseline="0" dirty="0" smtClean="0"/>
+              <a:t>So to get started with the models, a smaller but very generic reference model has been created – CIMI RM. Archetypes are based on CIMI RM and bound to standard terminology and ontologies. Models can be downloaded as-is for the use in EHRs.</a:t>
+            </a:r>
+          </a:p>
+          <a:p>
+            <a:r>
+              <a:rPr lang="en-US" baseline="0" dirty="0" smtClean="0"/>
+              <a:t>Translators will be added to import and export models in canonical model formats.</a:t>
+            </a:r>
+            <a:endParaRPr lang="en-US" dirty="0"/>
+          </a:p>
+        </p:txBody>
+      </p:sp>
+      <p:sp>
+        <p:nvSpPr>
+          <p:cNvPr id="4" name="Slide Number Placeholder 3"/>
+          <p:cNvSpPr>
+            <a:spLocks noGrp="1"/>
+          </p:cNvSpPr>
+          <p:nvPr>
+            <p:ph type="sldNum" sz="quarter" idx="10"/>
+          </p:nvPr>
+        </p:nvSpPr>
+        <p:spPr/>
+        <p:txBody>
+          <a:bodyPr/>
+          <a:lstStyle/>
+          <a:p>
+            <a:fld id="{EF56746B-70A0-EC44-97DF-9E8D253B1298}" type="slidenum">
+              <a:rPr lang="en-US" smtClean="0"/>
+              <a:t>23</a:t>
+            </a:fld>
+            <a:endParaRPr lang="en-US"/>
+          </a:p>
+        </p:txBody>
+      </p:sp>
+    </p:spTree>
+    <p:extLst>
+      <p:ext uri="{BB962C8B-B14F-4D97-AF65-F5344CB8AC3E}">
+        <p14:creationId xmlns:p14="http://schemas.microsoft.com/office/powerpoint/2010/main" val="3356811677"/>
+      </p:ext>
+    </p:extLst>
+  </p:cSld>
+  <p:clrMapOvr>
+    <a:masterClrMapping/>
+  </p:clrMapOvr>
+</p:notes>
+</file>
+
+<file path=ppt/notesSlides/notesSlide22.xml><?xml version="1.0" encoding="utf-8"?>
+<p:notes xmlns:a="http://schemas.openxmlformats.org/drawingml/2006/main" xmlns:r="http://schemas.openxmlformats.org/officeDocument/2006/relationships" xmlns:p="http://schemas.openxmlformats.org/presentationml/2006/main">
+  <p:cSld>
+    <p:spTree>
+      <p:nvGrpSpPr>
+        <p:cNvPr id="1" name=""/>
+        <p:cNvGrpSpPr/>
+        <p:nvPr/>
+      </p:nvGrpSpPr>
+      <p:grpSpPr>
+        <a:xfrm>
+          <a:off x="0" y="0"/>
+          <a:ext cx="0" cy="0"/>
+          <a:chOff x="0" y="0"/>
+          <a:chExt cx="0" cy="0"/>
+        </a:xfrm>
+      </p:grpSpPr>
+      <p:sp>
+        <p:nvSpPr>
+          <p:cNvPr id="2" name="Slide Image Placeholder 1"/>
+          <p:cNvSpPr>
+            <a:spLocks noGrp="1" noRot="1" noChangeAspect="1"/>
+          </p:cNvSpPr>
+          <p:nvPr>
+            <p:ph type="sldImg"/>
+          </p:nvPr>
+        </p:nvSpPr>
+        <p:spPr/>
+      </p:sp>
+      <p:sp>
+        <p:nvSpPr>
+          <p:cNvPr id="3" name="Notes Placeholder 2"/>
+          <p:cNvSpPr>
+            <a:spLocks noGrp="1"/>
+          </p:cNvSpPr>
+          <p:nvPr>
+            <p:ph type="body" idx="1"/>
+          </p:nvPr>
+        </p:nvSpPr>
+        <p:spPr/>
+        <p:txBody>
+          <a:bodyPr/>
+          <a:lstStyle/>
+          <a:p>
+            <a:endParaRPr lang="en-US" dirty="0"/>
+          </a:p>
+        </p:txBody>
+      </p:sp>
+      <p:sp>
+        <p:nvSpPr>
+          <p:cNvPr id="4" name="Slide Number Placeholder 3"/>
+          <p:cNvSpPr>
+            <a:spLocks noGrp="1"/>
+          </p:cNvSpPr>
+          <p:nvPr>
+            <p:ph type="sldNum" sz="quarter" idx="10"/>
+          </p:nvPr>
+        </p:nvSpPr>
+        <p:spPr/>
+        <p:txBody>
+          <a:bodyPr/>
+          <a:lstStyle/>
+          <a:p>
+            <a:fld id="{EF56746B-70A0-EC44-97DF-9E8D253B1298}" type="slidenum">
+              <a:rPr lang="en-US" smtClean="0"/>
+              <a:t>24</a:t>
+            </a:fld>
+            <a:endParaRPr lang="en-US"/>
+          </a:p>
+        </p:txBody>
+      </p:sp>
+    </p:spTree>
+    <p:extLst>
+      <p:ext uri="{BB962C8B-B14F-4D97-AF65-F5344CB8AC3E}">
+        <p14:creationId xmlns:p14="http://schemas.microsoft.com/office/powerpoint/2010/main" val="3356811677"/>
+      </p:ext>
+    </p:extLst>
+  </p:cSld>
+  <p:clrMapOvr>
+    <a:masterClrMapping/>
+  </p:clrMapOvr>
+</p:notes>
+</file>
+
+<file path=ppt/notesSlides/notesSlide23.xml><?xml version="1.0" encoding="utf-8"?>
+<p:notes xmlns:a="http://schemas.openxmlformats.org/drawingml/2006/main" xmlns:r="http://schemas.openxmlformats.org/officeDocument/2006/relationships" xmlns:p="http://schemas.openxmlformats.org/presentationml/2006/main">
+  <p:cSld>
+    <p:spTree>
+      <p:nvGrpSpPr>
+        <p:cNvPr id="1" name=""/>
+        <p:cNvGrpSpPr/>
+        <p:nvPr/>
+      </p:nvGrpSpPr>
+      <p:grpSpPr>
+        <a:xfrm>
+          <a:off x="0" y="0"/>
+          <a:ext cx="0" cy="0"/>
+          <a:chOff x="0" y="0"/>
+          <a:chExt cx="0" cy="0"/>
+        </a:xfrm>
+      </p:grpSpPr>
+      <p:sp>
+        <p:nvSpPr>
+          <p:cNvPr id="2" name="Slide Image Placeholder 1"/>
+          <p:cNvSpPr>
+            <a:spLocks noGrp="1" noRot="1" noChangeAspect="1"/>
+          </p:cNvSpPr>
+          <p:nvPr>
+            <p:ph type="sldImg"/>
+          </p:nvPr>
+        </p:nvSpPr>
+        <p:spPr/>
+      </p:sp>
+      <p:sp>
+        <p:nvSpPr>
+          <p:cNvPr id="3" name="Notes Placeholder 2"/>
+          <p:cNvSpPr>
+            <a:spLocks noGrp="1"/>
+          </p:cNvSpPr>
+          <p:nvPr>
+            <p:ph type="body" idx="1"/>
+          </p:nvPr>
+        </p:nvSpPr>
+        <p:spPr/>
+        <p:txBody>
+          <a:bodyPr/>
+          <a:lstStyle/>
+          <a:p>
+            <a:r>
+              <a:rPr lang="en-US" dirty="0" smtClean="0"/>
+              <a:t>CIMI</a:t>
+            </a:r>
+            <a:r>
+              <a:rPr lang="en-US" baseline="0" dirty="0" smtClean="0"/>
+              <a:t> shared repository enables developers of Health information system to re-use existing models that are reviewed. Initial load of models comes from </a:t>
+            </a:r>
+            <a:r>
+              <a:rPr lang="en-US" baseline="0" dirty="0" err="1" smtClean="0"/>
+              <a:t>OpenEHR</a:t>
+            </a:r>
+            <a:r>
+              <a:rPr lang="en-US" baseline="0" dirty="0" smtClean="0"/>
+              <a:t> archetypes and from IHC CEMs, about which we talk about shortly.</a:t>
+            </a:r>
+          </a:p>
+          <a:p>
+            <a:r>
+              <a:rPr lang="en-US" baseline="0" dirty="0" smtClean="0"/>
+              <a:t>So to get started with the models, a smaller but very generic reference model has been created – CIMI RM. Archetypes are based on CIMI RM and bound to standard terminology and ontologies. Models can be downloaded as-is for the use in EHRs.</a:t>
+            </a:r>
+          </a:p>
+          <a:p>
+            <a:r>
+              <a:rPr lang="en-US" baseline="0" dirty="0" smtClean="0"/>
+              <a:t>Translators will be added to import and export models in canonical model formats.</a:t>
+            </a:r>
+            <a:endParaRPr lang="en-US" dirty="0"/>
+          </a:p>
+        </p:txBody>
+      </p:sp>
+      <p:sp>
+        <p:nvSpPr>
+          <p:cNvPr id="4" name="Slide Number Placeholder 3"/>
+          <p:cNvSpPr>
+            <a:spLocks noGrp="1"/>
+          </p:cNvSpPr>
+          <p:nvPr>
+            <p:ph type="sldNum" sz="quarter" idx="10"/>
+          </p:nvPr>
+        </p:nvSpPr>
+        <p:spPr/>
+        <p:txBody>
+          <a:bodyPr/>
+          <a:lstStyle/>
+          <a:p>
+            <a:fld id="{EF56746B-70A0-EC44-97DF-9E8D253B1298}" type="slidenum">
+              <a:rPr lang="en-US" smtClean="0"/>
+              <a:t>25</a:t>
+            </a:fld>
+            <a:endParaRPr lang="en-US"/>
+          </a:p>
+        </p:txBody>
+      </p:sp>
+    </p:spTree>
+    <p:extLst>
+      <p:ext uri="{BB962C8B-B14F-4D97-AF65-F5344CB8AC3E}">
+        <p14:creationId xmlns:p14="http://schemas.microsoft.com/office/powerpoint/2010/main" val="3356811677"/>
+      </p:ext>
+    </p:extLst>
+  </p:cSld>
+  <p:clrMapOvr>
+    <a:masterClrMapping/>
+  </p:clrMapOvr>
+</p:notes>
+</file>
+
+<file path=ppt/notesSlides/notesSlide24.xml><?xml version="1.0" encoding="utf-8"?>
+<p:notes xmlns:a="http://schemas.openxmlformats.org/drawingml/2006/main" xmlns:r="http://schemas.openxmlformats.org/officeDocument/2006/relationships" xmlns:p="http://schemas.openxmlformats.org/presentationml/2006/main">
+  <p:cSld>
+    <p:spTree>
+      <p:nvGrpSpPr>
+        <p:cNvPr id="1" name=""/>
+        <p:cNvGrpSpPr/>
+        <p:nvPr/>
+      </p:nvGrpSpPr>
+      <p:grpSpPr>
+        <a:xfrm>
+          <a:off x="0" y="0"/>
+          <a:ext cx="0" cy="0"/>
+          <a:chOff x="0" y="0"/>
+          <a:chExt cx="0" cy="0"/>
+        </a:xfrm>
+      </p:grpSpPr>
+      <p:sp>
+        <p:nvSpPr>
+          <p:cNvPr id="2" name="Slide Image Placeholder 1"/>
+          <p:cNvSpPr>
+            <a:spLocks noGrp="1" noRot="1" noChangeAspect="1"/>
+          </p:cNvSpPr>
+          <p:nvPr>
+            <p:ph type="sldImg"/>
+          </p:nvPr>
+        </p:nvSpPr>
+        <p:spPr/>
+      </p:sp>
+      <p:sp>
+        <p:nvSpPr>
+          <p:cNvPr id="3" name="Notes Placeholder 2"/>
+          <p:cNvSpPr>
+            <a:spLocks noGrp="1"/>
+          </p:cNvSpPr>
+          <p:nvPr>
+            <p:ph type="body" idx="1"/>
+          </p:nvPr>
+        </p:nvSpPr>
+        <p:spPr/>
+        <p:txBody>
+          <a:bodyPr/>
+          <a:lstStyle/>
+          <a:p>
+            <a:endParaRPr lang="en-US" dirty="0"/>
+          </a:p>
+        </p:txBody>
+      </p:sp>
+      <p:sp>
+        <p:nvSpPr>
+          <p:cNvPr id="4" name="Slide Number Placeholder 3"/>
+          <p:cNvSpPr>
+            <a:spLocks noGrp="1"/>
+          </p:cNvSpPr>
+          <p:nvPr>
+            <p:ph type="sldNum" sz="quarter" idx="10"/>
+          </p:nvPr>
+        </p:nvSpPr>
+        <p:spPr/>
+        <p:txBody>
+          <a:bodyPr/>
+          <a:lstStyle/>
+          <a:p>
+            <a:fld id="{EF56746B-70A0-EC44-97DF-9E8D253B1298}" type="slidenum">
+              <a:rPr lang="en-US" smtClean="0"/>
+              <a:t>26</a:t>
+            </a:fld>
+            <a:endParaRPr lang="en-US"/>
+          </a:p>
+        </p:txBody>
+      </p:sp>
+    </p:spTree>
+    <p:extLst>
+      <p:ext uri="{BB962C8B-B14F-4D97-AF65-F5344CB8AC3E}">
+        <p14:creationId xmlns:p14="http://schemas.microsoft.com/office/powerpoint/2010/main" val="3356811677"/>
+      </p:ext>
+    </p:extLst>
+  </p:cSld>
+  <p:clrMapOvr>
+    <a:masterClrMapping/>
+  </p:clrMapOvr>
+</p:notes>
+</file>
+
+<file path=ppt/notesSlides/notesSlide25.xml><?xml version="1.0" encoding="utf-8"?>
+<p:notes xmlns:a="http://schemas.openxmlformats.org/drawingml/2006/main" xmlns:r="http://schemas.openxmlformats.org/officeDocument/2006/relationships" xmlns:p="http://schemas.openxmlformats.org/presentationml/2006/main">
+  <p:cSld>
+    <p:spTree>
+      <p:nvGrpSpPr>
+        <p:cNvPr id="1" name=""/>
+        <p:cNvGrpSpPr/>
+        <p:nvPr/>
+      </p:nvGrpSpPr>
+      <p:grpSpPr>
+        <a:xfrm>
+          <a:off x="0" y="0"/>
+          <a:ext cx="0" cy="0"/>
+          <a:chOff x="0" y="0"/>
+          <a:chExt cx="0" cy="0"/>
+        </a:xfrm>
+      </p:grpSpPr>
+      <p:sp>
+        <p:nvSpPr>
+          <p:cNvPr id="2" name="Slide Image Placeholder 1"/>
+          <p:cNvSpPr>
+            <a:spLocks noGrp="1" noRot="1" noChangeAspect="1"/>
+          </p:cNvSpPr>
+          <p:nvPr>
+            <p:ph type="sldImg"/>
+          </p:nvPr>
+        </p:nvSpPr>
+        <p:spPr/>
+      </p:sp>
+      <p:sp>
+        <p:nvSpPr>
+          <p:cNvPr id="3" name="Notes Placeholder 2"/>
+          <p:cNvSpPr>
+            <a:spLocks noGrp="1"/>
+          </p:cNvSpPr>
+          <p:nvPr>
+            <p:ph type="body" idx="1"/>
+          </p:nvPr>
+        </p:nvSpPr>
+        <p:spPr/>
+        <p:txBody>
+          <a:bodyPr/>
+          <a:lstStyle/>
+          <a:p>
+            <a:endParaRPr lang="en-US" dirty="0"/>
+          </a:p>
+        </p:txBody>
+      </p:sp>
+      <p:sp>
+        <p:nvSpPr>
+          <p:cNvPr id="4" name="Slide Number Placeholder 3"/>
+          <p:cNvSpPr>
+            <a:spLocks noGrp="1"/>
+          </p:cNvSpPr>
+          <p:nvPr>
+            <p:ph type="sldNum" sz="quarter" idx="10"/>
+          </p:nvPr>
+        </p:nvSpPr>
+        <p:spPr/>
+        <p:txBody>
+          <a:bodyPr/>
+          <a:lstStyle/>
+          <a:p>
+            <a:fld id="{EF56746B-70A0-EC44-97DF-9E8D253B1298}" type="slidenum">
+              <a:rPr lang="en-US" smtClean="0"/>
+              <a:t>27</a:t>
+            </a:fld>
+            <a:endParaRPr lang="en-US"/>
+          </a:p>
+        </p:txBody>
+      </p:sp>
+    </p:spTree>
+    <p:extLst>
+      <p:ext uri="{BB962C8B-B14F-4D97-AF65-F5344CB8AC3E}">
+        <p14:creationId xmlns:p14="http://schemas.microsoft.com/office/powerpoint/2010/main" val="3356811677"/>
+      </p:ext>
+    </p:extLst>
+  </p:cSld>
+  <p:clrMapOvr>
+    <a:masterClrMapping/>
+  </p:clrMapOvr>
+</p:notes>
+</file>
+
+<file path=ppt/notesSlides/notesSlide26.xml><?xml version="1.0" encoding="utf-8"?>
+<p:notes xmlns:a="http://schemas.openxmlformats.org/drawingml/2006/main" xmlns:r="http://schemas.openxmlformats.org/officeDocument/2006/relationships" xmlns:p="http://schemas.openxmlformats.org/presentationml/2006/main">
+  <p:cSld>
+    <p:spTree>
+      <p:nvGrpSpPr>
+        <p:cNvPr id="1" name=""/>
+        <p:cNvGrpSpPr/>
+        <p:nvPr/>
+      </p:nvGrpSpPr>
+      <p:grpSpPr>
+        <a:xfrm>
+          <a:off x="0" y="0"/>
+          <a:ext cx="0" cy="0"/>
+          <a:chOff x="0" y="0"/>
+          <a:chExt cx="0" cy="0"/>
+        </a:xfrm>
+      </p:grpSpPr>
+      <p:sp>
+        <p:nvSpPr>
+          <p:cNvPr id="2" name="Slide Image Placeholder 1"/>
+          <p:cNvSpPr>
+            <a:spLocks noGrp="1" noRot="1" noChangeAspect="1"/>
+          </p:cNvSpPr>
+          <p:nvPr>
+            <p:ph type="sldImg"/>
+          </p:nvPr>
+        </p:nvSpPr>
+        <p:spPr/>
+      </p:sp>
+      <p:sp>
+        <p:nvSpPr>
+          <p:cNvPr id="3" name="Notes Placeholder 2"/>
+          <p:cNvSpPr>
+            <a:spLocks noGrp="1"/>
+          </p:cNvSpPr>
+          <p:nvPr>
+            <p:ph type="body" idx="1"/>
+          </p:nvPr>
+        </p:nvSpPr>
+        <p:spPr/>
+        <p:txBody>
+          <a:bodyPr/>
+          <a:lstStyle/>
+          <a:p>
+            <a:endParaRPr lang="en-US" dirty="0"/>
+          </a:p>
+        </p:txBody>
+      </p:sp>
+      <p:sp>
+        <p:nvSpPr>
+          <p:cNvPr id="4" name="Slide Number Placeholder 3"/>
+          <p:cNvSpPr>
+            <a:spLocks noGrp="1"/>
+          </p:cNvSpPr>
+          <p:nvPr>
+            <p:ph type="sldNum" sz="quarter" idx="10"/>
+          </p:nvPr>
+        </p:nvSpPr>
+        <p:spPr/>
+        <p:txBody>
+          <a:bodyPr/>
+          <a:lstStyle/>
+          <a:p>
+            <a:fld id="{EF56746B-70A0-EC44-97DF-9E8D253B1298}" type="slidenum">
+              <a:rPr lang="en-US" smtClean="0"/>
+              <a:t>28</a:t>
+            </a:fld>
+            <a:endParaRPr lang="en-US"/>
+          </a:p>
+        </p:txBody>
+      </p:sp>
+    </p:spTree>
+    <p:extLst>
+      <p:ext uri="{BB962C8B-B14F-4D97-AF65-F5344CB8AC3E}">
+        <p14:creationId xmlns:p14="http://schemas.microsoft.com/office/powerpoint/2010/main" val="3356811677"/>
+      </p:ext>
+    </p:extLst>
+  </p:cSld>
+  <p:clrMapOvr>
+    <a:masterClrMapping/>
+  </p:clrMapOvr>
+</p:notes>
+</file>
+
+<file path=ppt/notesSlides/notesSlide27.xml><?xml version="1.0" encoding="utf-8"?>
+<p:notes xmlns:a="http://schemas.openxmlformats.org/drawingml/2006/main" xmlns:r="http://schemas.openxmlformats.org/officeDocument/2006/relationships" xmlns:p="http://schemas.openxmlformats.org/presentationml/2006/main">
+  <p:cSld>
+    <p:spTree>
+      <p:nvGrpSpPr>
+        <p:cNvPr id="1" name=""/>
+        <p:cNvGrpSpPr/>
+        <p:nvPr/>
+      </p:nvGrpSpPr>
+      <p:grpSpPr>
+        <a:xfrm>
+          <a:off x="0" y="0"/>
+          <a:ext cx="0" cy="0"/>
+          <a:chOff x="0" y="0"/>
+          <a:chExt cx="0" cy="0"/>
+        </a:xfrm>
+      </p:grpSpPr>
+      <p:sp>
+        <p:nvSpPr>
+          <p:cNvPr id="2" name="Slide Image Placeholder 1"/>
+          <p:cNvSpPr>
+            <a:spLocks noGrp="1" noRot="1" noChangeAspect="1"/>
+          </p:cNvSpPr>
+          <p:nvPr>
+            <p:ph type="sldImg"/>
+          </p:nvPr>
+        </p:nvSpPr>
+        <p:spPr/>
+      </p:sp>
+      <p:sp>
+        <p:nvSpPr>
+          <p:cNvPr id="3" name="Notes Placeholder 2"/>
+          <p:cNvSpPr>
+            <a:spLocks noGrp="1"/>
+          </p:cNvSpPr>
+          <p:nvPr>
+            <p:ph type="body" idx="1"/>
+          </p:nvPr>
+        </p:nvSpPr>
+        <p:spPr/>
+        <p:txBody>
+          <a:bodyPr/>
+          <a:lstStyle/>
+          <a:p>
+            <a:endParaRPr lang="en-US" dirty="0"/>
+          </a:p>
+        </p:txBody>
+      </p:sp>
+      <p:sp>
+        <p:nvSpPr>
+          <p:cNvPr id="4" name="Slide Number Placeholder 3"/>
+          <p:cNvSpPr>
+            <a:spLocks noGrp="1"/>
+          </p:cNvSpPr>
+          <p:nvPr>
+            <p:ph type="sldNum" sz="quarter" idx="10"/>
+          </p:nvPr>
+        </p:nvSpPr>
+        <p:spPr/>
+        <p:txBody>
+          <a:bodyPr/>
+          <a:lstStyle/>
+          <a:p>
+            <a:fld id="{EF56746B-70A0-EC44-97DF-9E8D253B1298}" type="slidenum">
+              <a:rPr lang="en-US" smtClean="0"/>
+              <a:t>29</a:t>
+            </a:fld>
+            <a:endParaRPr lang="en-US"/>
+          </a:p>
+        </p:txBody>
+      </p:sp>
+    </p:spTree>
+    <p:extLst>
+      <p:ext uri="{BB962C8B-B14F-4D97-AF65-F5344CB8AC3E}">
+        <p14:creationId xmlns:p14="http://schemas.microsoft.com/office/powerpoint/2010/main" val="3356811677"/>
+      </p:ext>
+    </p:extLst>
+  </p:cSld>
+  <p:clrMapOvr>
+    <a:masterClrMapping/>
+  </p:clrMapOvr>
+</p:notes>
+</file>
+
+<file path=ppt/notesSlides/notesSlide28.xml><?xml version="1.0" encoding="utf-8"?>
+<p:notes xmlns:a="http://schemas.openxmlformats.org/drawingml/2006/main" xmlns:r="http://schemas.openxmlformats.org/officeDocument/2006/relationships" xmlns:p="http://schemas.openxmlformats.org/presentationml/2006/main">
+  <p:cSld>
+    <p:spTree>
+      <p:nvGrpSpPr>
+        <p:cNvPr id="1" name=""/>
+        <p:cNvGrpSpPr/>
+        <p:nvPr/>
+      </p:nvGrpSpPr>
+      <p:grpSpPr>
+        <a:xfrm>
+          <a:off x="0" y="0"/>
+          <a:ext cx="0" cy="0"/>
+          <a:chOff x="0" y="0"/>
+          <a:chExt cx="0" cy="0"/>
+        </a:xfrm>
+      </p:grpSpPr>
+      <p:sp>
+        <p:nvSpPr>
+          <p:cNvPr id="2" name="Slide Image Placeholder 1"/>
+          <p:cNvSpPr>
+            <a:spLocks noGrp="1" noRot="1" noChangeAspect="1"/>
+          </p:cNvSpPr>
+          <p:nvPr>
+            <p:ph type="sldImg"/>
+          </p:nvPr>
+        </p:nvSpPr>
+        <p:spPr/>
+      </p:sp>
+      <p:sp>
+        <p:nvSpPr>
+          <p:cNvPr id="3" name="Notes Placeholder 2"/>
+          <p:cNvSpPr>
+            <a:spLocks noGrp="1"/>
+          </p:cNvSpPr>
+          <p:nvPr>
+            <p:ph type="body" idx="1"/>
+          </p:nvPr>
+        </p:nvSpPr>
+        <p:spPr/>
+        <p:txBody>
+          <a:bodyPr/>
+          <a:lstStyle/>
+          <a:p>
+            <a:endParaRPr lang="en-US" dirty="0"/>
+          </a:p>
+        </p:txBody>
+      </p:sp>
+      <p:sp>
+        <p:nvSpPr>
+          <p:cNvPr id="4" name="Slide Number Placeholder 3"/>
+          <p:cNvSpPr>
+            <a:spLocks noGrp="1"/>
+          </p:cNvSpPr>
+          <p:nvPr>
+            <p:ph type="sldNum" sz="quarter" idx="10"/>
+          </p:nvPr>
+        </p:nvSpPr>
+        <p:spPr/>
+        <p:txBody>
+          <a:bodyPr/>
+          <a:lstStyle/>
+          <a:p>
+            <a:fld id="{EF56746B-70A0-EC44-97DF-9E8D253B1298}" type="slidenum">
+              <a:rPr lang="en-US" smtClean="0"/>
+              <a:t>30</a:t>
+            </a:fld>
+            <a:endParaRPr lang="en-US"/>
+          </a:p>
+        </p:txBody>
+      </p:sp>
+    </p:spTree>
+    <p:extLst>
+      <p:ext uri="{BB962C8B-B14F-4D97-AF65-F5344CB8AC3E}">
+        <p14:creationId xmlns:p14="http://schemas.microsoft.com/office/powerpoint/2010/main" val="3356811677"/>
+      </p:ext>
+    </p:extLst>
+  </p:cSld>
+  <p:clrMapOvr>
+    <a:masterClrMapping/>
+  </p:clrMapOvr>
+</p:notes>
+</file>
+
+<file path=ppt/notesSlides/notesSlide29.xml><?xml version="1.0" encoding="utf-8"?>
+<p:notes xmlns:a="http://schemas.openxmlformats.org/drawingml/2006/main" xmlns:r="http://schemas.openxmlformats.org/officeDocument/2006/relationships" xmlns:p="http://schemas.openxmlformats.org/presentationml/2006/main">
+  <p:cSld>
+    <p:spTree>
+      <p:nvGrpSpPr>
+        <p:cNvPr id="1" name=""/>
+        <p:cNvGrpSpPr/>
+        <p:nvPr/>
+      </p:nvGrpSpPr>
+      <p:grpSpPr>
+        <a:xfrm>
+          <a:off x="0" y="0"/>
+          <a:ext cx="0" cy="0"/>
+          <a:chOff x="0" y="0"/>
+          <a:chExt cx="0" cy="0"/>
+        </a:xfrm>
+      </p:grpSpPr>
+      <p:sp>
+        <p:nvSpPr>
+          <p:cNvPr id="2" name="Slide Image Placeholder 1"/>
+          <p:cNvSpPr>
+            <a:spLocks noGrp="1" noRot="1" noChangeAspect="1"/>
+          </p:cNvSpPr>
+          <p:nvPr>
+            <p:ph type="sldImg"/>
+          </p:nvPr>
+        </p:nvSpPr>
+        <p:spPr/>
+      </p:sp>
+      <p:sp>
+        <p:nvSpPr>
+          <p:cNvPr id="3" name="Notes Placeholder 2"/>
+          <p:cNvSpPr>
+            <a:spLocks noGrp="1"/>
+          </p:cNvSpPr>
+          <p:nvPr>
+            <p:ph type="body" idx="1"/>
+          </p:nvPr>
+        </p:nvSpPr>
+        <p:spPr/>
+        <p:txBody>
+          <a:bodyPr/>
+          <a:lstStyle/>
+          <a:p>
+            <a:endParaRPr lang="en-US" dirty="0"/>
+          </a:p>
+        </p:txBody>
+      </p:sp>
+      <p:sp>
+        <p:nvSpPr>
+          <p:cNvPr id="4" name="Slide Number Placeholder 3"/>
+          <p:cNvSpPr>
+            <a:spLocks noGrp="1"/>
+          </p:cNvSpPr>
+          <p:nvPr>
+            <p:ph type="sldNum" sz="quarter" idx="10"/>
+          </p:nvPr>
+        </p:nvSpPr>
+        <p:spPr/>
+        <p:txBody>
+          <a:bodyPr/>
+          <a:lstStyle/>
+          <a:p>
+            <a:fld id="{EF56746B-70A0-EC44-97DF-9E8D253B1298}" type="slidenum">
+              <a:rPr lang="en-US" smtClean="0"/>
+              <a:t>31</a:t>
+            </a:fld>
+            <a:endParaRPr lang="en-US"/>
+          </a:p>
+        </p:txBody>
+      </p:sp>
+    </p:spTree>
+    <p:extLst>
+      <p:ext uri="{BB962C8B-B14F-4D97-AF65-F5344CB8AC3E}">
+        <p14:creationId xmlns:p14="http://schemas.microsoft.com/office/powerpoint/2010/main" val="3356811677"/>
+      </p:ext>
+    </p:extLst>
+  </p:cSld>
+  <p:clrMapOvr>
+    <a:masterClrMapping/>
+  </p:clrMapOvr>
+</p:notes>
+</file>
+
 <file path=ppt/notesSlides/notesSlide3.xml><?xml version="1.0" encoding="utf-8"?>
 <p:notes xmlns:a="http://schemas.openxmlformats.org/drawingml/2006/main" xmlns:r="http://schemas.openxmlformats.org/officeDocument/2006/relationships" xmlns:p="http://schemas.openxmlformats.org/presentationml/2006/main">
   <p:cSld>
@@ -1278,6 +2770,434 @@
     <p:extLst>
       <p:ext uri="{BB962C8B-B14F-4D97-AF65-F5344CB8AC3E}">
         <p14:creationId xmlns:p14="http://schemas.microsoft.com/office/powerpoint/2010/main" val="2430588637"/>
+      </p:ext>
+    </p:extLst>
+  </p:cSld>
+  <p:clrMapOvr>
+    <a:masterClrMapping/>
+  </p:clrMapOvr>
+</p:notes>
+</file>
+
+<file path=ppt/notesSlides/notesSlide30.xml><?xml version="1.0" encoding="utf-8"?>
+<p:notes xmlns:a="http://schemas.openxmlformats.org/drawingml/2006/main" xmlns:r="http://schemas.openxmlformats.org/officeDocument/2006/relationships" xmlns:p="http://schemas.openxmlformats.org/presentationml/2006/main">
+  <p:cSld>
+    <p:spTree>
+      <p:nvGrpSpPr>
+        <p:cNvPr id="1" name=""/>
+        <p:cNvGrpSpPr/>
+        <p:nvPr/>
+      </p:nvGrpSpPr>
+      <p:grpSpPr>
+        <a:xfrm>
+          <a:off x="0" y="0"/>
+          <a:ext cx="0" cy="0"/>
+          <a:chOff x="0" y="0"/>
+          <a:chExt cx="0" cy="0"/>
+        </a:xfrm>
+      </p:grpSpPr>
+      <p:sp>
+        <p:nvSpPr>
+          <p:cNvPr id="2" name="Slide Image Placeholder 1"/>
+          <p:cNvSpPr>
+            <a:spLocks noGrp="1" noRot="1" noChangeAspect="1"/>
+          </p:cNvSpPr>
+          <p:nvPr>
+            <p:ph type="sldImg"/>
+          </p:nvPr>
+        </p:nvSpPr>
+        <p:spPr/>
+      </p:sp>
+      <p:sp>
+        <p:nvSpPr>
+          <p:cNvPr id="3" name="Notes Placeholder 2"/>
+          <p:cNvSpPr>
+            <a:spLocks noGrp="1"/>
+          </p:cNvSpPr>
+          <p:nvPr>
+            <p:ph type="body" idx="1"/>
+          </p:nvPr>
+        </p:nvSpPr>
+        <p:spPr/>
+        <p:txBody>
+          <a:bodyPr/>
+          <a:lstStyle/>
+          <a:p>
+            <a:r>
+              <a:rPr lang="en-US" dirty="0" smtClean="0"/>
+              <a:t>Clinical Knowledge Manager</a:t>
+            </a:r>
+            <a:r>
+              <a:rPr lang="en-US" baseline="0" dirty="0" smtClean="0"/>
+              <a:t> is an online collaboration portal for ADL archetypes.</a:t>
+            </a:r>
+            <a:endParaRPr lang="en-US" dirty="0"/>
+          </a:p>
+        </p:txBody>
+      </p:sp>
+      <p:sp>
+        <p:nvSpPr>
+          <p:cNvPr id="4" name="Slide Number Placeholder 3"/>
+          <p:cNvSpPr>
+            <a:spLocks noGrp="1"/>
+          </p:cNvSpPr>
+          <p:nvPr>
+            <p:ph type="sldNum" sz="quarter" idx="10"/>
+          </p:nvPr>
+        </p:nvSpPr>
+        <p:spPr/>
+        <p:txBody>
+          <a:bodyPr/>
+          <a:lstStyle/>
+          <a:p>
+            <a:fld id="{EF56746B-70A0-EC44-97DF-9E8D253B1298}" type="slidenum">
+              <a:rPr lang="en-US" smtClean="0"/>
+              <a:t>32</a:t>
+            </a:fld>
+            <a:endParaRPr lang="en-US"/>
+          </a:p>
+        </p:txBody>
+      </p:sp>
+    </p:spTree>
+    <p:extLst>
+      <p:ext uri="{BB962C8B-B14F-4D97-AF65-F5344CB8AC3E}">
+        <p14:creationId xmlns:p14="http://schemas.microsoft.com/office/powerpoint/2010/main" val="3356811677"/>
+      </p:ext>
+    </p:extLst>
+  </p:cSld>
+  <p:clrMapOvr>
+    <a:masterClrMapping/>
+  </p:clrMapOvr>
+</p:notes>
+</file>
+
+<file path=ppt/notesSlides/notesSlide31.xml><?xml version="1.0" encoding="utf-8"?>
+<p:notes xmlns:a="http://schemas.openxmlformats.org/drawingml/2006/main" xmlns:r="http://schemas.openxmlformats.org/officeDocument/2006/relationships" xmlns:p="http://schemas.openxmlformats.org/presentationml/2006/main">
+  <p:cSld>
+    <p:spTree>
+      <p:nvGrpSpPr>
+        <p:cNvPr id="1" name=""/>
+        <p:cNvGrpSpPr/>
+        <p:nvPr/>
+      </p:nvGrpSpPr>
+      <p:grpSpPr>
+        <a:xfrm>
+          <a:off x="0" y="0"/>
+          <a:ext cx="0" cy="0"/>
+          <a:chOff x="0" y="0"/>
+          <a:chExt cx="0" cy="0"/>
+        </a:xfrm>
+      </p:grpSpPr>
+      <p:sp>
+        <p:nvSpPr>
+          <p:cNvPr id="2" name="Slide Image Placeholder 1"/>
+          <p:cNvSpPr>
+            <a:spLocks noGrp="1" noRot="1" noChangeAspect="1"/>
+          </p:cNvSpPr>
+          <p:nvPr>
+            <p:ph type="sldImg"/>
+          </p:nvPr>
+        </p:nvSpPr>
+        <p:spPr/>
+      </p:sp>
+      <p:sp>
+        <p:nvSpPr>
+          <p:cNvPr id="3" name="Notes Placeholder 2"/>
+          <p:cNvSpPr>
+            <a:spLocks noGrp="1"/>
+          </p:cNvSpPr>
+          <p:nvPr>
+            <p:ph type="body" idx="1"/>
+          </p:nvPr>
+        </p:nvSpPr>
+        <p:spPr/>
+        <p:txBody>
+          <a:bodyPr/>
+          <a:lstStyle/>
+          <a:p>
+            <a:endParaRPr lang="en-US" dirty="0"/>
+          </a:p>
+        </p:txBody>
+      </p:sp>
+      <p:sp>
+        <p:nvSpPr>
+          <p:cNvPr id="4" name="Slide Number Placeholder 3"/>
+          <p:cNvSpPr>
+            <a:spLocks noGrp="1"/>
+          </p:cNvSpPr>
+          <p:nvPr>
+            <p:ph type="sldNum" sz="quarter" idx="10"/>
+          </p:nvPr>
+        </p:nvSpPr>
+        <p:spPr/>
+        <p:txBody>
+          <a:bodyPr/>
+          <a:lstStyle/>
+          <a:p>
+            <a:fld id="{EF56746B-70A0-EC44-97DF-9E8D253B1298}" type="slidenum">
+              <a:rPr lang="en-US" smtClean="0"/>
+              <a:t>33</a:t>
+            </a:fld>
+            <a:endParaRPr lang="en-US"/>
+          </a:p>
+        </p:txBody>
+      </p:sp>
+    </p:spTree>
+    <p:extLst>
+      <p:ext uri="{BB962C8B-B14F-4D97-AF65-F5344CB8AC3E}">
+        <p14:creationId xmlns:p14="http://schemas.microsoft.com/office/powerpoint/2010/main" val="3356811677"/>
+      </p:ext>
+    </p:extLst>
+  </p:cSld>
+  <p:clrMapOvr>
+    <a:masterClrMapping/>
+  </p:clrMapOvr>
+</p:notes>
+</file>
+
+<file path=ppt/notesSlides/notesSlide32.xml><?xml version="1.0" encoding="utf-8"?>
+<p:notes xmlns:a="http://schemas.openxmlformats.org/drawingml/2006/main" xmlns:r="http://schemas.openxmlformats.org/officeDocument/2006/relationships" xmlns:p="http://schemas.openxmlformats.org/presentationml/2006/main">
+  <p:cSld>
+    <p:spTree>
+      <p:nvGrpSpPr>
+        <p:cNvPr id="1" name=""/>
+        <p:cNvGrpSpPr/>
+        <p:nvPr/>
+      </p:nvGrpSpPr>
+      <p:grpSpPr>
+        <a:xfrm>
+          <a:off x="0" y="0"/>
+          <a:ext cx="0" cy="0"/>
+          <a:chOff x="0" y="0"/>
+          <a:chExt cx="0" cy="0"/>
+        </a:xfrm>
+      </p:grpSpPr>
+      <p:sp>
+        <p:nvSpPr>
+          <p:cNvPr id="2" name="Slide Image Placeholder 1"/>
+          <p:cNvSpPr>
+            <a:spLocks noGrp="1" noRot="1" noChangeAspect="1"/>
+          </p:cNvSpPr>
+          <p:nvPr>
+            <p:ph type="sldImg"/>
+          </p:nvPr>
+        </p:nvSpPr>
+        <p:spPr/>
+      </p:sp>
+      <p:sp>
+        <p:nvSpPr>
+          <p:cNvPr id="3" name="Notes Placeholder 2"/>
+          <p:cNvSpPr>
+            <a:spLocks noGrp="1"/>
+          </p:cNvSpPr>
+          <p:nvPr>
+            <p:ph type="body" idx="1"/>
+          </p:nvPr>
+        </p:nvSpPr>
+        <p:spPr/>
+        <p:txBody>
+          <a:bodyPr/>
+          <a:lstStyle/>
+          <a:p>
+            <a:endParaRPr lang="en-US" dirty="0"/>
+          </a:p>
+        </p:txBody>
+      </p:sp>
+      <p:sp>
+        <p:nvSpPr>
+          <p:cNvPr id="4" name="Slide Number Placeholder 3"/>
+          <p:cNvSpPr>
+            <a:spLocks noGrp="1"/>
+          </p:cNvSpPr>
+          <p:nvPr>
+            <p:ph type="sldNum" sz="quarter" idx="10"/>
+          </p:nvPr>
+        </p:nvSpPr>
+        <p:spPr/>
+        <p:txBody>
+          <a:bodyPr/>
+          <a:lstStyle/>
+          <a:p>
+            <a:fld id="{EF56746B-70A0-EC44-97DF-9E8D253B1298}" type="slidenum">
+              <a:rPr lang="en-US" smtClean="0"/>
+              <a:t>34</a:t>
+            </a:fld>
+            <a:endParaRPr lang="en-US"/>
+          </a:p>
+        </p:txBody>
+      </p:sp>
+    </p:spTree>
+    <p:extLst>
+      <p:ext uri="{BB962C8B-B14F-4D97-AF65-F5344CB8AC3E}">
+        <p14:creationId xmlns:p14="http://schemas.microsoft.com/office/powerpoint/2010/main" val="3356811677"/>
+      </p:ext>
+    </p:extLst>
+  </p:cSld>
+  <p:clrMapOvr>
+    <a:masterClrMapping/>
+  </p:clrMapOvr>
+</p:notes>
+</file>
+
+<file path=ppt/notesSlides/notesSlide33.xml><?xml version="1.0" encoding="utf-8"?>
+<p:notes xmlns:a="http://schemas.openxmlformats.org/drawingml/2006/main" xmlns:r="http://schemas.openxmlformats.org/officeDocument/2006/relationships" xmlns:p="http://schemas.openxmlformats.org/presentationml/2006/main">
+  <p:cSld>
+    <p:spTree>
+      <p:nvGrpSpPr>
+        <p:cNvPr id="1" name=""/>
+        <p:cNvGrpSpPr/>
+        <p:nvPr/>
+      </p:nvGrpSpPr>
+      <p:grpSpPr>
+        <a:xfrm>
+          <a:off x="0" y="0"/>
+          <a:ext cx="0" cy="0"/>
+          <a:chOff x="0" y="0"/>
+          <a:chExt cx="0" cy="0"/>
+        </a:xfrm>
+      </p:grpSpPr>
+      <p:sp>
+        <p:nvSpPr>
+          <p:cNvPr id="2" name="Slide Image Placeholder 1"/>
+          <p:cNvSpPr>
+            <a:spLocks noGrp="1" noRot="1" noChangeAspect="1"/>
+          </p:cNvSpPr>
+          <p:nvPr>
+            <p:ph type="sldImg"/>
+          </p:nvPr>
+        </p:nvSpPr>
+        <p:spPr/>
+      </p:sp>
+      <p:sp>
+        <p:nvSpPr>
+          <p:cNvPr id="3" name="Notes Placeholder 2"/>
+          <p:cNvSpPr>
+            <a:spLocks noGrp="1"/>
+          </p:cNvSpPr>
+          <p:nvPr>
+            <p:ph type="body" idx="1"/>
+          </p:nvPr>
+        </p:nvSpPr>
+        <p:spPr/>
+        <p:txBody>
+          <a:bodyPr/>
+          <a:lstStyle/>
+          <a:p>
+            <a:endParaRPr lang="en-US" dirty="0"/>
+          </a:p>
+        </p:txBody>
+      </p:sp>
+      <p:sp>
+        <p:nvSpPr>
+          <p:cNvPr id="4" name="Slide Number Placeholder 3"/>
+          <p:cNvSpPr>
+            <a:spLocks noGrp="1"/>
+          </p:cNvSpPr>
+          <p:nvPr>
+            <p:ph type="sldNum" sz="quarter" idx="10"/>
+          </p:nvPr>
+        </p:nvSpPr>
+        <p:spPr/>
+        <p:txBody>
+          <a:bodyPr/>
+          <a:lstStyle/>
+          <a:p>
+            <a:fld id="{EF56746B-70A0-EC44-97DF-9E8D253B1298}" type="slidenum">
+              <a:rPr lang="en-US" smtClean="0"/>
+              <a:t>35</a:t>
+            </a:fld>
+            <a:endParaRPr lang="en-US"/>
+          </a:p>
+        </p:txBody>
+      </p:sp>
+    </p:spTree>
+    <p:extLst>
+      <p:ext uri="{BB962C8B-B14F-4D97-AF65-F5344CB8AC3E}">
+        <p14:creationId xmlns:p14="http://schemas.microsoft.com/office/powerpoint/2010/main" val="3356811677"/>
+      </p:ext>
+    </p:extLst>
+  </p:cSld>
+  <p:clrMapOvr>
+    <a:masterClrMapping/>
+  </p:clrMapOvr>
+</p:notes>
+</file>
+
+<file path=ppt/notesSlides/notesSlide34.xml><?xml version="1.0" encoding="utf-8"?>
+<p:notes xmlns:a="http://schemas.openxmlformats.org/drawingml/2006/main" xmlns:r="http://schemas.openxmlformats.org/officeDocument/2006/relationships" xmlns:p="http://schemas.openxmlformats.org/presentationml/2006/main">
+  <p:cSld>
+    <p:spTree>
+      <p:nvGrpSpPr>
+        <p:cNvPr id="1" name=""/>
+        <p:cNvGrpSpPr/>
+        <p:nvPr/>
+      </p:nvGrpSpPr>
+      <p:grpSpPr>
+        <a:xfrm>
+          <a:off x="0" y="0"/>
+          <a:ext cx="0" cy="0"/>
+          <a:chOff x="0" y="0"/>
+          <a:chExt cx="0" cy="0"/>
+        </a:xfrm>
+      </p:grpSpPr>
+      <p:sp>
+        <p:nvSpPr>
+          <p:cNvPr id="2" name="Slide Image Placeholder 1"/>
+          <p:cNvSpPr>
+            <a:spLocks noGrp="1" noRot="1" noChangeAspect="1"/>
+          </p:cNvSpPr>
+          <p:nvPr>
+            <p:ph type="sldImg"/>
+          </p:nvPr>
+        </p:nvSpPr>
+        <p:spPr/>
+      </p:sp>
+      <p:sp>
+        <p:nvSpPr>
+          <p:cNvPr id="3" name="Notes Placeholder 2"/>
+          <p:cNvSpPr>
+            <a:spLocks noGrp="1"/>
+          </p:cNvSpPr>
+          <p:nvPr>
+            <p:ph type="body" idx="1"/>
+          </p:nvPr>
+        </p:nvSpPr>
+        <p:spPr/>
+        <p:txBody>
+          <a:bodyPr/>
+          <a:lstStyle/>
+          <a:p>
+            <a:endParaRPr lang="en-US" dirty="0"/>
+          </a:p>
+        </p:txBody>
+      </p:sp>
+      <p:sp>
+        <p:nvSpPr>
+          <p:cNvPr id="4" name="Slide Number Placeholder 3"/>
+          <p:cNvSpPr>
+            <a:spLocks noGrp="1"/>
+          </p:cNvSpPr>
+          <p:nvPr>
+            <p:ph type="sldNum" sz="quarter" idx="10"/>
+          </p:nvPr>
+        </p:nvSpPr>
+        <p:spPr/>
+        <p:txBody>
+          <a:bodyPr/>
+          <a:lstStyle/>
+          <a:p>
+            <a:fld id="{EF56746B-70A0-EC44-97DF-9E8D253B1298}" type="slidenum">
+              <a:rPr lang="en-US" smtClean="0"/>
+              <a:t>36</a:t>
+            </a:fld>
+            <a:endParaRPr lang="en-US"/>
+          </a:p>
+        </p:txBody>
+      </p:sp>
+    </p:spTree>
+    <p:extLst>
+      <p:ext uri="{BB962C8B-B14F-4D97-AF65-F5344CB8AC3E}">
+        <p14:creationId xmlns:p14="http://schemas.microsoft.com/office/powerpoint/2010/main" val="3356811677"/>
       </p:ext>
     </p:extLst>
   </p:cSld>
@@ -1646,8 +3566,19 @@
             </a:r>
             <a:r>
               <a:rPr lang="en-US" baseline="0" dirty="0" smtClean="0"/>
-              <a:t> any data about A1C test will not have any meaning or value.</a:t>
-            </a:r>
+              <a:t> any data about A1C test will not have any meaning or value</a:t>
+            </a:r>
+            <a:r>
+              <a:rPr lang="en-US" baseline="0" dirty="0" smtClean="0"/>
+              <a:t>.  So there is a problem. Even if there is a common model, users will extend it based on their needs and create data instances for the extensions.</a:t>
+            </a:r>
+          </a:p>
+          <a:p>
+            <a:r>
+              <a:rPr lang="en-US" baseline="0" dirty="0" smtClean="0"/>
+              <a:t>How to exchange this information</a:t>
+            </a:r>
+            <a:endParaRPr lang="en-US" baseline="0" dirty="0" smtClean="0"/>
           </a:p>
           <a:p>
             <a:endParaRPr lang="en-US" baseline="0" dirty="0" smtClean="0"/>
@@ -1734,6 +3665,44 @@
           <a:bodyPr/>
           <a:lstStyle/>
           <a:p>
+            <a:r>
+              <a:rPr lang="en-US" baseline="0" dirty="0" smtClean="0"/>
+              <a:t>Another approach is bottom-up modeling or it is viewed as constraint modeling. This slide is replicated from </a:t>
+            </a:r>
+            <a:r>
+              <a:rPr lang="en-US" baseline="0" dirty="0" err="1" smtClean="0"/>
+              <a:t>Haold</a:t>
+            </a:r>
+            <a:r>
+              <a:rPr lang="en-US" baseline="0" dirty="0" smtClean="0"/>
+              <a:t> </a:t>
+            </a:r>
+            <a:r>
+              <a:rPr lang="en-US" baseline="0" dirty="0" err="1" smtClean="0"/>
+              <a:t>Solbrig’s</a:t>
+            </a:r>
+            <a:r>
+              <a:rPr lang="en-US" baseline="0" dirty="0" smtClean="0"/>
+              <a:t> slide because it captures Constraint modeling approach in a very concise way.</a:t>
+            </a:r>
+          </a:p>
+          <a:p>
+            <a:r>
+              <a:rPr lang="en-US" baseline="0" dirty="0" smtClean="0"/>
+              <a:t>In Constraint modeling we start from a general model – model with the all the classes and that becomes the most abstract level of exchange. We specialize these classes by narrowing down by constraining </a:t>
+            </a:r>
+          </a:p>
+          <a:p>
+            <a:r>
+              <a:rPr lang="en-US" baseline="0" dirty="0" smtClean="0"/>
+              <a:t>Elements on cardinality of their attributes, values and value ranges that they can be assigned. Whether the class members are optional , mandatory or prohibited. Any instance of our narrowed down view will be valid</a:t>
+            </a:r>
+          </a:p>
+          <a:p>
+            <a:r>
+              <a:rPr lang="en-US" baseline="0" dirty="0" smtClean="0"/>
+              <a:t>At the recipient's end of this shared model.  Enumeration subsets, renaming</a:t>
+            </a:r>
             <a:endParaRPr lang="en-US" baseline="0" dirty="0" smtClean="0"/>
           </a:p>
         </p:txBody>
@@ -1818,6 +3787,10 @@
           <a:bodyPr/>
           <a:lstStyle/>
           <a:p>
+            <a:r>
+              <a:rPr lang="en-US" baseline="0" dirty="0" smtClean="0"/>
+              <a:t>A Quick example of an archetype which defines an abnormal A1C test by defining constraints on the reference model classes and attributes.</a:t>
+            </a:r>
             <a:endParaRPr lang="en-US" baseline="0" dirty="0" smtClean="0"/>
           </a:p>
         </p:txBody>
@@ -2039,7 +4012,7 @@
           <a:p>
             <a:fld id="{FA58FDC0-B29A-7D4F-8C88-73C633B06123}" type="datetime1">
               <a:rPr lang="en-US" smtClean="0"/>
-              <a:t>4/20/15</a:t>
+              <a:t>4/21/15</a:t>
             </a:fld>
             <a:endParaRPr lang="en-US"/>
           </a:p>
@@ -2213,7 +4186,7 @@
           <a:p>
             <a:fld id="{5A6D44EF-CCB0-BA48-B532-B0CC27438B0A}" type="datetime1">
               <a:rPr lang="en-US" smtClean="0"/>
-              <a:t>4/20/15</a:t>
+              <a:t>4/21/15</a:t>
             </a:fld>
             <a:endParaRPr lang="en-US"/>
           </a:p>
@@ -2397,7 +4370,7 @@
           <a:p>
             <a:fld id="{499CE3C2-A4AE-084D-92F8-63CF5F0E916F}" type="datetime1">
               <a:rPr lang="en-US" smtClean="0"/>
-              <a:t>4/20/15</a:t>
+              <a:t>4/21/15</a:t>
             </a:fld>
             <a:endParaRPr lang="en-US"/>
           </a:p>
@@ -2571,7 +4544,7 @@
           <a:p>
             <a:fld id="{FE8EEE3A-AFF8-B84D-9AC8-AABE5D2599F6}" type="datetime1">
               <a:rPr lang="en-US" smtClean="0"/>
-              <a:t>4/20/15</a:t>
+              <a:t>4/21/15</a:t>
             </a:fld>
             <a:endParaRPr lang="en-US"/>
           </a:p>
@@ -2821,7 +4794,7 @@
           <a:p>
             <a:fld id="{980B5657-E48B-6941-BC5E-0BC59A3C9D28}" type="datetime1">
               <a:rPr lang="en-US" smtClean="0"/>
-              <a:t>4/20/15</a:t>
+              <a:t>4/21/15</a:t>
             </a:fld>
             <a:endParaRPr lang="en-US"/>
           </a:p>
@@ -3113,7 +5086,7 @@
           <a:p>
             <a:fld id="{6AD4760C-8116-6249-86EE-7DB5590F1E96}" type="datetime1">
               <a:rPr lang="en-US" smtClean="0"/>
-              <a:t>4/20/15</a:t>
+              <a:t>4/21/15</a:t>
             </a:fld>
             <a:endParaRPr lang="en-US"/>
           </a:p>
@@ -3539,7 +5512,7 @@
           <a:p>
             <a:fld id="{D5E12907-CF4F-7542-88AD-6BCE22631D84}" type="datetime1">
               <a:rPr lang="en-US" smtClean="0"/>
-              <a:t>4/20/15</a:t>
+              <a:t>4/21/15</a:t>
             </a:fld>
             <a:endParaRPr lang="en-US"/>
           </a:p>
@@ -3661,7 +5634,7 @@
           <a:p>
             <a:fld id="{E1DEBE74-156C-6745-825D-25AC29D909A4}" type="datetime1">
               <a:rPr lang="en-US" smtClean="0"/>
-              <a:t>4/20/15</a:t>
+              <a:t>4/21/15</a:t>
             </a:fld>
             <a:endParaRPr lang="en-US"/>
           </a:p>
@@ -3760,7 +5733,7 @@
           <a:p>
             <a:fld id="{F6F0AAE2-B59D-A842-A9B1-2514484DBA31}" type="datetime1">
               <a:rPr lang="en-US" smtClean="0"/>
-              <a:t>4/20/15</a:t>
+              <a:t>4/21/15</a:t>
             </a:fld>
             <a:endParaRPr lang="en-US"/>
           </a:p>
@@ -4041,7 +6014,7 @@
           <a:p>
             <a:fld id="{104B2675-CB51-424C-9CEC-02FB29D915A0}" type="datetime1">
               <a:rPr lang="en-US" smtClean="0"/>
-              <a:t>4/20/15</a:t>
+              <a:t>4/21/15</a:t>
             </a:fld>
             <a:endParaRPr lang="en-US"/>
           </a:p>
@@ -4298,7 +6271,7 @@
           <a:p>
             <a:fld id="{4B69D1D3-E6DF-8A4E-8EA0-C203C6A1677F}" type="datetime1">
               <a:rPr lang="en-US" smtClean="0"/>
-              <a:t>4/20/15</a:t>
+              <a:t>4/21/15</a:t>
             </a:fld>
             <a:endParaRPr lang="en-US"/>
           </a:p>
@@ -4518,7 +6491,7 @@
           <a:p>
             <a:fld id="{4B6B029E-FD5B-F649-ADBC-FDC22D77868D}" type="datetime1">
               <a:rPr lang="en-US" smtClean="0"/>
-              <a:t>4/20/15</a:t>
+              <a:t>4/21/15</a:t>
             </a:fld>
             <a:endParaRPr lang="en-US"/>
           </a:p>
@@ -5084,15 +7057,7 @@
           <a:p>
             <a:r>
               <a:rPr lang="en-US" dirty="0" smtClean="0"/>
-              <a:t>Bottom-Up</a:t>
-            </a:r>
-            <a:r>
-              <a:rPr lang="en-US" dirty="0" smtClean="0"/>
-              <a:t> </a:t>
-            </a:r>
-            <a:r>
-              <a:rPr lang="en-US" dirty="0" smtClean="0"/>
-              <a:t>Modeling Approach</a:t>
+              <a:t>Bottom-Up Modeling Approach</a:t>
             </a:r>
             <a:endParaRPr lang="en-US" dirty="0"/>
           </a:p>
@@ -5323,15 +7288,7 @@
           <a:p>
             <a:r>
               <a:rPr lang="en-US" dirty="0" smtClean="0"/>
-              <a:t>Bottom-Up</a:t>
-            </a:r>
-            <a:r>
-              <a:rPr lang="en-US" dirty="0" smtClean="0"/>
-              <a:t> </a:t>
-            </a:r>
-            <a:r>
-              <a:rPr lang="en-US" dirty="0" smtClean="0"/>
-              <a:t>Modeling Approach</a:t>
+              <a:t>Bottom-Up Modeling Approach</a:t>
             </a:r>
             <a:endParaRPr lang="en-US" dirty="0"/>
           </a:p>
@@ -7044,8 +9001,16 @@
           <a:p>
             <a:pPr algn="ctr"/>
             <a:r>
+              <a:rPr lang="en-US" dirty="0"/>
+              <a:t>c</a:t>
+            </a:r>
+            <a:r>
               <a:rPr lang="en-US" dirty="0" smtClean="0"/>
-              <a:t>Codes constraints:</a:t>
+              <a:t>odes </a:t>
+            </a:r>
+            <a:r>
+              <a:rPr lang="en-US" dirty="0" smtClean="0"/>
+              <a:t>constraints:</a:t>
             </a:r>
           </a:p>
           <a:p>
@@ -7458,6 +9423,53 @@
           </a:fontRef>
         </p:style>
       </p:cxnSp>
+      <p:sp>
+        <p:nvSpPr>
+          <p:cNvPr id="9" name="Bent Arrow 8"/>
+          <p:cNvSpPr/>
+          <p:nvPr/>
+        </p:nvSpPr>
+        <p:spPr>
+          <a:xfrm flipH="1">
+            <a:off x="6481379" y="1769242"/>
+            <a:ext cx="825971" cy="929182"/>
+          </a:xfrm>
+          <a:prstGeom prst="bentArrow">
+            <a:avLst>
+              <a:gd name="adj1" fmla="val 25000"/>
+              <a:gd name="adj2" fmla="val 28107"/>
+              <a:gd name="adj3" fmla="val 25000"/>
+              <a:gd name="adj4" fmla="val 7386"/>
+            </a:avLst>
+          </a:prstGeom>
+        </p:spPr>
+        <p:style>
+          <a:lnRef idx="1">
+            <a:schemeClr val="accent1"/>
+          </a:lnRef>
+          <a:fillRef idx="3">
+            <a:schemeClr val="accent1"/>
+          </a:fillRef>
+          <a:effectRef idx="2">
+            <a:schemeClr val="accent1"/>
+          </a:effectRef>
+          <a:fontRef idx="minor">
+            <a:schemeClr val="lt1"/>
+          </a:fontRef>
+        </p:style>
+        <p:txBody>
+          <a:bodyPr rtlCol="0" anchor="ctr"/>
+          <a:lstStyle/>
+          <a:p>
+            <a:pPr algn="ctr"/>
+            <a:endParaRPr lang="en-US">
+              <a:solidFill>
+                <a:schemeClr val="tx1"/>
+              </a:solidFill>
+            </a:endParaRPr>
+          </a:p>
+        </p:txBody>
+      </p:sp>
     </p:spTree>
     <p:extLst>
       <p:ext uri="{BB962C8B-B14F-4D97-AF65-F5344CB8AC3E}">
@@ -7478,6 +9490,1025 @@
 </p:sld>
 </file>
 
+<file path=ppt/slides/slide16.xml><?xml version="1.0" encoding="utf-8"?>
+<p:sld xmlns:a="http://schemas.openxmlformats.org/drawingml/2006/main" xmlns:r="http://schemas.openxmlformats.org/officeDocument/2006/relationships" xmlns:p="http://schemas.openxmlformats.org/presentationml/2006/main">
+  <p:cSld>
+    <p:spTree>
+      <p:nvGrpSpPr>
+        <p:cNvPr id="1" name=""/>
+        <p:cNvGrpSpPr/>
+        <p:nvPr/>
+      </p:nvGrpSpPr>
+      <p:grpSpPr>
+        <a:xfrm>
+          <a:off x="0" y="0"/>
+          <a:ext cx="0" cy="0"/>
+          <a:chOff x="0" y="0"/>
+          <a:chExt cx="0" cy="0"/>
+        </a:xfrm>
+      </p:grpSpPr>
+      <p:sp>
+        <p:nvSpPr>
+          <p:cNvPr id="2" name="Title 1"/>
+          <p:cNvSpPr>
+            <a:spLocks noGrp="1"/>
+          </p:cNvSpPr>
+          <p:nvPr>
+            <p:ph type="title"/>
+          </p:nvPr>
+        </p:nvSpPr>
+        <p:spPr>
+          <a:xfrm>
+            <a:off x="457200" y="274638"/>
+            <a:ext cx="8229600" cy="914337"/>
+          </a:xfrm>
+        </p:spPr>
+        <p:txBody>
+          <a:bodyPr/>
+          <a:lstStyle/>
+          <a:p>
+            <a:r>
+              <a:rPr lang="en-US" dirty="0" smtClean="0"/>
+              <a:t>Reference Model Example</a:t>
+            </a:r>
+            <a:endParaRPr lang="en-US" dirty="0"/>
+          </a:p>
+        </p:txBody>
+      </p:sp>
+      <p:sp>
+        <p:nvSpPr>
+          <p:cNvPr id="4" name="Slide Number Placeholder 3"/>
+          <p:cNvSpPr>
+            <a:spLocks noGrp="1"/>
+          </p:cNvSpPr>
+          <p:nvPr>
+            <p:ph type="sldNum" sz="quarter" idx="12"/>
+          </p:nvPr>
+        </p:nvSpPr>
+        <p:spPr/>
+        <p:txBody>
+          <a:bodyPr/>
+          <a:lstStyle/>
+          <a:p>
+            <a:fld id="{F1C60CE6-A564-2C44-BB7B-900AEECBE3A4}" type="slidenum">
+              <a:rPr lang="en-US" smtClean="0"/>
+              <a:t>16</a:t>
+            </a:fld>
+            <a:endParaRPr lang="en-US"/>
+          </a:p>
+        </p:txBody>
+      </p:sp>
+      <p:cxnSp>
+        <p:nvCxnSpPr>
+          <p:cNvPr id="6" name="Straight Connector 5"/>
+          <p:cNvCxnSpPr/>
+          <p:nvPr/>
+        </p:nvCxnSpPr>
+        <p:spPr>
+          <a:xfrm flipV="1">
+            <a:off x="0" y="1188975"/>
+            <a:ext cx="9144000" cy="36030"/>
+          </a:xfrm>
+          <a:prstGeom prst="line">
+            <a:avLst/>
+          </a:prstGeom>
+        </p:spPr>
+        <p:style>
+          <a:lnRef idx="2">
+            <a:schemeClr val="accent1"/>
+          </a:lnRef>
+          <a:fillRef idx="0">
+            <a:schemeClr val="accent1"/>
+          </a:fillRef>
+          <a:effectRef idx="1">
+            <a:schemeClr val="accent1"/>
+          </a:effectRef>
+          <a:fontRef idx="minor">
+            <a:schemeClr val="tx1"/>
+          </a:fontRef>
+        </p:style>
+      </p:cxnSp>
+      <p:pic>
+        <p:nvPicPr>
+          <p:cNvPr id="8" name="Picture 7" descr="Screen Shot 2015-04-21 at 11.17.38 AM.png"/>
+          <p:cNvPicPr>
+            <a:picLocks noChangeAspect="1"/>
+          </p:cNvPicPr>
+          <p:nvPr/>
+        </p:nvPicPr>
+        <p:blipFill>
+          <a:blip r:embed="rId3">
+            <a:extLst>
+              <a:ext uri="{28A0092B-C50C-407E-A947-70E740481C1C}">
+                <a14:useLocalDpi xmlns:a14="http://schemas.microsoft.com/office/drawing/2010/main" val="0"/>
+              </a:ext>
+            </a:extLst>
+          </a:blip>
+          <a:stretch>
+            <a:fillRect/>
+          </a:stretch>
+        </p:blipFill>
+        <p:spPr>
+          <a:xfrm>
+            <a:off x="0" y="1533197"/>
+            <a:ext cx="9144000" cy="4593167"/>
+          </a:xfrm>
+          <a:prstGeom prst="rect">
+            <a:avLst/>
+          </a:prstGeom>
+        </p:spPr>
+      </p:pic>
+    </p:spTree>
+    <p:extLst>
+      <p:ext uri="{BB962C8B-B14F-4D97-AF65-F5344CB8AC3E}">
+        <p14:creationId xmlns:p14="http://schemas.microsoft.com/office/powerpoint/2010/main" val="2439161142"/>
+      </p:ext>
+    </p:extLst>
+  </p:cSld>
+  <p:clrMapOvr>
+    <a:masterClrMapping/>
+  </p:clrMapOvr>
+  <p:timing>
+    <p:tnLst>
+      <p:par>
+        <p:cTn xmlns:p14="http://schemas.microsoft.com/office/powerpoint/2010/main" id="1" dur="indefinite" restart="never" nodeType="tmRoot"/>
+      </p:par>
+    </p:tnLst>
+  </p:timing>
+</p:sld>
+</file>
+
+<file path=ppt/slides/slide17.xml><?xml version="1.0" encoding="utf-8"?>
+<p:sld xmlns:a="http://schemas.openxmlformats.org/drawingml/2006/main" xmlns:r="http://schemas.openxmlformats.org/officeDocument/2006/relationships" xmlns:p="http://schemas.openxmlformats.org/presentationml/2006/main">
+  <p:cSld>
+    <p:spTree>
+      <p:nvGrpSpPr>
+        <p:cNvPr id="1" name=""/>
+        <p:cNvGrpSpPr/>
+        <p:nvPr/>
+      </p:nvGrpSpPr>
+      <p:grpSpPr>
+        <a:xfrm>
+          <a:off x="0" y="0"/>
+          <a:ext cx="0" cy="0"/>
+          <a:chOff x="0" y="0"/>
+          <a:chExt cx="0" cy="0"/>
+        </a:xfrm>
+      </p:grpSpPr>
+      <p:pic>
+        <p:nvPicPr>
+          <p:cNvPr id="9" name="Picture 8" descr="Screen Shot 2015-04-21 at 12.10.00 PM.png"/>
+          <p:cNvPicPr>
+            <a:picLocks noChangeAspect="1"/>
+          </p:cNvPicPr>
+          <p:nvPr/>
+        </p:nvPicPr>
+        <p:blipFill>
+          <a:blip r:embed="rId3">
+            <a:extLst>
+              <a:ext uri="{28A0092B-C50C-407E-A947-70E740481C1C}">
+                <a14:useLocalDpi xmlns:a14="http://schemas.microsoft.com/office/drawing/2010/main" val="0"/>
+              </a:ext>
+            </a:extLst>
+          </a:blip>
+          <a:stretch>
+            <a:fillRect/>
+          </a:stretch>
+        </p:blipFill>
+        <p:spPr>
+          <a:xfrm>
+            <a:off x="190939" y="2075221"/>
+            <a:ext cx="8495862" cy="4782779"/>
+          </a:xfrm>
+          <a:prstGeom prst="rect">
+            <a:avLst/>
+          </a:prstGeom>
+        </p:spPr>
+      </p:pic>
+      <p:sp>
+        <p:nvSpPr>
+          <p:cNvPr id="2" name="Title 1"/>
+          <p:cNvSpPr>
+            <a:spLocks noGrp="1"/>
+          </p:cNvSpPr>
+          <p:nvPr>
+            <p:ph type="title"/>
+          </p:nvPr>
+        </p:nvSpPr>
+        <p:spPr>
+          <a:xfrm>
+            <a:off x="457200" y="274638"/>
+            <a:ext cx="8229600" cy="914337"/>
+          </a:xfrm>
+        </p:spPr>
+        <p:txBody>
+          <a:bodyPr/>
+          <a:lstStyle/>
+          <a:p>
+            <a:r>
+              <a:rPr lang="en-US" dirty="0" smtClean="0"/>
+              <a:t>An </a:t>
+            </a:r>
+            <a:r>
+              <a:rPr lang="en-US" dirty="0" smtClean="0"/>
+              <a:t>Archetype Example</a:t>
+            </a:r>
+            <a:endParaRPr lang="en-US" dirty="0"/>
+          </a:p>
+        </p:txBody>
+      </p:sp>
+      <p:sp>
+        <p:nvSpPr>
+          <p:cNvPr id="4" name="Slide Number Placeholder 3"/>
+          <p:cNvSpPr>
+            <a:spLocks noGrp="1"/>
+          </p:cNvSpPr>
+          <p:nvPr>
+            <p:ph type="sldNum" sz="quarter" idx="12"/>
+          </p:nvPr>
+        </p:nvSpPr>
+        <p:spPr/>
+        <p:txBody>
+          <a:bodyPr/>
+          <a:lstStyle/>
+          <a:p>
+            <a:fld id="{F1C60CE6-A564-2C44-BB7B-900AEECBE3A4}" type="slidenum">
+              <a:rPr lang="en-US" smtClean="0"/>
+              <a:t>17</a:t>
+            </a:fld>
+            <a:endParaRPr lang="en-US"/>
+          </a:p>
+        </p:txBody>
+      </p:sp>
+      <p:cxnSp>
+        <p:nvCxnSpPr>
+          <p:cNvPr id="6" name="Straight Connector 5"/>
+          <p:cNvCxnSpPr/>
+          <p:nvPr/>
+        </p:nvCxnSpPr>
+        <p:spPr>
+          <a:xfrm flipV="1">
+            <a:off x="0" y="1188975"/>
+            <a:ext cx="9144000" cy="36030"/>
+          </a:xfrm>
+          <a:prstGeom prst="line">
+            <a:avLst/>
+          </a:prstGeom>
+        </p:spPr>
+        <p:style>
+          <a:lnRef idx="2">
+            <a:schemeClr val="accent1"/>
+          </a:lnRef>
+          <a:fillRef idx="0">
+            <a:schemeClr val="accent1"/>
+          </a:fillRef>
+          <a:effectRef idx="1">
+            <a:schemeClr val="accent1"/>
+          </a:effectRef>
+          <a:fontRef idx="minor">
+            <a:schemeClr val="tx1"/>
+          </a:fontRef>
+        </p:style>
+      </p:cxnSp>
+      <p:sp>
+        <p:nvSpPr>
+          <p:cNvPr id="3" name="TextBox 2"/>
+          <p:cNvSpPr txBox="1"/>
+          <p:nvPr/>
+        </p:nvSpPr>
+        <p:spPr>
+          <a:xfrm>
+            <a:off x="324069" y="1488967"/>
+            <a:ext cx="3056759" cy="1200329"/>
+          </a:xfrm>
+          <a:prstGeom prst="rect">
+            <a:avLst/>
+          </a:prstGeom>
+          <a:noFill/>
+        </p:spPr>
+        <p:txBody>
+          <a:bodyPr wrap="square" rtlCol="0">
+            <a:spAutoFit/>
+          </a:bodyPr>
+          <a:lstStyle/>
+          <a:p>
+            <a:r>
+              <a:rPr lang="en-US" dirty="0" smtClean="0"/>
+              <a:t>Simple Example: Specimen collection from a body site.</a:t>
+            </a:r>
+          </a:p>
+          <a:p>
+            <a:endParaRPr lang="en-US" dirty="0"/>
+          </a:p>
+          <a:p>
+            <a:endParaRPr lang="en-US" dirty="0"/>
+          </a:p>
+        </p:txBody>
+      </p:sp>
+      <p:pic>
+        <p:nvPicPr>
+          <p:cNvPr id="8" name="Picture 7" descr="Screen Shot 2015-04-21 at 11.17.38 AM.png"/>
+          <p:cNvPicPr>
+            <a:picLocks noChangeAspect="1"/>
+          </p:cNvPicPr>
+          <p:nvPr/>
+        </p:nvPicPr>
+        <p:blipFill>
+          <a:blip r:embed="rId4">
+            <a:extLst>
+              <a:ext uri="{28A0092B-C50C-407E-A947-70E740481C1C}">
+                <a14:useLocalDpi xmlns:a14="http://schemas.microsoft.com/office/drawing/2010/main" val="0"/>
+              </a:ext>
+            </a:extLst>
+          </a:blip>
+          <a:stretch>
+            <a:fillRect/>
+          </a:stretch>
+        </p:blipFill>
+        <p:spPr>
+          <a:xfrm>
+            <a:off x="3735703" y="1375542"/>
+            <a:ext cx="4951098" cy="2487010"/>
+          </a:xfrm>
+          <a:prstGeom prst="rect">
+            <a:avLst/>
+          </a:prstGeom>
+          <a:ln w="38100" cmpd="sng">
+            <a:solidFill>
+              <a:schemeClr val="tx1"/>
+            </a:solidFill>
+          </a:ln>
+        </p:spPr>
+      </p:pic>
+      <p:pic>
+        <p:nvPicPr>
+          <p:cNvPr id="10" name="Picture 9"/>
+          <p:cNvPicPr>
+            <a:picLocks noChangeAspect="1"/>
+          </p:cNvPicPr>
+          <p:nvPr/>
+        </p:nvPicPr>
+        <p:blipFill>
+          <a:blip r:embed="rId5"/>
+          <a:stretch>
+            <a:fillRect/>
+          </a:stretch>
+        </p:blipFill>
+        <p:spPr>
+          <a:xfrm>
+            <a:off x="1672896" y="2461000"/>
+            <a:ext cx="271139" cy="228296"/>
+          </a:xfrm>
+          <a:prstGeom prst="rect">
+            <a:avLst/>
+          </a:prstGeom>
+        </p:spPr>
+      </p:pic>
+      <p:pic>
+        <p:nvPicPr>
+          <p:cNvPr id="11" name="Picture 10"/>
+          <p:cNvPicPr>
+            <a:picLocks noChangeAspect="1"/>
+          </p:cNvPicPr>
+          <p:nvPr/>
+        </p:nvPicPr>
+        <p:blipFill>
+          <a:blip r:embed="rId5"/>
+          <a:stretch>
+            <a:fillRect/>
+          </a:stretch>
+        </p:blipFill>
+        <p:spPr>
+          <a:xfrm>
+            <a:off x="2008470" y="4461297"/>
+            <a:ext cx="271139" cy="228296"/>
+          </a:xfrm>
+          <a:prstGeom prst="rect">
+            <a:avLst/>
+          </a:prstGeom>
+        </p:spPr>
+      </p:pic>
+      <p:pic>
+        <p:nvPicPr>
+          <p:cNvPr id="12" name="Picture 11"/>
+          <p:cNvPicPr>
+            <a:picLocks noChangeAspect="1"/>
+          </p:cNvPicPr>
+          <p:nvPr/>
+        </p:nvPicPr>
+        <p:blipFill>
+          <a:blip r:embed="rId5"/>
+          <a:stretch>
+            <a:fillRect/>
+          </a:stretch>
+        </p:blipFill>
+        <p:spPr>
+          <a:xfrm>
+            <a:off x="5500413" y="4461297"/>
+            <a:ext cx="271139" cy="228296"/>
+          </a:xfrm>
+          <a:prstGeom prst="rect">
+            <a:avLst/>
+          </a:prstGeom>
+        </p:spPr>
+      </p:pic>
+      <p:pic>
+        <p:nvPicPr>
+          <p:cNvPr id="13" name="Picture 12"/>
+          <p:cNvPicPr>
+            <a:picLocks noChangeAspect="1"/>
+          </p:cNvPicPr>
+          <p:nvPr/>
+        </p:nvPicPr>
+        <p:blipFill>
+          <a:blip r:embed="rId5"/>
+          <a:stretch>
+            <a:fillRect/>
+          </a:stretch>
+        </p:blipFill>
+        <p:spPr>
+          <a:xfrm>
+            <a:off x="5482895" y="5973034"/>
+            <a:ext cx="271139" cy="228296"/>
+          </a:xfrm>
+          <a:prstGeom prst="rect">
+            <a:avLst/>
+          </a:prstGeom>
+        </p:spPr>
+      </p:pic>
+      <p:pic>
+        <p:nvPicPr>
+          <p:cNvPr id="14" name="Picture 13"/>
+          <p:cNvPicPr>
+            <a:picLocks noChangeAspect="1"/>
+          </p:cNvPicPr>
+          <p:nvPr/>
+        </p:nvPicPr>
+        <p:blipFill>
+          <a:blip r:embed="rId5"/>
+          <a:stretch>
+            <a:fillRect/>
+          </a:stretch>
+        </p:blipFill>
+        <p:spPr>
+          <a:xfrm>
+            <a:off x="8311931" y="4895724"/>
+            <a:ext cx="271139" cy="228296"/>
+          </a:xfrm>
+          <a:prstGeom prst="rect">
+            <a:avLst/>
+          </a:prstGeom>
+        </p:spPr>
+      </p:pic>
+      <p:sp>
+        <p:nvSpPr>
+          <p:cNvPr id="15" name="TextBox 14"/>
+          <p:cNvSpPr txBox="1"/>
+          <p:nvPr/>
+        </p:nvSpPr>
+        <p:spPr>
+          <a:xfrm>
+            <a:off x="8031655" y="1488967"/>
+            <a:ext cx="551415" cy="369332"/>
+          </a:xfrm>
+          <a:prstGeom prst="rect">
+            <a:avLst/>
+          </a:prstGeom>
+          <a:noFill/>
+        </p:spPr>
+        <p:txBody>
+          <a:bodyPr wrap="square" rtlCol="0">
+            <a:spAutoFit/>
+          </a:bodyPr>
+          <a:lstStyle/>
+          <a:p>
+            <a:r>
+              <a:rPr lang="en-US" dirty="0" smtClean="0"/>
+              <a:t>RM</a:t>
+            </a:r>
+            <a:endParaRPr lang="en-US" dirty="0"/>
+          </a:p>
+        </p:txBody>
+      </p:sp>
+    </p:spTree>
+    <p:extLst>
+      <p:ext uri="{BB962C8B-B14F-4D97-AF65-F5344CB8AC3E}">
+        <p14:creationId xmlns:p14="http://schemas.microsoft.com/office/powerpoint/2010/main" val="1200874413"/>
+      </p:ext>
+    </p:extLst>
+  </p:cSld>
+  <p:clrMapOvr>
+    <a:masterClrMapping/>
+  </p:clrMapOvr>
+  <p:timing>
+    <p:tnLst>
+      <p:par>
+        <p:cTn xmlns:p14="http://schemas.microsoft.com/office/powerpoint/2010/main" id="1" dur="indefinite" restart="never" nodeType="tmRoot"/>
+      </p:par>
+    </p:tnLst>
+  </p:timing>
+</p:sld>
+</file>
+
+<file path=ppt/slides/slide18.xml><?xml version="1.0" encoding="utf-8"?>
+<p:sld xmlns:a="http://schemas.openxmlformats.org/drawingml/2006/main" xmlns:r="http://schemas.openxmlformats.org/officeDocument/2006/relationships" xmlns:p="http://schemas.openxmlformats.org/presentationml/2006/main">
+  <p:cSld>
+    <p:spTree>
+      <p:nvGrpSpPr>
+        <p:cNvPr id="1" name=""/>
+        <p:cNvGrpSpPr/>
+        <p:nvPr/>
+      </p:nvGrpSpPr>
+      <p:grpSpPr>
+        <a:xfrm>
+          <a:off x="0" y="0"/>
+          <a:ext cx="0" cy="0"/>
+          <a:chOff x="0" y="0"/>
+          <a:chExt cx="0" cy="0"/>
+        </a:xfrm>
+      </p:grpSpPr>
+      <p:sp>
+        <p:nvSpPr>
+          <p:cNvPr id="2" name="Title 1"/>
+          <p:cNvSpPr>
+            <a:spLocks noGrp="1"/>
+          </p:cNvSpPr>
+          <p:nvPr>
+            <p:ph type="title"/>
+          </p:nvPr>
+        </p:nvSpPr>
+        <p:spPr>
+          <a:xfrm>
+            <a:off x="457200" y="274638"/>
+            <a:ext cx="8229600" cy="914337"/>
+          </a:xfrm>
+        </p:spPr>
+        <p:txBody>
+          <a:bodyPr/>
+          <a:lstStyle/>
+          <a:p>
+            <a:r>
+              <a:rPr lang="en-US" dirty="0" smtClean="0"/>
+              <a:t>Detailed Clinical Models</a:t>
+            </a:r>
+            <a:endParaRPr lang="en-US" dirty="0"/>
+          </a:p>
+        </p:txBody>
+      </p:sp>
+      <p:sp>
+        <p:nvSpPr>
+          <p:cNvPr id="3" name="Content Placeholder 2"/>
+          <p:cNvSpPr>
+            <a:spLocks noGrp="1"/>
+          </p:cNvSpPr>
+          <p:nvPr>
+            <p:ph idx="1"/>
+          </p:nvPr>
+        </p:nvSpPr>
+        <p:spPr/>
+        <p:txBody>
+          <a:bodyPr>
+            <a:normAutofit lnSpcReduction="10000"/>
+          </a:bodyPr>
+          <a:lstStyle/>
+          <a:p>
+            <a:pPr marL="0" indent="0">
+              <a:buNone/>
+            </a:pPr>
+            <a:r>
+              <a:rPr lang="en-US" dirty="0" smtClean="0"/>
+              <a:t>We can create …. For example</a:t>
+            </a:r>
+            <a:endParaRPr lang="en-US" dirty="0"/>
+          </a:p>
+          <a:p>
+            <a:pPr marL="0" indent="0">
+              <a:buNone/>
+            </a:pPr>
+            <a:r>
+              <a:rPr lang="en-US" dirty="0" smtClean="0"/>
+              <a:t>A Clinical Model  =&gt; Laboratory Test</a:t>
+            </a:r>
+            <a:endParaRPr lang="en-US" dirty="0"/>
+          </a:p>
+          <a:p>
+            <a:pPr lvl="8"/>
+            <a:r>
+              <a:rPr lang="en-US" dirty="0" smtClean="0"/>
+              <a:t>Diagnostic Service</a:t>
+            </a:r>
+          </a:p>
+          <a:p>
+            <a:pPr lvl="8"/>
+            <a:r>
+              <a:rPr lang="en-US" dirty="0" smtClean="0"/>
+              <a:t>Specimen</a:t>
+            </a:r>
+          </a:p>
+          <a:p>
+            <a:pPr lvl="8"/>
+            <a:r>
+              <a:rPr lang="en-US" dirty="0" smtClean="0"/>
+              <a:t>Diagnosis</a:t>
+            </a:r>
+          </a:p>
+          <a:p>
+            <a:pPr lvl="8"/>
+            <a:r>
+              <a:rPr lang="en-US" dirty="0" smtClean="0"/>
+              <a:t>Conclusions</a:t>
+            </a:r>
+          </a:p>
+          <a:p>
+            <a:pPr marL="457200" lvl="1" indent="0">
+              <a:buNone/>
+            </a:pPr>
+            <a:r>
+              <a:rPr lang="en-US" dirty="0" smtClean="0"/>
+              <a:t>And others like… Clinical Statements, Reports, Procedures, …..so on</a:t>
+            </a:r>
+          </a:p>
+          <a:p>
+            <a:pPr marL="457200" lvl="1" indent="0">
+              <a:buNone/>
+            </a:pPr>
+            <a:endParaRPr lang="en-US" dirty="0"/>
+          </a:p>
+          <a:p>
+            <a:pPr marL="457200" lvl="1" indent="0">
+              <a:buNone/>
+            </a:pPr>
+            <a:r>
+              <a:rPr lang="en-US" dirty="0" smtClean="0"/>
+              <a:t>“Shared Detailed Clinical Information Models”</a:t>
+            </a:r>
+          </a:p>
+          <a:p>
+            <a:pPr marL="457200" lvl="1" indent="0">
+              <a:buNone/>
+            </a:pPr>
+            <a:endParaRPr lang="en-US" dirty="0" smtClean="0"/>
+          </a:p>
+          <a:p>
+            <a:pPr marL="457200" lvl="1" indent="0">
+              <a:buNone/>
+            </a:pPr>
+            <a:endParaRPr lang="en-US" dirty="0"/>
+          </a:p>
+        </p:txBody>
+      </p:sp>
+      <p:sp>
+        <p:nvSpPr>
+          <p:cNvPr id="4" name="Footer Placeholder 3"/>
+          <p:cNvSpPr>
+            <a:spLocks noGrp="1"/>
+          </p:cNvSpPr>
+          <p:nvPr>
+            <p:ph type="ftr" sz="quarter" idx="11"/>
+          </p:nvPr>
+        </p:nvSpPr>
+        <p:spPr/>
+        <p:txBody>
+          <a:bodyPr/>
+          <a:lstStyle/>
+          <a:p>
+            <a:r>
+              <a:rPr lang="en-US" smtClean="0"/>
+              <a:t>Archetype Modeling Language</a:t>
+            </a:r>
+            <a:endParaRPr lang="en-US"/>
+          </a:p>
+        </p:txBody>
+      </p:sp>
+      <p:sp>
+        <p:nvSpPr>
+          <p:cNvPr id="5" name="Slide Number Placeholder 4"/>
+          <p:cNvSpPr>
+            <a:spLocks noGrp="1"/>
+          </p:cNvSpPr>
+          <p:nvPr>
+            <p:ph type="sldNum" sz="quarter" idx="12"/>
+          </p:nvPr>
+        </p:nvSpPr>
+        <p:spPr/>
+        <p:txBody>
+          <a:bodyPr/>
+          <a:lstStyle/>
+          <a:p>
+            <a:fld id="{F1C60CE6-A564-2C44-BB7B-900AEECBE3A4}" type="slidenum">
+              <a:rPr lang="en-US" smtClean="0"/>
+              <a:t>18</a:t>
+            </a:fld>
+            <a:endParaRPr lang="en-US"/>
+          </a:p>
+        </p:txBody>
+      </p:sp>
+      <p:cxnSp>
+        <p:nvCxnSpPr>
+          <p:cNvPr id="6" name="Straight Connector 5"/>
+          <p:cNvCxnSpPr/>
+          <p:nvPr/>
+        </p:nvCxnSpPr>
+        <p:spPr>
+          <a:xfrm flipV="1">
+            <a:off x="0" y="1188975"/>
+            <a:ext cx="9144000" cy="36030"/>
+          </a:xfrm>
+          <a:prstGeom prst="line">
+            <a:avLst/>
+          </a:prstGeom>
+        </p:spPr>
+        <p:style>
+          <a:lnRef idx="2">
+            <a:schemeClr val="accent1"/>
+          </a:lnRef>
+          <a:fillRef idx="0">
+            <a:schemeClr val="accent1"/>
+          </a:fillRef>
+          <a:effectRef idx="1">
+            <a:schemeClr val="accent1"/>
+          </a:effectRef>
+          <a:fontRef idx="minor">
+            <a:schemeClr val="tx1"/>
+          </a:fontRef>
+        </p:style>
+      </p:cxnSp>
+    </p:spTree>
+    <p:extLst>
+      <p:ext uri="{BB962C8B-B14F-4D97-AF65-F5344CB8AC3E}">
+        <p14:creationId xmlns:p14="http://schemas.microsoft.com/office/powerpoint/2010/main" val="3349914042"/>
+      </p:ext>
+    </p:extLst>
+  </p:cSld>
+  <p:clrMapOvr>
+    <a:masterClrMapping/>
+  </p:clrMapOvr>
+</p:sld>
+</file>
+
+<file path=ppt/slides/slide19.xml><?xml version="1.0" encoding="utf-8"?>
+<p:sld xmlns:a="http://schemas.openxmlformats.org/drawingml/2006/main" xmlns:r="http://schemas.openxmlformats.org/officeDocument/2006/relationships" xmlns:p="http://schemas.openxmlformats.org/presentationml/2006/main">
+  <p:cSld>
+    <p:spTree>
+      <p:nvGrpSpPr>
+        <p:cNvPr id="1" name=""/>
+        <p:cNvGrpSpPr/>
+        <p:nvPr/>
+      </p:nvGrpSpPr>
+      <p:grpSpPr>
+        <a:xfrm>
+          <a:off x="0" y="0"/>
+          <a:ext cx="0" cy="0"/>
+          <a:chOff x="0" y="0"/>
+          <a:chExt cx="0" cy="0"/>
+        </a:xfrm>
+      </p:grpSpPr>
+      <p:sp>
+        <p:nvSpPr>
+          <p:cNvPr id="2" name="Title 1"/>
+          <p:cNvSpPr>
+            <a:spLocks noGrp="1"/>
+          </p:cNvSpPr>
+          <p:nvPr>
+            <p:ph type="title"/>
+          </p:nvPr>
+        </p:nvSpPr>
+        <p:spPr>
+          <a:xfrm>
+            <a:off x="457200" y="274638"/>
+            <a:ext cx="8229600" cy="914337"/>
+          </a:xfrm>
+        </p:spPr>
+        <p:txBody>
+          <a:bodyPr>
+            <a:normAutofit fontScale="90000"/>
+          </a:bodyPr>
+          <a:lstStyle/>
+          <a:p>
+            <a:r>
+              <a:rPr lang="en-US" dirty="0" smtClean="0"/>
+              <a:t>Clinical Information Modeling Initiative</a:t>
+            </a:r>
+            <a:endParaRPr lang="en-US" dirty="0"/>
+          </a:p>
+        </p:txBody>
+      </p:sp>
+      <p:sp>
+        <p:nvSpPr>
+          <p:cNvPr id="3" name="Content Placeholder 2"/>
+          <p:cNvSpPr>
+            <a:spLocks noGrp="1"/>
+          </p:cNvSpPr>
+          <p:nvPr>
+            <p:ph idx="1"/>
+          </p:nvPr>
+        </p:nvSpPr>
+        <p:spPr/>
+        <p:txBody>
+          <a:bodyPr>
+            <a:normAutofit/>
+          </a:bodyPr>
+          <a:lstStyle/>
+          <a:p>
+            <a:pPr lvl="1"/>
+            <a:endParaRPr lang="en-US" dirty="0" smtClean="0"/>
+          </a:p>
+          <a:p>
+            <a:pPr lvl="1"/>
+            <a:r>
+              <a:rPr lang="en-US" dirty="0" smtClean="0"/>
+              <a:t>Since 2011</a:t>
+            </a:r>
+          </a:p>
+          <a:p>
+            <a:pPr lvl="1"/>
+            <a:r>
+              <a:rPr lang="en-US" dirty="0">
+                <a:hlinkClick r:id="rId3"/>
+              </a:rPr>
+              <a:t>http://www.opencimi.org</a:t>
+            </a:r>
+            <a:r>
+              <a:rPr lang="en-US" dirty="0" smtClean="0">
+                <a:hlinkClick r:id="rId3"/>
+              </a:rPr>
+              <a:t>/</a:t>
+            </a:r>
+            <a:endParaRPr lang="en-US" dirty="0" smtClean="0"/>
+          </a:p>
+          <a:p>
+            <a:pPr lvl="1"/>
+            <a:r>
+              <a:rPr lang="en-US" dirty="0" smtClean="0"/>
+              <a:t>Mission Statement:</a:t>
+            </a:r>
+            <a:endParaRPr lang="en-US" dirty="0" smtClean="0">
+              <a:latin typeface="Avenir Heavy"/>
+              <a:cs typeface="Avenir Heavy"/>
+            </a:endParaRPr>
+          </a:p>
+          <a:p>
+            <a:pPr marL="457200" lvl="1" indent="0">
+              <a:buNone/>
+            </a:pPr>
+            <a:r>
+              <a:rPr lang="en-US" dirty="0" smtClean="0">
+                <a:latin typeface="Avenir Heavy"/>
+                <a:cs typeface="Avenir Heavy"/>
+              </a:rPr>
+              <a:t>Improve </a:t>
+            </a:r>
+            <a:r>
+              <a:rPr lang="en-US" dirty="0">
+                <a:latin typeface="Avenir Heavy"/>
+                <a:cs typeface="Avenir Heavy"/>
+              </a:rPr>
+              <a:t>the interoperability of healthcare systems through shared implementable clinical information models</a:t>
+            </a:r>
+            <a:r>
+              <a:rPr lang="en-US" dirty="0" smtClean="0">
+                <a:latin typeface="Avenir Heavy"/>
+                <a:cs typeface="Avenir Heavy"/>
+              </a:rPr>
+              <a:t>.</a:t>
+            </a:r>
+          </a:p>
+          <a:p>
+            <a:pPr marL="457200" lvl="1" indent="0" algn="ctr">
+              <a:buNone/>
+            </a:pPr>
+            <a:r>
+              <a:rPr lang="en-US" sz="2000" i="1" dirty="0" smtClean="0"/>
+              <a:t>(A Single Curated Collection)</a:t>
+            </a:r>
+          </a:p>
+          <a:p>
+            <a:pPr marL="457200" lvl="1" indent="0">
+              <a:buNone/>
+            </a:pPr>
+            <a:endParaRPr lang="en-US" dirty="0"/>
+          </a:p>
+        </p:txBody>
+      </p:sp>
+      <p:sp>
+        <p:nvSpPr>
+          <p:cNvPr id="4" name="Footer Placeholder 3"/>
+          <p:cNvSpPr>
+            <a:spLocks noGrp="1"/>
+          </p:cNvSpPr>
+          <p:nvPr>
+            <p:ph type="ftr" sz="quarter" idx="11"/>
+          </p:nvPr>
+        </p:nvSpPr>
+        <p:spPr/>
+        <p:txBody>
+          <a:bodyPr/>
+          <a:lstStyle/>
+          <a:p>
+            <a:r>
+              <a:rPr lang="en-US" smtClean="0"/>
+              <a:t>Archetype Modeling Language</a:t>
+            </a:r>
+            <a:endParaRPr lang="en-US" dirty="0"/>
+          </a:p>
+        </p:txBody>
+      </p:sp>
+      <p:sp>
+        <p:nvSpPr>
+          <p:cNvPr id="5" name="Slide Number Placeholder 4"/>
+          <p:cNvSpPr>
+            <a:spLocks noGrp="1"/>
+          </p:cNvSpPr>
+          <p:nvPr>
+            <p:ph type="sldNum" sz="quarter" idx="12"/>
+          </p:nvPr>
+        </p:nvSpPr>
+        <p:spPr/>
+        <p:txBody>
+          <a:bodyPr/>
+          <a:lstStyle/>
+          <a:p>
+            <a:fld id="{F1C60CE6-A564-2C44-BB7B-900AEECBE3A4}" type="slidenum">
+              <a:rPr lang="en-US" smtClean="0"/>
+              <a:t>19</a:t>
+            </a:fld>
+            <a:endParaRPr lang="en-US"/>
+          </a:p>
+        </p:txBody>
+      </p:sp>
+      <p:cxnSp>
+        <p:nvCxnSpPr>
+          <p:cNvPr id="6" name="Straight Connector 5"/>
+          <p:cNvCxnSpPr/>
+          <p:nvPr/>
+        </p:nvCxnSpPr>
+        <p:spPr>
+          <a:xfrm flipV="1">
+            <a:off x="0" y="1188975"/>
+            <a:ext cx="9144000" cy="36030"/>
+          </a:xfrm>
+          <a:prstGeom prst="line">
+            <a:avLst/>
+          </a:prstGeom>
+        </p:spPr>
+        <p:style>
+          <a:lnRef idx="2">
+            <a:schemeClr val="accent1"/>
+          </a:lnRef>
+          <a:fillRef idx="0">
+            <a:schemeClr val="accent1"/>
+          </a:fillRef>
+          <a:effectRef idx="1">
+            <a:schemeClr val="accent1"/>
+          </a:effectRef>
+          <a:fontRef idx="minor">
+            <a:schemeClr val="tx1"/>
+          </a:fontRef>
+        </p:style>
+      </p:cxnSp>
+      <p:pic>
+        <p:nvPicPr>
+          <p:cNvPr id="7" name="Picture 6" descr="Screen Shot 2015-04-21 at 12.36.32 PM.png"/>
+          <p:cNvPicPr>
+            <a:picLocks noChangeAspect="1"/>
+          </p:cNvPicPr>
+          <p:nvPr/>
+        </p:nvPicPr>
+        <p:blipFill>
+          <a:blip r:embed="rId4">
+            <a:extLst>
+              <a:ext uri="{28A0092B-C50C-407E-A947-70E740481C1C}">
+                <a14:useLocalDpi xmlns:a14="http://schemas.microsoft.com/office/drawing/2010/main" val="0"/>
+              </a:ext>
+            </a:extLst>
+          </a:blip>
+          <a:stretch>
+            <a:fillRect/>
+          </a:stretch>
+        </p:blipFill>
+        <p:spPr>
+          <a:xfrm>
+            <a:off x="2971800" y="1675477"/>
+            <a:ext cx="6096000" cy="900944"/>
+          </a:xfrm>
+          <a:prstGeom prst="rect">
+            <a:avLst/>
+          </a:prstGeom>
+        </p:spPr>
+      </p:pic>
+    </p:spTree>
+    <p:extLst>
+      <p:ext uri="{BB962C8B-B14F-4D97-AF65-F5344CB8AC3E}">
+        <p14:creationId xmlns:p14="http://schemas.microsoft.com/office/powerpoint/2010/main" val="514934308"/>
+      </p:ext>
+    </p:extLst>
+  </p:cSld>
+  <p:clrMapOvr>
+    <a:masterClrMapping/>
+  </p:clrMapOvr>
+</p:sld>
+</file>
+
 <file path=ppt/slides/slide2.xml><?xml version="1.0" encoding="utf-8"?>
 <p:sld xmlns:a="http://schemas.openxmlformats.org/drawingml/2006/main" xmlns:r="http://schemas.openxmlformats.org/officeDocument/2006/relationships" xmlns:p="http://schemas.openxmlformats.org/presentationml/2006/main">
   <p:cSld>
@@ -7552,31 +10583,50 @@
           <a:p>
             <a:r>
               <a:rPr lang="en-US" dirty="0" smtClean="0"/>
-              <a:t>Existing Frameworks &amp; Tools.</a:t>
-            </a:r>
-          </a:p>
-          <a:p>
+              <a:t>CIMI - Clinical </a:t>
+            </a:r>
+            <a:r>
+              <a:rPr lang="en-US" dirty="0"/>
+              <a:t>Information Modeling </a:t>
+            </a:r>
             <a:r>
               <a:rPr lang="en-US" dirty="0" smtClean="0"/>
-              <a:t>Clinical Information Modeling Initiative (CIMI)</a:t>
-            </a:r>
+              <a:t>Initiative.</a:t>
+            </a:r>
+            <a:endParaRPr lang="en-US" dirty="0"/>
           </a:p>
           <a:p>
             <a:r>
               <a:rPr lang="en-US" dirty="0" smtClean="0"/>
-              <a:t>Archetype Modeling Language.</a:t>
-            </a:r>
-          </a:p>
-          <a:p>
+              <a:t>Existing </a:t>
+            </a:r>
             <a:r>
               <a:rPr lang="en-US" dirty="0" smtClean="0"/>
-              <a:t>AML Resources/Examples.</a:t>
-            </a:r>
-          </a:p>
-          <a:p>
+              <a:t>Frameworks </a:t>
+            </a:r>
             <a:r>
               <a:rPr lang="en-US" dirty="0" smtClean="0"/>
-              <a:t>AML Tooling.</a:t>
+              <a:t>&amp; Tools.</a:t>
+            </a:r>
+          </a:p>
+          <a:p>
+            <a:r>
+              <a:rPr lang="en-US" dirty="0" smtClean="0"/>
+              <a:t>AML - Archetype </a:t>
+            </a:r>
+            <a:r>
+              <a:rPr lang="en-US" dirty="0" smtClean="0"/>
+              <a:t>Modeling Language.</a:t>
+            </a:r>
+          </a:p>
+          <a:p>
+            <a:r>
+              <a:rPr lang="en-US" dirty="0" smtClean="0"/>
+              <a:t>AML </a:t>
+            </a:r>
+            <a:r>
+              <a:rPr lang="en-US" dirty="0" smtClean="0"/>
+              <a:t>Tooling.</a:t>
             </a:r>
           </a:p>
           <a:p>
@@ -7663,6 +10713,3292 @@
 </p:sld>
 </file>
 
+<file path=ppt/slides/slide20.xml><?xml version="1.0" encoding="utf-8"?>
+<p:sld xmlns:a="http://schemas.openxmlformats.org/drawingml/2006/main" xmlns:r="http://schemas.openxmlformats.org/officeDocument/2006/relationships" xmlns:p="http://schemas.openxmlformats.org/presentationml/2006/main">
+  <p:cSld>
+    <p:spTree>
+      <p:nvGrpSpPr>
+        <p:cNvPr id="1" name=""/>
+        <p:cNvGrpSpPr/>
+        <p:nvPr/>
+      </p:nvGrpSpPr>
+      <p:grpSpPr>
+        <a:xfrm>
+          <a:off x="0" y="0"/>
+          <a:ext cx="0" cy="0"/>
+          <a:chOff x="0" y="0"/>
+          <a:chExt cx="0" cy="0"/>
+        </a:xfrm>
+      </p:grpSpPr>
+      <p:sp>
+        <p:nvSpPr>
+          <p:cNvPr id="2" name="Title 1"/>
+          <p:cNvSpPr>
+            <a:spLocks noGrp="1"/>
+          </p:cNvSpPr>
+          <p:nvPr>
+            <p:ph type="title"/>
+          </p:nvPr>
+        </p:nvSpPr>
+        <p:spPr>
+          <a:xfrm>
+            <a:off x="457200" y="274638"/>
+            <a:ext cx="8229600" cy="914337"/>
+          </a:xfrm>
+        </p:spPr>
+        <p:txBody>
+          <a:bodyPr>
+            <a:normAutofit/>
+          </a:bodyPr>
+          <a:lstStyle/>
+          <a:p>
+            <a:r>
+              <a:rPr lang="en-US" dirty="0" smtClean="0"/>
+              <a:t>CIMI – Strategic Goal</a:t>
+            </a:r>
+            <a:endParaRPr lang="en-US" dirty="0"/>
+          </a:p>
+        </p:txBody>
+      </p:sp>
+      <p:sp>
+        <p:nvSpPr>
+          <p:cNvPr id="3" name="Content Placeholder 2"/>
+          <p:cNvSpPr>
+            <a:spLocks noGrp="1"/>
+          </p:cNvSpPr>
+          <p:nvPr>
+            <p:ph idx="1"/>
+          </p:nvPr>
+        </p:nvSpPr>
+        <p:spPr/>
+        <p:txBody>
+          <a:bodyPr>
+            <a:normAutofit/>
+          </a:bodyPr>
+          <a:lstStyle/>
+          <a:p>
+            <a:pPr lvl="1"/>
+            <a:endParaRPr lang="en-US" dirty="0" smtClean="0"/>
+          </a:p>
+          <a:p>
+            <a:r>
+              <a:rPr lang="en-US" dirty="0"/>
+              <a:t>Be able to share data, applications, reports, alerts, protocols, and decision support modules with anyone in the </a:t>
+            </a:r>
+            <a:r>
+              <a:rPr lang="en-US" dirty="0" smtClean="0"/>
+              <a:t>WORLD.</a:t>
+            </a:r>
+          </a:p>
+          <a:p>
+            <a:endParaRPr lang="en-US" dirty="0"/>
+          </a:p>
+          <a:p>
+            <a:r>
+              <a:rPr lang="en-US" dirty="0" smtClean="0"/>
+              <a:t>To have “</a:t>
+            </a:r>
+            <a:r>
+              <a:rPr lang="en-US" dirty="0"/>
+              <a:t>plug-n-play” </a:t>
+            </a:r>
+            <a:r>
+              <a:rPr lang="en-US" dirty="0" smtClean="0"/>
+              <a:t>interoperability.</a:t>
+            </a:r>
+            <a:endParaRPr lang="en-US" dirty="0"/>
+          </a:p>
+          <a:p>
+            <a:pPr marL="457200" lvl="1" indent="0">
+              <a:buNone/>
+            </a:pPr>
+            <a:endParaRPr lang="en-US" dirty="0"/>
+          </a:p>
+        </p:txBody>
+      </p:sp>
+      <p:sp>
+        <p:nvSpPr>
+          <p:cNvPr id="4" name="Footer Placeholder 3"/>
+          <p:cNvSpPr>
+            <a:spLocks noGrp="1"/>
+          </p:cNvSpPr>
+          <p:nvPr>
+            <p:ph type="ftr" sz="quarter" idx="11"/>
+          </p:nvPr>
+        </p:nvSpPr>
+        <p:spPr/>
+        <p:txBody>
+          <a:bodyPr/>
+          <a:lstStyle/>
+          <a:p>
+            <a:r>
+              <a:rPr lang="en-US" smtClean="0"/>
+              <a:t>Archetype Modeling Language</a:t>
+            </a:r>
+            <a:endParaRPr lang="en-US" dirty="0"/>
+          </a:p>
+        </p:txBody>
+      </p:sp>
+      <p:sp>
+        <p:nvSpPr>
+          <p:cNvPr id="5" name="Slide Number Placeholder 4"/>
+          <p:cNvSpPr>
+            <a:spLocks noGrp="1"/>
+          </p:cNvSpPr>
+          <p:nvPr>
+            <p:ph type="sldNum" sz="quarter" idx="12"/>
+          </p:nvPr>
+        </p:nvSpPr>
+        <p:spPr/>
+        <p:txBody>
+          <a:bodyPr/>
+          <a:lstStyle/>
+          <a:p>
+            <a:fld id="{F1C60CE6-A564-2C44-BB7B-900AEECBE3A4}" type="slidenum">
+              <a:rPr lang="en-US" smtClean="0"/>
+              <a:t>20</a:t>
+            </a:fld>
+            <a:endParaRPr lang="en-US"/>
+          </a:p>
+        </p:txBody>
+      </p:sp>
+      <p:cxnSp>
+        <p:nvCxnSpPr>
+          <p:cNvPr id="6" name="Straight Connector 5"/>
+          <p:cNvCxnSpPr/>
+          <p:nvPr/>
+        </p:nvCxnSpPr>
+        <p:spPr>
+          <a:xfrm flipV="1">
+            <a:off x="0" y="1188975"/>
+            <a:ext cx="9144000" cy="36030"/>
+          </a:xfrm>
+          <a:prstGeom prst="line">
+            <a:avLst/>
+          </a:prstGeom>
+        </p:spPr>
+        <p:style>
+          <a:lnRef idx="2">
+            <a:schemeClr val="accent1"/>
+          </a:lnRef>
+          <a:fillRef idx="0">
+            <a:schemeClr val="accent1"/>
+          </a:fillRef>
+          <a:effectRef idx="1">
+            <a:schemeClr val="accent1"/>
+          </a:effectRef>
+          <a:fontRef idx="minor">
+            <a:schemeClr val="tx1"/>
+          </a:fontRef>
+        </p:style>
+      </p:cxnSp>
+      <p:sp>
+        <p:nvSpPr>
+          <p:cNvPr id="9" name="TextBox 8"/>
+          <p:cNvSpPr txBox="1"/>
+          <p:nvPr/>
+        </p:nvSpPr>
+        <p:spPr>
+          <a:xfrm>
+            <a:off x="6553200" y="5817741"/>
+            <a:ext cx="2277241" cy="538609"/>
+          </a:xfrm>
+          <a:prstGeom prst="rect">
+            <a:avLst/>
+          </a:prstGeom>
+          <a:noFill/>
+        </p:spPr>
+        <p:txBody>
+          <a:bodyPr wrap="square" rtlCol="0">
+            <a:spAutoFit/>
+          </a:bodyPr>
+          <a:lstStyle/>
+          <a:p>
+            <a:r>
+              <a:rPr lang="en-US" sz="1100" dirty="0" smtClean="0"/>
+              <a:t>Source: </a:t>
+            </a:r>
+            <a:r>
+              <a:rPr lang="en-US" sz="1100" dirty="0" smtClean="0">
+                <a:hlinkClick r:id="rId3"/>
+              </a:rPr>
+              <a:t>http</a:t>
+            </a:r>
+            <a:r>
+              <a:rPr lang="en-US" sz="1100" dirty="0">
+                <a:hlinkClick r:id="rId3"/>
+              </a:rPr>
+              <a:t>://www.opencimi.org</a:t>
+            </a:r>
+            <a:r>
+              <a:rPr lang="en-US" sz="1100" dirty="0" smtClean="0">
+                <a:hlinkClick r:id="rId3"/>
+              </a:rPr>
+              <a:t>/</a:t>
+            </a:r>
+            <a:endParaRPr lang="en-US" sz="1100" dirty="0" smtClean="0"/>
+          </a:p>
+          <a:p>
+            <a:endParaRPr lang="en-US" dirty="0" smtClean="0"/>
+          </a:p>
+        </p:txBody>
+      </p:sp>
+    </p:spTree>
+    <p:extLst>
+      <p:ext uri="{BB962C8B-B14F-4D97-AF65-F5344CB8AC3E}">
+        <p14:creationId xmlns:p14="http://schemas.microsoft.com/office/powerpoint/2010/main" val="2616500254"/>
+      </p:ext>
+    </p:extLst>
+  </p:cSld>
+  <p:clrMapOvr>
+    <a:masterClrMapping/>
+  </p:clrMapOvr>
+</p:sld>
+</file>
+
+<file path=ppt/slides/slide21.xml><?xml version="1.0" encoding="utf-8"?>
+<p:sld xmlns:a="http://schemas.openxmlformats.org/drawingml/2006/main" xmlns:r="http://schemas.openxmlformats.org/officeDocument/2006/relationships" xmlns:p="http://schemas.openxmlformats.org/presentationml/2006/main">
+  <p:cSld>
+    <p:spTree>
+      <p:nvGrpSpPr>
+        <p:cNvPr id="1" name=""/>
+        <p:cNvGrpSpPr/>
+        <p:nvPr/>
+      </p:nvGrpSpPr>
+      <p:grpSpPr>
+        <a:xfrm>
+          <a:off x="0" y="0"/>
+          <a:ext cx="0" cy="0"/>
+          <a:chOff x="0" y="0"/>
+          <a:chExt cx="0" cy="0"/>
+        </a:xfrm>
+      </p:grpSpPr>
+      <p:sp>
+        <p:nvSpPr>
+          <p:cNvPr id="2" name="Title 1"/>
+          <p:cNvSpPr>
+            <a:spLocks noGrp="1"/>
+          </p:cNvSpPr>
+          <p:nvPr>
+            <p:ph type="title"/>
+          </p:nvPr>
+        </p:nvSpPr>
+        <p:spPr>
+          <a:xfrm>
+            <a:off x="457200" y="274638"/>
+            <a:ext cx="8229600" cy="914337"/>
+          </a:xfrm>
+        </p:spPr>
+        <p:txBody>
+          <a:bodyPr>
+            <a:normAutofit/>
+          </a:bodyPr>
+          <a:lstStyle/>
+          <a:p>
+            <a:r>
+              <a:rPr lang="en-US" dirty="0" smtClean="0"/>
+              <a:t>CIMI – Deliverables</a:t>
+            </a:r>
+            <a:endParaRPr lang="en-US" dirty="0"/>
+          </a:p>
+        </p:txBody>
+      </p:sp>
+      <p:sp>
+        <p:nvSpPr>
+          <p:cNvPr id="3" name="Content Placeholder 2"/>
+          <p:cNvSpPr>
+            <a:spLocks noGrp="1"/>
+          </p:cNvSpPr>
+          <p:nvPr>
+            <p:ph idx="1"/>
+          </p:nvPr>
+        </p:nvSpPr>
+        <p:spPr/>
+        <p:txBody>
+          <a:bodyPr>
+            <a:normAutofit fontScale="92500" lnSpcReduction="20000"/>
+          </a:bodyPr>
+          <a:lstStyle/>
+          <a:p>
+            <a:r>
+              <a:rPr lang="en-US" dirty="0" smtClean="0">
+                <a:solidFill>
+                  <a:srgbClr val="000000"/>
+                </a:solidFill>
+              </a:rPr>
+              <a:t>Shared </a:t>
+            </a:r>
+            <a:r>
+              <a:rPr lang="en-US" dirty="0">
+                <a:solidFill>
+                  <a:srgbClr val="000000"/>
+                </a:solidFill>
+              </a:rPr>
+              <a:t>repository of detailed clinical information </a:t>
+            </a:r>
+            <a:r>
+              <a:rPr lang="en-US" dirty="0" smtClean="0">
+                <a:solidFill>
+                  <a:srgbClr val="000000"/>
+                </a:solidFill>
+              </a:rPr>
+              <a:t>models.</a:t>
+            </a:r>
+            <a:endParaRPr lang="en-US" dirty="0">
+              <a:solidFill>
+                <a:srgbClr val="000000"/>
+              </a:solidFill>
+            </a:endParaRPr>
+          </a:p>
+          <a:p>
+            <a:r>
+              <a:rPr lang="en-US" dirty="0">
+                <a:solidFill>
+                  <a:srgbClr val="000000"/>
+                </a:solidFill>
+              </a:rPr>
+              <a:t>Using a single formalism (now support </a:t>
+            </a:r>
+            <a:r>
+              <a:rPr lang="en-US" dirty="0" smtClean="0">
+                <a:solidFill>
+                  <a:srgbClr val="000000"/>
+                </a:solidFill>
+              </a:rPr>
+              <a:t>of two</a:t>
+            </a:r>
+            <a:r>
+              <a:rPr lang="en-US" dirty="0">
+                <a:solidFill>
+                  <a:srgbClr val="000000"/>
+                </a:solidFill>
+              </a:rPr>
+              <a:t>!</a:t>
+            </a:r>
+            <a:r>
+              <a:rPr lang="en-US" dirty="0" smtClean="0">
+                <a:solidFill>
+                  <a:srgbClr val="000000"/>
+                </a:solidFill>
+              </a:rPr>
+              <a:t>) – ADL &amp; AML.</a:t>
+            </a:r>
+            <a:endParaRPr lang="en-US" dirty="0">
+              <a:solidFill>
+                <a:srgbClr val="000000"/>
+              </a:solidFill>
+            </a:endParaRPr>
+          </a:p>
+          <a:p>
+            <a:r>
+              <a:rPr lang="en-US" dirty="0">
+                <a:solidFill>
+                  <a:srgbClr val="000000"/>
+                </a:solidFill>
+              </a:rPr>
+              <a:t>Based on a common set of base data </a:t>
+            </a:r>
+            <a:r>
+              <a:rPr lang="en-US" dirty="0" smtClean="0">
+                <a:solidFill>
+                  <a:srgbClr val="000000"/>
+                </a:solidFill>
+              </a:rPr>
+              <a:t>types. </a:t>
+            </a:r>
+            <a:endParaRPr lang="en-US" dirty="0">
+              <a:solidFill>
+                <a:srgbClr val="000000"/>
+              </a:solidFill>
+            </a:endParaRPr>
+          </a:p>
+          <a:p>
+            <a:r>
+              <a:rPr lang="en-US" dirty="0">
+                <a:solidFill>
+                  <a:srgbClr val="000000"/>
+                </a:solidFill>
+              </a:rPr>
+              <a:t>With formal bindings of the models to standard coded </a:t>
+            </a:r>
+            <a:r>
+              <a:rPr lang="en-US" dirty="0" smtClean="0">
+                <a:solidFill>
+                  <a:srgbClr val="000000"/>
+                </a:solidFill>
+              </a:rPr>
+              <a:t>terminologies. </a:t>
+            </a:r>
+            <a:endParaRPr lang="en-US" dirty="0">
+              <a:solidFill>
+                <a:srgbClr val="000000"/>
+              </a:solidFill>
+            </a:endParaRPr>
+          </a:p>
+          <a:p>
+            <a:r>
+              <a:rPr lang="en-US" dirty="0">
+                <a:solidFill>
+                  <a:srgbClr val="000000"/>
+                </a:solidFill>
+              </a:rPr>
+              <a:t>Repository is open and models are free for use at no </a:t>
+            </a:r>
+            <a:r>
+              <a:rPr lang="en-US" dirty="0" smtClean="0">
+                <a:solidFill>
+                  <a:srgbClr val="000000"/>
+                </a:solidFill>
+              </a:rPr>
+              <a:t>cost.</a:t>
+            </a:r>
+          </a:p>
+          <a:p>
+            <a:r>
+              <a:rPr lang="en-US" dirty="0" smtClean="0">
+                <a:solidFill>
+                  <a:srgbClr val="000000"/>
+                </a:solidFill>
+              </a:rPr>
+              <a:t>Models that support multiple contexts.</a:t>
+            </a:r>
+            <a:endParaRPr lang="en-US" dirty="0">
+              <a:solidFill>
+                <a:srgbClr val="000000"/>
+              </a:solidFill>
+            </a:endParaRPr>
+          </a:p>
+          <a:p>
+            <a:pPr marL="457200" lvl="1" indent="0">
+              <a:buNone/>
+            </a:pPr>
+            <a:endParaRPr lang="en-US" dirty="0"/>
+          </a:p>
+        </p:txBody>
+      </p:sp>
+      <p:sp>
+        <p:nvSpPr>
+          <p:cNvPr id="4" name="Footer Placeholder 3"/>
+          <p:cNvSpPr>
+            <a:spLocks noGrp="1"/>
+          </p:cNvSpPr>
+          <p:nvPr>
+            <p:ph type="ftr" sz="quarter" idx="11"/>
+          </p:nvPr>
+        </p:nvSpPr>
+        <p:spPr/>
+        <p:txBody>
+          <a:bodyPr/>
+          <a:lstStyle/>
+          <a:p>
+            <a:r>
+              <a:rPr lang="en-US" dirty="0" smtClean="0"/>
+              <a:t>Archetype Modeling Language</a:t>
+            </a:r>
+            <a:endParaRPr lang="en-US" dirty="0"/>
+          </a:p>
+        </p:txBody>
+      </p:sp>
+      <p:sp>
+        <p:nvSpPr>
+          <p:cNvPr id="5" name="Slide Number Placeholder 4"/>
+          <p:cNvSpPr>
+            <a:spLocks noGrp="1"/>
+          </p:cNvSpPr>
+          <p:nvPr>
+            <p:ph type="sldNum" sz="quarter" idx="12"/>
+          </p:nvPr>
+        </p:nvSpPr>
+        <p:spPr/>
+        <p:txBody>
+          <a:bodyPr/>
+          <a:lstStyle/>
+          <a:p>
+            <a:fld id="{F1C60CE6-A564-2C44-BB7B-900AEECBE3A4}" type="slidenum">
+              <a:rPr lang="en-US" smtClean="0"/>
+              <a:t>21</a:t>
+            </a:fld>
+            <a:endParaRPr lang="en-US"/>
+          </a:p>
+        </p:txBody>
+      </p:sp>
+      <p:cxnSp>
+        <p:nvCxnSpPr>
+          <p:cNvPr id="6" name="Straight Connector 5"/>
+          <p:cNvCxnSpPr/>
+          <p:nvPr/>
+        </p:nvCxnSpPr>
+        <p:spPr>
+          <a:xfrm flipV="1">
+            <a:off x="0" y="1188975"/>
+            <a:ext cx="9144000" cy="36030"/>
+          </a:xfrm>
+          <a:prstGeom prst="line">
+            <a:avLst/>
+          </a:prstGeom>
+        </p:spPr>
+        <p:style>
+          <a:lnRef idx="2">
+            <a:schemeClr val="accent1"/>
+          </a:lnRef>
+          <a:fillRef idx="0">
+            <a:schemeClr val="accent1"/>
+          </a:fillRef>
+          <a:effectRef idx="1">
+            <a:schemeClr val="accent1"/>
+          </a:effectRef>
+          <a:fontRef idx="minor">
+            <a:schemeClr val="tx1"/>
+          </a:fontRef>
+        </p:style>
+      </p:cxnSp>
+      <p:sp>
+        <p:nvSpPr>
+          <p:cNvPr id="9" name="TextBox 8"/>
+          <p:cNvSpPr txBox="1"/>
+          <p:nvPr/>
+        </p:nvSpPr>
+        <p:spPr>
+          <a:xfrm>
+            <a:off x="6553200" y="5817741"/>
+            <a:ext cx="2277241" cy="538609"/>
+          </a:xfrm>
+          <a:prstGeom prst="rect">
+            <a:avLst/>
+          </a:prstGeom>
+          <a:noFill/>
+        </p:spPr>
+        <p:txBody>
+          <a:bodyPr wrap="square" rtlCol="0">
+            <a:spAutoFit/>
+          </a:bodyPr>
+          <a:lstStyle/>
+          <a:p>
+            <a:r>
+              <a:rPr lang="en-US" sz="1100" dirty="0" smtClean="0"/>
+              <a:t>Source: </a:t>
+            </a:r>
+            <a:r>
+              <a:rPr lang="en-US" sz="1100" dirty="0" smtClean="0">
+                <a:hlinkClick r:id="rId3"/>
+              </a:rPr>
+              <a:t>http</a:t>
+            </a:r>
+            <a:r>
+              <a:rPr lang="en-US" sz="1100" dirty="0">
+                <a:hlinkClick r:id="rId3"/>
+              </a:rPr>
+              <a:t>://www.opencimi.org</a:t>
+            </a:r>
+            <a:r>
+              <a:rPr lang="en-US" sz="1100" dirty="0" smtClean="0">
+                <a:hlinkClick r:id="rId3"/>
+              </a:rPr>
+              <a:t>/</a:t>
+            </a:r>
+            <a:endParaRPr lang="en-US" sz="1100" dirty="0" smtClean="0"/>
+          </a:p>
+          <a:p>
+            <a:endParaRPr lang="en-US" dirty="0" smtClean="0"/>
+          </a:p>
+        </p:txBody>
+      </p:sp>
+    </p:spTree>
+    <p:extLst>
+      <p:ext uri="{BB962C8B-B14F-4D97-AF65-F5344CB8AC3E}">
+        <p14:creationId xmlns:p14="http://schemas.microsoft.com/office/powerpoint/2010/main" val="3617173015"/>
+      </p:ext>
+    </p:extLst>
+  </p:cSld>
+  <p:clrMapOvr>
+    <a:masterClrMapping/>
+  </p:clrMapOvr>
+</p:sld>
+</file>
+
+<file path=ppt/slides/slide22.xml><?xml version="1.0" encoding="utf-8"?>
+<p:sld xmlns:a="http://schemas.openxmlformats.org/drawingml/2006/main" xmlns:r="http://schemas.openxmlformats.org/officeDocument/2006/relationships" xmlns:p="http://schemas.openxmlformats.org/presentationml/2006/main">
+  <p:cSld>
+    <p:spTree>
+      <p:nvGrpSpPr>
+        <p:cNvPr id="1" name=""/>
+        <p:cNvGrpSpPr/>
+        <p:nvPr/>
+      </p:nvGrpSpPr>
+      <p:grpSpPr>
+        <a:xfrm>
+          <a:off x="0" y="0"/>
+          <a:ext cx="0" cy="0"/>
+          <a:chOff x="0" y="0"/>
+          <a:chExt cx="0" cy="0"/>
+        </a:xfrm>
+      </p:grpSpPr>
+      <p:sp>
+        <p:nvSpPr>
+          <p:cNvPr id="2" name="Title 1"/>
+          <p:cNvSpPr>
+            <a:spLocks noGrp="1"/>
+          </p:cNvSpPr>
+          <p:nvPr>
+            <p:ph type="title"/>
+          </p:nvPr>
+        </p:nvSpPr>
+        <p:spPr>
+          <a:xfrm>
+            <a:off x="457200" y="274638"/>
+            <a:ext cx="8229600" cy="914337"/>
+          </a:xfrm>
+        </p:spPr>
+        <p:txBody>
+          <a:bodyPr>
+            <a:normAutofit/>
+          </a:bodyPr>
+          <a:lstStyle/>
+          <a:p>
+            <a:r>
+              <a:rPr lang="en-US" dirty="0" smtClean="0"/>
+              <a:t>CIMI – Target Domains</a:t>
+            </a:r>
+            <a:endParaRPr lang="en-US" dirty="0"/>
+          </a:p>
+        </p:txBody>
+      </p:sp>
+      <p:sp>
+        <p:nvSpPr>
+          <p:cNvPr id="3" name="Content Placeholder 2"/>
+          <p:cNvSpPr>
+            <a:spLocks noGrp="1"/>
+          </p:cNvSpPr>
+          <p:nvPr>
+            <p:ph idx="1"/>
+          </p:nvPr>
+        </p:nvSpPr>
+        <p:spPr/>
+        <p:txBody>
+          <a:bodyPr>
+            <a:normAutofit lnSpcReduction="10000"/>
+          </a:bodyPr>
+          <a:lstStyle/>
+          <a:p>
+            <a:r>
+              <a:rPr lang="en-US" dirty="0">
+                <a:solidFill>
+                  <a:srgbClr val="000000"/>
+                </a:solidFill>
+              </a:rPr>
+              <a:t>EHR data </a:t>
+            </a:r>
+            <a:r>
+              <a:rPr lang="en-US" dirty="0" smtClean="0">
+                <a:solidFill>
+                  <a:srgbClr val="000000"/>
+                </a:solidFill>
+              </a:rPr>
+              <a:t>storage.</a:t>
+            </a:r>
+            <a:endParaRPr lang="en-US" dirty="0">
+              <a:solidFill>
+                <a:srgbClr val="000000"/>
+              </a:solidFill>
+            </a:endParaRPr>
+          </a:p>
+          <a:p>
+            <a:r>
+              <a:rPr lang="en-US" dirty="0">
+                <a:solidFill>
+                  <a:srgbClr val="000000"/>
+                </a:solidFill>
+              </a:rPr>
+              <a:t>Message </a:t>
+            </a:r>
+            <a:r>
+              <a:rPr lang="en-US" dirty="0" smtClean="0">
+                <a:solidFill>
+                  <a:srgbClr val="000000"/>
+                </a:solidFill>
+              </a:rPr>
+              <a:t>and </a:t>
+            </a:r>
+            <a:r>
+              <a:rPr lang="en-US" dirty="0">
+                <a:solidFill>
+                  <a:srgbClr val="000000"/>
+                </a:solidFill>
+              </a:rPr>
+              <a:t>service </a:t>
+            </a:r>
+            <a:r>
+              <a:rPr lang="en-US" dirty="0" smtClean="0">
+                <a:solidFill>
+                  <a:srgbClr val="000000"/>
+                </a:solidFill>
+              </a:rPr>
+              <a:t>payload.</a:t>
+            </a:r>
+            <a:endParaRPr lang="en-US" dirty="0">
+              <a:solidFill>
+                <a:srgbClr val="000000"/>
+              </a:solidFill>
+            </a:endParaRPr>
+          </a:p>
+          <a:p>
+            <a:r>
+              <a:rPr lang="en-US" dirty="0">
+                <a:solidFill>
+                  <a:srgbClr val="000000"/>
+                </a:solidFill>
+              </a:rPr>
+              <a:t>Decision logic (queries of EHR data</a:t>
+            </a:r>
+            <a:r>
+              <a:rPr lang="en-US" dirty="0" smtClean="0">
+                <a:solidFill>
+                  <a:srgbClr val="000000"/>
+                </a:solidFill>
+              </a:rPr>
+              <a:t>).</a:t>
+            </a:r>
+            <a:endParaRPr lang="en-US" dirty="0">
+              <a:solidFill>
+                <a:srgbClr val="000000"/>
+              </a:solidFill>
+            </a:endParaRPr>
+          </a:p>
+          <a:p>
+            <a:r>
+              <a:rPr lang="en-US" dirty="0">
+                <a:solidFill>
+                  <a:srgbClr val="000000"/>
+                </a:solidFill>
+              </a:rPr>
+              <a:t>Clinical trials data (clinical research</a:t>
+            </a:r>
+            <a:r>
+              <a:rPr lang="en-US" dirty="0" smtClean="0">
+                <a:solidFill>
+                  <a:srgbClr val="000000"/>
+                </a:solidFill>
+              </a:rPr>
+              <a:t>).</a:t>
+            </a:r>
+            <a:endParaRPr lang="en-US" dirty="0">
+              <a:solidFill>
+                <a:srgbClr val="000000"/>
+              </a:solidFill>
+            </a:endParaRPr>
+          </a:p>
+          <a:p>
+            <a:r>
+              <a:rPr lang="en-US" dirty="0">
+                <a:solidFill>
+                  <a:srgbClr val="000000"/>
+                </a:solidFill>
+              </a:rPr>
+              <a:t>Quality </a:t>
+            </a:r>
+            <a:r>
+              <a:rPr lang="en-US" dirty="0" smtClean="0">
+                <a:solidFill>
+                  <a:srgbClr val="000000"/>
+                </a:solidFill>
+              </a:rPr>
+              <a:t>measures.</a:t>
+            </a:r>
+            <a:endParaRPr lang="en-US" dirty="0">
+              <a:solidFill>
+                <a:srgbClr val="000000"/>
+              </a:solidFill>
+            </a:endParaRPr>
+          </a:p>
+          <a:p>
+            <a:r>
+              <a:rPr lang="en-US" dirty="0">
+                <a:solidFill>
+                  <a:srgbClr val="000000"/>
+                </a:solidFill>
+              </a:rPr>
+              <a:t>Normalization of data for secondary </a:t>
+            </a:r>
+            <a:r>
+              <a:rPr lang="en-US" dirty="0" smtClean="0">
+                <a:solidFill>
+                  <a:srgbClr val="000000"/>
+                </a:solidFill>
+              </a:rPr>
+              <a:t>use.</a:t>
+            </a:r>
+            <a:endParaRPr lang="en-US" dirty="0">
+              <a:solidFill>
+                <a:srgbClr val="000000"/>
+              </a:solidFill>
+            </a:endParaRPr>
+          </a:p>
+          <a:p>
+            <a:r>
+              <a:rPr lang="en-US" dirty="0">
+                <a:solidFill>
+                  <a:srgbClr val="000000"/>
+                </a:solidFill>
+              </a:rPr>
+              <a:t>Creation of </a:t>
+            </a:r>
+            <a:r>
+              <a:rPr lang="en-US" dirty="0" smtClean="0">
+                <a:solidFill>
+                  <a:srgbClr val="000000"/>
+                </a:solidFill>
+              </a:rPr>
+              <a:t>structured data </a:t>
+            </a:r>
+            <a:r>
+              <a:rPr lang="en-US" dirty="0">
+                <a:solidFill>
+                  <a:srgbClr val="000000"/>
+                </a:solidFill>
+              </a:rPr>
+              <a:t>entry </a:t>
+            </a:r>
+            <a:r>
+              <a:rPr lang="en-US" dirty="0" smtClean="0">
+                <a:solidFill>
+                  <a:srgbClr val="000000"/>
+                </a:solidFill>
+              </a:rPr>
+              <a:t>screens.</a:t>
+            </a:r>
+            <a:endParaRPr lang="en-US" dirty="0">
+              <a:solidFill>
+                <a:srgbClr val="000000"/>
+              </a:solidFill>
+            </a:endParaRPr>
+          </a:p>
+          <a:p>
+            <a:r>
+              <a:rPr lang="en-US" dirty="0">
+                <a:solidFill>
+                  <a:srgbClr val="000000"/>
+                </a:solidFill>
+              </a:rPr>
+              <a:t>Capture of coding output from </a:t>
+            </a:r>
+            <a:r>
+              <a:rPr lang="en-US" dirty="0" smtClean="0">
+                <a:solidFill>
+                  <a:srgbClr val="000000"/>
+                </a:solidFill>
+              </a:rPr>
+              <a:t>NLP.</a:t>
+            </a:r>
+            <a:endParaRPr lang="en-US" dirty="0">
+              <a:solidFill>
+                <a:srgbClr val="000000"/>
+              </a:solidFill>
+            </a:endParaRPr>
+          </a:p>
+        </p:txBody>
+      </p:sp>
+      <p:sp>
+        <p:nvSpPr>
+          <p:cNvPr id="4" name="Footer Placeholder 3"/>
+          <p:cNvSpPr>
+            <a:spLocks noGrp="1"/>
+          </p:cNvSpPr>
+          <p:nvPr>
+            <p:ph type="ftr" sz="quarter" idx="11"/>
+          </p:nvPr>
+        </p:nvSpPr>
+        <p:spPr/>
+        <p:txBody>
+          <a:bodyPr/>
+          <a:lstStyle/>
+          <a:p>
+            <a:r>
+              <a:rPr lang="en-US" smtClean="0"/>
+              <a:t>Archetype Modeling Language</a:t>
+            </a:r>
+            <a:endParaRPr lang="en-US" dirty="0"/>
+          </a:p>
+        </p:txBody>
+      </p:sp>
+      <p:sp>
+        <p:nvSpPr>
+          <p:cNvPr id="5" name="Slide Number Placeholder 4"/>
+          <p:cNvSpPr>
+            <a:spLocks noGrp="1"/>
+          </p:cNvSpPr>
+          <p:nvPr>
+            <p:ph type="sldNum" sz="quarter" idx="12"/>
+          </p:nvPr>
+        </p:nvSpPr>
+        <p:spPr/>
+        <p:txBody>
+          <a:bodyPr/>
+          <a:lstStyle/>
+          <a:p>
+            <a:fld id="{F1C60CE6-A564-2C44-BB7B-900AEECBE3A4}" type="slidenum">
+              <a:rPr lang="en-US" smtClean="0"/>
+              <a:t>22</a:t>
+            </a:fld>
+            <a:endParaRPr lang="en-US"/>
+          </a:p>
+        </p:txBody>
+      </p:sp>
+      <p:cxnSp>
+        <p:nvCxnSpPr>
+          <p:cNvPr id="6" name="Straight Connector 5"/>
+          <p:cNvCxnSpPr/>
+          <p:nvPr/>
+        </p:nvCxnSpPr>
+        <p:spPr>
+          <a:xfrm flipV="1">
+            <a:off x="0" y="1188975"/>
+            <a:ext cx="9144000" cy="36030"/>
+          </a:xfrm>
+          <a:prstGeom prst="line">
+            <a:avLst/>
+          </a:prstGeom>
+        </p:spPr>
+        <p:style>
+          <a:lnRef idx="2">
+            <a:schemeClr val="accent1"/>
+          </a:lnRef>
+          <a:fillRef idx="0">
+            <a:schemeClr val="accent1"/>
+          </a:fillRef>
+          <a:effectRef idx="1">
+            <a:schemeClr val="accent1"/>
+          </a:effectRef>
+          <a:fontRef idx="minor">
+            <a:schemeClr val="tx1"/>
+          </a:fontRef>
+        </p:style>
+      </p:cxnSp>
+      <p:sp>
+        <p:nvSpPr>
+          <p:cNvPr id="9" name="TextBox 8"/>
+          <p:cNvSpPr txBox="1"/>
+          <p:nvPr/>
+        </p:nvSpPr>
+        <p:spPr>
+          <a:xfrm>
+            <a:off x="6553200" y="5817741"/>
+            <a:ext cx="2277241" cy="538609"/>
+          </a:xfrm>
+          <a:prstGeom prst="rect">
+            <a:avLst/>
+          </a:prstGeom>
+          <a:noFill/>
+        </p:spPr>
+        <p:txBody>
+          <a:bodyPr wrap="square" rtlCol="0">
+            <a:spAutoFit/>
+          </a:bodyPr>
+          <a:lstStyle/>
+          <a:p>
+            <a:r>
+              <a:rPr lang="en-US" sz="1100" dirty="0" smtClean="0"/>
+              <a:t>Source: </a:t>
+            </a:r>
+            <a:r>
+              <a:rPr lang="en-US" sz="1100" dirty="0" smtClean="0">
+                <a:hlinkClick r:id="rId3"/>
+              </a:rPr>
+              <a:t>http</a:t>
+            </a:r>
+            <a:r>
+              <a:rPr lang="en-US" sz="1100" dirty="0">
+                <a:hlinkClick r:id="rId3"/>
+              </a:rPr>
+              <a:t>://www.opencimi.org</a:t>
+            </a:r>
+            <a:r>
+              <a:rPr lang="en-US" sz="1100" dirty="0" smtClean="0">
+                <a:hlinkClick r:id="rId3"/>
+              </a:rPr>
+              <a:t>/</a:t>
+            </a:r>
+            <a:endParaRPr lang="en-US" sz="1100" dirty="0" smtClean="0"/>
+          </a:p>
+          <a:p>
+            <a:endParaRPr lang="en-US" dirty="0" smtClean="0"/>
+          </a:p>
+        </p:txBody>
+      </p:sp>
+    </p:spTree>
+    <p:extLst>
+      <p:ext uri="{BB962C8B-B14F-4D97-AF65-F5344CB8AC3E}">
+        <p14:creationId xmlns:p14="http://schemas.microsoft.com/office/powerpoint/2010/main" val="4267484079"/>
+      </p:ext>
+    </p:extLst>
+  </p:cSld>
+  <p:clrMapOvr>
+    <a:masterClrMapping/>
+  </p:clrMapOvr>
+</p:sld>
+</file>
+
+<file path=ppt/slides/slide23.xml><?xml version="1.0" encoding="utf-8"?>
+<p:sld xmlns:a="http://schemas.openxmlformats.org/drawingml/2006/main" xmlns:r="http://schemas.openxmlformats.org/officeDocument/2006/relationships" xmlns:p="http://schemas.openxmlformats.org/presentationml/2006/main">
+  <p:cSld>
+    <p:spTree>
+      <p:nvGrpSpPr>
+        <p:cNvPr id="1" name=""/>
+        <p:cNvGrpSpPr/>
+        <p:nvPr/>
+      </p:nvGrpSpPr>
+      <p:grpSpPr>
+        <a:xfrm>
+          <a:off x="0" y="0"/>
+          <a:ext cx="0" cy="0"/>
+          <a:chOff x="0" y="0"/>
+          <a:chExt cx="0" cy="0"/>
+        </a:xfrm>
+      </p:grpSpPr>
+      <p:sp>
+        <p:nvSpPr>
+          <p:cNvPr id="2" name="Title 1"/>
+          <p:cNvSpPr>
+            <a:spLocks noGrp="1"/>
+          </p:cNvSpPr>
+          <p:nvPr>
+            <p:ph type="title"/>
+          </p:nvPr>
+        </p:nvSpPr>
+        <p:spPr>
+          <a:xfrm>
+            <a:off x="457200" y="274638"/>
+            <a:ext cx="8229600" cy="914337"/>
+          </a:xfrm>
+        </p:spPr>
+        <p:txBody>
+          <a:bodyPr>
+            <a:normAutofit/>
+          </a:bodyPr>
+          <a:lstStyle/>
+          <a:p>
+            <a:r>
+              <a:rPr lang="en-US" dirty="0" smtClean="0"/>
+              <a:t>CIMI – Shared Repository</a:t>
+            </a:r>
+            <a:endParaRPr lang="en-US" dirty="0"/>
+          </a:p>
+        </p:txBody>
+      </p:sp>
+      <p:sp>
+        <p:nvSpPr>
+          <p:cNvPr id="4" name="Footer Placeholder 3"/>
+          <p:cNvSpPr>
+            <a:spLocks noGrp="1"/>
+          </p:cNvSpPr>
+          <p:nvPr>
+            <p:ph type="ftr" sz="quarter" idx="11"/>
+          </p:nvPr>
+        </p:nvSpPr>
+        <p:spPr/>
+        <p:txBody>
+          <a:bodyPr/>
+          <a:lstStyle/>
+          <a:p>
+            <a:r>
+              <a:rPr lang="en-US" dirty="0" smtClean="0"/>
+              <a:t>Archetype Modeling Language</a:t>
+            </a:r>
+            <a:endParaRPr lang="en-US" dirty="0"/>
+          </a:p>
+        </p:txBody>
+      </p:sp>
+      <p:sp>
+        <p:nvSpPr>
+          <p:cNvPr id="5" name="Slide Number Placeholder 4"/>
+          <p:cNvSpPr>
+            <a:spLocks noGrp="1"/>
+          </p:cNvSpPr>
+          <p:nvPr>
+            <p:ph type="sldNum" sz="quarter" idx="12"/>
+          </p:nvPr>
+        </p:nvSpPr>
+        <p:spPr/>
+        <p:txBody>
+          <a:bodyPr/>
+          <a:lstStyle/>
+          <a:p>
+            <a:fld id="{F1C60CE6-A564-2C44-BB7B-900AEECBE3A4}" type="slidenum">
+              <a:rPr lang="en-US" smtClean="0"/>
+              <a:t>23</a:t>
+            </a:fld>
+            <a:endParaRPr lang="en-US"/>
+          </a:p>
+        </p:txBody>
+      </p:sp>
+      <p:cxnSp>
+        <p:nvCxnSpPr>
+          <p:cNvPr id="6" name="Straight Connector 5"/>
+          <p:cNvCxnSpPr/>
+          <p:nvPr/>
+        </p:nvCxnSpPr>
+        <p:spPr>
+          <a:xfrm flipV="1">
+            <a:off x="0" y="1188975"/>
+            <a:ext cx="9144000" cy="36030"/>
+          </a:xfrm>
+          <a:prstGeom prst="line">
+            <a:avLst/>
+          </a:prstGeom>
+        </p:spPr>
+        <p:style>
+          <a:lnRef idx="2">
+            <a:schemeClr val="accent1"/>
+          </a:lnRef>
+          <a:fillRef idx="0">
+            <a:schemeClr val="accent1"/>
+          </a:fillRef>
+          <a:effectRef idx="1">
+            <a:schemeClr val="accent1"/>
+          </a:effectRef>
+          <a:fontRef idx="minor">
+            <a:schemeClr val="tx1"/>
+          </a:fontRef>
+        </p:style>
+      </p:cxnSp>
+      <p:sp>
+        <p:nvSpPr>
+          <p:cNvPr id="9" name="TextBox 8"/>
+          <p:cNvSpPr txBox="1"/>
+          <p:nvPr/>
+        </p:nvSpPr>
+        <p:spPr>
+          <a:xfrm>
+            <a:off x="6218621" y="6356350"/>
+            <a:ext cx="2277241" cy="707886"/>
+          </a:xfrm>
+          <a:prstGeom prst="rect">
+            <a:avLst/>
+          </a:prstGeom>
+          <a:noFill/>
+        </p:spPr>
+        <p:txBody>
+          <a:bodyPr wrap="square" rtlCol="0">
+            <a:spAutoFit/>
+          </a:bodyPr>
+          <a:lstStyle/>
+          <a:p>
+            <a:endParaRPr lang="en-US" sz="1100" dirty="0" smtClean="0"/>
+          </a:p>
+          <a:p>
+            <a:r>
+              <a:rPr lang="en-US" sz="1100" dirty="0" smtClean="0"/>
+              <a:t>Source: </a:t>
+            </a:r>
+            <a:r>
+              <a:rPr lang="en-US" sz="1100" dirty="0" smtClean="0">
+                <a:hlinkClick r:id="rId3"/>
+              </a:rPr>
+              <a:t>http</a:t>
+            </a:r>
+            <a:r>
+              <a:rPr lang="en-US" sz="1100" dirty="0">
+                <a:hlinkClick r:id="rId3"/>
+              </a:rPr>
+              <a:t>://www.opencimi.org</a:t>
+            </a:r>
+            <a:r>
+              <a:rPr lang="en-US" sz="1100" dirty="0" smtClean="0">
+                <a:hlinkClick r:id="rId3"/>
+              </a:rPr>
+              <a:t>/</a:t>
+            </a:r>
+            <a:endParaRPr lang="en-US" sz="1100" dirty="0" smtClean="0"/>
+          </a:p>
+          <a:p>
+            <a:endParaRPr lang="en-US" dirty="0" smtClean="0"/>
+          </a:p>
+        </p:txBody>
+      </p:sp>
+      <p:pic>
+        <p:nvPicPr>
+          <p:cNvPr id="11" name="Picture 10" descr="Screen Shot 2015-04-21 at 1.31.11 PM.png"/>
+          <p:cNvPicPr>
+            <a:picLocks noChangeAspect="1"/>
+          </p:cNvPicPr>
+          <p:nvPr/>
+        </p:nvPicPr>
+        <p:blipFill>
+          <a:blip r:embed="rId4">
+            <a:extLst>
+              <a:ext uri="{28A0092B-C50C-407E-A947-70E740481C1C}">
+                <a14:useLocalDpi xmlns:a14="http://schemas.microsoft.com/office/drawing/2010/main" val="0"/>
+              </a:ext>
+            </a:extLst>
+          </a:blip>
+          <a:stretch>
+            <a:fillRect/>
+          </a:stretch>
+        </p:blipFill>
+        <p:spPr>
+          <a:xfrm>
+            <a:off x="788275" y="1242735"/>
+            <a:ext cx="7620001" cy="5196951"/>
+          </a:xfrm>
+          <a:prstGeom prst="rect">
+            <a:avLst/>
+          </a:prstGeom>
+        </p:spPr>
+      </p:pic>
+    </p:spTree>
+    <p:extLst>
+      <p:ext uri="{BB962C8B-B14F-4D97-AF65-F5344CB8AC3E}">
+        <p14:creationId xmlns:p14="http://schemas.microsoft.com/office/powerpoint/2010/main" val="2175095630"/>
+      </p:ext>
+    </p:extLst>
+  </p:cSld>
+  <p:clrMapOvr>
+    <a:masterClrMapping/>
+  </p:clrMapOvr>
+  <p:timing>
+    <p:tnLst>
+      <p:par>
+        <p:cTn xmlns:p14="http://schemas.microsoft.com/office/powerpoint/2010/main" id="1" dur="indefinite" restart="never" nodeType="tmRoot"/>
+      </p:par>
+    </p:tnLst>
+  </p:timing>
+</p:sld>
+</file>
+
+<file path=ppt/slides/slide24.xml><?xml version="1.0" encoding="utf-8"?>
+<p:sld xmlns:a="http://schemas.openxmlformats.org/drawingml/2006/main" xmlns:r="http://schemas.openxmlformats.org/officeDocument/2006/relationships" xmlns:p="http://schemas.openxmlformats.org/presentationml/2006/main">
+  <p:cSld>
+    <p:spTree>
+      <p:nvGrpSpPr>
+        <p:cNvPr id="1" name=""/>
+        <p:cNvGrpSpPr/>
+        <p:nvPr/>
+      </p:nvGrpSpPr>
+      <p:grpSpPr>
+        <a:xfrm>
+          <a:off x="0" y="0"/>
+          <a:ext cx="0" cy="0"/>
+          <a:chOff x="0" y="0"/>
+          <a:chExt cx="0" cy="0"/>
+        </a:xfrm>
+      </p:grpSpPr>
+      <p:sp>
+        <p:nvSpPr>
+          <p:cNvPr id="2" name="Title 1"/>
+          <p:cNvSpPr>
+            <a:spLocks noGrp="1"/>
+          </p:cNvSpPr>
+          <p:nvPr>
+            <p:ph type="title"/>
+          </p:nvPr>
+        </p:nvSpPr>
+        <p:spPr>
+          <a:xfrm>
+            <a:off x="457200" y="274638"/>
+            <a:ext cx="8229600" cy="914337"/>
+          </a:xfrm>
+        </p:spPr>
+        <p:txBody>
+          <a:bodyPr>
+            <a:normAutofit/>
+          </a:bodyPr>
+          <a:lstStyle/>
+          <a:p>
+            <a:r>
+              <a:rPr lang="en-US" dirty="0" smtClean="0"/>
+              <a:t>CIMI – Coded Elements</a:t>
+            </a:r>
+            <a:endParaRPr lang="en-US" dirty="0"/>
+          </a:p>
+        </p:txBody>
+      </p:sp>
+      <p:sp>
+        <p:nvSpPr>
+          <p:cNvPr id="3" name="Content Placeholder 2"/>
+          <p:cNvSpPr>
+            <a:spLocks noGrp="1"/>
+          </p:cNvSpPr>
+          <p:nvPr>
+            <p:ph idx="1"/>
+          </p:nvPr>
+        </p:nvSpPr>
+        <p:spPr/>
+        <p:txBody>
+          <a:bodyPr>
+            <a:normAutofit/>
+          </a:bodyPr>
+          <a:lstStyle/>
+          <a:p>
+            <a:r>
+              <a:rPr lang="en-US" dirty="0" smtClean="0">
+                <a:solidFill>
+                  <a:srgbClr val="000000"/>
+                </a:solidFill>
+              </a:rPr>
+              <a:t>Model Elements are bound to Standard Terminologies and Ontologies:</a:t>
+            </a:r>
+          </a:p>
+          <a:p>
+            <a:pPr lvl="1"/>
+            <a:r>
+              <a:rPr lang="en-US" b="1" dirty="0">
+                <a:solidFill>
+                  <a:srgbClr val="000000"/>
+                </a:solidFill>
+              </a:rPr>
+              <a:t>SNOMED CT</a:t>
+            </a:r>
+            <a:r>
+              <a:rPr lang="en-US" dirty="0">
+                <a:solidFill>
+                  <a:srgbClr val="000000"/>
+                </a:solidFill>
+              </a:rPr>
+              <a:t>  - primary and preferred.</a:t>
+            </a:r>
+          </a:p>
+          <a:p>
+            <a:pPr marL="914400" lvl="2" indent="0">
+              <a:buNone/>
+            </a:pPr>
+            <a:r>
+              <a:rPr lang="en-US" sz="1600" i="1" dirty="0">
+                <a:solidFill>
+                  <a:srgbClr val="000000"/>
+                </a:solidFill>
+              </a:rPr>
+              <a:t>Systematized Nomenclature of Medicine – Clinical Terms</a:t>
+            </a:r>
+            <a:endParaRPr lang="en-US" dirty="0">
+              <a:solidFill>
+                <a:srgbClr val="000000"/>
+              </a:solidFill>
+            </a:endParaRPr>
+          </a:p>
+          <a:p>
+            <a:pPr lvl="1"/>
+            <a:r>
+              <a:rPr lang="en-US" b="1" dirty="0">
+                <a:solidFill>
+                  <a:srgbClr val="000000"/>
+                </a:solidFill>
+              </a:rPr>
+              <a:t>LOINC</a:t>
+            </a:r>
+            <a:r>
+              <a:rPr lang="en-US" dirty="0">
+                <a:solidFill>
+                  <a:srgbClr val="000000"/>
+                </a:solidFill>
+              </a:rPr>
+              <a:t>  - approved.</a:t>
+            </a:r>
+          </a:p>
+          <a:p>
+            <a:pPr marL="914400" lvl="2" indent="0">
+              <a:buNone/>
+            </a:pPr>
+            <a:r>
+              <a:rPr lang="en-US" sz="1600" i="1" dirty="0">
+                <a:solidFill>
+                  <a:srgbClr val="000000"/>
+                </a:solidFill>
+              </a:rPr>
+              <a:t>Logical Observation Identifiers Names and </a:t>
+            </a:r>
+            <a:r>
+              <a:rPr lang="en-US" sz="1600" i="1" dirty="0" smtClean="0">
+                <a:solidFill>
+                  <a:srgbClr val="000000"/>
+                </a:solidFill>
+              </a:rPr>
+              <a:t>Codes</a:t>
+            </a:r>
+          </a:p>
+          <a:p>
+            <a:pPr marL="914400" lvl="2" indent="0">
+              <a:buNone/>
+            </a:pPr>
+            <a:endParaRPr lang="en-US" dirty="0" smtClean="0">
+              <a:solidFill>
+                <a:srgbClr val="000000"/>
+              </a:solidFill>
+            </a:endParaRPr>
+          </a:p>
+          <a:p>
+            <a:r>
+              <a:rPr lang="en-US" dirty="0" smtClean="0">
+                <a:solidFill>
+                  <a:srgbClr val="000000"/>
+                </a:solidFill>
+              </a:rPr>
+              <a:t>CIMI SNOMED CT Identifier for extension.</a:t>
+            </a:r>
+          </a:p>
+          <a:p>
+            <a:r>
+              <a:rPr lang="en-US" dirty="0" smtClean="0">
+                <a:solidFill>
+                  <a:srgbClr val="000000"/>
+                </a:solidFill>
+              </a:rPr>
+              <a:t>Value-sets only by reference.</a:t>
+            </a:r>
+          </a:p>
+        </p:txBody>
+      </p:sp>
+      <p:sp>
+        <p:nvSpPr>
+          <p:cNvPr id="4" name="Footer Placeholder 3"/>
+          <p:cNvSpPr>
+            <a:spLocks noGrp="1"/>
+          </p:cNvSpPr>
+          <p:nvPr>
+            <p:ph type="ftr" sz="quarter" idx="11"/>
+          </p:nvPr>
+        </p:nvSpPr>
+        <p:spPr/>
+        <p:txBody>
+          <a:bodyPr/>
+          <a:lstStyle/>
+          <a:p>
+            <a:r>
+              <a:rPr lang="en-US" smtClean="0"/>
+              <a:t>Archetype Modeling Language</a:t>
+            </a:r>
+            <a:endParaRPr lang="en-US" dirty="0"/>
+          </a:p>
+        </p:txBody>
+      </p:sp>
+      <p:sp>
+        <p:nvSpPr>
+          <p:cNvPr id="5" name="Slide Number Placeholder 4"/>
+          <p:cNvSpPr>
+            <a:spLocks noGrp="1"/>
+          </p:cNvSpPr>
+          <p:nvPr>
+            <p:ph type="sldNum" sz="quarter" idx="12"/>
+          </p:nvPr>
+        </p:nvSpPr>
+        <p:spPr/>
+        <p:txBody>
+          <a:bodyPr/>
+          <a:lstStyle/>
+          <a:p>
+            <a:fld id="{F1C60CE6-A564-2C44-BB7B-900AEECBE3A4}" type="slidenum">
+              <a:rPr lang="en-US" smtClean="0"/>
+              <a:t>24</a:t>
+            </a:fld>
+            <a:endParaRPr lang="en-US"/>
+          </a:p>
+        </p:txBody>
+      </p:sp>
+      <p:cxnSp>
+        <p:nvCxnSpPr>
+          <p:cNvPr id="6" name="Straight Connector 5"/>
+          <p:cNvCxnSpPr/>
+          <p:nvPr/>
+        </p:nvCxnSpPr>
+        <p:spPr>
+          <a:xfrm flipV="1">
+            <a:off x="0" y="1188975"/>
+            <a:ext cx="9144000" cy="36030"/>
+          </a:xfrm>
+          <a:prstGeom prst="line">
+            <a:avLst/>
+          </a:prstGeom>
+        </p:spPr>
+        <p:style>
+          <a:lnRef idx="2">
+            <a:schemeClr val="accent1"/>
+          </a:lnRef>
+          <a:fillRef idx="0">
+            <a:schemeClr val="accent1"/>
+          </a:fillRef>
+          <a:effectRef idx="1">
+            <a:schemeClr val="accent1"/>
+          </a:effectRef>
+          <a:fontRef idx="minor">
+            <a:schemeClr val="tx1"/>
+          </a:fontRef>
+        </p:style>
+      </p:cxnSp>
+      <p:sp>
+        <p:nvSpPr>
+          <p:cNvPr id="7" name="TextBox 6"/>
+          <p:cNvSpPr txBox="1"/>
+          <p:nvPr/>
+        </p:nvSpPr>
+        <p:spPr>
+          <a:xfrm>
+            <a:off x="-1970690" y="639379"/>
+            <a:ext cx="184666" cy="369332"/>
+          </a:xfrm>
+          <a:prstGeom prst="rect">
+            <a:avLst/>
+          </a:prstGeom>
+          <a:noFill/>
+        </p:spPr>
+        <p:txBody>
+          <a:bodyPr wrap="none" rtlCol="0">
+            <a:spAutoFit/>
+          </a:bodyPr>
+          <a:lstStyle/>
+          <a:p>
+            <a:endParaRPr lang="en-US" dirty="0"/>
+          </a:p>
+        </p:txBody>
+      </p:sp>
+    </p:spTree>
+    <p:extLst>
+      <p:ext uri="{BB962C8B-B14F-4D97-AF65-F5344CB8AC3E}">
+        <p14:creationId xmlns:p14="http://schemas.microsoft.com/office/powerpoint/2010/main" val="3990479869"/>
+      </p:ext>
+    </p:extLst>
+  </p:cSld>
+  <p:clrMapOvr>
+    <a:masterClrMapping/>
+  </p:clrMapOvr>
+  <p:timing>
+    <p:tnLst>
+      <p:par>
+        <p:cTn xmlns:p14="http://schemas.microsoft.com/office/powerpoint/2010/main" id="1" dur="indefinite" restart="never" nodeType="tmRoot"/>
+      </p:par>
+    </p:tnLst>
+  </p:timing>
+</p:sld>
+</file>
+
+<file path=ppt/slides/slide25.xml><?xml version="1.0" encoding="utf-8"?>
+<p:sld xmlns:a="http://schemas.openxmlformats.org/drawingml/2006/main" xmlns:r="http://schemas.openxmlformats.org/officeDocument/2006/relationships" xmlns:p="http://schemas.openxmlformats.org/presentationml/2006/main">
+  <p:cSld>
+    <p:spTree>
+      <p:nvGrpSpPr>
+        <p:cNvPr id="1" name=""/>
+        <p:cNvGrpSpPr/>
+        <p:nvPr/>
+      </p:nvGrpSpPr>
+      <p:grpSpPr>
+        <a:xfrm>
+          <a:off x="0" y="0"/>
+          <a:ext cx="0" cy="0"/>
+          <a:chOff x="0" y="0"/>
+          <a:chExt cx="0" cy="0"/>
+        </a:xfrm>
+      </p:grpSpPr>
+      <p:sp>
+        <p:nvSpPr>
+          <p:cNvPr id="2" name="Title 1"/>
+          <p:cNvSpPr>
+            <a:spLocks noGrp="1"/>
+          </p:cNvSpPr>
+          <p:nvPr>
+            <p:ph type="title"/>
+          </p:nvPr>
+        </p:nvSpPr>
+        <p:spPr>
+          <a:xfrm>
+            <a:off x="457200" y="274638"/>
+            <a:ext cx="8229600" cy="914337"/>
+          </a:xfrm>
+        </p:spPr>
+        <p:txBody>
+          <a:bodyPr>
+            <a:normAutofit/>
+          </a:bodyPr>
+          <a:lstStyle/>
+          <a:p>
+            <a:r>
+              <a:rPr lang="en-US" dirty="0" smtClean="0"/>
+              <a:t>CIMI – Model Browser</a:t>
+            </a:r>
+            <a:endParaRPr lang="en-US" dirty="0"/>
+          </a:p>
+        </p:txBody>
+      </p:sp>
+      <p:sp>
+        <p:nvSpPr>
+          <p:cNvPr id="4" name="Footer Placeholder 3"/>
+          <p:cNvSpPr>
+            <a:spLocks noGrp="1"/>
+          </p:cNvSpPr>
+          <p:nvPr>
+            <p:ph type="ftr" sz="quarter" idx="11"/>
+          </p:nvPr>
+        </p:nvSpPr>
+        <p:spPr/>
+        <p:txBody>
+          <a:bodyPr/>
+          <a:lstStyle/>
+          <a:p>
+            <a:r>
+              <a:rPr lang="en-US" dirty="0" smtClean="0"/>
+              <a:t>Archetype Modeling Language</a:t>
+            </a:r>
+            <a:endParaRPr lang="en-US" dirty="0"/>
+          </a:p>
+        </p:txBody>
+      </p:sp>
+      <p:sp>
+        <p:nvSpPr>
+          <p:cNvPr id="5" name="Slide Number Placeholder 4"/>
+          <p:cNvSpPr>
+            <a:spLocks noGrp="1"/>
+          </p:cNvSpPr>
+          <p:nvPr>
+            <p:ph type="sldNum" sz="quarter" idx="12"/>
+          </p:nvPr>
+        </p:nvSpPr>
+        <p:spPr/>
+        <p:txBody>
+          <a:bodyPr/>
+          <a:lstStyle/>
+          <a:p>
+            <a:fld id="{F1C60CE6-A564-2C44-BB7B-900AEECBE3A4}" type="slidenum">
+              <a:rPr lang="en-US" smtClean="0"/>
+              <a:t>25</a:t>
+            </a:fld>
+            <a:endParaRPr lang="en-US"/>
+          </a:p>
+        </p:txBody>
+      </p:sp>
+      <p:cxnSp>
+        <p:nvCxnSpPr>
+          <p:cNvPr id="6" name="Straight Connector 5"/>
+          <p:cNvCxnSpPr/>
+          <p:nvPr/>
+        </p:nvCxnSpPr>
+        <p:spPr>
+          <a:xfrm flipV="1">
+            <a:off x="0" y="1188975"/>
+            <a:ext cx="9144000" cy="36030"/>
+          </a:xfrm>
+          <a:prstGeom prst="line">
+            <a:avLst/>
+          </a:prstGeom>
+        </p:spPr>
+        <p:style>
+          <a:lnRef idx="2">
+            <a:schemeClr val="accent1"/>
+          </a:lnRef>
+          <a:fillRef idx="0">
+            <a:schemeClr val="accent1"/>
+          </a:fillRef>
+          <a:effectRef idx="1">
+            <a:schemeClr val="accent1"/>
+          </a:effectRef>
+          <a:fontRef idx="minor">
+            <a:schemeClr val="tx1"/>
+          </a:fontRef>
+        </p:style>
+      </p:cxnSp>
+      <p:sp>
+        <p:nvSpPr>
+          <p:cNvPr id="9" name="TextBox 8"/>
+          <p:cNvSpPr txBox="1"/>
+          <p:nvPr/>
+        </p:nvSpPr>
+        <p:spPr>
+          <a:xfrm>
+            <a:off x="5728139" y="5811560"/>
+            <a:ext cx="3090040" cy="1046440"/>
+          </a:xfrm>
+          <a:prstGeom prst="rect">
+            <a:avLst/>
+          </a:prstGeom>
+          <a:noFill/>
+        </p:spPr>
+        <p:txBody>
+          <a:bodyPr wrap="square" rtlCol="0">
+            <a:spAutoFit/>
+          </a:bodyPr>
+          <a:lstStyle/>
+          <a:p>
+            <a:endParaRPr lang="en-US" sz="1100" dirty="0" smtClean="0"/>
+          </a:p>
+          <a:p>
+            <a:r>
+              <a:rPr lang="en-US" sz="1100" dirty="0" smtClean="0"/>
+              <a:t>Source: </a:t>
+            </a:r>
+            <a:r>
+              <a:rPr lang="en-US" sz="1100" dirty="0" smtClean="0">
+                <a:hlinkClick r:id="rId3"/>
+              </a:rPr>
+              <a:t>http</a:t>
+            </a:r>
+            <a:r>
+              <a:rPr lang="en-US" sz="1100" dirty="0">
+                <a:hlinkClick r:id="rId3"/>
+              </a:rPr>
+              <a:t>://</a:t>
+            </a:r>
+            <a:r>
+              <a:rPr lang="en-US" sz="1100" dirty="0" smtClean="0">
+                <a:hlinkClick r:id="rId3"/>
+              </a:rPr>
+              <a:t>www.clinicalelement.com/cimi-browser</a:t>
+            </a:r>
+            <a:endParaRPr lang="en-US" sz="1100" dirty="0" smtClean="0"/>
+          </a:p>
+          <a:p>
+            <a:endParaRPr lang="en-US" sz="1100" dirty="0" smtClean="0"/>
+          </a:p>
+          <a:p>
+            <a:endParaRPr lang="en-US" dirty="0" smtClean="0"/>
+          </a:p>
+        </p:txBody>
+      </p:sp>
+      <p:pic>
+        <p:nvPicPr>
+          <p:cNvPr id="3" name="Picture 2" descr="Screen Shot 2015-04-21 at 2.01.38 PM.png"/>
+          <p:cNvPicPr>
+            <a:picLocks noChangeAspect="1"/>
+          </p:cNvPicPr>
+          <p:nvPr/>
+        </p:nvPicPr>
+        <p:blipFill>
+          <a:blip r:embed="rId4">
+            <a:extLst>
+              <a:ext uri="{28A0092B-C50C-407E-A947-70E740481C1C}">
+                <a14:useLocalDpi xmlns:a14="http://schemas.microsoft.com/office/drawing/2010/main" val="0"/>
+              </a:ext>
+            </a:extLst>
+          </a:blip>
+          <a:stretch>
+            <a:fillRect/>
+          </a:stretch>
+        </p:blipFill>
+        <p:spPr>
+          <a:xfrm>
+            <a:off x="0" y="1295074"/>
+            <a:ext cx="9144000" cy="4716379"/>
+          </a:xfrm>
+          <a:prstGeom prst="rect">
+            <a:avLst/>
+          </a:prstGeom>
+        </p:spPr>
+      </p:pic>
+      <p:cxnSp>
+        <p:nvCxnSpPr>
+          <p:cNvPr id="8" name="Straight Arrow Connector 7"/>
+          <p:cNvCxnSpPr/>
+          <p:nvPr/>
+        </p:nvCxnSpPr>
+        <p:spPr>
+          <a:xfrm flipH="1" flipV="1">
+            <a:off x="5439103" y="1900621"/>
+            <a:ext cx="648138" cy="639379"/>
+          </a:xfrm>
+          <a:prstGeom prst="straightConnector1">
+            <a:avLst/>
+          </a:prstGeom>
+          <a:ln>
+            <a:solidFill>
+              <a:srgbClr val="FF0000"/>
+            </a:solidFill>
+            <a:tailEnd type="arrow"/>
+          </a:ln>
+        </p:spPr>
+        <p:style>
+          <a:lnRef idx="2">
+            <a:schemeClr val="accent1"/>
+          </a:lnRef>
+          <a:fillRef idx="0">
+            <a:schemeClr val="accent1"/>
+          </a:fillRef>
+          <a:effectRef idx="1">
+            <a:schemeClr val="accent1"/>
+          </a:effectRef>
+          <a:fontRef idx="minor">
+            <a:schemeClr val="tx1"/>
+          </a:fontRef>
+        </p:style>
+      </p:cxnSp>
+      <p:cxnSp>
+        <p:nvCxnSpPr>
+          <p:cNvPr id="12" name="Straight Arrow Connector 11"/>
+          <p:cNvCxnSpPr/>
+          <p:nvPr/>
+        </p:nvCxnSpPr>
+        <p:spPr>
+          <a:xfrm flipH="1" flipV="1">
+            <a:off x="4566744" y="1825298"/>
+            <a:ext cx="1520497" cy="714702"/>
+          </a:xfrm>
+          <a:prstGeom prst="straightConnector1">
+            <a:avLst/>
+          </a:prstGeom>
+          <a:ln>
+            <a:solidFill>
+              <a:srgbClr val="FF0000"/>
+            </a:solidFill>
+            <a:tailEnd type="arrow"/>
+          </a:ln>
+        </p:spPr>
+        <p:style>
+          <a:lnRef idx="2">
+            <a:schemeClr val="accent1"/>
+          </a:lnRef>
+          <a:fillRef idx="0">
+            <a:schemeClr val="accent1"/>
+          </a:fillRef>
+          <a:effectRef idx="1">
+            <a:schemeClr val="accent1"/>
+          </a:effectRef>
+          <a:fontRef idx="minor">
+            <a:schemeClr val="tx1"/>
+          </a:fontRef>
+        </p:style>
+      </p:cxnSp>
+      <p:cxnSp>
+        <p:nvCxnSpPr>
+          <p:cNvPr id="13" name="Straight Arrow Connector 12"/>
+          <p:cNvCxnSpPr/>
+          <p:nvPr/>
+        </p:nvCxnSpPr>
+        <p:spPr>
+          <a:xfrm flipV="1">
+            <a:off x="6087241" y="1825299"/>
+            <a:ext cx="152400" cy="714701"/>
+          </a:xfrm>
+          <a:prstGeom prst="straightConnector1">
+            <a:avLst/>
+          </a:prstGeom>
+          <a:ln>
+            <a:solidFill>
+              <a:srgbClr val="FF0000"/>
+            </a:solidFill>
+            <a:tailEnd type="arrow"/>
+          </a:ln>
+        </p:spPr>
+        <p:style>
+          <a:lnRef idx="2">
+            <a:schemeClr val="accent1"/>
+          </a:lnRef>
+          <a:fillRef idx="0">
+            <a:schemeClr val="accent1"/>
+          </a:fillRef>
+          <a:effectRef idx="1">
+            <a:schemeClr val="accent1"/>
+          </a:effectRef>
+          <a:fontRef idx="minor">
+            <a:schemeClr val="tx1"/>
+          </a:fontRef>
+        </p:style>
+      </p:cxnSp>
+      <p:cxnSp>
+        <p:nvCxnSpPr>
+          <p:cNvPr id="16" name="Straight Arrow Connector 15"/>
+          <p:cNvCxnSpPr/>
+          <p:nvPr/>
+        </p:nvCxnSpPr>
+        <p:spPr>
+          <a:xfrm flipV="1">
+            <a:off x="6087241" y="1900621"/>
+            <a:ext cx="1016000" cy="639379"/>
+          </a:xfrm>
+          <a:prstGeom prst="straightConnector1">
+            <a:avLst/>
+          </a:prstGeom>
+          <a:ln>
+            <a:solidFill>
+              <a:srgbClr val="FF0000"/>
+            </a:solidFill>
+            <a:tailEnd type="arrow"/>
+          </a:ln>
+        </p:spPr>
+        <p:style>
+          <a:lnRef idx="2">
+            <a:schemeClr val="accent1"/>
+          </a:lnRef>
+          <a:fillRef idx="0">
+            <a:schemeClr val="accent1"/>
+          </a:fillRef>
+          <a:effectRef idx="1">
+            <a:schemeClr val="accent1"/>
+          </a:effectRef>
+          <a:fontRef idx="minor">
+            <a:schemeClr val="tx1"/>
+          </a:fontRef>
+        </p:style>
+      </p:cxnSp>
+      <p:cxnSp>
+        <p:nvCxnSpPr>
+          <p:cNvPr id="19" name="Straight Arrow Connector 18"/>
+          <p:cNvCxnSpPr/>
+          <p:nvPr/>
+        </p:nvCxnSpPr>
+        <p:spPr>
+          <a:xfrm flipV="1">
+            <a:off x="6087241" y="1900621"/>
+            <a:ext cx="1778000" cy="639379"/>
+          </a:xfrm>
+          <a:prstGeom prst="straightConnector1">
+            <a:avLst/>
+          </a:prstGeom>
+          <a:ln>
+            <a:solidFill>
+              <a:srgbClr val="FF0000"/>
+            </a:solidFill>
+            <a:tailEnd type="arrow"/>
+          </a:ln>
+        </p:spPr>
+        <p:style>
+          <a:lnRef idx="2">
+            <a:schemeClr val="accent1"/>
+          </a:lnRef>
+          <a:fillRef idx="0">
+            <a:schemeClr val="accent1"/>
+          </a:fillRef>
+          <a:effectRef idx="1">
+            <a:schemeClr val="accent1"/>
+          </a:effectRef>
+          <a:fontRef idx="minor">
+            <a:schemeClr val="tx1"/>
+          </a:fontRef>
+        </p:style>
+      </p:cxnSp>
+    </p:spTree>
+    <p:extLst>
+      <p:ext uri="{BB962C8B-B14F-4D97-AF65-F5344CB8AC3E}">
+        <p14:creationId xmlns:p14="http://schemas.microsoft.com/office/powerpoint/2010/main" val="1807804459"/>
+      </p:ext>
+    </p:extLst>
+  </p:cSld>
+  <p:clrMapOvr>
+    <a:masterClrMapping/>
+  </p:clrMapOvr>
+  <p:timing>
+    <p:tnLst>
+      <p:par>
+        <p:cTn xmlns:p14="http://schemas.microsoft.com/office/powerpoint/2010/main" id="1" dur="indefinite" restart="never" nodeType="tmRoot">
+          <p:childTnLst>
+            <p:seq concurrent="1" nextAc="seek">
+              <p:cTn id="2" dur="indefinite" nodeType="mainSeq">
+                <p:childTnLst>
+                  <p:par>
+                    <p:cTn id="3" fill="hold">
+                      <p:stCondLst>
+                        <p:cond delay="indefinite"/>
+                      </p:stCondLst>
+                      <p:childTnLst>
+                        <p:par>
+                          <p:cTn id="4" fill="hold">
+                            <p:stCondLst>
+                              <p:cond delay="0"/>
+                            </p:stCondLst>
+                            <p:childTnLst>
+                              <p:par>
+                                <p:cTn id="5" presetID="1" presetClass="entr" presetSubtype="0" fill="hold" nodeType="clickEffect">
+                                  <p:stCondLst>
+                                    <p:cond delay="0"/>
+                                  </p:stCondLst>
+                                  <p:childTnLst>
+                                    <p:set>
+                                      <p:cBhvr>
+                                        <p:cTn id="6" dur="1" fill="hold">
+                                          <p:stCondLst>
+                                            <p:cond delay="0"/>
+                                          </p:stCondLst>
+                                        </p:cTn>
+                                        <p:tgtEl>
+                                          <p:spTgt spid="12"/>
+                                        </p:tgtEl>
+                                        <p:attrNameLst>
+                                          <p:attrName>style.visibility</p:attrName>
+                                        </p:attrNameLst>
+                                      </p:cBhvr>
+                                      <p:to>
+                                        <p:strVal val="visible"/>
+                                      </p:to>
+                                    </p:set>
+                                  </p:childTnLst>
+                                </p:cTn>
+                              </p:par>
+                              <p:par>
+                                <p:cTn id="7" presetID="1" presetClass="entr" presetSubtype="0" fill="hold" nodeType="withEffect">
+                                  <p:stCondLst>
+                                    <p:cond delay="0"/>
+                                  </p:stCondLst>
+                                  <p:childTnLst>
+                                    <p:set>
+                                      <p:cBhvr>
+                                        <p:cTn id="8" dur="1" fill="hold">
+                                          <p:stCondLst>
+                                            <p:cond delay="0"/>
+                                          </p:stCondLst>
+                                        </p:cTn>
+                                        <p:tgtEl>
+                                          <p:spTgt spid="8"/>
+                                        </p:tgtEl>
+                                        <p:attrNameLst>
+                                          <p:attrName>style.visibility</p:attrName>
+                                        </p:attrNameLst>
+                                      </p:cBhvr>
+                                      <p:to>
+                                        <p:strVal val="visible"/>
+                                      </p:to>
+                                    </p:set>
+                                  </p:childTnLst>
+                                </p:cTn>
+                              </p:par>
+                              <p:par>
+                                <p:cTn id="9" presetID="1" presetClass="entr" presetSubtype="0" fill="hold" nodeType="withEffect">
+                                  <p:stCondLst>
+                                    <p:cond delay="0"/>
+                                  </p:stCondLst>
+                                  <p:childTnLst>
+                                    <p:set>
+                                      <p:cBhvr>
+                                        <p:cTn id="10" dur="1" fill="hold">
+                                          <p:stCondLst>
+                                            <p:cond delay="0"/>
+                                          </p:stCondLst>
+                                        </p:cTn>
+                                        <p:tgtEl>
+                                          <p:spTgt spid="13"/>
+                                        </p:tgtEl>
+                                        <p:attrNameLst>
+                                          <p:attrName>style.visibility</p:attrName>
+                                        </p:attrNameLst>
+                                      </p:cBhvr>
+                                      <p:to>
+                                        <p:strVal val="visible"/>
+                                      </p:to>
+                                    </p:set>
+                                  </p:childTnLst>
+                                </p:cTn>
+                              </p:par>
+                              <p:par>
+                                <p:cTn id="11" presetID="1" presetClass="entr" presetSubtype="0" fill="hold" nodeType="withEffect">
+                                  <p:stCondLst>
+                                    <p:cond delay="0"/>
+                                  </p:stCondLst>
+                                  <p:childTnLst>
+                                    <p:set>
+                                      <p:cBhvr>
+                                        <p:cTn id="12" dur="1" fill="hold">
+                                          <p:stCondLst>
+                                            <p:cond delay="0"/>
+                                          </p:stCondLst>
+                                        </p:cTn>
+                                        <p:tgtEl>
+                                          <p:spTgt spid="16"/>
+                                        </p:tgtEl>
+                                        <p:attrNameLst>
+                                          <p:attrName>style.visibility</p:attrName>
+                                        </p:attrNameLst>
+                                      </p:cBhvr>
+                                      <p:to>
+                                        <p:strVal val="visible"/>
+                                      </p:to>
+                                    </p:set>
+                                  </p:childTnLst>
+                                </p:cTn>
+                              </p:par>
+                              <p:par>
+                                <p:cTn id="13" presetID="1" presetClass="entr" presetSubtype="0" fill="hold" nodeType="withEffect">
+                                  <p:stCondLst>
+                                    <p:cond delay="0"/>
+                                  </p:stCondLst>
+                                  <p:childTnLst>
+                                    <p:set>
+                                      <p:cBhvr>
+                                        <p:cTn id="14" dur="1" fill="hold">
+                                          <p:stCondLst>
+                                            <p:cond delay="0"/>
+                                          </p:stCondLst>
+                                        </p:cTn>
+                                        <p:tgtEl>
+                                          <p:spTgt spid="19"/>
+                                        </p:tgtEl>
+                                        <p:attrNameLst>
+                                          <p:attrName>style.visibility</p:attrName>
+                                        </p:attrNameLst>
+                                      </p:cBhvr>
+                                      <p:to>
+                                        <p:strVal val="visible"/>
+                                      </p:to>
+                                    </p:set>
+                                  </p:childTnLst>
+                                </p:cTn>
+                              </p:par>
+                            </p:childTnLst>
+                          </p:cTn>
+                        </p:par>
+                      </p:childTnLst>
+                    </p:cTn>
+                  </p:par>
+                </p:childTnLst>
+              </p:cTn>
+              <p:prevCondLst>
+                <p:cond evt="onPrev" delay="0">
+                  <p:tgtEl>
+                    <p:sldTgt/>
+                  </p:tgtEl>
+                </p:cond>
+              </p:prevCondLst>
+              <p:nextCondLst>
+                <p:cond evt="onNext" delay="0">
+                  <p:tgtEl>
+                    <p:sldTgt/>
+                  </p:tgtEl>
+                </p:cond>
+              </p:nextCondLst>
+            </p:seq>
+          </p:childTnLst>
+        </p:cTn>
+      </p:par>
+    </p:tnLst>
+  </p:timing>
+</p:sld>
+</file>
+
+<file path=ppt/slides/slide26.xml><?xml version="1.0" encoding="utf-8"?>
+<p:sld xmlns:a="http://schemas.openxmlformats.org/drawingml/2006/main" xmlns:r="http://schemas.openxmlformats.org/officeDocument/2006/relationships" xmlns:p="http://schemas.openxmlformats.org/presentationml/2006/main">
+  <p:cSld>
+    <p:spTree>
+      <p:nvGrpSpPr>
+        <p:cNvPr id="1" name=""/>
+        <p:cNvGrpSpPr/>
+        <p:nvPr/>
+      </p:nvGrpSpPr>
+      <p:grpSpPr>
+        <a:xfrm>
+          <a:off x="0" y="0"/>
+          <a:ext cx="0" cy="0"/>
+          <a:chOff x="0" y="0"/>
+          <a:chExt cx="0" cy="0"/>
+        </a:xfrm>
+      </p:grpSpPr>
+      <p:sp>
+        <p:nvSpPr>
+          <p:cNvPr id="2" name="Title 1"/>
+          <p:cNvSpPr>
+            <a:spLocks noGrp="1"/>
+          </p:cNvSpPr>
+          <p:nvPr>
+            <p:ph type="title"/>
+          </p:nvPr>
+        </p:nvSpPr>
+        <p:spPr>
+          <a:xfrm>
+            <a:off x="457200" y="274638"/>
+            <a:ext cx="8229600" cy="914337"/>
+          </a:xfrm>
+        </p:spPr>
+        <p:txBody>
+          <a:bodyPr>
+            <a:normAutofit/>
+          </a:bodyPr>
+          <a:lstStyle/>
+          <a:p>
+            <a:r>
+              <a:rPr lang="en-US" dirty="0" smtClean="0"/>
+              <a:t>Frameworks &amp; Tools</a:t>
+            </a:r>
+            <a:endParaRPr lang="en-US" dirty="0"/>
+          </a:p>
+        </p:txBody>
+      </p:sp>
+      <p:sp>
+        <p:nvSpPr>
+          <p:cNvPr id="3" name="Content Placeholder 2"/>
+          <p:cNvSpPr>
+            <a:spLocks noGrp="1"/>
+          </p:cNvSpPr>
+          <p:nvPr>
+            <p:ph idx="1"/>
+          </p:nvPr>
+        </p:nvSpPr>
+        <p:spPr/>
+        <p:txBody>
+          <a:bodyPr>
+            <a:normAutofit/>
+          </a:bodyPr>
+          <a:lstStyle/>
+          <a:p>
+            <a:pPr marL="0" indent="0">
+              <a:buNone/>
+            </a:pPr>
+            <a:r>
+              <a:rPr lang="en-US" dirty="0" smtClean="0">
+                <a:solidFill>
+                  <a:srgbClr val="000000"/>
+                </a:solidFill>
+              </a:rPr>
+              <a:t>So… How to create models now?</a:t>
+            </a:r>
+          </a:p>
+          <a:p>
+            <a:r>
+              <a:rPr lang="en-US" dirty="0" smtClean="0">
+                <a:solidFill>
+                  <a:srgbClr val="000000"/>
+                </a:solidFill>
+              </a:rPr>
+              <a:t>Existing</a:t>
+            </a:r>
+          </a:p>
+          <a:p>
+            <a:pPr lvl="1"/>
+            <a:r>
+              <a:rPr lang="en-US" dirty="0" smtClean="0">
+                <a:solidFill>
+                  <a:srgbClr val="000000"/>
+                </a:solidFill>
+              </a:rPr>
+              <a:t>HL7: Templates. </a:t>
+            </a:r>
+          </a:p>
+          <a:p>
+            <a:pPr lvl="1"/>
+            <a:r>
+              <a:rPr lang="en-US" dirty="0" err="1" smtClean="0">
+                <a:solidFill>
+                  <a:srgbClr val="000000"/>
+                </a:solidFill>
+              </a:rPr>
+              <a:t>OpenEHR</a:t>
+            </a:r>
+            <a:r>
+              <a:rPr lang="en-US" dirty="0" smtClean="0">
+                <a:solidFill>
+                  <a:srgbClr val="000000"/>
+                </a:solidFill>
+              </a:rPr>
+              <a:t>: Archetype Definition Language (ADL).</a:t>
+            </a:r>
+          </a:p>
+          <a:p>
+            <a:pPr lvl="1"/>
+            <a:r>
+              <a:rPr lang="en-US" dirty="0" smtClean="0">
+                <a:solidFill>
+                  <a:srgbClr val="000000"/>
+                </a:solidFill>
+              </a:rPr>
+              <a:t>GE-Intermountain Healthcare : Clinical Element Modeling Language (CEML).</a:t>
+            </a:r>
+          </a:p>
+          <a:p>
+            <a:r>
+              <a:rPr lang="en-US" dirty="0" smtClean="0">
+                <a:solidFill>
+                  <a:srgbClr val="000000"/>
+                </a:solidFill>
+              </a:rPr>
+              <a:t>New</a:t>
+            </a:r>
+          </a:p>
+          <a:p>
+            <a:pPr lvl="1"/>
+            <a:r>
+              <a:rPr lang="en-US" dirty="0" smtClean="0">
+                <a:solidFill>
+                  <a:srgbClr val="000000"/>
+                </a:solidFill>
+              </a:rPr>
+              <a:t>CIMI: Archetype Modeling Language (AML).</a:t>
+            </a:r>
+          </a:p>
+        </p:txBody>
+      </p:sp>
+      <p:sp>
+        <p:nvSpPr>
+          <p:cNvPr id="4" name="Footer Placeholder 3"/>
+          <p:cNvSpPr>
+            <a:spLocks noGrp="1"/>
+          </p:cNvSpPr>
+          <p:nvPr>
+            <p:ph type="ftr" sz="quarter" idx="11"/>
+          </p:nvPr>
+        </p:nvSpPr>
+        <p:spPr/>
+        <p:txBody>
+          <a:bodyPr/>
+          <a:lstStyle/>
+          <a:p>
+            <a:r>
+              <a:rPr lang="en-US" smtClean="0"/>
+              <a:t>Archetype Modeling Language</a:t>
+            </a:r>
+            <a:endParaRPr lang="en-US" dirty="0"/>
+          </a:p>
+        </p:txBody>
+      </p:sp>
+      <p:sp>
+        <p:nvSpPr>
+          <p:cNvPr id="5" name="Slide Number Placeholder 4"/>
+          <p:cNvSpPr>
+            <a:spLocks noGrp="1"/>
+          </p:cNvSpPr>
+          <p:nvPr>
+            <p:ph type="sldNum" sz="quarter" idx="12"/>
+          </p:nvPr>
+        </p:nvSpPr>
+        <p:spPr/>
+        <p:txBody>
+          <a:bodyPr/>
+          <a:lstStyle/>
+          <a:p>
+            <a:fld id="{F1C60CE6-A564-2C44-BB7B-900AEECBE3A4}" type="slidenum">
+              <a:rPr lang="en-US" smtClean="0"/>
+              <a:t>26</a:t>
+            </a:fld>
+            <a:endParaRPr lang="en-US" dirty="0"/>
+          </a:p>
+        </p:txBody>
+      </p:sp>
+      <p:cxnSp>
+        <p:nvCxnSpPr>
+          <p:cNvPr id="6" name="Straight Connector 5"/>
+          <p:cNvCxnSpPr/>
+          <p:nvPr/>
+        </p:nvCxnSpPr>
+        <p:spPr>
+          <a:xfrm flipV="1">
+            <a:off x="0" y="1188975"/>
+            <a:ext cx="9144000" cy="36030"/>
+          </a:xfrm>
+          <a:prstGeom prst="line">
+            <a:avLst/>
+          </a:prstGeom>
+        </p:spPr>
+        <p:style>
+          <a:lnRef idx="2">
+            <a:schemeClr val="accent1"/>
+          </a:lnRef>
+          <a:fillRef idx="0">
+            <a:schemeClr val="accent1"/>
+          </a:fillRef>
+          <a:effectRef idx="1">
+            <a:schemeClr val="accent1"/>
+          </a:effectRef>
+          <a:fontRef idx="minor">
+            <a:schemeClr val="tx1"/>
+          </a:fontRef>
+        </p:style>
+      </p:cxnSp>
+      <p:sp>
+        <p:nvSpPr>
+          <p:cNvPr id="7" name="TextBox 6"/>
+          <p:cNvSpPr txBox="1"/>
+          <p:nvPr/>
+        </p:nvSpPr>
+        <p:spPr>
+          <a:xfrm>
+            <a:off x="-1970690" y="639379"/>
+            <a:ext cx="184666" cy="369332"/>
+          </a:xfrm>
+          <a:prstGeom prst="rect">
+            <a:avLst/>
+          </a:prstGeom>
+          <a:noFill/>
+        </p:spPr>
+        <p:txBody>
+          <a:bodyPr wrap="none" rtlCol="0">
+            <a:spAutoFit/>
+          </a:bodyPr>
+          <a:lstStyle/>
+          <a:p>
+            <a:endParaRPr lang="en-US" dirty="0"/>
+          </a:p>
+        </p:txBody>
+      </p:sp>
+    </p:spTree>
+    <p:extLst>
+      <p:ext uri="{BB962C8B-B14F-4D97-AF65-F5344CB8AC3E}">
+        <p14:creationId xmlns:p14="http://schemas.microsoft.com/office/powerpoint/2010/main" val="3992887893"/>
+      </p:ext>
+    </p:extLst>
+  </p:cSld>
+  <p:clrMapOvr>
+    <a:masterClrMapping/>
+  </p:clrMapOvr>
+  <p:timing>
+    <p:tnLst>
+      <p:par>
+        <p:cTn xmlns:p14="http://schemas.microsoft.com/office/powerpoint/2010/main" id="1" dur="indefinite" restart="never" nodeType="tmRoot"/>
+      </p:par>
+    </p:tnLst>
+  </p:timing>
+</p:sld>
+</file>
+
+<file path=ppt/slides/slide27.xml><?xml version="1.0" encoding="utf-8"?>
+<p:sld xmlns:a="http://schemas.openxmlformats.org/drawingml/2006/main" xmlns:r="http://schemas.openxmlformats.org/officeDocument/2006/relationships" xmlns:p="http://schemas.openxmlformats.org/presentationml/2006/main">
+  <p:cSld>
+    <p:spTree>
+      <p:nvGrpSpPr>
+        <p:cNvPr id="1" name=""/>
+        <p:cNvGrpSpPr/>
+        <p:nvPr/>
+      </p:nvGrpSpPr>
+      <p:grpSpPr>
+        <a:xfrm>
+          <a:off x="0" y="0"/>
+          <a:ext cx="0" cy="0"/>
+          <a:chOff x="0" y="0"/>
+          <a:chExt cx="0" cy="0"/>
+        </a:xfrm>
+      </p:grpSpPr>
+      <p:sp>
+        <p:nvSpPr>
+          <p:cNvPr id="2" name="Title 1"/>
+          <p:cNvSpPr>
+            <a:spLocks noGrp="1"/>
+          </p:cNvSpPr>
+          <p:nvPr>
+            <p:ph type="title"/>
+          </p:nvPr>
+        </p:nvSpPr>
+        <p:spPr>
+          <a:xfrm>
+            <a:off x="457200" y="274638"/>
+            <a:ext cx="8229600" cy="914337"/>
+          </a:xfrm>
+        </p:spPr>
+        <p:txBody>
+          <a:bodyPr>
+            <a:normAutofit/>
+          </a:bodyPr>
+          <a:lstStyle/>
+          <a:p>
+            <a:r>
+              <a:rPr lang="en-US" dirty="0" smtClean="0"/>
+              <a:t>HL7 Templates</a:t>
+            </a:r>
+            <a:endParaRPr lang="en-US" dirty="0"/>
+          </a:p>
+        </p:txBody>
+      </p:sp>
+      <p:sp>
+        <p:nvSpPr>
+          <p:cNvPr id="3" name="Content Placeholder 2"/>
+          <p:cNvSpPr>
+            <a:spLocks noGrp="1"/>
+          </p:cNvSpPr>
+          <p:nvPr>
+            <p:ph idx="1"/>
+          </p:nvPr>
+        </p:nvSpPr>
+        <p:spPr/>
+        <p:txBody>
+          <a:bodyPr>
+            <a:normAutofit/>
+          </a:bodyPr>
+          <a:lstStyle/>
+          <a:p>
+            <a:r>
+              <a:rPr lang="en-US" dirty="0" smtClean="0">
+                <a:solidFill>
+                  <a:srgbClr val="000000"/>
+                </a:solidFill>
+              </a:rPr>
+              <a:t>Templates are similar to Archetypes.</a:t>
+            </a:r>
+          </a:p>
+          <a:p>
+            <a:r>
+              <a:rPr lang="en-US" dirty="0" smtClean="0">
+                <a:solidFill>
+                  <a:srgbClr val="000000"/>
+                </a:solidFill>
+              </a:rPr>
+              <a:t>Detailed Clinical Model with HL7 templates.</a:t>
+            </a:r>
+          </a:p>
+          <a:p>
+            <a:r>
+              <a:rPr lang="en-US" dirty="0" smtClean="0">
+                <a:solidFill>
+                  <a:srgbClr val="000000"/>
+                </a:solidFill>
+              </a:rPr>
+              <a:t>Bridge the gaps between technical representational formats - HL7 v3 templates and </a:t>
+            </a:r>
+            <a:r>
+              <a:rPr lang="en-US" dirty="0" err="1" smtClean="0">
+                <a:solidFill>
+                  <a:srgbClr val="000000"/>
+                </a:solidFill>
+              </a:rPr>
+              <a:t>OpenEHR</a:t>
+            </a:r>
+            <a:r>
+              <a:rPr lang="en-US" dirty="0" smtClean="0">
+                <a:solidFill>
+                  <a:srgbClr val="000000"/>
+                </a:solidFill>
+              </a:rPr>
+              <a:t> archetypes.</a:t>
+            </a:r>
+          </a:p>
+          <a:p>
+            <a:r>
+              <a:rPr lang="en-US" dirty="0" smtClean="0">
+                <a:solidFill>
+                  <a:srgbClr val="000000"/>
+                </a:solidFill>
+              </a:rPr>
+              <a:t>DCM’s in UML</a:t>
+            </a:r>
+          </a:p>
+          <a:p>
+            <a:pPr lvl="1"/>
+            <a:r>
+              <a:rPr lang="en-US" dirty="0" smtClean="0">
+                <a:solidFill>
+                  <a:srgbClr val="000000"/>
+                </a:solidFill>
+              </a:rPr>
+              <a:t>HL7 “Flavored” non-normative UML.</a:t>
+            </a:r>
+          </a:p>
+          <a:p>
+            <a:pPr lvl="1"/>
+            <a:r>
+              <a:rPr lang="en-US" dirty="0" smtClean="0">
+                <a:solidFill>
+                  <a:srgbClr val="000000"/>
+                </a:solidFill>
+              </a:rPr>
+              <a:t>Not sure if is successful?</a:t>
+            </a:r>
+          </a:p>
+          <a:p>
+            <a:pPr lvl="1"/>
+            <a:endParaRPr lang="en-US" dirty="0" smtClean="0">
+              <a:solidFill>
+                <a:srgbClr val="000000"/>
+              </a:solidFill>
+            </a:endParaRPr>
+          </a:p>
+          <a:p>
+            <a:pPr lvl="1"/>
+            <a:endParaRPr lang="en-US" dirty="0" smtClean="0">
+              <a:solidFill>
+                <a:srgbClr val="000000"/>
+              </a:solidFill>
+            </a:endParaRPr>
+          </a:p>
+        </p:txBody>
+      </p:sp>
+      <p:sp>
+        <p:nvSpPr>
+          <p:cNvPr id="4" name="Footer Placeholder 3"/>
+          <p:cNvSpPr>
+            <a:spLocks noGrp="1"/>
+          </p:cNvSpPr>
+          <p:nvPr>
+            <p:ph type="ftr" sz="quarter" idx="11"/>
+          </p:nvPr>
+        </p:nvSpPr>
+        <p:spPr/>
+        <p:txBody>
+          <a:bodyPr/>
+          <a:lstStyle/>
+          <a:p>
+            <a:r>
+              <a:rPr lang="en-US" smtClean="0"/>
+              <a:t>Archetype Modeling Language</a:t>
+            </a:r>
+            <a:endParaRPr lang="en-US" dirty="0"/>
+          </a:p>
+        </p:txBody>
+      </p:sp>
+      <p:sp>
+        <p:nvSpPr>
+          <p:cNvPr id="5" name="Slide Number Placeholder 4"/>
+          <p:cNvSpPr>
+            <a:spLocks noGrp="1"/>
+          </p:cNvSpPr>
+          <p:nvPr>
+            <p:ph type="sldNum" sz="quarter" idx="12"/>
+          </p:nvPr>
+        </p:nvSpPr>
+        <p:spPr/>
+        <p:txBody>
+          <a:bodyPr/>
+          <a:lstStyle/>
+          <a:p>
+            <a:fld id="{F1C60CE6-A564-2C44-BB7B-900AEECBE3A4}" type="slidenum">
+              <a:rPr lang="en-US" smtClean="0"/>
+              <a:t>27</a:t>
+            </a:fld>
+            <a:endParaRPr lang="en-US" dirty="0"/>
+          </a:p>
+        </p:txBody>
+      </p:sp>
+      <p:cxnSp>
+        <p:nvCxnSpPr>
+          <p:cNvPr id="6" name="Straight Connector 5"/>
+          <p:cNvCxnSpPr/>
+          <p:nvPr/>
+        </p:nvCxnSpPr>
+        <p:spPr>
+          <a:xfrm flipV="1">
+            <a:off x="0" y="1188975"/>
+            <a:ext cx="9144000" cy="36030"/>
+          </a:xfrm>
+          <a:prstGeom prst="line">
+            <a:avLst/>
+          </a:prstGeom>
+        </p:spPr>
+        <p:style>
+          <a:lnRef idx="2">
+            <a:schemeClr val="accent1"/>
+          </a:lnRef>
+          <a:fillRef idx="0">
+            <a:schemeClr val="accent1"/>
+          </a:fillRef>
+          <a:effectRef idx="1">
+            <a:schemeClr val="accent1"/>
+          </a:effectRef>
+          <a:fontRef idx="minor">
+            <a:schemeClr val="tx1"/>
+          </a:fontRef>
+        </p:style>
+      </p:cxnSp>
+      <p:sp>
+        <p:nvSpPr>
+          <p:cNvPr id="7" name="TextBox 6"/>
+          <p:cNvSpPr txBox="1"/>
+          <p:nvPr/>
+        </p:nvSpPr>
+        <p:spPr>
+          <a:xfrm>
+            <a:off x="-1970690" y="639379"/>
+            <a:ext cx="184666" cy="369332"/>
+          </a:xfrm>
+          <a:prstGeom prst="rect">
+            <a:avLst/>
+          </a:prstGeom>
+          <a:noFill/>
+        </p:spPr>
+        <p:txBody>
+          <a:bodyPr wrap="none" rtlCol="0">
+            <a:spAutoFit/>
+          </a:bodyPr>
+          <a:lstStyle/>
+          <a:p>
+            <a:endParaRPr lang="en-US" dirty="0"/>
+          </a:p>
+        </p:txBody>
+      </p:sp>
+    </p:spTree>
+    <p:extLst>
+      <p:ext uri="{BB962C8B-B14F-4D97-AF65-F5344CB8AC3E}">
+        <p14:creationId xmlns:p14="http://schemas.microsoft.com/office/powerpoint/2010/main" val="1905567381"/>
+      </p:ext>
+    </p:extLst>
+  </p:cSld>
+  <p:clrMapOvr>
+    <a:masterClrMapping/>
+  </p:clrMapOvr>
+  <p:timing>
+    <p:tnLst>
+      <p:par>
+        <p:cTn xmlns:p14="http://schemas.microsoft.com/office/powerpoint/2010/main" id="1" dur="indefinite" restart="never" nodeType="tmRoot"/>
+      </p:par>
+    </p:tnLst>
+  </p:timing>
+</p:sld>
+</file>
+
+<file path=ppt/slides/slide28.xml><?xml version="1.0" encoding="utf-8"?>
+<p:sld xmlns:a="http://schemas.openxmlformats.org/drawingml/2006/main" xmlns:r="http://schemas.openxmlformats.org/officeDocument/2006/relationships" xmlns:p="http://schemas.openxmlformats.org/presentationml/2006/main">
+  <p:cSld>
+    <p:spTree>
+      <p:nvGrpSpPr>
+        <p:cNvPr id="1" name=""/>
+        <p:cNvGrpSpPr/>
+        <p:nvPr/>
+      </p:nvGrpSpPr>
+      <p:grpSpPr>
+        <a:xfrm>
+          <a:off x="0" y="0"/>
+          <a:ext cx="0" cy="0"/>
+          <a:chOff x="0" y="0"/>
+          <a:chExt cx="0" cy="0"/>
+        </a:xfrm>
+      </p:grpSpPr>
+      <p:sp>
+        <p:nvSpPr>
+          <p:cNvPr id="2" name="Title 1"/>
+          <p:cNvSpPr>
+            <a:spLocks noGrp="1"/>
+          </p:cNvSpPr>
+          <p:nvPr>
+            <p:ph type="title"/>
+          </p:nvPr>
+        </p:nvSpPr>
+        <p:spPr>
+          <a:xfrm>
+            <a:off x="457200" y="274638"/>
+            <a:ext cx="8229600" cy="914337"/>
+          </a:xfrm>
+        </p:spPr>
+        <p:txBody>
+          <a:bodyPr>
+            <a:normAutofit/>
+          </a:bodyPr>
+          <a:lstStyle/>
+          <a:p>
+            <a:r>
+              <a:rPr lang="en-US" dirty="0" smtClean="0"/>
+              <a:t>HL7 DCMs</a:t>
+            </a:r>
+            <a:endParaRPr lang="en-US" dirty="0"/>
+          </a:p>
+        </p:txBody>
+      </p:sp>
+      <p:sp>
+        <p:nvSpPr>
+          <p:cNvPr id="3" name="Content Placeholder 2"/>
+          <p:cNvSpPr>
+            <a:spLocks noGrp="1"/>
+          </p:cNvSpPr>
+          <p:nvPr>
+            <p:ph idx="1"/>
+          </p:nvPr>
+        </p:nvSpPr>
+        <p:spPr/>
+        <p:txBody>
+          <a:bodyPr>
+            <a:normAutofit/>
+          </a:bodyPr>
+          <a:lstStyle/>
+          <a:p>
+            <a:pPr lvl="1"/>
+            <a:endParaRPr lang="en-US" dirty="0" smtClean="0">
+              <a:solidFill>
+                <a:srgbClr val="000000"/>
+              </a:solidFill>
+            </a:endParaRPr>
+          </a:p>
+          <a:p>
+            <a:pPr lvl="1"/>
+            <a:endParaRPr lang="en-US" dirty="0" smtClean="0">
+              <a:solidFill>
+                <a:srgbClr val="000000"/>
+              </a:solidFill>
+            </a:endParaRPr>
+          </a:p>
+        </p:txBody>
+      </p:sp>
+      <p:sp>
+        <p:nvSpPr>
+          <p:cNvPr id="4" name="Footer Placeholder 3"/>
+          <p:cNvSpPr>
+            <a:spLocks noGrp="1"/>
+          </p:cNvSpPr>
+          <p:nvPr>
+            <p:ph type="ftr" sz="quarter" idx="11"/>
+          </p:nvPr>
+        </p:nvSpPr>
+        <p:spPr/>
+        <p:txBody>
+          <a:bodyPr/>
+          <a:lstStyle/>
+          <a:p>
+            <a:r>
+              <a:rPr lang="en-US" smtClean="0"/>
+              <a:t>Archetype Modeling Language</a:t>
+            </a:r>
+            <a:endParaRPr lang="en-US" dirty="0"/>
+          </a:p>
+        </p:txBody>
+      </p:sp>
+      <p:sp>
+        <p:nvSpPr>
+          <p:cNvPr id="5" name="Slide Number Placeholder 4"/>
+          <p:cNvSpPr>
+            <a:spLocks noGrp="1"/>
+          </p:cNvSpPr>
+          <p:nvPr>
+            <p:ph type="sldNum" sz="quarter" idx="12"/>
+          </p:nvPr>
+        </p:nvSpPr>
+        <p:spPr/>
+        <p:txBody>
+          <a:bodyPr/>
+          <a:lstStyle/>
+          <a:p>
+            <a:fld id="{F1C60CE6-A564-2C44-BB7B-900AEECBE3A4}" type="slidenum">
+              <a:rPr lang="en-US" smtClean="0"/>
+              <a:t>28</a:t>
+            </a:fld>
+            <a:endParaRPr lang="en-US" dirty="0"/>
+          </a:p>
+        </p:txBody>
+      </p:sp>
+      <p:cxnSp>
+        <p:nvCxnSpPr>
+          <p:cNvPr id="6" name="Straight Connector 5"/>
+          <p:cNvCxnSpPr/>
+          <p:nvPr/>
+        </p:nvCxnSpPr>
+        <p:spPr>
+          <a:xfrm flipV="1">
+            <a:off x="0" y="1188975"/>
+            <a:ext cx="9144000" cy="36030"/>
+          </a:xfrm>
+          <a:prstGeom prst="line">
+            <a:avLst/>
+          </a:prstGeom>
+        </p:spPr>
+        <p:style>
+          <a:lnRef idx="2">
+            <a:schemeClr val="accent1"/>
+          </a:lnRef>
+          <a:fillRef idx="0">
+            <a:schemeClr val="accent1"/>
+          </a:fillRef>
+          <a:effectRef idx="1">
+            <a:schemeClr val="accent1"/>
+          </a:effectRef>
+          <a:fontRef idx="minor">
+            <a:schemeClr val="tx1"/>
+          </a:fontRef>
+        </p:style>
+      </p:cxnSp>
+      <p:sp>
+        <p:nvSpPr>
+          <p:cNvPr id="7" name="TextBox 6"/>
+          <p:cNvSpPr txBox="1"/>
+          <p:nvPr/>
+        </p:nvSpPr>
+        <p:spPr>
+          <a:xfrm>
+            <a:off x="-1970690" y="639379"/>
+            <a:ext cx="184666" cy="369332"/>
+          </a:xfrm>
+          <a:prstGeom prst="rect">
+            <a:avLst/>
+          </a:prstGeom>
+          <a:noFill/>
+        </p:spPr>
+        <p:txBody>
+          <a:bodyPr wrap="none" rtlCol="0">
+            <a:spAutoFit/>
+          </a:bodyPr>
+          <a:lstStyle/>
+          <a:p>
+            <a:endParaRPr lang="en-US" dirty="0"/>
+          </a:p>
+        </p:txBody>
+      </p:sp>
+      <p:pic>
+        <p:nvPicPr>
+          <p:cNvPr id="8" name="Picture 7" descr="Screen Shot 2015-04-21 at 3.20.14 PM.png"/>
+          <p:cNvPicPr>
+            <a:picLocks noChangeAspect="1"/>
+          </p:cNvPicPr>
+          <p:nvPr/>
+        </p:nvPicPr>
+        <p:blipFill>
+          <a:blip r:embed="rId3">
+            <a:extLst>
+              <a:ext uri="{28A0092B-C50C-407E-A947-70E740481C1C}">
+                <a14:useLocalDpi xmlns:a14="http://schemas.microsoft.com/office/drawing/2010/main" val="0"/>
+              </a:ext>
+            </a:extLst>
+          </a:blip>
+          <a:stretch>
+            <a:fillRect/>
+          </a:stretch>
+        </p:blipFill>
+        <p:spPr>
+          <a:xfrm>
+            <a:off x="0" y="1498600"/>
+            <a:ext cx="9144000" cy="3846469"/>
+          </a:xfrm>
+          <a:prstGeom prst="rect">
+            <a:avLst/>
+          </a:prstGeom>
+        </p:spPr>
+      </p:pic>
+      <p:cxnSp>
+        <p:nvCxnSpPr>
+          <p:cNvPr id="10" name="Straight Connector 9"/>
+          <p:cNvCxnSpPr/>
+          <p:nvPr/>
+        </p:nvCxnSpPr>
+        <p:spPr>
+          <a:xfrm>
+            <a:off x="2829034" y="3503448"/>
+            <a:ext cx="5857766" cy="17518"/>
+          </a:xfrm>
+          <a:prstGeom prst="line">
+            <a:avLst/>
+          </a:prstGeom>
+          <a:ln>
+            <a:solidFill>
+              <a:srgbClr val="FF0000"/>
+            </a:solidFill>
+          </a:ln>
+        </p:spPr>
+        <p:style>
+          <a:lnRef idx="2">
+            <a:schemeClr val="accent1"/>
+          </a:lnRef>
+          <a:fillRef idx="0">
+            <a:schemeClr val="accent1"/>
+          </a:fillRef>
+          <a:effectRef idx="1">
+            <a:schemeClr val="accent1"/>
+          </a:effectRef>
+          <a:fontRef idx="minor">
+            <a:schemeClr val="tx1"/>
+          </a:fontRef>
+        </p:style>
+      </p:cxnSp>
+    </p:spTree>
+    <p:extLst>
+      <p:ext uri="{BB962C8B-B14F-4D97-AF65-F5344CB8AC3E}">
+        <p14:creationId xmlns:p14="http://schemas.microsoft.com/office/powerpoint/2010/main" val="1423766738"/>
+      </p:ext>
+    </p:extLst>
+  </p:cSld>
+  <p:clrMapOvr>
+    <a:masterClrMapping/>
+  </p:clrMapOvr>
+  <p:timing>
+    <p:tnLst>
+      <p:par>
+        <p:cTn xmlns:p14="http://schemas.microsoft.com/office/powerpoint/2010/main" id="1" dur="indefinite" restart="never" nodeType="tmRoot"/>
+      </p:par>
+    </p:tnLst>
+  </p:timing>
+</p:sld>
+</file>
+
+<file path=ppt/slides/slide29.xml><?xml version="1.0" encoding="utf-8"?>
+<p:sld xmlns:a="http://schemas.openxmlformats.org/drawingml/2006/main" xmlns:r="http://schemas.openxmlformats.org/officeDocument/2006/relationships" xmlns:p="http://schemas.openxmlformats.org/presentationml/2006/main">
+  <p:cSld>
+    <p:spTree>
+      <p:nvGrpSpPr>
+        <p:cNvPr id="1" name=""/>
+        <p:cNvGrpSpPr/>
+        <p:nvPr/>
+      </p:nvGrpSpPr>
+      <p:grpSpPr>
+        <a:xfrm>
+          <a:off x="0" y="0"/>
+          <a:ext cx="0" cy="0"/>
+          <a:chOff x="0" y="0"/>
+          <a:chExt cx="0" cy="0"/>
+        </a:xfrm>
+      </p:grpSpPr>
+      <p:sp>
+        <p:nvSpPr>
+          <p:cNvPr id="2" name="Title 1"/>
+          <p:cNvSpPr>
+            <a:spLocks noGrp="1"/>
+          </p:cNvSpPr>
+          <p:nvPr>
+            <p:ph type="title"/>
+          </p:nvPr>
+        </p:nvSpPr>
+        <p:spPr>
+          <a:xfrm>
+            <a:off x="457200" y="274638"/>
+            <a:ext cx="8229600" cy="914337"/>
+          </a:xfrm>
+        </p:spPr>
+        <p:txBody>
+          <a:bodyPr>
+            <a:normAutofit/>
+          </a:bodyPr>
+          <a:lstStyle/>
+          <a:p>
+            <a:r>
+              <a:rPr lang="en-US" dirty="0" smtClean="0"/>
+              <a:t>Archetype Definition Language</a:t>
+            </a:r>
+            <a:endParaRPr lang="en-US" dirty="0"/>
+          </a:p>
+        </p:txBody>
+      </p:sp>
+      <p:sp>
+        <p:nvSpPr>
+          <p:cNvPr id="3" name="Content Placeholder 2"/>
+          <p:cNvSpPr>
+            <a:spLocks noGrp="1"/>
+          </p:cNvSpPr>
+          <p:nvPr>
+            <p:ph idx="1"/>
+          </p:nvPr>
+        </p:nvSpPr>
+        <p:spPr/>
+        <p:txBody>
+          <a:bodyPr>
+            <a:normAutofit fontScale="92500"/>
+          </a:bodyPr>
+          <a:lstStyle/>
+          <a:p>
+            <a:pPr>
+              <a:buFontTx/>
+              <a:buChar char="-"/>
+            </a:pPr>
+            <a:r>
+              <a:rPr lang="en-US" dirty="0" err="1" smtClean="0">
+                <a:solidFill>
+                  <a:srgbClr val="000000"/>
+                </a:solidFill>
+              </a:rPr>
+              <a:t>OpenEHR</a:t>
+            </a:r>
+            <a:r>
+              <a:rPr lang="en-US" dirty="0">
+                <a:solidFill>
+                  <a:srgbClr val="000000"/>
+                </a:solidFill>
+              </a:rPr>
+              <a:t>  - </a:t>
+            </a:r>
+            <a:r>
+              <a:rPr lang="en-US" dirty="0">
+                <a:solidFill>
+                  <a:srgbClr val="000000"/>
+                </a:solidFill>
+                <a:hlinkClick r:id="rId3"/>
+              </a:rPr>
+              <a:t>http://</a:t>
+            </a:r>
+            <a:r>
+              <a:rPr lang="en-US" dirty="0" smtClean="0">
+                <a:solidFill>
+                  <a:srgbClr val="000000"/>
+                </a:solidFill>
+                <a:hlinkClick r:id="rId3"/>
+              </a:rPr>
+              <a:t>www.openehr.org</a:t>
+            </a:r>
+            <a:endParaRPr lang="en-US" dirty="0">
+              <a:solidFill>
+                <a:srgbClr val="000000"/>
+              </a:solidFill>
+            </a:endParaRPr>
+          </a:p>
+          <a:p>
+            <a:pPr>
+              <a:buFontTx/>
+              <a:buChar char="-"/>
+            </a:pPr>
+            <a:r>
+              <a:rPr lang="en-US" dirty="0" smtClean="0">
+                <a:solidFill>
+                  <a:srgbClr val="000000"/>
+                </a:solidFill>
+              </a:rPr>
+              <a:t>Open source tools by Ocean Informatics</a:t>
+            </a:r>
+          </a:p>
+          <a:p>
+            <a:pPr>
+              <a:buFontTx/>
+              <a:buChar char="-"/>
+            </a:pPr>
+            <a:r>
+              <a:rPr lang="en-US" dirty="0" smtClean="0">
+                <a:solidFill>
+                  <a:srgbClr val="000000"/>
+                </a:solidFill>
+              </a:rPr>
+              <a:t>ADL 2.0  (AOM -  ADL object model).</a:t>
+            </a:r>
+          </a:p>
+          <a:p>
+            <a:pPr>
+              <a:buFontTx/>
+              <a:buChar char="-"/>
+            </a:pPr>
+            <a:r>
+              <a:rPr lang="en-US" dirty="0" smtClean="0">
+                <a:solidFill>
+                  <a:srgbClr val="000000"/>
+                </a:solidFill>
+              </a:rPr>
+              <a:t>Format: ODIN – Object Data Instance Notation.</a:t>
+            </a:r>
+          </a:p>
+          <a:p>
+            <a:pPr>
+              <a:buFontTx/>
+              <a:buChar char="-"/>
+            </a:pPr>
+            <a:r>
+              <a:rPr lang="en-US" dirty="0" smtClean="0">
+                <a:solidFill>
+                  <a:srgbClr val="000000"/>
+                </a:solidFill>
+              </a:rPr>
+              <a:t>Proprietary tools to absorb archetypes in ODIN.  Open now??</a:t>
+            </a:r>
+          </a:p>
+          <a:p>
+            <a:pPr>
+              <a:buFontTx/>
+              <a:buChar char="-"/>
+            </a:pPr>
+            <a:r>
+              <a:rPr lang="en-US" dirty="0" smtClean="0">
+                <a:solidFill>
+                  <a:srgbClr val="000000"/>
+                </a:solidFill>
+              </a:rPr>
+              <a:t>Multiple tools – Editor, ADL Workbench – written in Eiffel language. </a:t>
+            </a:r>
+          </a:p>
+          <a:p>
+            <a:pPr>
+              <a:buFontTx/>
+              <a:buChar char="-"/>
+            </a:pPr>
+            <a:endParaRPr lang="en-US" dirty="0" smtClean="0">
+              <a:solidFill>
+                <a:srgbClr val="000000"/>
+              </a:solidFill>
+            </a:endParaRPr>
+          </a:p>
+          <a:p>
+            <a:pPr>
+              <a:buFontTx/>
+              <a:buChar char="-"/>
+            </a:pPr>
+            <a:endParaRPr lang="en-US" dirty="0" smtClean="0">
+              <a:solidFill>
+                <a:srgbClr val="000000"/>
+              </a:solidFill>
+            </a:endParaRPr>
+          </a:p>
+        </p:txBody>
+      </p:sp>
+      <p:sp>
+        <p:nvSpPr>
+          <p:cNvPr id="4" name="Footer Placeholder 3"/>
+          <p:cNvSpPr>
+            <a:spLocks noGrp="1"/>
+          </p:cNvSpPr>
+          <p:nvPr>
+            <p:ph type="ftr" sz="quarter" idx="11"/>
+          </p:nvPr>
+        </p:nvSpPr>
+        <p:spPr/>
+        <p:txBody>
+          <a:bodyPr/>
+          <a:lstStyle/>
+          <a:p>
+            <a:r>
+              <a:rPr lang="en-US" smtClean="0"/>
+              <a:t>Archetype Modeling Language</a:t>
+            </a:r>
+            <a:endParaRPr lang="en-US" dirty="0"/>
+          </a:p>
+        </p:txBody>
+      </p:sp>
+      <p:sp>
+        <p:nvSpPr>
+          <p:cNvPr id="5" name="Slide Number Placeholder 4"/>
+          <p:cNvSpPr>
+            <a:spLocks noGrp="1"/>
+          </p:cNvSpPr>
+          <p:nvPr>
+            <p:ph type="sldNum" sz="quarter" idx="12"/>
+          </p:nvPr>
+        </p:nvSpPr>
+        <p:spPr/>
+        <p:txBody>
+          <a:bodyPr/>
+          <a:lstStyle/>
+          <a:p>
+            <a:fld id="{F1C60CE6-A564-2C44-BB7B-900AEECBE3A4}" type="slidenum">
+              <a:rPr lang="en-US" smtClean="0"/>
+              <a:t>29</a:t>
+            </a:fld>
+            <a:endParaRPr lang="en-US" dirty="0"/>
+          </a:p>
+        </p:txBody>
+      </p:sp>
+      <p:cxnSp>
+        <p:nvCxnSpPr>
+          <p:cNvPr id="6" name="Straight Connector 5"/>
+          <p:cNvCxnSpPr/>
+          <p:nvPr/>
+        </p:nvCxnSpPr>
+        <p:spPr>
+          <a:xfrm flipV="1">
+            <a:off x="0" y="1188975"/>
+            <a:ext cx="9144000" cy="36030"/>
+          </a:xfrm>
+          <a:prstGeom prst="line">
+            <a:avLst/>
+          </a:prstGeom>
+        </p:spPr>
+        <p:style>
+          <a:lnRef idx="2">
+            <a:schemeClr val="accent1"/>
+          </a:lnRef>
+          <a:fillRef idx="0">
+            <a:schemeClr val="accent1"/>
+          </a:fillRef>
+          <a:effectRef idx="1">
+            <a:schemeClr val="accent1"/>
+          </a:effectRef>
+          <a:fontRef idx="minor">
+            <a:schemeClr val="tx1"/>
+          </a:fontRef>
+        </p:style>
+      </p:cxnSp>
+      <p:sp>
+        <p:nvSpPr>
+          <p:cNvPr id="7" name="TextBox 6"/>
+          <p:cNvSpPr txBox="1"/>
+          <p:nvPr/>
+        </p:nvSpPr>
+        <p:spPr>
+          <a:xfrm>
+            <a:off x="-1970690" y="639379"/>
+            <a:ext cx="184666" cy="369332"/>
+          </a:xfrm>
+          <a:prstGeom prst="rect">
+            <a:avLst/>
+          </a:prstGeom>
+          <a:noFill/>
+        </p:spPr>
+        <p:txBody>
+          <a:bodyPr wrap="none" rtlCol="0">
+            <a:spAutoFit/>
+          </a:bodyPr>
+          <a:lstStyle/>
+          <a:p>
+            <a:endParaRPr lang="en-US" dirty="0"/>
+          </a:p>
+        </p:txBody>
+      </p:sp>
+    </p:spTree>
+    <p:extLst>
+      <p:ext uri="{BB962C8B-B14F-4D97-AF65-F5344CB8AC3E}">
+        <p14:creationId xmlns:p14="http://schemas.microsoft.com/office/powerpoint/2010/main" val="2245331783"/>
+      </p:ext>
+    </p:extLst>
+  </p:cSld>
+  <p:clrMapOvr>
+    <a:masterClrMapping/>
+  </p:clrMapOvr>
+  <p:timing>
+    <p:tnLst>
+      <p:par>
+        <p:cTn xmlns:p14="http://schemas.microsoft.com/office/powerpoint/2010/main" id="1" dur="indefinite" restart="never" nodeType="tmRoot"/>
+      </p:par>
+    </p:tnLst>
+  </p:timing>
+</p:sld>
+</file>
+
 <file path=ppt/slides/slide3.xml><?xml version="1.0" encoding="utf-8"?>
 <p:sld xmlns:a="http://schemas.openxmlformats.org/drawingml/2006/main" xmlns:r="http://schemas.openxmlformats.org/officeDocument/2006/relationships" xmlns:p="http://schemas.openxmlformats.org/presentationml/2006/main">
   <p:cSld>
@@ -7845,6 +14181,2240 @@
     <p:extLst>
       <p:ext uri="{BB962C8B-B14F-4D97-AF65-F5344CB8AC3E}">
         <p14:creationId xmlns:p14="http://schemas.microsoft.com/office/powerpoint/2010/main" val="2654377470"/>
+      </p:ext>
+    </p:extLst>
+  </p:cSld>
+  <p:clrMapOvr>
+    <a:masterClrMapping/>
+  </p:clrMapOvr>
+  <p:timing>
+    <p:tnLst>
+      <p:par>
+        <p:cTn xmlns:p14="http://schemas.microsoft.com/office/powerpoint/2010/main" id="1" dur="indefinite" restart="never" nodeType="tmRoot"/>
+      </p:par>
+    </p:tnLst>
+  </p:timing>
+</p:sld>
+</file>
+
+<file path=ppt/slides/slide30.xml><?xml version="1.0" encoding="utf-8"?>
+<p:sld xmlns:a="http://schemas.openxmlformats.org/drawingml/2006/main" xmlns:r="http://schemas.openxmlformats.org/officeDocument/2006/relationships" xmlns:p="http://schemas.openxmlformats.org/presentationml/2006/main">
+  <p:cSld>
+    <p:spTree>
+      <p:nvGrpSpPr>
+        <p:cNvPr id="1" name=""/>
+        <p:cNvGrpSpPr/>
+        <p:nvPr/>
+      </p:nvGrpSpPr>
+      <p:grpSpPr>
+        <a:xfrm>
+          <a:off x="0" y="0"/>
+          <a:ext cx="0" cy="0"/>
+          <a:chOff x="0" y="0"/>
+          <a:chExt cx="0" cy="0"/>
+        </a:xfrm>
+      </p:grpSpPr>
+      <p:sp>
+        <p:nvSpPr>
+          <p:cNvPr id="2" name="Title 1"/>
+          <p:cNvSpPr>
+            <a:spLocks noGrp="1"/>
+          </p:cNvSpPr>
+          <p:nvPr>
+            <p:ph type="title"/>
+          </p:nvPr>
+        </p:nvSpPr>
+        <p:spPr>
+          <a:xfrm>
+            <a:off x="457200" y="274638"/>
+            <a:ext cx="8229600" cy="914337"/>
+          </a:xfrm>
+        </p:spPr>
+        <p:txBody>
+          <a:bodyPr>
+            <a:normAutofit/>
+          </a:bodyPr>
+          <a:lstStyle/>
+          <a:p>
+            <a:r>
+              <a:rPr lang="en-US" dirty="0" smtClean="0"/>
+              <a:t>ADL Workbench</a:t>
+            </a:r>
+            <a:endParaRPr lang="en-US" dirty="0"/>
+          </a:p>
+        </p:txBody>
+      </p:sp>
+      <p:sp>
+        <p:nvSpPr>
+          <p:cNvPr id="3" name="Content Placeholder 2"/>
+          <p:cNvSpPr>
+            <a:spLocks noGrp="1"/>
+          </p:cNvSpPr>
+          <p:nvPr>
+            <p:ph idx="1"/>
+          </p:nvPr>
+        </p:nvSpPr>
+        <p:spPr/>
+        <p:txBody>
+          <a:bodyPr>
+            <a:normAutofit/>
+          </a:bodyPr>
+          <a:lstStyle/>
+          <a:p>
+            <a:pPr marL="0" indent="0">
+              <a:buNone/>
+            </a:pPr>
+            <a:endParaRPr lang="en-US" dirty="0" smtClean="0">
+              <a:solidFill>
+                <a:srgbClr val="000000"/>
+              </a:solidFill>
+            </a:endParaRPr>
+          </a:p>
+          <a:p>
+            <a:pPr>
+              <a:buFontTx/>
+              <a:buChar char="-"/>
+            </a:pPr>
+            <a:endParaRPr lang="en-US" dirty="0" smtClean="0">
+              <a:solidFill>
+                <a:srgbClr val="000000"/>
+              </a:solidFill>
+            </a:endParaRPr>
+          </a:p>
+        </p:txBody>
+      </p:sp>
+      <p:sp>
+        <p:nvSpPr>
+          <p:cNvPr id="4" name="Footer Placeholder 3"/>
+          <p:cNvSpPr>
+            <a:spLocks noGrp="1"/>
+          </p:cNvSpPr>
+          <p:nvPr>
+            <p:ph type="ftr" sz="quarter" idx="11"/>
+          </p:nvPr>
+        </p:nvSpPr>
+        <p:spPr/>
+        <p:txBody>
+          <a:bodyPr/>
+          <a:lstStyle/>
+          <a:p>
+            <a:r>
+              <a:rPr lang="en-US" smtClean="0"/>
+              <a:t>Archetype Modeling Language</a:t>
+            </a:r>
+            <a:endParaRPr lang="en-US" dirty="0"/>
+          </a:p>
+        </p:txBody>
+      </p:sp>
+      <p:sp>
+        <p:nvSpPr>
+          <p:cNvPr id="5" name="Slide Number Placeholder 4"/>
+          <p:cNvSpPr>
+            <a:spLocks noGrp="1"/>
+          </p:cNvSpPr>
+          <p:nvPr>
+            <p:ph type="sldNum" sz="quarter" idx="12"/>
+          </p:nvPr>
+        </p:nvSpPr>
+        <p:spPr/>
+        <p:txBody>
+          <a:bodyPr/>
+          <a:lstStyle/>
+          <a:p>
+            <a:fld id="{F1C60CE6-A564-2C44-BB7B-900AEECBE3A4}" type="slidenum">
+              <a:rPr lang="en-US" smtClean="0"/>
+              <a:t>30</a:t>
+            </a:fld>
+            <a:endParaRPr lang="en-US" dirty="0"/>
+          </a:p>
+        </p:txBody>
+      </p:sp>
+      <p:cxnSp>
+        <p:nvCxnSpPr>
+          <p:cNvPr id="6" name="Straight Connector 5"/>
+          <p:cNvCxnSpPr/>
+          <p:nvPr/>
+        </p:nvCxnSpPr>
+        <p:spPr>
+          <a:xfrm flipV="1">
+            <a:off x="0" y="1188975"/>
+            <a:ext cx="9144000" cy="36030"/>
+          </a:xfrm>
+          <a:prstGeom prst="line">
+            <a:avLst/>
+          </a:prstGeom>
+        </p:spPr>
+        <p:style>
+          <a:lnRef idx="2">
+            <a:schemeClr val="accent1"/>
+          </a:lnRef>
+          <a:fillRef idx="0">
+            <a:schemeClr val="accent1"/>
+          </a:fillRef>
+          <a:effectRef idx="1">
+            <a:schemeClr val="accent1"/>
+          </a:effectRef>
+          <a:fontRef idx="minor">
+            <a:schemeClr val="tx1"/>
+          </a:fontRef>
+        </p:style>
+      </p:cxnSp>
+      <p:sp>
+        <p:nvSpPr>
+          <p:cNvPr id="7" name="TextBox 6"/>
+          <p:cNvSpPr txBox="1"/>
+          <p:nvPr/>
+        </p:nvSpPr>
+        <p:spPr>
+          <a:xfrm>
+            <a:off x="-1970690" y="639379"/>
+            <a:ext cx="184666" cy="369332"/>
+          </a:xfrm>
+          <a:prstGeom prst="rect">
+            <a:avLst/>
+          </a:prstGeom>
+          <a:noFill/>
+        </p:spPr>
+        <p:txBody>
+          <a:bodyPr wrap="none" rtlCol="0">
+            <a:spAutoFit/>
+          </a:bodyPr>
+          <a:lstStyle/>
+          <a:p>
+            <a:endParaRPr lang="en-US" dirty="0"/>
+          </a:p>
+        </p:txBody>
+      </p:sp>
+      <p:pic>
+        <p:nvPicPr>
+          <p:cNvPr id="8" name="Picture 7" descr="Screen Shot 2015-04-21 at 2.28.30 PM.png"/>
+          <p:cNvPicPr>
+            <a:picLocks noChangeAspect="1"/>
+          </p:cNvPicPr>
+          <p:nvPr/>
+        </p:nvPicPr>
+        <p:blipFill>
+          <a:blip r:embed="rId3">
+            <a:extLst>
+              <a:ext uri="{28A0092B-C50C-407E-A947-70E740481C1C}">
+                <a14:useLocalDpi xmlns:a14="http://schemas.microsoft.com/office/drawing/2010/main" val="0"/>
+              </a:ext>
+            </a:extLst>
+          </a:blip>
+          <a:stretch>
+            <a:fillRect/>
+          </a:stretch>
+        </p:blipFill>
+        <p:spPr>
+          <a:xfrm>
+            <a:off x="1418719" y="1372475"/>
+            <a:ext cx="5975308" cy="5095382"/>
+          </a:xfrm>
+          <a:prstGeom prst="rect">
+            <a:avLst/>
+          </a:prstGeom>
+        </p:spPr>
+      </p:pic>
+    </p:spTree>
+    <p:extLst>
+      <p:ext uri="{BB962C8B-B14F-4D97-AF65-F5344CB8AC3E}">
+        <p14:creationId xmlns:p14="http://schemas.microsoft.com/office/powerpoint/2010/main" val="3887152866"/>
+      </p:ext>
+    </p:extLst>
+  </p:cSld>
+  <p:clrMapOvr>
+    <a:masterClrMapping/>
+  </p:clrMapOvr>
+  <p:timing>
+    <p:tnLst>
+      <p:par>
+        <p:cTn xmlns:p14="http://schemas.microsoft.com/office/powerpoint/2010/main" id="1" dur="indefinite" restart="never" nodeType="tmRoot"/>
+      </p:par>
+    </p:tnLst>
+  </p:timing>
+</p:sld>
+</file>
+
+<file path=ppt/slides/slide31.xml><?xml version="1.0" encoding="utf-8"?>
+<p:sld xmlns:a="http://schemas.openxmlformats.org/drawingml/2006/main" xmlns:r="http://schemas.openxmlformats.org/officeDocument/2006/relationships" xmlns:p="http://schemas.openxmlformats.org/presentationml/2006/main">
+  <p:cSld>
+    <p:spTree>
+      <p:nvGrpSpPr>
+        <p:cNvPr id="1" name=""/>
+        <p:cNvGrpSpPr/>
+        <p:nvPr/>
+      </p:nvGrpSpPr>
+      <p:grpSpPr>
+        <a:xfrm>
+          <a:off x="0" y="0"/>
+          <a:ext cx="0" cy="0"/>
+          <a:chOff x="0" y="0"/>
+          <a:chExt cx="0" cy="0"/>
+        </a:xfrm>
+      </p:grpSpPr>
+      <p:sp>
+        <p:nvSpPr>
+          <p:cNvPr id="2" name="Title 1"/>
+          <p:cNvSpPr>
+            <a:spLocks noGrp="1"/>
+          </p:cNvSpPr>
+          <p:nvPr>
+            <p:ph type="title"/>
+          </p:nvPr>
+        </p:nvSpPr>
+        <p:spPr>
+          <a:xfrm>
+            <a:off x="457200" y="274638"/>
+            <a:ext cx="8229600" cy="914337"/>
+          </a:xfrm>
+        </p:spPr>
+        <p:txBody>
+          <a:bodyPr>
+            <a:normAutofit/>
+          </a:bodyPr>
+          <a:lstStyle/>
+          <a:p>
+            <a:r>
+              <a:rPr lang="en-US" dirty="0" smtClean="0"/>
+              <a:t>ADL Workbench</a:t>
+            </a:r>
+            <a:endParaRPr lang="en-US" dirty="0"/>
+          </a:p>
+        </p:txBody>
+      </p:sp>
+      <p:sp>
+        <p:nvSpPr>
+          <p:cNvPr id="3" name="Content Placeholder 2"/>
+          <p:cNvSpPr>
+            <a:spLocks noGrp="1"/>
+          </p:cNvSpPr>
+          <p:nvPr>
+            <p:ph idx="1"/>
+          </p:nvPr>
+        </p:nvSpPr>
+        <p:spPr/>
+        <p:txBody>
+          <a:bodyPr>
+            <a:normAutofit/>
+          </a:bodyPr>
+          <a:lstStyle/>
+          <a:p>
+            <a:pPr marL="0" indent="0">
+              <a:buNone/>
+            </a:pPr>
+            <a:endParaRPr lang="en-US" dirty="0" smtClean="0">
+              <a:solidFill>
+                <a:srgbClr val="000000"/>
+              </a:solidFill>
+            </a:endParaRPr>
+          </a:p>
+          <a:p>
+            <a:pPr>
+              <a:buFontTx/>
+              <a:buChar char="-"/>
+            </a:pPr>
+            <a:endParaRPr lang="en-US" dirty="0" smtClean="0">
+              <a:solidFill>
+                <a:srgbClr val="000000"/>
+              </a:solidFill>
+            </a:endParaRPr>
+          </a:p>
+        </p:txBody>
+      </p:sp>
+      <p:sp>
+        <p:nvSpPr>
+          <p:cNvPr id="4" name="Footer Placeholder 3"/>
+          <p:cNvSpPr>
+            <a:spLocks noGrp="1"/>
+          </p:cNvSpPr>
+          <p:nvPr>
+            <p:ph type="ftr" sz="quarter" idx="11"/>
+          </p:nvPr>
+        </p:nvSpPr>
+        <p:spPr/>
+        <p:txBody>
+          <a:bodyPr/>
+          <a:lstStyle/>
+          <a:p>
+            <a:r>
+              <a:rPr lang="en-US" smtClean="0"/>
+              <a:t>Archetype Modeling Language</a:t>
+            </a:r>
+            <a:endParaRPr lang="en-US" dirty="0"/>
+          </a:p>
+        </p:txBody>
+      </p:sp>
+      <p:sp>
+        <p:nvSpPr>
+          <p:cNvPr id="5" name="Slide Number Placeholder 4"/>
+          <p:cNvSpPr>
+            <a:spLocks noGrp="1"/>
+          </p:cNvSpPr>
+          <p:nvPr>
+            <p:ph type="sldNum" sz="quarter" idx="12"/>
+          </p:nvPr>
+        </p:nvSpPr>
+        <p:spPr/>
+        <p:txBody>
+          <a:bodyPr/>
+          <a:lstStyle/>
+          <a:p>
+            <a:fld id="{F1C60CE6-A564-2C44-BB7B-900AEECBE3A4}" type="slidenum">
+              <a:rPr lang="en-US" smtClean="0"/>
+              <a:t>31</a:t>
+            </a:fld>
+            <a:endParaRPr lang="en-US" dirty="0"/>
+          </a:p>
+        </p:txBody>
+      </p:sp>
+      <p:cxnSp>
+        <p:nvCxnSpPr>
+          <p:cNvPr id="6" name="Straight Connector 5"/>
+          <p:cNvCxnSpPr/>
+          <p:nvPr/>
+        </p:nvCxnSpPr>
+        <p:spPr>
+          <a:xfrm flipV="1">
+            <a:off x="0" y="1188975"/>
+            <a:ext cx="9144000" cy="36030"/>
+          </a:xfrm>
+          <a:prstGeom prst="line">
+            <a:avLst/>
+          </a:prstGeom>
+        </p:spPr>
+        <p:style>
+          <a:lnRef idx="2">
+            <a:schemeClr val="accent1"/>
+          </a:lnRef>
+          <a:fillRef idx="0">
+            <a:schemeClr val="accent1"/>
+          </a:fillRef>
+          <a:effectRef idx="1">
+            <a:schemeClr val="accent1"/>
+          </a:effectRef>
+          <a:fontRef idx="minor">
+            <a:schemeClr val="tx1"/>
+          </a:fontRef>
+        </p:style>
+      </p:cxnSp>
+      <p:sp>
+        <p:nvSpPr>
+          <p:cNvPr id="7" name="TextBox 6"/>
+          <p:cNvSpPr txBox="1"/>
+          <p:nvPr/>
+        </p:nvSpPr>
+        <p:spPr>
+          <a:xfrm>
+            <a:off x="-1970690" y="639379"/>
+            <a:ext cx="184666" cy="369332"/>
+          </a:xfrm>
+          <a:prstGeom prst="rect">
+            <a:avLst/>
+          </a:prstGeom>
+          <a:noFill/>
+        </p:spPr>
+        <p:txBody>
+          <a:bodyPr wrap="none" rtlCol="0">
+            <a:spAutoFit/>
+          </a:bodyPr>
+          <a:lstStyle/>
+          <a:p>
+            <a:endParaRPr lang="en-US" dirty="0"/>
+          </a:p>
+        </p:txBody>
+      </p:sp>
+      <p:pic>
+        <p:nvPicPr>
+          <p:cNvPr id="9" name="Picture 8"/>
+          <p:cNvPicPr>
+            <a:picLocks noChangeAspect="1"/>
+          </p:cNvPicPr>
+          <p:nvPr/>
+        </p:nvPicPr>
+        <p:blipFill>
+          <a:blip r:embed="rId3"/>
+          <a:stretch>
+            <a:fillRect/>
+          </a:stretch>
+        </p:blipFill>
+        <p:spPr>
+          <a:xfrm>
+            <a:off x="0" y="1231136"/>
+            <a:ext cx="9144000" cy="5633699"/>
+          </a:xfrm>
+          <a:prstGeom prst="rect">
+            <a:avLst/>
+          </a:prstGeom>
+        </p:spPr>
+      </p:pic>
+    </p:spTree>
+    <p:extLst>
+      <p:ext uri="{BB962C8B-B14F-4D97-AF65-F5344CB8AC3E}">
+        <p14:creationId xmlns:p14="http://schemas.microsoft.com/office/powerpoint/2010/main" val="1208359634"/>
+      </p:ext>
+    </p:extLst>
+  </p:cSld>
+  <p:clrMapOvr>
+    <a:masterClrMapping/>
+  </p:clrMapOvr>
+  <p:timing>
+    <p:tnLst>
+      <p:par>
+        <p:cTn xmlns:p14="http://schemas.microsoft.com/office/powerpoint/2010/main" id="1" dur="indefinite" restart="never" nodeType="tmRoot"/>
+      </p:par>
+    </p:tnLst>
+  </p:timing>
+</p:sld>
+</file>
+
+<file path=ppt/slides/slide32.xml><?xml version="1.0" encoding="utf-8"?>
+<p:sld xmlns:a="http://schemas.openxmlformats.org/drawingml/2006/main" xmlns:r="http://schemas.openxmlformats.org/officeDocument/2006/relationships" xmlns:p="http://schemas.openxmlformats.org/presentationml/2006/main">
+  <p:cSld>
+    <p:spTree>
+      <p:nvGrpSpPr>
+        <p:cNvPr id="1" name=""/>
+        <p:cNvGrpSpPr/>
+        <p:nvPr/>
+      </p:nvGrpSpPr>
+      <p:grpSpPr>
+        <a:xfrm>
+          <a:off x="0" y="0"/>
+          <a:ext cx="0" cy="0"/>
+          <a:chOff x="0" y="0"/>
+          <a:chExt cx="0" cy="0"/>
+        </a:xfrm>
+      </p:grpSpPr>
+      <p:sp>
+        <p:nvSpPr>
+          <p:cNvPr id="2" name="Title 1"/>
+          <p:cNvSpPr>
+            <a:spLocks noGrp="1"/>
+          </p:cNvSpPr>
+          <p:nvPr>
+            <p:ph type="title"/>
+          </p:nvPr>
+        </p:nvSpPr>
+        <p:spPr>
+          <a:xfrm>
+            <a:off x="457200" y="274638"/>
+            <a:ext cx="8229600" cy="914337"/>
+          </a:xfrm>
+        </p:spPr>
+        <p:txBody>
+          <a:bodyPr>
+            <a:normAutofit/>
+          </a:bodyPr>
+          <a:lstStyle/>
+          <a:p>
+            <a:r>
+              <a:rPr lang="en-US" dirty="0" err="1" smtClean="0"/>
+              <a:t>OpenEHR</a:t>
+            </a:r>
+            <a:r>
+              <a:rPr lang="en-US" dirty="0" smtClean="0"/>
+              <a:t> - CKM</a:t>
+            </a:r>
+            <a:endParaRPr lang="en-US" dirty="0"/>
+          </a:p>
+        </p:txBody>
+      </p:sp>
+      <p:sp>
+        <p:nvSpPr>
+          <p:cNvPr id="3" name="Content Placeholder 2"/>
+          <p:cNvSpPr>
+            <a:spLocks noGrp="1"/>
+          </p:cNvSpPr>
+          <p:nvPr>
+            <p:ph idx="1"/>
+          </p:nvPr>
+        </p:nvSpPr>
+        <p:spPr/>
+        <p:txBody>
+          <a:bodyPr>
+            <a:normAutofit/>
+          </a:bodyPr>
+          <a:lstStyle/>
+          <a:p>
+            <a:pPr marL="0" indent="0">
+              <a:buNone/>
+            </a:pPr>
+            <a:endParaRPr lang="en-US" dirty="0" smtClean="0">
+              <a:solidFill>
+                <a:srgbClr val="000000"/>
+              </a:solidFill>
+            </a:endParaRPr>
+          </a:p>
+          <a:p>
+            <a:pPr>
+              <a:buFontTx/>
+              <a:buChar char="-"/>
+            </a:pPr>
+            <a:endParaRPr lang="en-US" dirty="0" smtClean="0">
+              <a:solidFill>
+                <a:srgbClr val="000000"/>
+              </a:solidFill>
+            </a:endParaRPr>
+          </a:p>
+        </p:txBody>
+      </p:sp>
+      <p:sp>
+        <p:nvSpPr>
+          <p:cNvPr id="4" name="Footer Placeholder 3"/>
+          <p:cNvSpPr>
+            <a:spLocks noGrp="1"/>
+          </p:cNvSpPr>
+          <p:nvPr>
+            <p:ph type="ftr" sz="quarter" idx="11"/>
+          </p:nvPr>
+        </p:nvSpPr>
+        <p:spPr/>
+        <p:txBody>
+          <a:bodyPr/>
+          <a:lstStyle/>
+          <a:p>
+            <a:r>
+              <a:rPr lang="en-US" smtClean="0"/>
+              <a:t>Archetype Modeling Language</a:t>
+            </a:r>
+            <a:endParaRPr lang="en-US" dirty="0"/>
+          </a:p>
+        </p:txBody>
+      </p:sp>
+      <p:sp>
+        <p:nvSpPr>
+          <p:cNvPr id="5" name="Slide Number Placeholder 4"/>
+          <p:cNvSpPr>
+            <a:spLocks noGrp="1"/>
+          </p:cNvSpPr>
+          <p:nvPr>
+            <p:ph type="sldNum" sz="quarter" idx="12"/>
+          </p:nvPr>
+        </p:nvSpPr>
+        <p:spPr/>
+        <p:txBody>
+          <a:bodyPr/>
+          <a:lstStyle/>
+          <a:p>
+            <a:fld id="{F1C60CE6-A564-2C44-BB7B-900AEECBE3A4}" type="slidenum">
+              <a:rPr lang="en-US" smtClean="0"/>
+              <a:t>32</a:t>
+            </a:fld>
+            <a:endParaRPr lang="en-US" dirty="0"/>
+          </a:p>
+        </p:txBody>
+      </p:sp>
+      <p:cxnSp>
+        <p:nvCxnSpPr>
+          <p:cNvPr id="6" name="Straight Connector 5"/>
+          <p:cNvCxnSpPr/>
+          <p:nvPr/>
+        </p:nvCxnSpPr>
+        <p:spPr>
+          <a:xfrm flipV="1">
+            <a:off x="0" y="1188975"/>
+            <a:ext cx="9144000" cy="36030"/>
+          </a:xfrm>
+          <a:prstGeom prst="line">
+            <a:avLst/>
+          </a:prstGeom>
+        </p:spPr>
+        <p:style>
+          <a:lnRef idx="2">
+            <a:schemeClr val="accent1"/>
+          </a:lnRef>
+          <a:fillRef idx="0">
+            <a:schemeClr val="accent1"/>
+          </a:fillRef>
+          <a:effectRef idx="1">
+            <a:schemeClr val="accent1"/>
+          </a:effectRef>
+          <a:fontRef idx="minor">
+            <a:schemeClr val="tx1"/>
+          </a:fontRef>
+        </p:style>
+      </p:cxnSp>
+      <p:sp>
+        <p:nvSpPr>
+          <p:cNvPr id="7" name="TextBox 6"/>
+          <p:cNvSpPr txBox="1"/>
+          <p:nvPr/>
+        </p:nvSpPr>
+        <p:spPr>
+          <a:xfrm>
+            <a:off x="-1970690" y="639379"/>
+            <a:ext cx="184666" cy="369332"/>
+          </a:xfrm>
+          <a:prstGeom prst="rect">
+            <a:avLst/>
+          </a:prstGeom>
+          <a:noFill/>
+        </p:spPr>
+        <p:txBody>
+          <a:bodyPr wrap="none" rtlCol="0">
+            <a:spAutoFit/>
+          </a:bodyPr>
+          <a:lstStyle/>
+          <a:p>
+            <a:endParaRPr lang="en-US" dirty="0"/>
+          </a:p>
+        </p:txBody>
+      </p:sp>
+      <p:pic>
+        <p:nvPicPr>
+          <p:cNvPr id="8" name="Picture 7" descr="Screen Shot 2015-04-21 at 2.34.37 PM.png"/>
+          <p:cNvPicPr>
+            <a:picLocks noChangeAspect="1"/>
+          </p:cNvPicPr>
+          <p:nvPr/>
+        </p:nvPicPr>
+        <p:blipFill>
+          <a:blip r:embed="rId3">
+            <a:extLst>
+              <a:ext uri="{28A0092B-C50C-407E-A947-70E740481C1C}">
+                <a14:useLocalDpi xmlns:a14="http://schemas.microsoft.com/office/drawing/2010/main" val="0"/>
+              </a:ext>
+            </a:extLst>
+          </a:blip>
+          <a:stretch>
+            <a:fillRect/>
+          </a:stretch>
+        </p:blipFill>
+        <p:spPr>
+          <a:xfrm>
+            <a:off x="884622" y="1250770"/>
+            <a:ext cx="7190828" cy="5607230"/>
+          </a:xfrm>
+          <a:prstGeom prst="rect">
+            <a:avLst/>
+          </a:prstGeom>
+        </p:spPr>
+      </p:pic>
+      <p:sp>
+        <p:nvSpPr>
+          <p:cNvPr id="10" name="TextBox 9"/>
+          <p:cNvSpPr txBox="1"/>
+          <p:nvPr/>
+        </p:nvSpPr>
+        <p:spPr>
+          <a:xfrm>
+            <a:off x="7059448" y="2881586"/>
+            <a:ext cx="1259490" cy="369332"/>
+          </a:xfrm>
+          <a:prstGeom prst="rect">
+            <a:avLst/>
+          </a:prstGeom>
+          <a:noFill/>
+        </p:spPr>
+        <p:txBody>
+          <a:bodyPr wrap="square" rtlCol="0">
+            <a:spAutoFit/>
+          </a:bodyPr>
+          <a:lstStyle/>
+          <a:p>
+            <a:r>
+              <a:rPr lang="en-US" dirty="0" smtClean="0">
+                <a:solidFill>
+                  <a:srgbClr val="FF0000"/>
+                </a:solidFill>
+              </a:rPr>
+              <a:t>ADL1.5</a:t>
+            </a:r>
+            <a:endParaRPr lang="en-US" dirty="0">
+              <a:solidFill>
+                <a:srgbClr val="FF0000"/>
+              </a:solidFill>
+            </a:endParaRPr>
+          </a:p>
+        </p:txBody>
+      </p:sp>
+      <p:sp>
+        <p:nvSpPr>
+          <p:cNvPr id="11" name="TextBox 10"/>
+          <p:cNvSpPr txBox="1"/>
+          <p:nvPr/>
+        </p:nvSpPr>
+        <p:spPr>
+          <a:xfrm>
+            <a:off x="6563710" y="1250770"/>
+            <a:ext cx="2542628" cy="369332"/>
+          </a:xfrm>
+          <a:prstGeom prst="rect">
+            <a:avLst/>
+          </a:prstGeom>
+        </p:spPr>
+        <p:style>
+          <a:lnRef idx="1">
+            <a:schemeClr val="dk1"/>
+          </a:lnRef>
+          <a:fillRef idx="3">
+            <a:schemeClr val="dk1"/>
+          </a:fillRef>
+          <a:effectRef idx="2">
+            <a:schemeClr val="dk1"/>
+          </a:effectRef>
+          <a:fontRef idx="minor">
+            <a:schemeClr val="lt1"/>
+          </a:fontRef>
+        </p:style>
+        <p:txBody>
+          <a:bodyPr wrap="square" rtlCol="0">
+            <a:spAutoFit/>
+          </a:bodyPr>
+          <a:lstStyle/>
+          <a:p>
+            <a:r>
+              <a:rPr lang="en-US" dirty="0"/>
+              <a:t>http://</a:t>
+            </a:r>
+            <a:r>
+              <a:rPr lang="en-US" dirty="0" err="1"/>
+              <a:t>openehr.org</a:t>
+            </a:r>
+            <a:r>
+              <a:rPr lang="en-US" dirty="0"/>
+              <a:t>/</a:t>
+            </a:r>
+            <a:r>
+              <a:rPr lang="en-US" dirty="0" err="1"/>
+              <a:t>ckm</a:t>
+            </a:r>
+            <a:r>
+              <a:rPr lang="en-US" dirty="0"/>
+              <a:t>/</a:t>
+            </a:r>
+          </a:p>
+        </p:txBody>
+      </p:sp>
+    </p:spTree>
+    <p:extLst>
+      <p:ext uri="{BB962C8B-B14F-4D97-AF65-F5344CB8AC3E}">
+        <p14:creationId xmlns:p14="http://schemas.microsoft.com/office/powerpoint/2010/main" val="2432500118"/>
+      </p:ext>
+    </p:extLst>
+  </p:cSld>
+  <p:clrMapOvr>
+    <a:masterClrMapping/>
+  </p:clrMapOvr>
+  <p:timing>
+    <p:tnLst>
+      <p:par>
+        <p:cTn xmlns:p14="http://schemas.microsoft.com/office/powerpoint/2010/main" id="1" dur="indefinite" restart="never" nodeType="tmRoot"/>
+      </p:par>
+    </p:tnLst>
+  </p:timing>
+</p:sld>
+</file>
+
+<file path=ppt/slides/slide33.xml><?xml version="1.0" encoding="utf-8"?>
+<p:sld xmlns:a="http://schemas.openxmlformats.org/drawingml/2006/main" xmlns:r="http://schemas.openxmlformats.org/officeDocument/2006/relationships" xmlns:p="http://schemas.openxmlformats.org/presentationml/2006/main">
+  <p:cSld>
+    <p:spTree>
+      <p:nvGrpSpPr>
+        <p:cNvPr id="1" name=""/>
+        <p:cNvGrpSpPr/>
+        <p:nvPr/>
+      </p:nvGrpSpPr>
+      <p:grpSpPr>
+        <a:xfrm>
+          <a:off x="0" y="0"/>
+          <a:ext cx="0" cy="0"/>
+          <a:chOff x="0" y="0"/>
+          <a:chExt cx="0" cy="0"/>
+        </a:xfrm>
+      </p:grpSpPr>
+      <p:sp>
+        <p:nvSpPr>
+          <p:cNvPr id="2" name="Title 1"/>
+          <p:cNvSpPr>
+            <a:spLocks noGrp="1"/>
+          </p:cNvSpPr>
+          <p:nvPr>
+            <p:ph type="title"/>
+          </p:nvPr>
+        </p:nvSpPr>
+        <p:spPr>
+          <a:xfrm>
+            <a:off x="457200" y="274638"/>
+            <a:ext cx="8229600" cy="914337"/>
+          </a:xfrm>
+        </p:spPr>
+        <p:txBody>
+          <a:bodyPr>
+            <a:normAutofit/>
+          </a:bodyPr>
+          <a:lstStyle/>
+          <a:p>
+            <a:r>
+              <a:rPr lang="en-US" dirty="0" err="1" smtClean="0"/>
+              <a:t>OpenEHR</a:t>
+            </a:r>
+            <a:r>
+              <a:rPr lang="en-US" dirty="0" smtClean="0"/>
+              <a:t> ADL</a:t>
+            </a:r>
+            <a:endParaRPr lang="en-US" dirty="0"/>
+          </a:p>
+        </p:txBody>
+      </p:sp>
+      <p:sp>
+        <p:nvSpPr>
+          <p:cNvPr id="3" name="Content Placeholder 2"/>
+          <p:cNvSpPr>
+            <a:spLocks noGrp="1"/>
+          </p:cNvSpPr>
+          <p:nvPr>
+            <p:ph idx="1"/>
+          </p:nvPr>
+        </p:nvSpPr>
+        <p:spPr/>
+        <p:txBody>
+          <a:bodyPr>
+            <a:normAutofit fontScale="85000" lnSpcReduction="20000"/>
+          </a:bodyPr>
+          <a:lstStyle/>
+          <a:p>
+            <a:pPr>
+              <a:buFontTx/>
+              <a:buChar char="-"/>
+            </a:pPr>
+            <a:r>
+              <a:rPr lang="en-US" dirty="0" smtClean="0">
+                <a:solidFill>
+                  <a:srgbClr val="000000"/>
+                </a:solidFill>
+              </a:rPr>
+              <a:t>Most traction.</a:t>
+            </a:r>
+          </a:p>
+          <a:p>
+            <a:pPr>
+              <a:buFontTx/>
+              <a:buChar char="-"/>
+            </a:pPr>
+            <a:r>
+              <a:rPr lang="en-US" dirty="0" smtClean="0">
+                <a:solidFill>
+                  <a:srgbClr val="000000"/>
+                </a:solidFill>
+              </a:rPr>
+              <a:t>Get started with rich set of tools.</a:t>
+            </a:r>
+          </a:p>
+          <a:p>
+            <a:pPr>
+              <a:buFontTx/>
+              <a:buChar char="-"/>
+            </a:pPr>
+            <a:r>
+              <a:rPr lang="en-US" dirty="0" smtClean="0">
+                <a:solidFill>
+                  <a:srgbClr val="000000"/>
+                </a:solidFill>
+              </a:rPr>
+              <a:t>Leverage with existing archetypes.</a:t>
+            </a:r>
+          </a:p>
+          <a:p>
+            <a:pPr marL="0" indent="0">
+              <a:buNone/>
+            </a:pPr>
+            <a:endParaRPr lang="en-US" dirty="0" smtClean="0">
+              <a:solidFill>
+                <a:srgbClr val="000000"/>
+              </a:solidFill>
+            </a:endParaRPr>
+          </a:p>
+          <a:p>
+            <a:pPr marL="0" indent="0">
+              <a:buNone/>
+            </a:pPr>
+            <a:r>
+              <a:rPr lang="en-US" dirty="0" smtClean="0">
+                <a:solidFill>
+                  <a:srgbClr val="000000"/>
+                </a:solidFill>
+              </a:rPr>
+              <a:t>Issues</a:t>
+            </a:r>
+            <a:endParaRPr lang="en-US" dirty="0">
+              <a:solidFill>
+                <a:srgbClr val="000000"/>
+              </a:solidFill>
+            </a:endParaRPr>
+          </a:p>
+          <a:p>
+            <a:pPr>
+              <a:buFontTx/>
+              <a:buChar char="-"/>
+            </a:pPr>
+            <a:r>
+              <a:rPr lang="en-US" dirty="0" smtClean="0">
+                <a:solidFill>
+                  <a:srgbClr val="000000"/>
+                </a:solidFill>
+              </a:rPr>
+              <a:t>Proprietary</a:t>
+            </a:r>
+          </a:p>
+          <a:p>
+            <a:pPr>
+              <a:buFontTx/>
+              <a:buChar char="-"/>
+            </a:pPr>
+            <a:r>
+              <a:rPr lang="en-US" dirty="0" smtClean="0">
+                <a:solidFill>
+                  <a:srgbClr val="000000"/>
+                </a:solidFill>
+              </a:rPr>
+              <a:t>No easy gateway </a:t>
+            </a:r>
+          </a:p>
+          <a:p>
+            <a:pPr>
+              <a:buFontTx/>
+              <a:buChar char="-"/>
+            </a:pPr>
+            <a:r>
+              <a:rPr lang="en-US" dirty="0" smtClean="0">
+                <a:solidFill>
+                  <a:srgbClr val="000000"/>
+                </a:solidFill>
+              </a:rPr>
+              <a:t>Translation needed:</a:t>
+            </a:r>
+          </a:p>
+          <a:p>
+            <a:pPr lvl="1">
+              <a:buFontTx/>
+              <a:buChar char="-"/>
+            </a:pPr>
+            <a:r>
+              <a:rPr lang="en-US" dirty="0" smtClean="0">
+                <a:solidFill>
+                  <a:srgbClr val="000000"/>
+                </a:solidFill>
+              </a:rPr>
+              <a:t>your Reference model to ADL compatible format.</a:t>
+            </a:r>
+          </a:p>
+          <a:p>
+            <a:pPr lvl="1">
+              <a:buFontTx/>
+              <a:buChar char="-"/>
+            </a:pPr>
+            <a:r>
+              <a:rPr lang="en-US" dirty="0" smtClean="0">
+                <a:solidFill>
+                  <a:srgbClr val="000000"/>
+                </a:solidFill>
+              </a:rPr>
+              <a:t>Convert models back.</a:t>
+            </a:r>
+          </a:p>
+          <a:p>
+            <a:pPr>
+              <a:buFontTx/>
+              <a:buChar char="-"/>
+            </a:pPr>
+            <a:r>
+              <a:rPr lang="en-US" dirty="0" smtClean="0">
+                <a:solidFill>
+                  <a:srgbClr val="000000"/>
+                </a:solidFill>
+              </a:rPr>
+              <a:t>Challenging setup ?</a:t>
+            </a:r>
+          </a:p>
+          <a:p>
+            <a:pPr>
+              <a:buFontTx/>
+              <a:buChar char="-"/>
+            </a:pPr>
+            <a:endParaRPr lang="en-US" dirty="0" smtClean="0">
+              <a:solidFill>
+                <a:srgbClr val="000000"/>
+              </a:solidFill>
+            </a:endParaRPr>
+          </a:p>
+          <a:p>
+            <a:pPr>
+              <a:buFontTx/>
+              <a:buChar char="-"/>
+            </a:pPr>
+            <a:endParaRPr lang="en-US" dirty="0" smtClean="0">
+              <a:solidFill>
+                <a:srgbClr val="000000"/>
+              </a:solidFill>
+            </a:endParaRPr>
+          </a:p>
+        </p:txBody>
+      </p:sp>
+      <p:sp>
+        <p:nvSpPr>
+          <p:cNvPr id="4" name="Footer Placeholder 3"/>
+          <p:cNvSpPr>
+            <a:spLocks noGrp="1"/>
+          </p:cNvSpPr>
+          <p:nvPr>
+            <p:ph type="ftr" sz="quarter" idx="11"/>
+          </p:nvPr>
+        </p:nvSpPr>
+        <p:spPr/>
+        <p:txBody>
+          <a:bodyPr/>
+          <a:lstStyle/>
+          <a:p>
+            <a:r>
+              <a:rPr lang="en-US" smtClean="0"/>
+              <a:t>Archetype Modeling Language</a:t>
+            </a:r>
+            <a:endParaRPr lang="en-US" dirty="0"/>
+          </a:p>
+        </p:txBody>
+      </p:sp>
+      <p:sp>
+        <p:nvSpPr>
+          <p:cNvPr id="5" name="Slide Number Placeholder 4"/>
+          <p:cNvSpPr>
+            <a:spLocks noGrp="1"/>
+          </p:cNvSpPr>
+          <p:nvPr>
+            <p:ph type="sldNum" sz="quarter" idx="12"/>
+          </p:nvPr>
+        </p:nvSpPr>
+        <p:spPr/>
+        <p:txBody>
+          <a:bodyPr/>
+          <a:lstStyle/>
+          <a:p>
+            <a:fld id="{F1C60CE6-A564-2C44-BB7B-900AEECBE3A4}" type="slidenum">
+              <a:rPr lang="en-US" smtClean="0"/>
+              <a:t>33</a:t>
+            </a:fld>
+            <a:endParaRPr lang="en-US" dirty="0"/>
+          </a:p>
+        </p:txBody>
+      </p:sp>
+      <p:cxnSp>
+        <p:nvCxnSpPr>
+          <p:cNvPr id="6" name="Straight Connector 5"/>
+          <p:cNvCxnSpPr/>
+          <p:nvPr/>
+        </p:nvCxnSpPr>
+        <p:spPr>
+          <a:xfrm flipV="1">
+            <a:off x="0" y="1188975"/>
+            <a:ext cx="9144000" cy="36030"/>
+          </a:xfrm>
+          <a:prstGeom prst="line">
+            <a:avLst/>
+          </a:prstGeom>
+        </p:spPr>
+        <p:style>
+          <a:lnRef idx="2">
+            <a:schemeClr val="accent1"/>
+          </a:lnRef>
+          <a:fillRef idx="0">
+            <a:schemeClr val="accent1"/>
+          </a:fillRef>
+          <a:effectRef idx="1">
+            <a:schemeClr val="accent1"/>
+          </a:effectRef>
+          <a:fontRef idx="minor">
+            <a:schemeClr val="tx1"/>
+          </a:fontRef>
+        </p:style>
+      </p:cxnSp>
+      <p:sp>
+        <p:nvSpPr>
+          <p:cNvPr id="7" name="TextBox 6"/>
+          <p:cNvSpPr txBox="1"/>
+          <p:nvPr/>
+        </p:nvSpPr>
+        <p:spPr>
+          <a:xfrm>
+            <a:off x="-1970690" y="639379"/>
+            <a:ext cx="184666" cy="369332"/>
+          </a:xfrm>
+          <a:prstGeom prst="rect">
+            <a:avLst/>
+          </a:prstGeom>
+          <a:noFill/>
+        </p:spPr>
+        <p:txBody>
+          <a:bodyPr wrap="none" rtlCol="0">
+            <a:spAutoFit/>
+          </a:bodyPr>
+          <a:lstStyle/>
+          <a:p>
+            <a:endParaRPr lang="en-US" dirty="0"/>
+          </a:p>
+        </p:txBody>
+      </p:sp>
+    </p:spTree>
+    <p:extLst>
+      <p:ext uri="{BB962C8B-B14F-4D97-AF65-F5344CB8AC3E}">
+        <p14:creationId xmlns:p14="http://schemas.microsoft.com/office/powerpoint/2010/main" val="2364551707"/>
+      </p:ext>
+    </p:extLst>
+  </p:cSld>
+  <p:clrMapOvr>
+    <a:masterClrMapping/>
+  </p:clrMapOvr>
+  <p:timing>
+    <p:tnLst>
+      <p:par>
+        <p:cTn xmlns:p14="http://schemas.microsoft.com/office/powerpoint/2010/main" id="1" dur="indefinite" restart="never" nodeType="tmRoot"/>
+      </p:par>
+    </p:tnLst>
+  </p:timing>
+</p:sld>
+</file>
+
+<file path=ppt/slides/slide34.xml><?xml version="1.0" encoding="utf-8"?>
+<p:sld xmlns:a="http://schemas.openxmlformats.org/drawingml/2006/main" xmlns:r="http://schemas.openxmlformats.org/officeDocument/2006/relationships" xmlns:p="http://schemas.openxmlformats.org/presentationml/2006/main">
+  <p:cSld>
+    <p:spTree>
+      <p:nvGrpSpPr>
+        <p:cNvPr id="1" name=""/>
+        <p:cNvGrpSpPr/>
+        <p:nvPr/>
+      </p:nvGrpSpPr>
+      <p:grpSpPr>
+        <a:xfrm>
+          <a:off x="0" y="0"/>
+          <a:ext cx="0" cy="0"/>
+          <a:chOff x="0" y="0"/>
+          <a:chExt cx="0" cy="0"/>
+        </a:xfrm>
+      </p:grpSpPr>
+      <p:sp>
+        <p:nvSpPr>
+          <p:cNvPr id="2" name="Title 1"/>
+          <p:cNvSpPr>
+            <a:spLocks noGrp="1"/>
+          </p:cNvSpPr>
+          <p:nvPr>
+            <p:ph type="title"/>
+          </p:nvPr>
+        </p:nvSpPr>
+        <p:spPr>
+          <a:xfrm>
+            <a:off x="457200" y="274638"/>
+            <a:ext cx="8229600" cy="914337"/>
+          </a:xfrm>
+        </p:spPr>
+        <p:txBody>
+          <a:bodyPr>
+            <a:normAutofit/>
+          </a:bodyPr>
+          <a:lstStyle/>
+          <a:p>
+            <a:r>
+              <a:rPr lang="en-US" dirty="0" smtClean="0"/>
+              <a:t>GE-Intermountain Healthcare</a:t>
+            </a:r>
+            <a:endParaRPr lang="en-US" dirty="0"/>
+          </a:p>
+        </p:txBody>
+      </p:sp>
+      <p:sp>
+        <p:nvSpPr>
+          <p:cNvPr id="3" name="Content Placeholder 2"/>
+          <p:cNvSpPr>
+            <a:spLocks noGrp="1"/>
+          </p:cNvSpPr>
+          <p:nvPr>
+            <p:ph idx="1"/>
+          </p:nvPr>
+        </p:nvSpPr>
+        <p:spPr/>
+        <p:txBody>
+          <a:bodyPr>
+            <a:normAutofit/>
+          </a:bodyPr>
+          <a:lstStyle/>
+          <a:p>
+            <a:pPr>
+              <a:buFontTx/>
+              <a:buChar char="-"/>
+            </a:pPr>
+            <a:r>
+              <a:rPr lang="en-US" dirty="0" smtClean="0">
+                <a:solidFill>
+                  <a:srgbClr val="000000"/>
+                </a:solidFill>
+              </a:rPr>
+              <a:t>Clinical Element Modeling Language – CEML.</a:t>
+            </a:r>
+          </a:p>
+          <a:p>
+            <a:pPr>
+              <a:buFontTx/>
+              <a:buChar char="-"/>
+            </a:pPr>
+            <a:r>
+              <a:rPr lang="en-US" dirty="0" smtClean="0">
+                <a:solidFill>
+                  <a:srgbClr val="000000"/>
+                </a:solidFill>
+              </a:rPr>
+              <a:t>Modeling at IHC</a:t>
+            </a:r>
+          </a:p>
+          <a:p>
+            <a:pPr lvl="1">
+              <a:buFontTx/>
+              <a:buChar char="-"/>
+            </a:pPr>
+            <a:r>
+              <a:rPr lang="en-US" dirty="0" smtClean="0">
+                <a:solidFill>
+                  <a:srgbClr val="000000"/>
+                </a:solidFill>
+              </a:rPr>
+              <a:t>1994 – ASN.1</a:t>
+            </a:r>
+          </a:p>
+          <a:p>
+            <a:pPr lvl="1">
+              <a:buFontTx/>
+              <a:buChar char="-"/>
+            </a:pPr>
+            <a:r>
+              <a:rPr lang="en-US" dirty="0" smtClean="0">
+                <a:solidFill>
+                  <a:srgbClr val="000000"/>
+                </a:solidFill>
+              </a:rPr>
+              <a:t>2000 – XML Schema</a:t>
+            </a:r>
+          </a:p>
+          <a:p>
+            <a:pPr lvl="1">
+              <a:buFontTx/>
+              <a:buChar char="-"/>
+            </a:pPr>
+            <a:r>
+              <a:rPr lang="en-US" dirty="0" smtClean="0">
+                <a:solidFill>
+                  <a:srgbClr val="000000"/>
+                </a:solidFill>
+              </a:rPr>
+              <a:t>2004 – CEML  (5000+ Models)</a:t>
+            </a:r>
+          </a:p>
+          <a:p>
+            <a:pPr lvl="1">
+              <a:buFontTx/>
+              <a:buChar char="-"/>
+            </a:pPr>
+            <a:r>
+              <a:rPr lang="en-US" dirty="0" smtClean="0">
+                <a:solidFill>
+                  <a:srgbClr val="000000"/>
+                </a:solidFill>
+              </a:rPr>
+              <a:t>2009 – CDL (Constraint Definition Language)</a:t>
+            </a:r>
+          </a:p>
+          <a:p>
+            <a:pPr lvl="1">
+              <a:buFontTx/>
+              <a:buChar char="-"/>
+            </a:pPr>
+            <a:r>
+              <a:rPr lang="en-US" dirty="0" smtClean="0">
+                <a:solidFill>
+                  <a:srgbClr val="000000"/>
+                </a:solidFill>
+              </a:rPr>
+              <a:t>2013 – Back to CEML</a:t>
+            </a:r>
+          </a:p>
+          <a:p>
+            <a:pPr lvl="1">
+              <a:buFontTx/>
+              <a:buChar char="-"/>
+            </a:pPr>
+            <a:r>
+              <a:rPr lang="en-US" dirty="0" smtClean="0">
+                <a:solidFill>
+                  <a:srgbClr val="000000"/>
+                </a:solidFill>
+              </a:rPr>
+              <a:t>2014 – Converted models to ADL, FHIR profiles</a:t>
+            </a:r>
+          </a:p>
+          <a:p>
+            <a:pPr>
+              <a:buFontTx/>
+              <a:buChar char="-"/>
+            </a:pPr>
+            <a:endParaRPr lang="en-US" dirty="0" smtClean="0">
+              <a:solidFill>
+                <a:srgbClr val="000000"/>
+              </a:solidFill>
+            </a:endParaRPr>
+          </a:p>
+          <a:p>
+            <a:pPr>
+              <a:buFontTx/>
+              <a:buChar char="-"/>
+            </a:pPr>
+            <a:endParaRPr lang="en-US" dirty="0" smtClean="0">
+              <a:solidFill>
+                <a:srgbClr val="000000"/>
+              </a:solidFill>
+            </a:endParaRPr>
+          </a:p>
+          <a:p>
+            <a:pPr>
+              <a:buFontTx/>
+              <a:buChar char="-"/>
+            </a:pPr>
+            <a:endParaRPr lang="en-US" dirty="0" smtClean="0">
+              <a:solidFill>
+                <a:srgbClr val="000000"/>
+              </a:solidFill>
+            </a:endParaRPr>
+          </a:p>
+        </p:txBody>
+      </p:sp>
+      <p:sp>
+        <p:nvSpPr>
+          <p:cNvPr id="4" name="Footer Placeholder 3"/>
+          <p:cNvSpPr>
+            <a:spLocks noGrp="1"/>
+          </p:cNvSpPr>
+          <p:nvPr>
+            <p:ph type="ftr" sz="quarter" idx="11"/>
+          </p:nvPr>
+        </p:nvSpPr>
+        <p:spPr/>
+        <p:txBody>
+          <a:bodyPr/>
+          <a:lstStyle/>
+          <a:p>
+            <a:r>
+              <a:rPr lang="en-US" smtClean="0"/>
+              <a:t>Archetype Modeling Language</a:t>
+            </a:r>
+            <a:endParaRPr lang="en-US" dirty="0"/>
+          </a:p>
+        </p:txBody>
+      </p:sp>
+      <p:sp>
+        <p:nvSpPr>
+          <p:cNvPr id="5" name="Slide Number Placeholder 4"/>
+          <p:cNvSpPr>
+            <a:spLocks noGrp="1"/>
+          </p:cNvSpPr>
+          <p:nvPr>
+            <p:ph type="sldNum" sz="quarter" idx="12"/>
+          </p:nvPr>
+        </p:nvSpPr>
+        <p:spPr/>
+        <p:txBody>
+          <a:bodyPr/>
+          <a:lstStyle/>
+          <a:p>
+            <a:fld id="{F1C60CE6-A564-2C44-BB7B-900AEECBE3A4}" type="slidenum">
+              <a:rPr lang="en-US" smtClean="0"/>
+              <a:t>34</a:t>
+            </a:fld>
+            <a:endParaRPr lang="en-US" dirty="0"/>
+          </a:p>
+        </p:txBody>
+      </p:sp>
+      <p:cxnSp>
+        <p:nvCxnSpPr>
+          <p:cNvPr id="6" name="Straight Connector 5"/>
+          <p:cNvCxnSpPr/>
+          <p:nvPr/>
+        </p:nvCxnSpPr>
+        <p:spPr>
+          <a:xfrm flipV="1">
+            <a:off x="0" y="1188975"/>
+            <a:ext cx="9144000" cy="36030"/>
+          </a:xfrm>
+          <a:prstGeom prst="line">
+            <a:avLst/>
+          </a:prstGeom>
+        </p:spPr>
+        <p:style>
+          <a:lnRef idx="2">
+            <a:schemeClr val="accent1"/>
+          </a:lnRef>
+          <a:fillRef idx="0">
+            <a:schemeClr val="accent1"/>
+          </a:fillRef>
+          <a:effectRef idx="1">
+            <a:schemeClr val="accent1"/>
+          </a:effectRef>
+          <a:fontRef idx="minor">
+            <a:schemeClr val="tx1"/>
+          </a:fontRef>
+        </p:style>
+      </p:cxnSp>
+      <p:sp>
+        <p:nvSpPr>
+          <p:cNvPr id="7" name="TextBox 6"/>
+          <p:cNvSpPr txBox="1"/>
+          <p:nvPr/>
+        </p:nvSpPr>
+        <p:spPr>
+          <a:xfrm>
+            <a:off x="-1970690" y="639379"/>
+            <a:ext cx="184666" cy="369332"/>
+          </a:xfrm>
+          <a:prstGeom prst="rect">
+            <a:avLst/>
+          </a:prstGeom>
+          <a:noFill/>
+        </p:spPr>
+        <p:txBody>
+          <a:bodyPr wrap="none" rtlCol="0">
+            <a:spAutoFit/>
+          </a:bodyPr>
+          <a:lstStyle/>
+          <a:p>
+            <a:endParaRPr lang="en-US" dirty="0"/>
+          </a:p>
+        </p:txBody>
+      </p:sp>
+      <p:sp>
+        <p:nvSpPr>
+          <p:cNvPr id="8" name="TextBox 7"/>
+          <p:cNvSpPr txBox="1"/>
+          <p:nvPr/>
+        </p:nvSpPr>
+        <p:spPr>
+          <a:xfrm>
+            <a:off x="252939" y="6430142"/>
+            <a:ext cx="1726510" cy="261610"/>
+          </a:xfrm>
+          <a:prstGeom prst="rect">
+            <a:avLst/>
+          </a:prstGeom>
+          <a:noFill/>
+        </p:spPr>
+        <p:txBody>
+          <a:bodyPr wrap="square" rtlCol="0">
+            <a:spAutoFit/>
+          </a:bodyPr>
+          <a:lstStyle/>
+          <a:p>
+            <a:r>
+              <a:rPr lang="en-US" sz="1100" i="1" dirty="0" smtClean="0"/>
+              <a:t>Courtesy: </a:t>
+            </a:r>
+            <a:r>
+              <a:rPr lang="en-US" sz="1100" i="1" dirty="0" smtClean="0"/>
+              <a:t>Stan Huff at IHC</a:t>
+            </a:r>
+            <a:endParaRPr lang="en-US" sz="1100" i="1" dirty="0"/>
+          </a:p>
+        </p:txBody>
+      </p:sp>
+    </p:spTree>
+    <p:extLst>
+      <p:ext uri="{BB962C8B-B14F-4D97-AF65-F5344CB8AC3E}">
+        <p14:creationId xmlns:p14="http://schemas.microsoft.com/office/powerpoint/2010/main" val="1251001540"/>
+      </p:ext>
+    </p:extLst>
+  </p:cSld>
+  <p:clrMapOvr>
+    <a:masterClrMapping/>
+  </p:clrMapOvr>
+  <p:timing>
+    <p:tnLst>
+      <p:par>
+        <p:cTn xmlns:p14="http://schemas.microsoft.com/office/powerpoint/2010/main" id="1" dur="indefinite" restart="never" nodeType="tmRoot"/>
+      </p:par>
+    </p:tnLst>
+  </p:timing>
+</p:sld>
+</file>
+
+<file path=ppt/slides/slide35.xml><?xml version="1.0" encoding="utf-8"?>
+<p:sld xmlns:a="http://schemas.openxmlformats.org/drawingml/2006/main" xmlns:r="http://schemas.openxmlformats.org/officeDocument/2006/relationships" xmlns:p="http://schemas.openxmlformats.org/presentationml/2006/main">
+  <p:cSld>
+    <p:spTree>
+      <p:nvGrpSpPr>
+        <p:cNvPr id="1" name=""/>
+        <p:cNvGrpSpPr/>
+        <p:nvPr/>
+      </p:nvGrpSpPr>
+      <p:grpSpPr>
+        <a:xfrm>
+          <a:off x="0" y="0"/>
+          <a:ext cx="0" cy="0"/>
+          <a:chOff x="0" y="0"/>
+          <a:chExt cx="0" cy="0"/>
+        </a:xfrm>
+      </p:grpSpPr>
+      <p:sp>
+        <p:nvSpPr>
+          <p:cNvPr id="2" name="Title 1"/>
+          <p:cNvSpPr>
+            <a:spLocks noGrp="1"/>
+          </p:cNvSpPr>
+          <p:nvPr>
+            <p:ph type="title"/>
+          </p:nvPr>
+        </p:nvSpPr>
+        <p:spPr>
+          <a:xfrm>
+            <a:off x="457200" y="274638"/>
+            <a:ext cx="8229600" cy="914337"/>
+          </a:xfrm>
+        </p:spPr>
+        <p:txBody>
+          <a:bodyPr>
+            <a:normAutofit/>
+          </a:bodyPr>
+          <a:lstStyle/>
+          <a:p>
+            <a:r>
+              <a:rPr lang="en-US" dirty="0" smtClean="0"/>
+              <a:t>GE-Intermountain Healthcare</a:t>
+            </a:r>
+            <a:endParaRPr lang="en-US" dirty="0"/>
+          </a:p>
+        </p:txBody>
+      </p:sp>
+      <p:sp>
+        <p:nvSpPr>
+          <p:cNvPr id="3" name="Content Placeholder 2"/>
+          <p:cNvSpPr>
+            <a:spLocks noGrp="1"/>
+          </p:cNvSpPr>
+          <p:nvPr>
+            <p:ph idx="1"/>
+          </p:nvPr>
+        </p:nvSpPr>
+        <p:spPr/>
+        <p:txBody>
+          <a:bodyPr>
+            <a:normAutofit/>
+          </a:bodyPr>
+          <a:lstStyle/>
+          <a:p>
+            <a:pPr>
+              <a:buFontTx/>
+              <a:buChar char="-"/>
+            </a:pPr>
+            <a:r>
+              <a:rPr lang="en-US" dirty="0" smtClean="0">
+                <a:solidFill>
+                  <a:srgbClr val="000000"/>
+                </a:solidFill>
+              </a:rPr>
+              <a:t>IHC Models at </a:t>
+            </a:r>
+            <a:r>
+              <a:rPr lang="en-US" dirty="0" smtClean="0">
+                <a:solidFill>
+                  <a:srgbClr val="000000"/>
+                </a:solidFill>
+                <a:hlinkClick r:id="rId3"/>
+              </a:rPr>
+              <a:t>www.clinicalelement.com</a:t>
+            </a:r>
+            <a:endParaRPr lang="en-US" dirty="0">
+              <a:solidFill>
+                <a:srgbClr val="000000"/>
+              </a:solidFill>
+            </a:endParaRPr>
+          </a:p>
+          <a:p>
+            <a:pPr>
+              <a:buFontTx/>
+              <a:buChar char="-"/>
+            </a:pPr>
+            <a:r>
+              <a:rPr lang="en-US" dirty="0" smtClean="0">
+                <a:solidFill>
+                  <a:srgbClr val="000000"/>
+                </a:solidFill>
+              </a:rPr>
+              <a:t>Contributions to:</a:t>
+            </a:r>
+          </a:p>
+          <a:p>
+            <a:pPr lvl="1">
+              <a:buFontTx/>
+              <a:buChar char="-"/>
+            </a:pPr>
+            <a:r>
+              <a:rPr lang="en-US" dirty="0" smtClean="0">
+                <a:solidFill>
+                  <a:srgbClr val="000000"/>
+                </a:solidFill>
+              </a:rPr>
+              <a:t>CEML models to ADL 1.5</a:t>
+            </a:r>
+          </a:p>
+          <a:p>
+            <a:pPr lvl="1">
+              <a:buFontTx/>
+              <a:buChar char="-"/>
+            </a:pPr>
+            <a:r>
+              <a:rPr lang="en-US" dirty="0" smtClean="0">
+                <a:solidFill>
+                  <a:srgbClr val="000000"/>
+                </a:solidFill>
+              </a:rPr>
+              <a:t>CEML models to CIMI</a:t>
+            </a:r>
+          </a:p>
+          <a:p>
+            <a:pPr marL="0" indent="0">
+              <a:buNone/>
+            </a:pPr>
+            <a:r>
+              <a:rPr lang="en-US" dirty="0" smtClean="0">
+                <a:solidFill>
+                  <a:srgbClr val="000000"/>
+                </a:solidFill>
+              </a:rPr>
+              <a:t>Issues:</a:t>
+            </a:r>
+          </a:p>
+          <a:p>
+            <a:pPr lvl="1"/>
+            <a:r>
+              <a:rPr lang="en-US" dirty="0" smtClean="0">
+                <a:solidFill>
+                  <a:srgbClr val="000000"/>
+                </a:solidFill>
+              </a:rPr>
+              <a:t>CEML (or CDL) compilers </a:t>
+            </a:r>
+            <a:r>
+              <a:rPr lang="en-US" dirty="0" smtClean="0">
+                <a:solidFill>
+                  <a:srgbClr val="000000"/>
+                </a:solidFill>
+                <a:sym typeface="Wingdings"/>
+              </a:rPr>
+              <a:t></a:t>
+            </a:r>
+            <a:r>
+              <a:rPr lang="en-US" dirty="0" smtClean="0">
+                <a:solidFill>
+                  <a:srgbClr val="000000"/>
+                </a:solidFill>
+              </a:rPr>
+              <a:t> proprietary.</a:t>
+            </a:r>
+          </a:p>
+          <a:p>
+            <a:pPr lvl="1"/>
+            <a:r>
+              <a:rPr lang="en-US" dirty="0" smtClean="0">
+                <a:solidFill>
+                  <a:srgbClr val="000000"/>
+                </a:solidFill>
+              </a:rPr>
+              <a:t>Process to get resources from IHC – </a:t>
+            </a:r>
+          </a:p>
+          <a:p>
+            <a:pPr lvl="2"/>
+            <a:r>
+              <a:rPr lang="en-US" dirty="0" smtClean="0">
+                <a:solidFill>
+                  <a:srgbClr val="000000"/>
+                </a:solidFill>
+              </a:rPr>
+              <a:t>Data normalization working with CEMs (</a:t>
+            </a:r>
+            <a:r>
+              <a:rPr lang="en-US" dirty="0" err="1" smtClean="0">
+                <a:solidFill>
+                  <a:srgbClr val="000000"/>
+                </a:solidFill>
+              </a:rPr>
+              <a:t>sharpn.org</a:t>
+            </a:r>
+            <a:r>
+              <a:rPr lang="en-US" dirty="0" smtClean="0">
+                <a:solidFill>
+                  <a:srgbClr val="000000"/>
+                </a:solidFill>
+              </a:rPr>
+              <a:t>)</a:t>
+            </a:r>
+          </a:p>
+          <a:p>
+            <a:pPr>
+              <a:buFontTx/>
+              <a:buChar char="-"/>
+            </a:pPr>
+            <a:endParaRPr lang="en-US" dirty="0" smtClean="0">
+              <a:solidFill>
+                <a:srgbClr val="000000"/>
+              </a:solidFill>
+            </a:endParaRPr>
+          </a:p>
+          <a:p>
+            <a:pPr>
+              <a:buFontTx/>
+              <a:buChar char="-"/>
+            </a:pPr>
+            <a:endParaRPr lang="en-US" dirty="0" smtClean="0">
+              <a:solidFill>
+                <a:srgbClr val="000000"/>
+              </a:solidFill>
+            </a:endParaRPr>
+          </a:p>
+        </p:txBody>
+      </p:sp>
+      <p:sp>
+        <p:nvSpPr>
+          <p:cNvPr id="4" name="Footer Placeholder 3"/>
+          <p:cNvSpPr>
+            <a:spLocks noGrp="1"/>
+          </p:cNvSpPr>
+          <p:nvPr>
+            <p:ph type="ftr" sz="quarter" idx="11"/>
+          </p:nvPr>
+        </p:nvSpPr>
+        <p:spPr/>
+        <p:txBody>
+          <a:bodyPr/>
+          <a:lstStyle/>
+          <a:p>
+            <a:r>
+              <a:rPr lang="en-US" smtClean="0"/>
+              <a:t>Archetype Modeling Language</a:t>
+            </a:r>
+            <a:endParaRPr lang="en-US" dirty="0"/>
+          </a:p>
+        </p:txBody>
+      </p:sp>
+      <p:sp>
+        <p:nvSpPr>
+          <p:cNvPr id="5" name="Slide Number Placeholder 4"/>
+          <p:cNvSpPr>
+            <a:spLocks noGrp="1"/>
+          </p:cNvSpPr>
+          <p:nvPr>
+            <p:ph type="sldNum" sz="quarter" idx="12"/>
+          </p:nvPr>
+        </p:nvSpPr>
+        <p:spPr/>
+        <p:txBody>
+          <a:bodyPr/>
+          <a:lstStyle/>
+          <a:p>
+            <a:fld id="{F1C60CE6-A564-2C44-BB7B-900AEECBE3A4}" type="slidenum">
+              <a:rPr lang="en-US" smtClean="0"/>
+              <a:t>35</a:t>
+            </a:fld>
+            <a:endParaRPr lang="en-US" dirty="0"/>
+          </a:p>
+        </p:txBody>
+      </p:sp>
+      <p:cxnSp>
+        <p:nvCxnSpPr>
+          <p:cNvPr id="6" name="Straight Connector 5"/>
+          <p:cNvCxnSpPr/>
+          <p:nvPr/>
+        </p:nvCxnSpPr>
+        <p:spPr>
+          <a:xfrm flipV="1">
+            <a:off x="0" y="1188975"/>
+            <a:ext cx="9144000" cy="36030"/>
+          </a:xfrm>
+          <a:prstGeom prst="line">
+            <a:avLst/>
+          </a:prstGeom>
+        </p:spPr>
+        <p:style>
+          <a:lnRef idx="2">
+            <a:schemeClr val="accent1"/>
+          </a:lnRef>
+          <a:fillRef idx="0">
+            <a:schemeClr val="accent1"/>
+          </a:fillRef>
+          <a:effectRef idx="1">
+            <a:schemeClr val="accent1"/>
+          </a:effectRef>
+          <a:fontRef idx="minor">
+            <a:schemeClr val="tx1"/>
+          </a:fontRef>
+        </p:style>
+      </p:cxnSp>
+      <p:sp>
+        <p:nvSpPr>
+          <p:cNvPr id="7" name="TextBox 6"/>
+          <p:cNvSpPr txBox="1"/>
+          <p:nvPr/>
+        </p:nvSpPr>
+        <p:spPr>
+          <a:xfrm>
+            <a:off x="-1970690" y="639379"/>
+            <a:ext cx="184666" cy="369332"/>
+          </a:xfrm>
+          <a:prstGeom prst="rect">
+            <a:avLst/>
+          </a:prstGeom>
+          <a:noFill/>
+        </p:spPr>
+        <p:txBody>
+          <a:bodyPr wrap="none" rtlCol="0">
+            <a:spAutoFit/>
+          </a:bodyPr>
+          <a:lstStyle/>
+          <a:p>
+            <a:endParaRPr lang="en-US" dirty="0"/>
+          </a:p>
+        </p:txBody>
+      </p:sp>
+    </p:spTree>
+    <p:extLst>
+      <p:ext uri="{BB962C8B-B14F-4D97-AF65-F5344CB8AC3E}">
+        <p14:creationId xmlns:p14="http://schemas.microsoft.com/office/powerpoint/2010/main" val="284554015"/>
+      </p:ext>
+    </p:extLst>
+  </p:cSld>
+  <p:clrMapOvr>
+    <a:masterClrMapping/>
+  </p:clrMapOvr>
+  <p:timing>
+    <p:tnLst>
+      <p:par>
+        <p:cTn xmlns:p14="http://schemas.microsoft.com/office/powerpoint/2010/main" id="1" dur="indefinite" restart="never" nodeType="tmRoot"/>
+      </p:par>
+    </p:tnLst>
+  </p:timing>
+</p:sld>
+</file>
+
+<file path=ppt/slides/slide36.xml><?xml version="1.0" encoding="utf-8"?>
+<p:sld xmlns:a="http://schemas.openxmlformats.org/drawingml/2006/main" xmlns:r="http://schemas.openxmlformats.org/officeDocument/2006/relationships" xmlns:p="http://schemas.openxmlformats.org/presentationml/2006/main">
+  <p:cSld>
+    <p:spTree>
+      <p:nvGrpSpPr>
+        <p:cNvPr id="1" name=""/>
+        <p:cNvGrpSpPr/>
+        <p:nvPr/>
+      </p:nvGrpSpPr>
+      <p:grpSpPr>
+        <a:xfrm>
+          <a:off x="0" y="0"/>
+          <a:ext cx="0" cy="0"/>
+          <a:chOff x="0" y="0"/>
+          <a:chExt cx="0" cy="0"/>
+        </a:xfrm>
+      </p:grpSpPr>
+      <p:sp>
+        <p:nvSpPr>
+          <p:cNvPr id="2" name="Title 1"/>
+          <p:cNvSpPr>
+            <a:spLocks noGrp="1"/>
+          </p:cNvSpPr>
+          <p:nvPr>
+            <p:ph type="title"/>
+          </p:nvPr>
+        </p:nvSpPr>
+        <p:spPr>
+          <a:xfrm>
+            <a:off x="457200" y="274638"/>
+            <a:ext cx="8229600" cy="914337"/>
+          </a:xfrm>
+        </p:spPr>
+        <p:txBody>
+          <a:bodyPr>
+            <a:normAutofit/>
+          </a:bodyPr>
+          <a:lstStyle/>
+          <a:p>
+            <a:r>
+              <a:rPr lang="en-US" dirty="0" smtClean="0"/>
+              <a:t>Frameworks &amp; Tools</a:t>
+            </a:r>
+            <a:endParaRPr lang="en-US" dirty="0"/>
+          </a:p>
+        </p:txBody>
+      </p:sp>
+      <p:sp>
+        <p:nvSpPr>
+          <p:cNvPr id="3" name="Content Placeholder 2"/>
+          <p:cNvSpPr>
+            <a:spLocks noGrp="1"/>
+          </p:cNvSpPr>
+          <p:nvPr>
+            <p:ph idx="1"/>
+          </p:nvPr>
+        </p:nvSpPr>
+        <p:spPr/>
+        <p:txBody>
+          <a:bodyPr>
+            <a:normAutofit/>
+          </a:bodyPr>
+          <a:lstStyle/>
+          <a:p>
+            <a:pPr marL="0" indent="0">
+              <a:buNone/>
+            </a:pPr>
+            <a:r>
+              <a:rPr lang="en-US" dirty="0" smtClean="0">
+                <a:solidFill>
+                  <a:srgbClr val="000000"/>
+                </a:solidFill>
+              </a:rPr>
+              <a:t>So… How to create models now?</a:t>
+            </a:r>
+          </a:p>
+          <a:p>
+            <a:r>
+              <a:rPr lang="en-US" dirty="0" smtClean="0">
+                <a:solidFill>
+                  <a:srgbClr val="000000"/>
+                </a:solidFill>
+              </a:rPr>
+              <a:t>Existing</a:t>
+            </a:r>
+          </a:p>
+          <a:p>
+            <a:pPr lvl="1"/>
+            <a:r>
+              <a:rPr lang="en-US" dirty="0" smtClean="0">
+                <a:solidFill>
+                  <a:srgbClr val="000000"/>
+                </a:solidFill>
+              </a:rPr>
+              <a:t>HL7: Templates. </a:t>
+            </a:r>
+            <a:r>
+              <a:rPr lang="en-US" dirty="0" smtClean="0">
+                <a:solidFill>
+                  <a:srgbClr val="008000"/>
+                </a:solidFill>
+                <a:latin typeface="Zapf Dingbats"/>
+                <a:ea typeface="Zapf Dingbats"/>
+                <a:cs typeface="Zapf Dingbats"/>
+                <a:sym typeface="Zapf Dingbats"/>
+              </a:rPr>
+              <a:t>✔</a:t>
+            </a:r>
+            <a:endParaRPr lang="en-US" dirty="0" smtClean="0">
+              <a:solidFill>
+                <a:srgbClr val="008000"/>
+              </a:solidFill>
+            </a:endParaRPr>
+          </a:p>
+          <a:p>
+            <a:pPr lvl="1"/>
+            <a:r>
+              <a:rPr lang="en-US" dirty="0" err="1" smtClean="0">
+                <a:solidFill>
+                  <a:srgbClr val="000000"/>
+                </a:solidFill>
+              </a:rPr>
+              <a:t>OpenEHR</a:t>
+            </a:r>
+            <a:r>
+              <a:rPr lang="en-US" dirty="0" smtClean="0">
+                <a:solidFill>
+                  <a:srgbClr val="000000"/>
+                </a:solidFill>
+              </a:rPr>
+              <a:t>: Archetype Definition Language.</a:t>
+            </a:r>
+            <a:r>
+              <a:rPr lang="en-US" dirty="0" smtClean="0">
+                <a:solidFill>
+                  <a:srgbClr val="008000"/>
+                </a:solidFill>
+                <a:latin typeface="Zapf Dingbats"/>
+                <a:ea typeface="Zapf Dingbats"/>
+                <a:cs typeface="Zapf Dingbats"/>
+                <a:sym typeface="Zapf Dingbats"/>
+              </a:rPr>
+              <a:t> </a:t>
+            </a:r>
+            <a:r>
+              <a:rPr lang="en-US" dirty="0">
+                <a:solidFill>
+                  <a:srgbClr val="008000"/>
+                </a:solidFill>
+                <a:latin typeface="Zapf Dingbats"/>
+                <a:ea typeface="Zapf Dingbats"/>
+                <a:cs typeface="Zapf Dingbats"/>
+                <a:sym typeface="Zapf Dingbats"/>
+              </a:rPr>
+              <a:t>✔</a:t>
+            </a:r>
+            <a:endParaRPr lang="en-US" dirty="0" smtClean="0">
+              <a:solidFill>
+                <a:srgbClr val="000000"/>
+              </a:solidFill>
+            </a:endParaRPr>
+          </a:p>
+          <a:p>
+            <a:pPr lvl="1"/>
+            <a:r>
+              <a:rPr lang="en-US" dirty="0" smtClean="0">
+                <a:solidFill>
+                  <a:srgbClr val="000000"/>
+                </a:solidFill>
+              </a:rPr>
+              <a:t>GE-Intermountain Healthcare : Clinical Element Modeling Language (CEML).</a:t>
+            </a:r>
+            <a:r>
+              <a:rPr lang="en-US" dirty="0">
+                <a:solidFill>
+                  <a:srgbClr val="008000"/>
+                </a:solidFill>
+                <a:latin typeface="Zapf Dingbats"/>
+                <a:ea typeface="Zapf Dingbats"/>
+                <a:cs typeface="Zapf Dingbats"/>
+                <a:sym typeface="Zapf Dingbats"/>
+              </a:rPr>
+              <a:t> ✔</a:t>
+            </a:r>
+            <a:endParaRPr lang="en-US" dirty="0" smtClean="0">
+              <a:solidFill>
+                <a:srgbClr val="000000"/>
+              </a:solidFill>
+            </a:endParaRPr>
+          </a:p>
+          <a:p>
+            <a:r>
+              <a:rPr lang="en-US" dirty="0" smtClean="0">
+                <a:solidFill>
+                  <a:srgbClr val="000000"/>
+                </a:solidFill>
+              </a:rPr>
+              <a:t>New</a:t>
+            </a:r>
+          </a:p>
+          <a:p>
+            <a:pPr lvl="1"/>
+            <a:r>
+              <a:rPr lang="en-US" dirty="0" smtClean="0">
+                <a:solidFill>
+                  <a:srgbClr val="000000"/>
+                </a:solidFill>
+              </a:rPr>
+              <a:t>CIMI: Archetype Modeling Language (AML).</a:t>
+            </a:r>
+          </a:p>
+        </p:txBody>
+      </p:sp>
+      <p:sp>
+        <p:nvSpPr>
+          <p:cNvPr id="4" name="Footer Placeholder 3"/>
+          <p:cNvSpPr>
+            <a:spLocks noGrp="1"/>
+          </p:cNvSpPr>
+          <p:nvPr>
+            <p:ph type="ftr" sz="quarter" idx="11"/>
+          </p:nvPr>
+        </p:nvSpPr>
+        <p:spPr/>
+        <p:txBody>
+          <a:bodyPr/>
+          <a:lstStyle/>
+          <a:p>
+            <a:r>
+              <a:rPr lang="en-US" smtClean="0"/>
+              <a:t>Archetype Modeling Language</a:t>
+            </a:r>
+            <a:endParaRPr lang="en-US" dirty="0"/>
+          </a:p>
+        </p:txBody>
+      </p:sp>
+      <p:sp>
+        <p:nvSpPr>
+          <p:cNvPr id="5" name="Slide Number Placeholder 4"/>
+          <p:cNvSpPr>
+            <a:spLocks noGrp="1"/>
+          </p:cNvSpPr>
+          <p:nvPr>
+            <p:ph type="sldNum" sz="quarter" idx="12"/>
+          </p:nvPr>
+        </p:nvSpPr>
+        <p:spPr/>
+        <p:txBody>
+          <a:bodyPr/>
+          <a:lstStyle/>
+          <a:p>
+            <a:fld id="{F1C60CE6-A564-2C44-BB7B-900AEECBE3A4}" type="slidenum">
+              <a:rPr lang="en-US" smtClean="0"/>
+              <a:t>36</a:t>
+            </a:fld>
+            <a:endParaRPr lang="en-US" dirty="0"/>
+          </a:p>
+        </p:txBody>
+      </p:sp>
+      <p:cxnSp>
+        <p:nvCxnSpPr>
+          <p:cNvPr id="6" name="Straight Connector 5"/>
+          <p:cNvCxnSpPr/>
+          <p:nvPr/>
+        </p:nvCxnSpPr>
+        <p:spPr>
+          <a:xfrm flipV="1">
+            <a:off x="0" y="1188975"/>
+            <a:ext cx="9144000" cy="36030"/>
+          </a:xfrm>
+          <a:prstGeom prst="line">
+            <a:avLst/>
+          </a:prstGeom>
+        </p:spPr>
+        <p:style>
+          <a:lnRef idx="2">
+            <a:schemeClr val="accent1"/>
+          </a:lnRef>
+          <a:fillRef idx="0">
+            <a:schemeClr val="accent1"/>
+          </a:fillRef>
+          <a:effectRef idx="1">
+            <a:schemeClr val="accent1"/>
+          </a:effectRef>
+          <a:fontRef idx="minor">
+            <a:schemeClr val="tx1"/>
+          </a:fontRef>
+        </p:style>
+      </p:cxnSp>
+      <p:sp>
+        <p:nvSpPr>
+          <p:cNvPr id="7" name="TextBox 6"/>
+          <p:cNvSpPr txBox="1"/>
+          <p:nvPr/>
+        </p:nvSpPr>
+        <p:spPr>
+          <a:xfrm>
+            <a:off x="-1970690" y="639379"/>
+            <a:ext cx="184666" cy="369332"/>
+          </a:xfrm>
+          <a:prstGeom prst="rect">
+            <a:avLst/>
+          </a:prstGeom>
+          <a:noFill/>
+        </p:spPr>
+        <p:txBody>
+          <a:bodyPr wrap="none" rtlCol="0">
+            <a:spAutoFit/>
+          </a:bodyPr>
+          <a:lstStyle/>
+          <a:p>
+            <a:endParaRPr lang="en-US" dirty="0"/>
+          </a:p>
+        </p:txBody>
+      </p:sp>
+    </p:spTree>
+    <p:extLst>
+      <p:ext uri="{BB962C8B-B14F-4D97-AF65-F5344CB8AC3E}">
+        <p14:creationId xmlns:p14="http://schemas.microsoft.com/office/powerpoint/2010/main" val="763126613"/>
       </p:ext>
     </p:extLst>
   </p:cSld>

--- a/docs/AMLTooling.pptx
+++ b/docs/AMLTooling.pptx
@@ -5,10 +5,10 @@
     <p:sldMasterId id="2147483648" r:id="rId1"/>
   </p:sldMasterIdLst>
   <p:notesMasterIdLst>
-    <p:notesMasterId r:id="rId38"/>
+    <p:notesMasterId r:id="rId48"/>
   </p:notesMasterIdLst>
   <p:handoutMasterIdLst>
-    <p:handoutMasterId r:id="rId39"/>
+    <p:handoutMasterId r:id="rId49"/>
   </p:handoutMasterIdLst>
   <p:sldIdLst>
     <p:sldId id="256" r:id="rId2"/>
@@ -47,6 +47,16 @@
     <p:sldId id="292" r:id="rId35"/>
     <p:sldId id="293" r:id="rId36"/>
     <p:sldId id="295" r:id="rId37"/>
+    <p:sldId id="296" r:id="rId38"/>
+    <p:sldId id="298" r:id="rId39"/>
+    <p:sldId id="299" r:id="rId40"/>
+    <p:sldId id="300" r:id="rId41"/>
+    <p:sldId id="301" r:id="rId42"/>
+    <p:sldId id="302" r:id="rId43"/>
+    <p:sldId id="303" r:id="rId44"/>
+    <p:sldId id="304" r:id="rId45"/>
+    <p:sldId id="297" r:id="rId46"/>
+    <p:sldId id="305" r:id="rId47"/>
   </p:sldIdLst>
   <p:sldSz cx="9144000" cy="6858000" type="screen4x3"/>
   <p:notesSz cx="6858000" cy="9144000"/>
@@ -3207,6 +3217,426 @@
 </p:notes>
 </file>
 
+<file path=ppt/notesSlides/notesSlide35.xml><?xml version="1.0" encoding="utf-8"?>
+<p:notes xmlns:a="http://schemas.openxmlformats.org/drawingml/2006/main" xmlns:r="http://schemas.openxmlformats.org/officeDocument/2006/relationships" xmlns:p="http://schemas.openxmlformats.org/presentationml/2006/main">
+  <p:cSld>
+    <p:spTree>
+      <p:nvGrpSpPr>
+        <p:cNvPr id="1" name=""/>
+        <p:cNvGrpSpPr/>
+        <p:nvPr/>
+      </p:nvGrpSpPr>
+      <p:grpSpPr>
+        <a:xfrm>
+          <a:off x="0" y="0"/>
+          <a:ext cx="0" cy="0"/>
+          <a:chOff x="0" y="0"/>
+          <a:chExt cx="0" cy="0"/>
+        </a:xfrm>
+      </p:grpSpPr>
+      <p:sp>
+        <p:nvSpPr>
+          <p:cNvPr id="2" name="Slide Image Placeholder 1"/>
+          <p:cNvSpPr>
+            <a:spLocks noGrp="1" noRot="1" noChangeAspect="1"/>
+          </p:cNvSpPr>
+          <p:nvPr>
+            <p:ph type="sldImg"/>
+          </p:nvPr>
+        </p:nvSpPr>
+        <p:spPr/>
+      </p:sp>
+      <p:sp>
+        <p:nvSpPr>
+          <p:cNvPr id="3" name="Notes Placeholder 2"/>
+          <p:cNvSpPr>
+            <a:spLocks noGrp="1"/>
+          </p:cNvSpPr>
+          <p:nvPr>
+            <p:ph type="body" idx="1"/>
+          </p:nvPr>
+        </p:nvSpPr>
+        <p:spPr/>
+        <p:txBody>
+          <a:bodyPr/>
+          <a:lstStyle/>
+          <a:p>
+            <a:endParaRPr lang="en-US" dirty="0"/>
+          </a:p>
+        </p:txBody>
+      </p:sp>
+      <p:sp>
+        <p:nvSpPr>
+          <p:cNvPr id="4" name="Slide Number Placeholder 3"/>
+          <p:cNvSpPr>
+            <a:spLocks noGrp="1"/>
+          </p:cNvSpPr>
+          <p:nvPr>
+            <p:ph type="sldNum" sz="quarter" idx="10"/>
+          </p:nvPr>
+        </p:nvSpPr>
+        <p:spPr/>
+        <p:txBody>
+          <a:bodyPr/>
+          <a:lstStyle/>
+          <a:p>
+            <a:fld id="{EF56746B-70A0-EC44-97DF-9E8D253B1298}" type="slidenum">
+              <a:rPr lang="en-US" smtClean="0"/>
+              <a:t>37</a:t>
+            </a:fld>
+            <a:endParaRPr lang="en-US"/>
+          </a:p>
+        </p:txBody>
+      </p:sp>
+    </p:spTree>
+    <p:extLst>
+      <p:ext uri="{BB962C8B-B14F-4D97-AF65-F5344CB8AC3E}">
+        <p14:creationId xmlns:p14="http://schemas.microsoft.com/office/powerpoint/2010/main" val="3356811677"/>
+      </p:ext>
+    </p:extLst>
+  </p:cSld>
+  <p:clrMapOvr>
+    <a:masterClrMapping/>
+  </p:clrMapOvr>
+</p:notes>
+</file>
+
+<file path=ppt/notesSlides/notesSlide36.xml><?xml version="1.0" encoding="utf-8"?>
+<p:notes xmlns:a="http://schemas.openxmlformats.org/drawingml/2006/main" xmlns:r="http://schemas.openxmlformats.org/officeDocument/2006/relationships" xmlns:p="http://schemas.openxmlformats.org/presentationml/2006/main">
+  <p:cSld>
+    <p:spTree>
+      <p:nvGrpSpPr>
+        <p:cNvPr id="1" name=""/>
+        <p:cNvGrpSpPr/>
+        <p:nvPr/>
+      </p:nvGrpSpPr>
+      <p:grpSpPr>
+        <a:xfrm>
+          <a:off x="0" y="0"/>
+          <a:ext cx="0" cy="0"/>
+          <a:chOff x="0" y="0"/>
+          <a:chExt cx="0" cy="0"/>
+        </a:xfrm>
+      </p:grpSpPr>
+      <p:sp>
+        <p:nvSpPr>
+          <p:cNvPr id="2" name="Slide Image Placeholder 1"/>
+          <p:cNvSpPr>
+            <a:spLocks noGrp="1" noRot="1" noChangeAspect="1"/>
+          </p:cNvSpPr>
+          <p:nvPr>
+            <p:ph type="sldImg"/>
+          </p:nvPr>
+        </p:nvSpPr>
+        <p:spPr/>
+      </p:sp>
+      <p:sp>
+        <p:nvSpPr>
+          <p:cNvPr id="3" name="Notes Placeholder 2"/>
+          <p:cNvSpPr>
+            <a:spLocks noGrp="1"/>
+          </p:cNvSpPr>
+          <p:nvPr>
+            <p:ph type="body" idx="1"/>
+          </p:nvPr>
+        </p:nvSpPr>
+        <p:spPr/>
+        <p:txBody>
+          <a:bodyPr/>
+          <a:lstStyle/>
+          <a:p>
+            <a:endParaRPr lang="en-US" dirty="0"/>
+          </a:p>
+        </p:txBody>
+      </p:sp>
+      <p:sp>
+        <p:nvSpPr>
+          <p:cNvPr id="4" name="Slide Number Placeholder 3"/>
+          <p:cNvSpPr>
+            <a:spLocks noGrp="1"/>
+          </p:cNvSpPr>
+          <p:nvPr>
+            <p:ph type="sldNum" sz="quarter" idx="10"/>
+          </p:nvPr>
+        </p:nvSpPr>
+        <p:spPr/>
+        <p:txBody>
+          <a:bodyPr/>
+          <a:lstStyle/>
+          <a:p>
+            <a:fld id="{EF56746B-70A0-EC44-97DF-9E8D253B1298}" type="slidenum">
+              <a:rPr lang="en-US" smtClean="0"/>
+              <a:t>38</a:t>
+            </a:fld>
+            <a:endParaRPr lang="en-US"/>
+          </a:p>
+        </p:txBody>
+      </p:sp>
+    </p:spTree>
+    <p:extLst>
+      <p:ext uri="{BB962C8B-B14F-4D97-AF65-F5344CB8AC3E}">
+        <p14:creationId xmlns:p14="http://schemas.microsoft.com/office/powerpoint/2010/main" val="3356811677"/>
+      </p:ext>
+    </p:extLst>
+  </p:cSld>
+  <p:clrMapOvr>
+    <a:masterClrMapping/>
+  </p:clrMapOvr>
+</p:notes>
+</file>
+
+<file path=ppt/notesSlides/notesSlide37.xml><?xml version="1.0" encoding="utf-8"?>
+<p:notes xmlns:a="http://schemas.openxmlformats.org/drawingml/2006/main" xmlns:r="http://schemas.openxmlformats.org/officeDocument/2006/relationships" xmlns:p="http://schemas.openxmlformats.org/presentationml/2006/main">
+  <p:cSld>
+    <p:spTree>
+      <p:nvGrpSpPr>
+        <p:cNvPr id="1" name=""/>
+        <p:cNvGrpSpPr/>
+        <p:nvPr/>
+      </p:nvGrpSpPr>
+      <p:grpSpPr>
+        <a:xfrm>
+          <a:off x="0" y="0"/>
+          <a:ext cx="0" cy="0"/>
+          <a:chOff x="0" y="0"/>
+          <a:chExt cx="0" cy="0"/>
+        </a:xfrm>
+      </p:grpSpPr>
+      <p:sp>
+        <p:nvSpPr>
+          <p:cNvPr id="2" name="Slide Image Placeholder 1"/>
+          <p:cNvSpPr>
+            <a:spLocks noGrp="1" noRot="1" noChangeAspect="1"/>
+          </p:cNvSpPr>
+          <p:nvPr>
+            <p:ph type="sldImg"/>
+          </p:nvPr>
+        </p:nvSpPr>
+        <p:spPr/>
+      </p:sp>
+      <p:sp>
+        <p:nvSpPr>
+          <p:cNvPr id="3" name="Notes Placeholder 2"/>
+          <p:cNvSpPr>
+            <a:spLocks noGrp="1"/>
+          </p:cNvSpPr>
+          <p:nvPr>
+            <p:ph type="body" idx="1"/>
+          </p:nvPr>
+        </p:nvSpPr>
+        <p:spPr/>
+        <p:txBody>
+          <a:bodyPr/>
+          <a:lstStyle/>
+          <a:p>
+            <a:endParaRPr lang="en-US" dirty="0"/>
+          </a:p>
+        </p:txBody>
+      </p:sp>
+      <p:sp>
+        <p:nvSpPr>
+          <p:cNvPr id="4" name="Slide Number Placeholder 3"/>
+          <p:cNvSpPr>
+            <a:spLocks noGrp="1"/>
+          </p:cNvSpPr>
+          <p:nvPr>
+            <p:ph type="sldNum" sz="quarter" idx="10"/>
+          </p:nvPr>
+        </p:nvSpPr>
+        <p:spPr/>
+        <p:txBody>
+          <a:bodyPr/>
+          <a:lstStyle/>
+          <a:p>
+            <a:fld id="{EF56746B-70A0-EC44-97DF-9E8D253B1298}" type="slidenum">
+              <a:rPr lang="en-US" smtClean="0"/>
+              <a:t>39</a:t>
+            </a:fld>
+            <a:endParaRPr lang="en-US"/>
+          </a:p>
+        </p:txBody>
+      </p:sp>
+    </p:spTree>
+    <p:extLst>
+      <p:ext uri="{BB962C8B-B14F-4D97-AF65-F5344CB8AC3E}">
+        <p14:creationId xmlns:p14="http://schemas.microsoft.com/office/powerpoint/2010/main" val="3356811677"/>
+      </p:ext>
+    </p:extLst>
+  </p:cSld>
+  <p:clrMapOvr>
+    <a:masterClrMapping/>
+  </p:clrMapOvr>
+</p:notes>
+</file>
+
+<file path=ppt/notesSlides/notesSlide38.xml><?xml version="1.0" encoding="utf-8"?>
+<p:notes xmlns:a="http://schemas.openxmlformats.org/drawingml/2006/main" xmlns:r="http://schemas.openxmlformats.org/officeDocument/2006/relationships" xmlns:p="http://schemas.openxmlformats.org/presentationml/2006/main">
+  <p:cSld>
+    <p:spTree>
+      <p:nvGrpSpPr>
+        <p:cNvPr id="1" name=""/>
+        <p:cNvGrpSpPr/>
+        <p:nvPr/>
+      </p:nvGrpSpPr>
+      <p:grpSpPr>
+        <a:xfrm>
+          <a:off x="0" y="0"/>
+          <a:ext cx="0" cy="0"/>
+          <a:chOff x="0" y="0"/>
+          <a:chExt cx="0" cy="0"/>
+        </a:xfrm>
+      </p:grpSpPr>
+      <p:sp>
+        <p:nvSpPr>
+          <p:cNvPr id="2" name="Slide Image Placeholder 1"/>
+          <p:cNvSpPr>
+            <a:spLocks noGrp="1" noRot="1" noChangeAspect="1"/>
+          </p:cNvSpPr>
+          <p:nvPr>
+            <p:ph type="sldImg"/>
+          </p:nvPr>
+        </p:nvSpPr>
+        <p:spPr/>
+      </p:sp>
+      <p:sp>
+        <p:nvSpPr>
+          <p:cNvPr id="3" name="Notes Placeholder 2"/>
+          <p:cNvSpPr>
+            <a:spLocks noGrp="1"/>
+          </p:cNvSpPr>
+          <p:nvPr>
+            <p:ph type="body" idx="1"/>
+          </p:nvPr>
+        </p:nvSpPr>
+        <p:spPr/>
+        <p:txBody>
+          <a:bodyPr/>
+          <a:lstStyle/>
+          <a:p>
+            <a:endParaRPr lang="en-US" dirty="0"/>
+          </a:p>
+        </p:txBody>
+      </p:sp>
+      <p:sp>
+        <p:nvSpPr>
+          <p:cNvPr id="4" name="Slide Number Placeholder 3"/>
+          <p:cNvSpPr>
+            <a:spLocks noGrp="1"/>
+          </p:cNvSpPr>
+          <p:nvPr>
+            <p:ph type="sldNum" sz="quarter" idx="10"/>
+          </p:nvPr>
+        </p:nvSpPr>
+        <p:spPr/>
+        <p:txBody>
+          <a:bodyPr/>
+          <a:lstStyle/>
+          <a:p>
+            <a:fld id="{EF56746B-70A0-EC44-97DF-9E8D253B1298}" type="slidenum">
+              <a:rPr lang="en-US" smtClean="0"/>
+              <a:t>40</a:t>
+            </a:fld>
+            <a:endParaRPr lang="en-US"/>
+          </a:p>
+        </p:txBody>
+      </p:sp>
+    </p:spTree>
+    <p:extLst>
+      <p:ext uri="{BB962C8B-B14F-4D97-AF65-F5344CB8AC3E}">
+        <p14:creationId xmlns:p14="http://schemas.microsoft.com/office/powerpoint/2010/main" val="3356811677"/>
+      </p:ext>
+    </p:extLst>
+  </p:cSld>
+  <p:clrMapOvr>
+    <a:masterClrMapping/>
+  </p:clrMapOvr>
+</p:notes>
+</file>
+
+<file path=ppt/notesSlides/notesSlide39.xml><?xml version="1.0" encoding="utf-8"?>
+<p:notes xmlns:a="http://schemas.openxmlformats.org/drawingml/2006/main" xmlns:r="http://schemas.openxmlformats.org/officeDocument/2006/relationships" xmlns:p="http://schemas.openxmlformats.org/presentationml/2006/main">
+  <p:cSld>
+    <p:spTree>
+      <p:nvGrpSpPr>
+        <p:cNvPr id="1" name=""/>
+        <p:cNvGrpSpPr/>
+        <p:nvPr/>
+      </p:nvGrpSpPr>
+      <p:grpSpPr>
+        <a:xfrm>
+          <a:off x="0" y="0"/>
+          <a:ext cx="0" cy="0"/>
+          <a:chOff x="0" y="0"/>
+          <a:chExt cx="0" cy="0"/>
+        </a:xfrm>
+      </p:grpSpPr>
+      <p:sp>
+        <p:nvSpPr>
+          <p:cNvPr id="2" name="Slide Image Placeholder 1"/>
+          <p:cNvSpPr>
+            <a:spLocks noGrp="1" noRot="1" noChangeAspect="1"/>
+          </p:cNvSpPr>
+          <p:nvPr>
+            <p:ph type="sldImg"/>
+          </p:nvPr>
+        </p:nvSpPr>
+        <p:spPr/>
+      </p:sp>
+      <p:sp>
+        <p:nvSpPr>
+          <p:cNvPr id="3" name="Notes Placeholder 2"/>
+          <p:cNvSpPr>
+            <a:spLocks noGrp="1"/>
+          </p:cNvSpPr>
+          <p:nvPr>
+            <p:ph type="body" idx="1"/>
+          </p:nvPr>
+        </p:nvSpPr>
+        <p:spPr/>
+        <p:txBody>
+          <a:bodyPr/>
+          <a:lstStyle/>
+          <a:p>
+            <a:endParaRPr lang="en-US" dirty="0"/>
+          </a:p>
+        </p:txBody>
+      </p:sp>
+      <p:sp>
+        <p:nvSpPr>
+          <p:cNvPr id="4" name="Slide Number Placeholder 3"/>
+          <p:cNvSpPr>
+            <a:spLocks noGrp="1"/>
+          </p:cNvSpPr>
+          <p:nvPr>
+            <p:ph type="sldNum" sz="quarter" idx="10"/>
+          </p:nvPr>
+        </p:nvSpPr>
+        <p:spPr/>
+        <p:txBody>
+          <a:bodyPr/>
+          <a:lstStyle/>
+          <a:p>
+            <a:fld id="{EF56746B-70A0-EC44-97DF-9E8D253B1298}" type="slidenum">
+              <a:rPr lang="en-US" smtClean="0"/>
+              <a:t>41</a:t>
+            </a:fld>
+            <a:endParaRPr lang="en-US"/>
+          </a:p>
+        </p:txBody>
+      </p:sp>
+    </p:spTree>
+    <p:extLst>
+      <p:ext uri="{BB962C8B-B14F-4D97-AF65-F5344CB8AC3E}">
+        <p14:creationId xmlns:p14="http://schemas.microsoft.com/office/powerpoint/2010/main" val="3356811677"/>
+      </p:ext>
+    </p:extLst>
+  </p:cSld>
+  <p:clrMapOvr>
+    <a:masterClrMapping/>
+  </p:clrMapOvr>
+</p:notes>
+</file>
+
 <file path=ppt/notesSlides/notesSlide4.xml><?xml version="1.0" encoding="utf-8"?>
 <p:notes xmlns:a="http://schemas.openxmlformats.org/drawingml/2006/main" xmlns:r="http://schemas.openxmlformats.org/officeDocument/2006/relationships" xmlns:p="http://schemas.openxmlformats.org/presentationml/2006/main">
   <p:cSld>
@@ -3290,6 +3720,426 @@
     <p:extLst>
       <p:ext uri="{BB962C8B-B14F-4D97-AF65-F5344CB8AC3E}">
         <p14:creationId xmlns:p14="http://schemas.microsoft.com/office/powerpoint/2010/main" val="98778574"/>
+      </p:ext>
+    </p:extLst>
+  </p:cSld>
+  <p:clrMapOvr>
+    <a:masterClrMapping/>
+  </p:clrMapOvr>
+</p:notes>
+</file>
+
+<file path=ppt/notesSlides/notesSlide40.xml><?xml version="1.0" encoding="utf-8"?>
+<p:notes xmlns:a="http://schemas.openxmlformats.org/drawingml/2006/main" xmlns:r="http://schemas.openxmlformats.org/officeDocument/2006/relationships" xmlns:p="http://schemas.openxmlformats.org/presentationml/2006/main">
+  <p:cSld>
+    <p:spTree>
+      <p:nvGrpSpPr>
+        <p:cNvPr id="1" name=""/>
+        <p:cNvGrpSpPr/>
+        <p:nvPr/>
+      </p:nvGrpSpPr>
+      <p:grpSpPr>
+        <a:xfrm>
+          <a:off x="0" y="0"/>
+          <a:ext cx="0" cy="0"/>
+          <a:chOff x="0" y="0"/>
+          <a:chExt cx="0" cy="0"/>
+        </a:xfrm>
+      </p:grpSpPr>
+      <p:sp>
+        <p:nvSpPr>
+          <p:cNvPr id="2" name="Slide Image Placeholder 1"/>
+          <p:cNvSpPr>
+            <a:spLocks noGrp="1" noRot="1" noChangeAspect="1"/>
+          </p:cNvSpPr>
+          <p:nvPr>
+            <p:ph type="sldImg"/>
+          </p:nvPr>
+        </p:nvSpPr>
+        <p:spPr/>
+      </p:sp>
+      <p:sp>
+        <p:nvSpPr>
+          <p:cNvPr id="3" name="Notes Placeholder 2"/>
+          <p:cNvSpPr>
+            <a:spLocks noGrp="1"/>
+          </p:cNvSpPr>
+          <p:nvPr>
+            <p:ph type="body" idx="1"/>
+          </p:nvPr>
+        </p:nvSpPr>
+        <p:spPr/>
+        <p:txBody>
+          <a:bodyPr/>
+          <a:lstStyle/>
+          <a:p>
+            <a:endParaRPr lang="en-US" dirty="0"/>
+          </a:p>
+        </p:txBody>
+      </p:sp>
+      <p:sp>
+        <p:nvSpPr>
+          <p:cNvPr id="4" name="Slide Number Placeholder 3"/>
+          <p:cNvSpPr>
+            <a:spLocks noGrp="1"/>
+          </p:cNvSpPr>
+          <p:nvPr>
+            <p:ph type="sldNum" sz="quarter" idx="10"/>
+          </p:nvPr>
+        </p:nvSpPr>
+        <p:spPr/>
+        <p:txBody>
+          <a:bodyPr/>
+          <a:lstStyle/>
+          <a:p>
+            <a:fld id="{EF56746B-70A0-EC44-97DF-9E8D253B1298}" type="slidenum">
+              <a:rPr lang="en-US" smtClean="0"/>
+              <a:t>42</a:t>
+            </a:fld>
+            <a:endParaRPr lang="en-US"/>
+          </a:p>
+        </p:txBody>
+      </p:sp>
+    </p:spTree>
+    <p:extLst>
+      <p:ext uri="{BB962C8B-B14F-4D97-AF65-F5344CB8AC3E}">
+        <p14:creationId xmlns:p14="http://schemas.microsoft.com/office/powerpoint/2010/main" val="3356811677"/>
+      </p:ext>
+    </p:extLst>
+  </p:cSld>
+  <p:clrMapOvr>
+    <a:masterClrMapping/>
+  </p:clrMapOvr>
+</p:notes>
+</file>
+
+<file path=ppt/notesSlides/notesSlide41.xml><?xml version="1.0" encoding="utf-8"?>
+<p:notes xmlns:a="http://schemas.openxmlformats.org/drawingml/2006/main" xmlns:r="http://schemas.openxmlformats.org/officeDocument/2006/relationships" xmlns:p="http://schemas.openxmlformats.org/presentationml/2006/main">
+  <p:cSld>
+    <p:spTree>
+      <p:nvGrpSpPr>
+        <p:cNvPr id="1" name=""/>
+        <p:cNvGrpSpPr/>
+        <p:nvPr/>
+      </p:nvGrpSpPr>
+      <p:grpSpPr>
+        <a:xfrm>
+          <a:off x="0" y="0"/>
+          <a:ext cx="0" cy="0"/>
+          <a:chOff x="0" y="0"/>
+          <a:chExt cx="0" cy="0"/>
+        </a:xfrm>
+      </p:grpSpPr>
+      <p:sp>
+        <p:nvSpPr>
+          <p:cNvPr id="2" name="Slide Image Placeholder 1"/>
+          <p:cNvSpPr>
+            <a:spLocks noGrp="1" noRot="1" noChangeAspect="1"/>
+          </p:cNvSpPr>
+          <p:nvPr>
+            <p:ph type="sldImg"/>
+          </p:nvPr>
+        </p:nvSpPr>
+        <p:spPr/>
+      </p:sp>
+      <p:sp>
+        <p:nvSpPr>
+          <p:cNvPr id="3" name="Notes Placeholder 2"/>
+          <p:cNvSpPr>
+            <a:spLocks noGrp="1"/>
+          </p:cNvSpPr>
+          <p:nvPr>
+            <p:ph type="body" idx="1"/>
+          </p:nvPr>
+        </p:nvSpPr>
+        <p:spPr/>
+        <p:txBody>
+          <a:bodyPr/>
+          <a:lstStyle/>
+          <a:p>
+            <a:endParaRPr lang="en-US" dirty="0"/>
+          </a:p>
+        </p:txBody>
+      </p:sp>
+      <p:sp>
+        <p:nvSpPr>
+          <p:cNvPr id="4" name="Slide Number Placeholder 3"/>
+          <p:cNvSpPr>
+            <a:spLocks noGrp="1"/>
+          </p:cNvSpPr>
+          <p:nvPr>
+            <p:ph type="sldNum" sz="quarter" idx="10"/>
+          </p:nvPr>
+        </p:nvSpPr>
+        <p:spPr/>
+        <p:txBody>
+          <a:bodyPr/>
+          <a:lstStyle/>
+          <a:p>
+            <a:fld id="{EF56746B-70A0-EC44-97DF-9E8D253B1298}" type="slidenum">
+              <a:rPr lang="en-US" smtClean="0"/>
+              <a:t>43</a:t>
+            </a:fld>
+            <a:endParaRPr lang="en-US"/>
+          </a:p>
+        </p:txBody>
+      </p:sp>
+    </p:spTree>
+    <p:extLst>
+      <p:ext uri="{BB962C8B-B14F-4D97-AF65-F5344CB8AC3E}">
+        <p14:creationId xmlns:p14="http://schemas.microsoft.com/office/powerpoint/2010/main" val="3356811677"/>
+      </p:ext>
+    </p:extLst>
+  </p:cSld>
+  <p:clrMapOvr>
+    <a:masterClrMapping/>
+  </p:clrMapOvr>
+</p:notes>
+</file>
+
+<file path=ppt/notesSlides/notesSlide42.xml><?xml version="1.0" encoding="utf-8"?>
+<p:notes xmlns:a="http://schemas.openxmlformats.org/drawingml/2006/main" xmlns:r="http://schemas.openxmlformats.org/officeDocument/2006/relationships" xmlns:p="http://schemas.openxmlformats.org/presentationml/2006/main">
+  <p:cSld>
+    <p:spTree>
+      <p:nvGrpSpPr>
+        <p:cNvPr id="1" name=""/>
+        <p:cNvGrpSpPr/>
+        <p:nvPr/>
+      </p:nvGrpSpPr>
+      <p:grpSpPr>
+        <a:xfrm>
+          <a:off x="0" y="0"/>
+          <a:ext cx="0" cy="0"/>
+          <a:chOff x="0" y="0"/>
+          <a:chExt cx="0" cy="0"/>
+        </a:xfrm>
+      </p:grpSpPr>
+      <p:sp>
+        <p:nvSpPr>
+          <p:cNvPr id="2" name="Slide Image Placeholder 1"/>
+          <p:cNvSpPr>
+            <a:spLocks noGrp="1" noRot="1" noChangeAspect="1"/>
+          </p:cNvSpPr>
+          <p:nvPr>
+            <p:ph type="sldImg"/>
+          </p:nvPr>
+        </p:nvSpPr>
+        <p:spPr/>
+      </p:sp>
+      <p:sp>
+        <p:nvSpPr>
+          <p:cNvPr id="3" name="Notes Placeholder 2"/>
+          <p:cNvSpPr>
+            <a:spLocks noGrp="1"/>
+          </p:cNvSpPr>
+          <p:nvPr>
+            <p:ph type="body" idx="1"/>
+          </p:nvPr>
+        </p:nvSpPr>
+        <p:spPr/>
+        <p:txBody>
+          <a:bodyPr/>
+          <a:lstStyle/>
+          <a:p>
+            <a:endParaRPr lang="en-US" dirty="0"/>
+          </a:p>
+        </p:txBody>
+      </p:sp>
+      <p:sp>
+        <p:nvSpPr>
+          <p:cNvPr id="4" name="Slide Number Placeholder 3"/>
+          <p:cNvSpPr>
+            <a:spLocks noGrp="1"/>
+          </p:cNvSpPr>
+          <p:nvPr>
+            <p:ph type="sldNum" sz="quarter" idx="10"/>
+          </p:nvPr>
+        </p:nvSpPr>
+        <p:spPr/>
+        <p:txBody>
+          <a:bodyPr/>
+          <a:lstStyle/>
+          <a:p>
+            <a:fld id="{EF56746B-70A0-EC44-97DF-9E8D253B1298}" type="slidenum">
+              <a:rPr lang="en-US" smtClean="0"/>
+              <a:t>44</a:t>
+            </a:fld>
+            <a:endParaRPr lang="en-US"/>
+          </a:p>
+        </p:txBody>
+      </p:sp>
+    </p:spTree>
+    <p:extLst>
+      <p:ext uri="{BB962C8B-B14F-4D97-AF65-F5344CB8AC3E}">
+        <p14:creationId xmlns:p14="http://schemas.microsoft.com/office/powerpoint/2010/main" val="3356811677"/>
+      </p:ext>
+    </p:extLst>
+  </p:cSld>
+  <p:clrMapOvr>
+    <a:masterClrMapping/>
+  </p:clrMapOvr>
+</p:notes>
+</file>
+
+<file path=ppt/notesSlides/notesSlide43.xml><?xml version="1.0" encoding="utf-8"?>
+<p:notes xmlns:a="http://schemas.openxmlformats.org/drawingml/2006/main" xmlns:r="http://schemas.openxmlformats.org/officeDocument/2006/relationships" xmlns:p="http://schemas.openxmlformats.org/presentationml/2006/main">
+  <p:cSld>
+    <p:spTree>
+      <p:nvGrpSpPr>
+        <p:cNvPr id="1" name=""/>
+        <p:cNvGrpSpPr/>
+        <p:nvPr/>
+      </p:nvGrpSpPr>
+      <p:grpSpPr>
+        <a:xfrm>
+          <a:off x="0" y="0"/>
+          <a:ext cx="0" cy="0"/>
+          <a:chOff x="0" y="0"/>
+          <a:chExt cx="0" cy="0"/>
+        </a:xfrm>
+      </p:grpSpPr>
+      <p:sp>
+        <p:nvSpPr>
+          <p:cNvPr id="2" name="Slide Image Placeholder 1"/>
+          <p:cNvSpPr>
+            <a:spLocks noGrp="1" noRot="1" noChangeAspect="1"/>
+          </p:cNvSpPr>
+          <p:nvPr>
+            <p:ph type="sldImg"/>
+          </p:nvPr>
+        </p:nvSpPr>
+        <p:spPr/>
+      </p:sp>
+      <p:sp>
+        <p:nvSpPr>
+          <p:cNvPr id="3" name="Notes Placeholder 2"/>
+          <p:cNvSpPr>
+            <a:spLocks noGrp="1"/>
+          </p:cNvSpPr>
+          <p:nvPr>
+            <p:ph type="body" idx="1"/>
+          </p:nvPr>
+        </p:nvSpPr>
+        <p:spPr/>
+        <p:txBody>
+          <a:bodyPr/>
+          <a:lstStyle/>
+          <a:p>
+            <a:endParaRPr lang="en-US" dirty="0"/>
+          </a:p>
+        </p:txBody>
+      </p:sp>
+      <p:sp>
+        <p:nvSpPr>
+          <p:cNvPr id="4" name="Slide Number Placeholder 3"/>
+          <p:cNvSpPr>
+            <a:spLocks noGrp="1"/>
+          </p:cNvSpPr>
+          <p:nvPr>
+            <p:ph type="sldNum" sz="quarter" idx="10"/>
+          </p:nvPr>
+        </p:nvSpPr>
+        <p:spPr/>
+        <p:txBody>
+          <a:bodyPr/>
+          <a:lstStyle/>
+          <a:p>
+            <a:fld id="{EF56746B-70A0-EC44-97DF-9E8D253B1298}" type="slidenum">
+              <a:rPr lang="en-US" smtClean="0"/>
+              <a:t>45</a:t>
+            </a:fld>
+            <a:endParaRPr lang="en-US"/>
+          </a:p>
+        </p:txBody>
+      </p:sp>
+    </p:spTree>
+    <p:extLst>
+      <p:ext uri="{BB962C8B-B14F-4D97-AF65-F5344CB8AC3E}">
+        <p14:creationId xmlns:p14="http://schemas.microsoft.com/office/powerpoint/2010/main" val="3356811677"/>
+      </p:ext>
+    </p:extLst>
+  </p:cSld>
+  <p:clrMapOvr>
+    <a:masterClrMapping/>
+  </p:clrMapOvr>
+</p:notes>
+</file>
+
+<file path=ppt/notesSlides/notesSlide44.xml><?xml version="1.0" encoding="utf-8"?>
+<p:notes xmlns:a="http://schemas.openxmlformats.org/drawingml/2006/main" xmlns:r="http://schemas.openxmlformats.org/officeDocument/2006/relationships" xmlns:p="http://schemas.openxmlformats.org/presentationml/2006/main">
+  <p:cSld>
+    <p:spTree>
+      <p:nvGrpSpPr>
+        <p:cNvPr id="1" name=""/>
+        <p:cNvGrpSpPr/>
+        <p:nvPr/>
+      </p:nvGrpSpPr>
+      <p:grpSpPr>
+        <a:xfrm>
+          <a:off x="0" y="0"/>
+          <a:ext cx="0" cy="0"/>
+          <a:chOff x="0" y="0"/>
+          <a:chExt cx="0" cy="0"/>
+        </a:xfrm>
+      </p:grpSpPr>
+      <p:sp>
+        <p:nvSpPr>
+          <p:cNvPr id="2" name="Slide Image Placeholder 1"/>
+          <p:cNvSpPr>
+            <a:spLocks noGrp="1" noRot="1" noChangeAspect="1"/>
+          </p:cNvSpPr>
+          <p:nvPr>
+            <p:ph type="sldImg"/>
+          </p:nvPr>
+        </p:nvSpPr>
+        <p:spPr/>
+      </p:sp>
+      <p:sp>
+        <p:nvSpPr>
+          <p:cNvPr id="3" name="Notes Placeholder 2"/>
+          <p:cNvSpPr>
+            <a:spLocks noGrp="1"/>
+          </p:cNvSpPr>
+          <p:nvPr>
+            <p:ph type="body" idx="1"/>
+          </p:nvPr>
+        </p:nvSpPr>
+        <p:spPr/>
+        <p:txBody>
+          <a:bodyPr/>
+          <a:lstStyle/>
+          <a:p>
+            <a:endParaRPr lang="en-US" dirty="0"/>
+          </a:p>
+        </p:txBody>
+      </p:sp>
+      <p:sp>
+        <p:nvSpPr>
+          <p:cNvPr id="4" name="Slide Number Placeholder 3"/>
+          <p:cNvSpPr>
+            <a:spLocks noGrp="1"/>
+          </p:cNvSpPr>
+          <p:nvPr>
+            <p:ph type="sldNum" sz="quarter" idx="10"/>
+          </p:nvPr>
+        </p:nvSpPr>
+        <p:spPr/>
+        <p:txBody>
+          <a:bodyPr/>
+          <a:lstStyle/>
+          <a:p>
+            <a:fld id="{EF56746B-70A0-EC44-97DF-9E8D253B1298}" type="slidenum">
+              <a:rPr lang="en-US" smtClean="0"/>
+              <a:t>46</a:t>
+            </a:fld>
+            <a:endParaRPr lang="en-US"/>
+          </a:p>
+        </p:txBody>
+      </p:sp>
+    </p:spTree>
+    <p:extLst>
+      <p:ext uri="{BB962C8B-B14F-4D97-AF65-F5344CB8AC3E}">
+        <p14:creationId xmlns:p14="http://schemas.microsoft.com/office/powerpoint/2010/main" val="3356811677"/>
       </p:ext>
     </p:extLst>
   </p:cSld>
@@ -16304,7 +17154,23 @@
                   <a:srgbClr val="000000"/>
                 </a:solidFill>
               </a:rPr>
-              <a:t>CIMI: Archetype Modeling Language (AML).</a:t>
+              <a:t>CIMI: Archetype Modeling Language (</a:t>
+            </a:r>
+            <a:r>
+              <a:rPr lang="en-US" u="sng" dirty="0" smtClean="0">
+                <a:solidFill>
+                  <a:srgbClr val="FF0000"/>
+                </a:solidFill>
+              </a:rPr>
+              <a:t>AML</a:t>
+            </a:r>
+            <a:r>
+              <a:rPr lang="en-US" dirty="0" smtClean="0">
+                <a:solidFill>
+                  <a:srgbClr val="000000"/>
+                </a:solidFill>
+              </a:rPr>
+              <a:t>).</a:t>
             </a:r>
           </a:p>
         </p:txBody>
@@ -16415,6 +17281,1222 @@
     <p:extLst>
       <p:ext uri="{BB962C8B-B14F-4D97-AF65-F5344CB8AC3E}">
         <p14:creationId xmlns:p14="http://schemas.microsoft.com/office/powerpoint/2010/main" val="763126613"/>
+      </p:ext>
+    </p:extLst>
+  </p:cSld>
+  <p:clrMapOvr>
+    <a:masterClrMapping/>
+  </p:clrMapOvr>
+  <p:timing>
+    <p:tnLst>
+      <p:par>
+        <p:cTn xmlns:p14="http://schemas.microsoft.com/office/powerpoint/2010/main" id="1" dur="indefinite" restart="never" nodeType="tmRoot"/>
+      </p:par>
+    </p:tnLst>
+  </p:timing>
+</p:sld>
+</file>
+
+<file path=ppt/slides/slide37.xml><?xml version="1.0" encoding="utf-8"?>
+<p:sld xmlns:a="http://schemas.openxmlformats.org/drawingml/2006/main" xmlns:r="http://schemas.openxmlformats.org/officeDocument/2006/relationships" xmlns:p="http://schemas.openxmlformats.org/presentationml/2006/main">
+  <p:cSld>
+    <p:spTree>
+      <p:nvGrpSpPr>
+        <p:cNvPr id="1" name=""/>
+        <p:cNvGrpSpPr/>
+        <p:nvPr/>
+      </p:nvGrpSpPr>
+      <p:grpSpPr>
+        <a:xfrm>
+          <a:off x="0" y="0"/>
+          <a:ext cx="0" cy="0"/>
+          <a:chOff x="0" y="0"/>
+          <a:chExt cx="0" cy="0"/>
+        </a:xfrm>
+      </p:grpSpPr>
+      <p:sp>
+        <p:nvSpPr>
+          <p:cNvPr id="2" name="Title 1"/>
+          <p:cNvSpPr>
+            <a:spLocks noGrp="1"/>
+          </p:cNvSpPr>
+          <p:nvPr>
+            <p:ph type="title"/>
+          </p:nvPr>
+        </p:nvSpPr>
+        <p:spPr>
+          <a:xfrm>
+            <a:off x="457200" y="274638"/>
+            <a:ext cx="8229600" cy="914337"/>
+          </a:xfrm>
+        </p:spPr>
+        <p:txBody>
+          <a:bodyPr>
+            <a:normAutofit/>
+          </a:bodyPr>
+          <a:lstStyle/>
+          <a:p>
+            <a:r>
+              <a:rPr lang="en-US" dirty="0" smtClean="0"/>
+              <a:t>AML : An OMG Standard</a:t>
+            </a:r>
+            <a:endParaRPr lang="en-US" dirty="0"/>
+          </a:p>
+        </p:txBody>
+      </p:sp>
+      <p:sp>
+        <p:nvSpPr>
+          <p:cNvPr id="3" name="Content Placeholder 2"/>
+          <p:cNvSpPr>
+            <a:spLocks noGrp="1"/>
+          </p:cNvSpPr>
+          <p:nvPr>
+            <p:ph idx="1"/>
+          </p:nvPr>
+        </p:nvSpPr>
+        <p:spPr/>
+        <p:txBody>
+          <a:bodyPr>
+            <a:normAutofit fontScale="92500" lnSpcReduction="10000"/>
+          </a:bodyPr>
+          <a:lstStyle/>
+          <a:p>
+            <a:pPr>
+              <a:buFontTx/>
+              <a:buChar char="-"/>
+            </a:pPr>
+            <a:r>
+              <a:rPr lang="en-US" dirty="0">
+                <a:solidFill>
+                  <a:srgbClr val="000000"/>
+                </a:solidFill>
+              </a:rPr>
+              <a:t>Object Management Group (OMG</a:t>
+            </a:r>
+            <a:r>
+              <a:rPr lang="en-US" dirty="0" smtClean="0">
+                <a:solidFill>
+                  <a:srgbClr val="000000"/>
+                </a:solidFill>
+              </a:rPr>
+              <a:t>) is a standards consortium.</a:t>
+            </a:r>
+          </a:p>
+          <a:p>
+            <a:pPr>
+              <a:buFontTx/>
+              <a:buChar char="-"/>
+            </a:pPr>
+            <a:r>
+              <a:rPr lang="en-US" dirty="0" smtClean="0">
+                <a:solidFill>
+                  <a:srgbClr val="000000"/>
+                </a:solidFill>
+              </a:rPr>
+              <a:t>Preliminary submission in November 2014.</a:t>
+            </a:r>
+          </a:p>
+          <a:p>
+            <a:pPr>
+              <a:buFontTx/>
+              <a:buChar char="-"/>
+            </a:pPr>
+            <a:r>
+              <a:rPr lang="en-US" dirty="0" smtClean="0">
+                <a:solidFill>
+                  <a:srgbClr val="000000"/>
+                </a:solidFill>
+              </a:rPr>
+              <a:t>Currently being revised…</a:t>
+            </a:r>
+          </a:p>
+          <a:p>
+            <a:pPr>
+              <a:buFontTx/>
+              <a:buChar char="-"/>
+            </a:pPr>
+            <a:r>
+              <a:rPr lang="en-US" dirty="0" smtClean="0">
+                <a:solidFill>
+                  <a:srgbClr val="000000"/>
+                </a:solidFill>
+              </a:rPr>
+              <a:t>AML specification is collection of UML artifacts:</a:t>
+            </a:r>
+          </a:p>
+          <a:p>
+            <a:pPr lvl="1">
+              <a:buFontTx/>
+              <a:buChar char="-"/>
+            </a:pPr>
+            <a:r>
+              <a:rPr lang="en-US" dirty="0" smtClean="0">
+                <a:solidFill>
+                  <a:srgbClr val="000000"/>
+                </a:solidFill>
+              </a:rPr>
+              <a:t>Profiles, stereotypes</a:t>
+            </a:r>
+          </a:p>
+          <a:p>
+            <a:pPr lvl="1">
+              <a:buFontTx/>
+              <a:buChar char="-"/>
+            </a:pPr>
+            <a:r>
+              <a:rPr lang="en-US" dirty="0" smtClean="0">
+                <a:solidFill>
+                  <a:srgbClr val="000000"/>
+                </a:solidFill>
+              </a:rPr>
+              <a:t>Data types</a:t>
+            </a:r>
+          </a:p>
+          <a:p>
+            <a:pPr lvl="1">
+              <a:buFontTx/>
+              <a:buChar char="-"/>
+            </a:pPr>
+            <a:r>
+              <a:rPr lang="en-US" dirty="0" smtClean="0">
+                <a:solidFill>
+                  <a:srgbClr val="000000"/>
+                </a:solidFill>
+              </a:rPr>
+              <a:t>Classes, Packages</a:t>
+            </a:r>
+          </a:p>
+          <a:p>
+            <a:pPr>
+              <a:buFontTx/>
+              <a:buChar char="-"/>
+            </a:pPr>
+            <a:r>
+              <a:rPr lang="en-US" dirty="0" smtClean="0">
+                <a:solidFill>
+                  <a:srgbClr val="000000"/>
+                </a:solidFill>
+                <a:hlinkClick r:id="rId3"/>
+              </a:rPr>
+              <a:t>https</a:t>
+            </a:r>
+            <a:r>
+              <a:rPr lang="en-US" dirty="0">
+                <a:solidFill>
+                  <a:srgbClr val="000000"/>
+                </a:solidFill>
+                <a:hlinkClick r:id="rId3"/>
+              </a:rPr>
+              <a:t>://github.com/opencimi/</a:t>
+            </a:r>
+            <a:r>
+              <a:rPr lang="en-US" dirty="0" smtClean="0">
+                <a:solidFill>
+                  <a:srgbClr val="000000"/>
+                </a:solidFill>
+                <a:hlinkClick r:id="rId3"/>
+              </a:rPr>
+              <a:t>AML</a:t>
+            </a:r>
+            <a:endParaRPr lang="en-US" dirty="0" smtClean="0">
+              <a:solidFill>
+                <a:srgbClr val="000000"/>
+              </a:solidFill>
+            </a:endParaRPr>
+          </a:p>
+          <a:p>
+            <a:pPr lvl="1">
+              <a:buFontTx/>
+              <a:buChar char="-"/>
+            </a:pPr>
+            <a:endParaRPr lang="en-US" dirty="0" smtClean="0">
+              <a:solidFill>
+                <a:srgbClr val="000000"/>
+              </a:solidFill>
+            </a:endParaRPr>
+          </a:p>
+          <a:p>
+            <a:pPr lvl="1">
+              <a:buFontTx/>
+              <a:buChar char="-"/>
+            </a:pPr>
+            <a:endParaRPr lang="en-US" dirty="0" smtClean="0">
+              <a:solidFill>
+                <a:srgbClr val="000000"/>
+              </a:solidFill>
+            </a:endParaRPr>
+          </a:p>
+          <a:p>
+            <a:pPr>
+              <a:buFontTx/>
+              <a:buChar char="-"/>
+            </a:pPr>
+            <a:endParaRPr lang="en-US" dirty="0" smtClean="0">
+              <a:solidFill>
+                <a:srgbClr val="000000"/>
+              </a:solidFill>
+            </a:endParaRPr>
+          </a:p>
+        </p:txBody>
+      </p:sp>
+      <p:sp>
+        <p:nvSpPr>
+          <p:cNvPr id="4" name="Footer Placeholder 3"/>
+          <p:cNvSpPr>
+            <a:spLocks noGrp="1"/>
+          </p:cNvSpPr>
+          <p:nvPr>
+            <p:ph type="ftr" sz="quarter" idx="11"/>
+          </p:nvPr>
+        </p:nvSpPr>
+        <p:spPr/>
+        <p:txBody>
+          <a:bodyPr/>
+          <a:lstStyle/>
+          <a:p>
+            <a:r>
+              <a:rPr lang="en-US" smtClean="0"/>
+              <a:t>Archetype Modeling Language</a:t>
+            </a:r>
+            <a:endParaRPr lang="en-US" dirty="0"/>
+          </a:p>
+        </p:txBody>
+      </p:sp>
+      <p:sp>
+        <p:nvSpPr>
+          <p:cNvPr id="5" name="Slide Number Placeholder 4"/>
+          <p:cNvSpPr>
+            <a:spLocks noGrp="1"/>
+          </p:cNvSpPr>
+          <p:nvPr>
+            <p:ph type="sldNum" sz="quarter" idx="12"/>
+          </p:nvPr>
+        </p:nvSpPr>
+        <p:spPr/>
+        <p:txBody>
+          <a:bodyPr/>
+          <a:lstStyle/>
+          <a:p>
+            <a:fld id="{F1C60CE6-A564-2C44-BB7B-900AEECBE3A4}" type="slidenum">
+              <a:rPr lang="en-US" smtClean="0"/>
+              <a:t>37</a:t>
+            </a:fld>
+            <a:endParaRPr lang="en-US" dirty="0"/>
+          </a:p>
+        </p:txBody>
+      </p:sp>
+      <p:cxnSp>
+        <p:nvCxnSpPr>
+          <p:cNvPr id="6" name="Straight Connector 5"/>
+          <p:cNvCxnSpPr/>
+          <p:nvPr/>
+        </p:nvCxnSpPr>
+        <p:spPr>
+          <a:xfrm flipV="1">
+            <a:off x="0" y="1188975"/>
+            <a:ext cx="9144000" cy="36030"/>
+          </a:xfrm>
+          <a:prstGeom prst="line">
+            <a:avLst/>
+          </a:prstGeom>
+        </p:spPr>
+        <p:style>
+          <a:lnRef idx="2">
+            <a:schemeClr val="accent1"/>
+          </a:lnRef>
+          <a:fillRef idx="0">
+            <a:schemeClr val="accent1"/>
+          </a:fillRef>
+          <a:effectRef idx="1">
+            <a:schemeClr val="accent1"/>
+          </a:effectRef>
+          <a:fontRef idx="minor">
+            <a:schemeClr val="tx1"/>
+          </a:fontRef>
+        </p:style>
+      </p:cxnSp>
+      <p:sp>
+        <p:nvSpPr>
+          <p:cNvPr id="7" name="TextBox 6"/>
+          <p:cNvSpPr txBox="1"/>
+          <p:nvPr/>
+        </p:nvSpPr>
+        <p:spPr>
+          <a:xfrm>
+            <a:off x="-1970690" y="639379"/>
+            <a:ext cx="184666" cy="369332"/>
+          </a:xfrm>
+          <a:prstGeom prst="rect">
+            <a:avLst/>
+          </a:prstGeom>
+          <a:noFill/>
+        </p:spPr>
+        <p:txBody>
+          <a:bodyPr wrap="none" rtlCol="0">
+            <a:spAutoFit/>
+          </a:bodyPr>
+          <a:lstStyle/>
+          <a:p>
+            <a:endParaRPr lang="en-US" dirty="0"/>
+          </a:p>
+        </p:txBody>
+      </p:sp>
+    </p:spTree>
+    <p:extLst>
+      <p:ext uri="{BB962C8B-B14F-4D97-AF65-F5344CB8AC3E}">
+        <p14:creationId xmlns:p14="http://schemas.microsoft.com/office/powerpoint/2010/main" val="2648516770"/>
+      </p:ext>
+    </p:extLst>
+  </p:cSld>
+  <p:clrMapOvr>
+    <a:masterClrMapping/>
+  </p:clrMapOvr>
+  <p:timing>
+    <p:tnLst>
+      <p:par>
+        <p:cTn xmlns:p14="http://schemas.microsoft.com/office/powerpoint/2010/main" id="1" dur="indefinite" restart="never" nodeType="tmRoot"/>
+      </p:par>
+    </p:tnLst>
+  </p:timing>
+</p:sld>
+</file>
+
+<file path=ppt/slides/slide38.xml><?xml version="1.0" encoding="utf-8"?>
+<p:sld xmlns:a="http://schemas.openxmlformats.org/drawingml/2006/main" xmlns:r="http://schemas.openxmlformats.org/officeDocument/2006/relationships" xmlns:p="http://schemas.openxmlformats.org/presentationml/2006/main">
+  <p:cSld>
+    <p:spTree>
+      <p:nvGrpSpPr>
+        <p:cNvPr id="1" name=""/>
+        <p:cNvGrpSpPr/>
+        <p:nvPr/>
+      </p:nvGrpSpPr>
+      <p:grpSpPr>
+        <a:xfrm>
+          <a:off x="0" y="0"/>
+          <a:ext cx="0" cy="0"/>
+          <a:chOff x="0" y="0"/>
+          <a:chExt cx="0" cy="0"/>
+        </a:xfrm>
+      </p:grpSpPr>
+      <p:sp>
+        <p:nvSpPr>
+          <p:cNvPr id="2" name="Title 1"/>
+          <p:cNvSpPr>
+            <a:spLocks noGrp="1"/>
+          </p:cNvSpPr>
+          <p:nvPr>
+            <p:ph type="title"/>
+          </p:nvPr>
+        </p:nvSpPr>
+        <p:spPr>
+          <a:xfrm>
+            <a:off x="457200" y="274638"/>
+            <a:ext cx="8229600" cy="914337"/>
+          </a:xfrm>
+        </p:spPr>
+        <p:txBody>
+          <a:bodyPr>
+            <a:normAutofit/>
+          </a:bodyPr>
+          <a:lstStyle/>
+          <a:p>
+            <a:r>
+              <a:rPr lang="en-US" dirty="0" smtClean="0"/>
+              <a:t>Unified Modeling Language</a:t>
+            </a:r>
+            <a:endParaRPr lang="en-US" dirty="0"/>
+          </a:p>
+        </p:txBody>
+      </p:sp>
+      <p:sp>
+        <p:nvSpPr>
+          <p:cNvPr id="3" name="Content Placeholder 2"/>
+          <p:cNvSpPr>
+            <a:spLocks noGrp="1"/>
+          </p:cNvSpPr>
+          <p:nvPr>
+            <p:ph idx="1"/>
+          </p:nvPr>
+        </p:nvSpPr>
+        <p:spPr/>
+        <p:txBody>
+          <a:bodyPr>
+            <a:normAutofit lnSpcReduction="10000"/>
+          </a:bodyPr>
+          <a:lstStyle/>
+          <a:p>
+            <a:pPr lvl="1">
+              <a:buFontTx/>
+              <a:buChar char="-"/>
+            </a:pPr>
+            <a:r>
+              <a:rPr lang="en-US" dirty="0" smtClean="0">
+                <a:solidFill>
+                  <a:srgbClr val="000000"/>
+                </a:solidFill>
+              </a:rPr>
+              <a:t>UML is an OMG standard.</a:t>
+            </a:r>
+          </a:p>
+          <a:p>
+            <a:pPr lvl="1">
+              <a:buFontTx/>
+              <a:buChar char="-"/>
+            </a:pPr>
+            <a:r>
+              <a:rPr lang="en-US" dirty="0" smtClean="0">
+                <a:solidFill>
+                  <a:srgbClr val="000000"/>
+                </a:solidFill>
+              </a:rPr>
+              <a:t>Creating and exchanging Models. </a:t>
+            </a:r>
+          </a:p>
+          <a:p>
+            <a:pPr lvl="1">
+              <a:buFontTx/>
+              <a:buChar char="-"/>
+            </a:pPr>
+            <a:r>
+              <a:rPr lang="en-US" dirty="0" smtClean="0">
+                <a:solidFill>
+                  <a:srgbClr val="000000"/>
+                </a:solidFill>
+              </a:rPr>
+              <a:t>Create:</a:t>
+            </a:r>
+          </a:p>
+          <a:p>
+            <a:pPr lvl="2">
+              <a:buFontTx/>
+              <a:buChar char="-"/>
+            </a:pPr>
+            <a:r>
+              <a:rPr lang="en-US" dirty="0" smtClean="0">
+                <a:solidFill>
+                  <a:srgbClr val="000000"/>
+                </a:solidFill>
+              </a:rPr>
+              <a:t>Classes</a:t>
+            </a:r>
+          </a:p>
+          <a:p>
+            <a:pPr lvl="2">
+              <a:buFontTx/>
+              <a:buChar char="-"/>
+            </a:pPr>
+            <a:r>
+              <a:rPr lang="en-US" dirty="0" smtClean="0">
+                <a:solidFill>
+                  <a:srgbClr val="000000"/>
+                </a:solidFill>
+              </a:rPr>
+              <a:t>Properties</a:t>
+            </a:r>
+          </a:p>
+          <a:p>
+            <a:pPr lvl="2">
+              <a:buFontTx/>
+              <a:buChar char="-"/>
+            </a:pPr>
+            <a:r>
+              <a:rPr lang="en-US" dirty="0" smtClean="0">
+                <a:solidFill>
+                  <a:srgbClr val="000000"/>
+                </a:solidFill>
+              </a:rPr>
+              <a:t>Associations</a:t>
+            </a:r>
+          </a:p>
+          <a:p>
+            <a:pPr lvl="2">
+              <a:buFontTx/>
+              <a:buChar char="-"/>
+            </a:pPr>
+            <a:r>
+              <a:rPr lang="en-US" dirty="0" smtClean="0">
+                <a:solidFill>
+                  <a:srgbClr val="000000"/>
+                </a:solidFill>
+              </a:rPr>
+              <a:t>Generalization / Specialization</a:t>
+            </a:r>
+          </a:p>
+          <a:p>
+            <a:pPr lvl="2">
+              <a:buFontTx/>
+              <a:buChar char="-"/>
+            </a:pPr>
+            <a:r>
+              <a:rPr lang="en-US" dirty="0" smtClean="0">
+                <a:solidFill>
+                  <a:srgbClr val="000000"/>
+                </a:solidFill>
+              </a:rPr>
+              <a:t>Enumerations</a:t>
+            </a:r>
+          </a:p>
+          <a:p>
+            <a:pPr lvl="2">
+              <a:buFontTx/>
+              <a:buChar char="-"/>
+            </a:pPr>
+            <a:r>
+              <a:rPr lang="en-US" dirty="0" smtClean="0">
+                <a:solidFill>
+                  <a:srgbClr val="000000"/>
+                </a:solidFill>
+              </a:rPr>
+              <a:t>Stereotypes, tags, constraints.</a:t>
+            </a:r>
+          </a:p>
+          <a:p>
+            <a:pPr lvl="2">
+              <a:buFontTx/>
+              <a:buChar char="-"/>
+            </a:pPr>
+            <a:r>
+              <a:rPr lang="en-US" dirty="0" smtClean="0">
+                <a:solidFill>
+                  <a:srgbClr val="000000"/>
+                </a:solidFill>
+              </a:rPr>
+              <a:t>Profiles (domain specific extension).</a:t>
+            </a:r>
+          </a:p>
+          <a:p>
+            <a:pPr marL="457200" lvl="1" indent="0">
+              <a:buNone/>
+            </a:pPr>
+            <a:endParaRPr lang="en-US" dirty="0" smtClean="0">
+              <a:solidFill>
+                <a:srgbClr val="000000"/>
+              </a:solidFill>
+            </a:endParaRPr>
+          </a:p>
+        </p:txBody>
+      </p:sp>
+      <p:sp>
+        <p:nvSpPr>
+          <p:cNvPr id="4" name="Footer Placeholder 3"/>
+          <p:cNvSpPr>
+            <a:spLocks noGrp="1"/>
+          </p:cNvSpPr>
+          <p:nvPr>
+            <p:ph type="ftr" sz="quarter" idx="11"/>
+          </p:nvPr>
+        </p:nvSpPr>
+        <p:spPr/>
+        <p:txBody>
+          <a:bodyPr/>
+          <a:lstStyle/>
+          <a:p>
+            <a:r>
+              <a:rPr lang="en-US" smtClean="0"/>
+              <a:t>Archetype Modeling Language</a:t>
+            </a:r>
+            <a:endParaRPr lang="en-US" dirty="0"/>
+          </a:p>
+        </p:txBody>
+      </p:sp>
+      <p:sp>
+        <p:nvSpPr>
+          <p:cNvPr id="5" name="Slide Number Placeholder 4"/>
+          <p:cNvSpPr>
+            <a:spLocks noGrp="1"/>
+          </p:cNvSpPr>
+          <p:nvPr>
+            <p:ph type="sldNum" sz="quarter" idx="12"/>
+          </p:nvPr>
+        </p:nvSpPr>
+        <p:spPr/>
+        <p:txBody>
+          <a:bodyPr/>
+          <a:lstStyle/>
+          <a:p>
+            <a:fld id="{F1C60CE6-A564-2C44-BB7B-900AEECBE3A4}" type="slidenum">
+              <a:rPr lang="en-US" smtClean="0"/>
+              <a:t>38</a:t>
+            </a:fld>
+            <a:endParaRPr lang="en-US" dirty="0"/>
+          </a:p>
+        </p:txBody>
+      </p:sp>
+      <p:cxnSp>
+        <p:nvCxnSpPr>
+          <p:cNvPr id="6" name="Straight Connector 5"/>
+          <p:cNvCxnSpPr/>
+          <p:nvPr/>
+        </p:nvCxnSpPr>
+        <p:spPr>
+          <a:xfrm flipV="1">
+            <a:off x="0" y="1188975"/>
+            <a:ext cx="9144000" cy="36030"/>
+          </a:xfrm>
+          <a:prstGeom prst="line">
+            <a:avLst/>
+          </a:prstGeom>
+        </p:spPr>
+        <p:style>
+          <a:lnRef idx="2">
+            <a:schemeClr val="accent1"/>
+          </a:lnRef>
+          <a:fillRef idx="0">
+            <a:schemeClr val="accent1"/>
+          </a:fillRef>
+          <a:effectRef idx="1">
+            <a:schemeClr val="accent1"/>
+          </a:effectRef>
+          <a:fontRef idx="minor">
+            <a:schemeClr val="tx1"/>
+          </a:fontRef>
+        </p:style>
+      </p:cxnSp>
+      <p:sp>
+        <p:nvSpPr>
+          <p:cNvPr id="7" name="TextBox 6"/>
+          <p:cNvSpPr txBox="1"/>
+          <p:nvPr/>
+        </p:nvSpPr>
+        <p:spPr>
+          <a:xfrm>
+            <a:off x="-1970690" y="639379"/>
+            <a:ext cx="184666" cy="369332"/>
+          </a:xfrm>
+          <a:prstGeom prst="rect">
+            <a:avLst/>
+          </a:prstGeom>
+          <a:noFill/>
+        </p:spPr>
+        <p:txBody>
+          <a:bodyPr wrap="none" rtlCol="0">
+            <a:spAutoFit/>
+          </a:bodyPr>
+          <a:lstStyle/>
+          <a:p>
+            <a:endParaRPr lang="en-US" dirty="0"/>
+          </a:p>
+        </p:txBody>
+      </p:sp>
+    </p:spTree>
+    <p:extLst>
+      <p:ext uri="{BB962C8B-B14F-4D97-AF65-F5344CB8AC3E}">
+        <p14:creationId xmlns:p14="http://schemas.microsoft.com/office/powerpoint/2010/main" val="2834626222"/>
+      </p:ext>
+    </p:extLst>
+  </p:cSld>
+  <p:clrMapOvr>
+    <a:masterClrMapping/>
+  </p:clrMapOvr>
+  <p:timing>
+    <p:tnLst>
+      <p:par>
+        <p:cTn xmlns:p14="http://schemas.microsoft.com/office/powerpoint/2010/main" id="1" dur="indefinite" restart="never" nodeType="tmRoot"/>
+      </p:par>
+    </p:tnLst>
+  </p:timing>
+</p:sld>
+</file>
+
+<file path=ppt/slides/slide39.xml><?xml version="1.0" encoding="utf-8"?>
+<p:sld xmlns:a="http://schemas.openxmlformats.org/drawingml/2006/main" xmlns:r="http://schemas.openxmlformats.org/officeDocument/2006/relationships" xmlns:p="http://schemas.openxmlformats.org/presentationml/2006/main">
+  <p:cSld>
+    <p:spTree>
+      <p:nvGrpSpPr>
+        <p:cNvPr id="1" name=""/>
+        <p:cNvGrpSpPr/>
+        <p:nvPr/>
+      </p:nvGrpSpPr>
+      <p:grpSpPr>
+        <a:xfrm>
+          <a:off x="0" y="0"/>
+          <a:ext cx="0" cy="0"/>
+          <a:chOff x="0" y="0"/>
+          <a:chExt cx="0" cy="0"/>
+        </a:xfrm>
+      </p:grpSpPr>
+      <p:sp>
+        <p:nvSpPr>
+          <p:cNvPr id="2" name="Title 1"/>
+          <p:cNvSpPr>
+            <a:spLocks noGrp="1"/>
+          </p:cNvSpPr>
+          <p:nvPr>
+            <p:ph type="title"/>
+          </p:nvPr>
+        </p:nvSpPr>
+        <p:spPr>
+          <a:xfrm>
+            <a:off x="457200" y="274638"/>
+            <a:ext cx="8229600" cy="914337"/>
+          </a:xfrm>
+        </p:spPr>
+        <p:txBody>
+          <a:bodyPr>
+            <a:normAutofit/>
+          </a:bodyPr>
+          <a:lstStyle/>
+          <a:p>
+            <a:r>
+              <a:rPr lang="en-US" dirty="0" smtClean="0"/>
+              <a:t>UML Example</a:t>
+            </a:r>
+            <a:endParaRPr lang="en-US" dirty="0"/>
+          </a:p>
+        </p:txBody>
+      </p:sp>
+      <p:pic>
+        <p:nvPicPr>
+          <p:cNvPr id="8" name="Content Placeholder 7" descr="Screen Shot 2015-04-21 at 4.28.05 PM.png"/>
+          <p:cNvPicPr>
+            <a:picLocks noGrp="1" noChangeAspect="1"/>
+          </p:cNvPicPr>
+          <p:nvPr>
+            <p:ph idx="1"/>
+          </p:nvPr>
+        </p:nvPicPr>
+        <p:blipFill>
+          <a:blip r:embed="rId3">
+            <a:extLst>
+              <a:ext uri="{28A0092B-C50C-407E-A947-70E740481C1C}">
+                <a14:useLocalDpi xmlns:a14="http://schemas.microsoft.com/office/drawing/2010/main" val="0"/>
+              </a:ext>
+            </a:extLst>
+          </a:blip>
+          <a:srcRect l="-118336" r="-118336"/>
+          <a:stretch>
+            <a:fillRect/>
+          </a:stretch>
+        </p:blipFill>
+        <p:spPr/>
+      </p:pic>
+      <p:sp>
+        <p:nvSpPr>
+          <p:cNvPr id="4" name="Footer Placeholder 3"/>
+          <p:cNvSpPr>
+            <a:spLocks noGrp="1"/>
+          </p:cNvSpPr>
+          <p:nvPr>
+            <p:ph type="ftr" sz="quarter" idx="11"/>
+          </p:nvPr>
+        </p:nvSpPr>
+        <p:spPr/>
+        <p:txBody>
+          <a:bodyPr/>
+          <a:lstStyle/>
+          <a:p>
+            <a:r>
+              <a:rPr lang="en-US" smtClean="0"/>
+              <a:t>Archetype Modeling Language</a:t>
+            </a:r>
+            <a:endParaRPr lang="en-US" dirty="0"/>
+          </a:p>
+        </p:txBody>
+      </p:sp>
+      <p:sp>
+        <p:nvSpPr>
+          <p:cNvPr id="5" name="Slide Number Placeholder 4"/>
+          <p:cNvSpPr>
+            <a:spLocks noGrp="1"/>
+          </p:cNvSpPr>
+          <p:nvPr>
+            <p:ph type="sldNum" sz="quarter" idx="12"/>
+          </p:nvPr>
+        </p:nvSpPr>
+        <p:spPr/>
+        <p:txBody>
+          <a:bodyPr/>
+          <a:lstStyle/>
+          <a:p>
+            <a:fld id="{F1C60CE6-A564-2C44-BB7B-900AEECBE3A4}" type="slidenum">
+              <a:rPr lang="en-US" smtClean="0"/>
+              <a:t>39</a:t>
+            </a:fld>
+            <a:endParaRPr lang="en-US" dirty="0"/>
+          </a:p>
+        </p:txBody>
+      </p:sp>
+      <p:cxnSp>
+        <p:nvCxnSpPr>
+          <p:cNvPr id="6" name="Straight Connector 5"/>
+          <p:cNvCxnSpPr/>
+          <p:nvPr/>
+        </p:nvCxnSpPr>
+        <p:spPr>
+          <a:xfrm flipV="1">
+            <a:off x="0" y="1188975"/>
+            <a:ext cx="9144000" cy="36030"/>
+          </a:xfrm>
+          <a:prstGeom prst="line">
+            <a:avLst/>
+          </a:prstGeom>
+        </p:spPr>
+        <p:style>
+          <a:lnRef idx="2">
+            <a:schemeClr val="accent1"/>
+          </a:lnRef>
+          <a:fillRef idx="0">
+            <a:schemeClr val="accent1"/>
+          </a:fillRef>
+          <a:effectRef idx="1">
+            <a:schemeClr val="accent1"/>
+          </a:effectRef>
+          <a:fontRef idx="minor">
+            <a:schemeClr val="tx1"/>
+          </a:fontRef>
+        </p:style>
+      </p:cxnSp>
+      <p:sp>
+        <p:nvSpPr>
+          <p:cNvPr id="7" name="TextBox 6"/>
+          <p:cNvSpPr txBox="1"/>
+          <p:nvPr/>
+        </p:nvSpPr>
+        <p:spPr>
+          <a:xfrm>
+            <a:off x="-1970690" y="639379"/>
+            <a:ext cx="184666" cy="369332"/>
+          </a:xfrm>
+          <a:prstGeom prst="rect">
+            <a:avLst/>
+          </a:prstGeom>
+          <a:noFill/>
+        </p:spPr>
+        <p:txBody>
+          <a:bodyPr wrap="none" rtlCol="0">
+            <a:spAutoFit/>
+          </a:bodyPr>
+          <a:lstStyle/>
+          <a:p>
+            <a:endParaRPr lang="en-US" dirty="0"/>
+          </a:p>
+        </p:txBody>
+      </p:sp>
+      <p:sp>
+        <p:nvSpPr>
+          <p:cNvPr id="9" name="TextBox 8"/>
+          <p:cNvSpPr txBox="1"/>
+          <p:nvPr/>
+        </p:nvSpPr>
+        <p:spPr>
+          <a:xfrm>
+            <a:off x="6332085" y="1758348"/>
+            <a:ext cx="763758" cy="369332"/>
+          </a:xfrm>
+          <a:prstGeom prst="rect">
+            <a:avLst/>
+          </a:prstGeom>
+          <a:noFill/>
+        </p:spPr>
+        <p:txBody>
+          <a:bodyPr wrap="square" rtlCol="0">
+            <a:spAutoFit/>
+          </a:bodyPr>
+          <a:lstStyle/>
+          <a:p>
+            <a:r>
+              <a:rPr lang="en-US" dirty="0" smtClean="0"/>
+              <a:t>Class</a:t>
+            </a:r>
+            <a:endParaRPr lang="en-US" dirty="0"/>
+          </a:p>
+        </p:txBody>
+      </p:sp>
+      <p:cxnSp>
+        <p:nvCxnSpPr>
+          <p:cNvPr id="11" name="Straight Arrow Connector 10"/>
+          <p:cNvCxnSpPr>
+            <a:stCxn id="9" idx="1"/>
+          </p:cNvCxnSpPr>
+          <p:nvPr/>
+        </p:nvCxnSpPr>
+        <p:spPr>
+          <a:xfrm flipH="1">
+            <a:off x="5017710" y="1943014"/>
+            <a:ext cx="1314375" cy="184666"/>
+          </a:xfrm>
+          <a:prstGeom prst="straightConnector1">
+            <a:avLst/>
+          </a:prstGeom>
+          <a:ln>
+            <a:tailEnd type="arrow"/>
+          </a:ln>
+        </p:spPr>
+        <p:style>
+          <a:lnRef idx="2">
+            <a:schemeClr val="accent2"/>
+          </a:lnRef>
+          <a:fillRef idx="0">
+            <a:schemeClr val="accent2"/>
+          </a:fillRef>
+          <a:effectRef idx="1">
+            <a:schemeClr val="accent2"/>
+          </a:effectRef>
+          <a:fontRef idx="minor">
+            <a:schemeClr val="tx1"/>
+          </a:fontRef>
+        </p:style>
+      </p:cxnSp>
+      <p:sp>
+        <p:nvSpPr>
+          <p:cNvPr id="12" name="TextBox 11"/>
+          <p:cNvSpPr txBox="1"/>
+          <p:nvPr/>
+        </p:nvSpPr>
+        <p:spPr>
+          <a:xfrm>
+            <a:off x="6972934" y="2248603"/>
+            <a:ext cx="1073164" cy="369332"/>
+          </a:xfrm>
+          <a:prstGeom prst="rect">
+            <a:avLst/>
+          </a:prstGeom>
+          <a:noFill/>
+        </p:spPr>
+        <p:txBody>
+          <a:bodyPr wrap="square" rtlCol="0">
+            <a:spAutoFit/>
+          </a:bodyPr>
+          <a:lstStyle/>
+          <a:p>
+            <a:r>
+              <a:rPr lang="en-US" dirty="0" smtClean="0"/>
+              <a:t>Property</a:t>
+            </a:r>
+            <a:endParaRPr lang="en-US" dirty="0"/>
+          </a:p>
+        </p:txBody>
+      </p:sp>
+      <p:cxnSp>
+        <p:nvCxnSpPr>
+          <p:cNvPr id="13" name="Straight Arrow Connector 12"/>
+          <p:cNvCxnSpPr>
+            <a:stCxn id="12" idx="1"/>
+          </p:cNvCxnSpPr>
+          <p:nvPr/>
+        </p:nvCxnSpPr>
+        <p:spPr>
+          <a:xfrm flipH="1">
+            <a:off x="4520380" y="2433269"/>
+            <a:ext cx="2452554" cy="0"/>
+          </a:xfrm>
+          <a:prstGeom prst="straightConnector1">
+            <a:avLst/>
+          </a:prstGeom>
+          <a:ln>
+            <a:tailEnd type="arrow"/>
+          </a:ln>
+        </p:spPr>
+        <p:style>
+          <a:lnRef idx="2">
+            <a:schemeClr val="accent2"/>
+          </a:lnRef>
+          <a:fillRef idx="0">
+            <a:schemeClr val="accent2"/>
+          </a:fillRef>
+          <a:effectRef idx="1">
+            <a:schemeClr val="accent2"/>
+          </a:effectRef>
+          <a:fontRef idx="minor">
+            <a:schemeClr val="tx1"/>
+          </a:fontRef>
+        </p:style>
+      </p:cxnSp>
+      <p:sp>
+        <p:nvSpPr>
+          <p:cNvPr id="17" name="TextBox 16"/>
+          <p:cNvSpPr txBox="1"/>
+          <p:nvPr/>
+        </p:nvSpPr>
+        <p:spPr>
+          <a:xfrm>
+            <a:off x="852567" y="2062112"/>
+            <a:ext cx="1287731" cy="369332"/>
+          </a:xfrm>
+          <a:prstGeom prst="rect">
+            <a:avLst/>
+          </a:prstGeom>
+          <a:noFill/>
+        </p:spPr>
+        <p:txBody>
+          <a:bodyPr wrap="square" rtlCol="0">
+            <a:spAutoFit/>
+          </a:bodyPr>
+          <a:lstStyle/>
+          <a:p>
+            <a:r>
+              <a:rPr lang="en-US" dirty="0" smtClean="0"/>
+              <a:t>Stereotype</a:t>
+            </a:r>
+            <a:endParaRPr lang="en-US" dirty="0"/>
+          </a:p>
+        </p:txBody>
+      </p:sp>
+      <p:cxnSp>
+        <p:nvCxnSpPr>
+          <p:cNvPr id="18" name="Straight Arrow Connector 17"/>
+          <p:cNvCxnSpPr/>
+          <p:nvPr/>
+        </p:nvCxnSpPr>
+        <p:spPr>
+          <a:xfrm flipV="1">
+            <a:off x="2140298" y="1943014"/>
+            <a:ext cx="1953798" cy="305589"/>
+          </a:xfrm>
+          <a:prstGeom prst="straightConnector1">
+            <a:avLst/>
+          </a:prstGeom>
+          <a:ln>
+            <a:tailEnd type="arrow"/>
+          </a:ln>
+        </p:spPr>
+        <p:style>
+          <a:lnRef idx="2">
+            <a:schemeClr val="accent2"/>
+          </a:lnRef>
+          <a:fillRef idx="0">
+            <a:schemeClr val="accent2"/>
+          </a:fillRef>
+          <a:effectRef idx="1">
+            <a:schemeClr val="accent2"/>
+          </a:effectRef>
+          <a:fontRef idx="minor">
+            <a:schemeClr val="tx1"/>
+          </a:fontRef>
+        </p:style>
+      </p:cxnSp>
+      <p:sp>
+        <p:nvSpPr>
+          <p:cNvPr id="21" name="TextBox 20"/>
+          <p:cNvSpPr txBox="1"/>
+          <p:nvPr/>
+        </p:nvSpPr>
+        <p:spPr>
+          <a:xfrm>
+            <a:off x="861449" y="3066650"/>
+            <a:ext cx="1278849" cy="369332"/>
+          </a:xfrm>
+          <a:prstGeom prst="rect">
+            <a:avLst/>
+          </a:prstGeom>
+          <a:noFill/>
+        </p:spPr>
+        <p:txBody>
+          <a:bodyPr wrap="square" rtlCol="0">
+            <a:spAutoFit/>
+          </a:bodyPr>
+          <a:lstStyle/>
+          <a:p>
+            <a:r>
+              <a:rPr lang="en-US" dirty="0" smtClean="0"/>
+              <a:t>Operation</a:t>
+            </a:r>
+            <a:endParaRPr lang="en-US" dirty="0"/>
+          </a:p>
+        </p:txBody>
+      </p:sp>
+      <p:cxnSp>
+        <p:nvCxnSpPr>
+          <p:cNvPr id="22" name="Straight Arrow Connector 21"/>
+          <p:cNvCxnSpPr/>
+          <p:nvPr/>
+        </p:nvCxnSpPr>
+        <p:spPr>
+          <a:xfrm>
+            <a:off x="1953799" y="3438991"/>
+            <a:ext cx="1793942" cy="197592"/>
+          </a:xfrm>
+          <a:prstGeom prst="straightConnector1">
+            <a:avLst/>
+          </a:prstGeom>
+          <a:ln>
+            <a:tailEnd type="arrow"/>
+          </a:ln>
+        </p:spPr>
+        <p:style>
+          <a:lnRef idx="2">
+            <a:schemeClr val="accent2"/>
+          </a:lnRef>
+          <a:fillRef idx="0">
+            <a:schemeClr val="accent2"/>
+          </a:fillRef>
+          <a:effectRef idx="1">
+            <a:schemeClr val="accent2"/>
+          </a:effectRef>
+          <a:fontRef idx="minor">
+            <a:schemeClr val="tx1"/>
+          </a:fontRef>
+        </p:style>
+      </p:cxnSp>
+      <p:sp>
+        <p:nvSpPr>
+          <p:cNvPr id="26" name="TextBox 25"/>
+          <p:cNvSpPr txBox="1"/>
+          <p:nvPr/>
+        </p:nvSpPr>
+        <p:spPr>
+          <a:xfrm>
+            <a:off x="7095842" y="4279634"/>
+            <a:ext cx="1590958" cy="369332"/>
+          </a:xfrm>
+          <a:prstGeom prst="rect">
+            <a:avLst/>
+          </a:prstGeom>
+          <a:noFill/>
+        </p:spPr>
+        <p:txBody>
+          <a:bodyPr wrap="square" rtlCol="0">
+            <a:spAutoFit/>
+          </a:bodyPr>
+          <a:lstStyle/>
+          <a:p>
+            <a:r>
+              <a:rPr lang="en-US" dirty="0" smtClean="0"/>
+              <a:t>Specialization</a:t>
+            </a:r>
+            <a:endParaRPr lang="en-US" dirty="0"/>
+          </a:p>
+        </p:txBody>
+      </p:sp>
+      <p:cxnSp>
+        <p:nvCxnSpPr>
+          <p:cNvPr id="27" name="Straight Arrow Connector 26"/>
+          <p:cNvCxnSpPr>
+            <a:stCxn id="26" idx="1"/>
+          </p:cNvCxnSpPr>
+          <p:nvPr/>
+        </p:nvCxnSpPr>
+        <p:spPr>
+          <a:xfrm flipH="1">
+            <a:off x="5139196" y="4464300"/>
+            <a:ext cx="1956646" cy="721938"/>
+          </a:xfrm>
+          <a:prstGeom prst="straightConnector1">
+            <a:avLst/>
+          </a:prstGeom>
+          <a:ln>
+            <a:tailEnd type="arrow"/>
+          </a:ln>
+        </p:spPr>
+        <p:style>
+          <a:lnRef idx="2">
+            <a:schemeClr val="accent2"/>
+          </a:lnRef>
+          <a:fillRef idx="0">
+            <a:schemeClr val="accent2"/>
+          </a:fillRef>
+          <a:effectRef idx="1">
+            <a:schemeClr val="accent2"/>
+          </a:effectRef>
+          <a:fontRef idx="minor">
+            <a:schemeClr val="tx1"/>
+          </a:fontRef>
+        </p:style>
+      </p:cxnSp>
+    </p:spTree>
+    <p:extLst>
+      <p:ext uri="{BB962C8B-B14F-4D97-AF65-F5344CB8AC3E}">
+        <p14:creationId xmlns:p14="http://schemas.microsoft.com/office/powerpoint/2010/main" val="242360497"/>
       </p:ext>
     </p:extLst>
   </p:cSld>
@@ -16627,6 +18709,3725 @@
     <p:extLst>
       <p:ext uri="{BB962C8B-B14F-4D97-AF65-F5344CB8AC3E}">
         <p14:creationId xmlns:p14="http://schemas.microsoft.com/office/powerpoint/2010/main" val="520785935"/>
+      </p:ext>
+    </p:extLst>
+  </p:cSld>
+  <p:clrMapOvr>
+    <a:masterClrMapping/>
+  </p:clrMapOvr>
+  <p:timing>
+    <p:tnLst>
+      <p:par>
+        <p:cTn xmlns:p14="http://schemas.microsoft.com/office/powerpoint/2010/main" id="1" dur="indefinite" restart="never" nodeType="tmRoot"/>
+      </p:par>
+    </p:tnLst>
+  </p:timing>
+</p:sld>
+</file>
+
+<file path=ppt/slides/slide40.xml><?xml version="1.0" encoding="utf-8"?>
+<p:sld xmlns:a="http://schemas.openxmlformats.org/drawingml/2006/main" xmlns:r="http://schemas.openxmlformats.org/officeDocument/2006/relationships" xmlns:p="http://schemas.openxmlformats.org/presentationml/2006/main">
+  <p:cSld>
+    <p:spTree>
+      <p:nvGrpSpPr>
+        <p:cNvPr id="1" name=""/>
+        <p:cNvGrpSpPr/>
+        <p:nvPr/>
+      </p:nvGrpSpPr>
+      <p:grpSpPr>
+        <a:xfrm>
+          <a:off x="0" y="0"/>
+          <a:ext cx="0" cy="0"/>
+          <a:chOff x="0" y="0"/>
+          <a:chExt cx="0" cy="0"/>
+        </a:xfrm>
+      </p:grpSpPr>
+      <p:sp>
+        <p:nvSpPr>
+          <p:cNvPr id="2" name="Title 1"/>
+          <p:cNvSpPr>
+            <a:spLocks noGrp="1"/>
+          </p:cNvSpPr>
+          <p:nvPr>
+            <p:ph type="title"/>
+          </p:nvPr>
+        </p:nvSpPr>
+        <p:spPr>
+          <a:xfrm>
+            <a:off x="457200" y="274638"/>
+            <a:ext cx="8229600" cy="914337"/>
+          </a:xfrm>
+        </p:spPr>
+        <p:txBody>
+          <a:bodyPr>
+            <a:normAutofit/>
+          </a:bodyPr>
+          <a:lstStyle/>
+          <a:p>
+            <a:r>
+              <a:rPr lang="en-US" dirty="0" smtClean="0"/>
+              <a:t>UML Instance Example</a:t>
+            </a:r>
+            <a:endParaRPr lang="en-US" dirty="0"/>
+          </a:p>
+        </p:txBody>
+      </p:sp>
+      <p:pic>
+        <p:nvPicPr>
+          <p:cNvPr id="8" name="Content Placeholder 7" descr="Screen Shot 2015-04-21 at 4.28.05 PM.png"/>
+          <p:cNvPicPr>
+            <a:picLocks noGrp="1" noChangeAspect="1"/>
+          </p:cNvPicPr>
+          <p:nvPr>
+            <p:ph idx="1"/>
+          </p:nvPr>
+        </p:nvPicPr>
+        <p:blipFill>
+          <a:blip r:embed="rId3">
+            <a:extLst>
+              <a:ext uri="{28A0092B-C50C-407E-A947-70E740481C1C}">
+                <a14:useLocalDpi xmlns:a14="http://schemas.microsoft.com/office/drawing/2010/main" val="0"/>
+              </a:ext>
+            </a:extLst>
+          </a:blip>
+          <a:srcRect l="-118336" r="-118336"/>
+          <a:stretch>
+            <a:fillRect/>
+          </a:stretch>
+        </p:blipFill>
+        <p:spPr/>
+      </p:pic>
+      <p:sp>
+        <p:nvSpPr>
+          <p:cNvPr id="4" name="Footer Placeholder 3"/>
+          <p:cNvSpPr>
+            <a:spLocks noGrp="1"/>
+          </p:cNvSpPr>
+          <p:nvPr>
+            <p:ph type="ftr" sz="quarter" idx="11"/>
+          </p:nvPr>
+        </p:nvSpPr>
+        <p:spPr/>
+        <p:txBody>
+          <a:bodyPr/>
+          <a:lstStyle/>
+          <a:p>
+            <a:r>
+              <a:rPr lang="en-US" smtClean="0"/>
+              <a:t>Archetype Modeling Language</a:t>
+            </a:r>
+            <a:endParaRPr lang="en-US" dirty="0"/>
+          </a:p>
+        </p:txBody>
+      </p:sp>
+      <p:sp>
+        <p:nvSpPr>
+          <p:cNvPr id="5" name="Slide Number Placeholder 4"/>
+          <p:cNvSpPr>
+            <a:spLocks noGrp="1"/>
+          </p:cNvSpPr>
+          <p:nvPr>
+            <p:ph type="sldNum" sz="quarter" idx="12"/>
+          </p:nvPr>
+        </p:nvSpPr>
+        <p:spPr/>
+        <p:txBody>
+          <a:bodyPr/>
+          <a:lstStyle/>
+          <a:p>
+            <a:fld id="{F1C60CE6-A564-2C44-BB7B-900AEECBE3A4}" type="slidenum">
+              <a:rPr lang="en-US" smtClean="0"/>
+              <a:t>40</a:t>
+            </a:fld>
+            <a:endParaRPr lang="en-US" dirty="0"/>
+          </a:p>
+        </p:txBody>
+      </p:sp>
+      <p:cxnSp>
+        <p:nvCxnSpPr>
+          <p:cNvPr id="6" name="Straight Connector 5"/>
+          <p:cNvCxnSpPr/>
+          <p:nvPr/>
+        </p:nvCxnSpPr>
+        <p:spPr>
+          <a:xfrm flipV="1">
+            <a:off x="0" y="1188975"/>
+            <a:ext cx="9144000" cy="36030"/>
+          </a:xfrm>
+          <a:prstGeom prst="line">
+            <a:avLst/>
+          </a:prstGeom>
+        </p:spPr>
+        <p:style>
+          <a:lnRef idx="2">
+            <a:schemeClr val="accent1"/>
+          </a:lnRef>
+          <a:fillRef idx="0">
+            <a:schemeClr val="accent1"/>
+          </a:fillRef>
+          <a:effectRef idx="1">
+            <a:schemeClr val="accent1"/>
+          </a:effectRef>
+          <a:fontRef idx="minor">
+            <a:schemeClr val="tx1"/>
+          </a:fontRef>
+        </p:style>
+      </p:cxnSp>
+      <p:sp>
+        <p:nvSpPr>
+          <p:cNvPr id="7" name="TextBox 6"/>
+          <p:cNvSpPr txBox="1"/>
+          <p:nvPr/>
+        </p:nvSpPr>
+        <p:spPr>
+          <a:xfrm>
+            <a:off x="-1970690" y="639379"/>
+            <a:ext cx="184666" cy="369332"/>
+          </a:xfrm>
+          <a:prstGeom prst="rect">
+            <a:avLst/>
+          </a:prstGeom>
+          <a:noFill/>
+        </p:spPr>
+        <p:txBody>
+          <a:bodyPr wrap="none" rtlCol="0">
+            <a:spAutoFit/>
+          </a:bodyPr>
+          <a:lstStyle/>
+          <a:p>
+            <a:endParaRPr lang="en-US" dirty="0"/>
+          </a:p>
+        </p:txBody>
+      </p:sp>
+      <p:sp>
+        <p:nvSpPr>
+          <p:cNvPr id="9" name="TextBox 8"/>
+          <p:cNvSpPr txBox="1"/>
+          <p:nvPr/>
+        </p:nvSpPr>
+        <p:spPr>
+          <a:xfrm>
+            <a:off x="6332085" y="1758348"/>
+            <a:ext cx="763758" cy="369332"/>
+          </a:xfrm>
+          <a:prstGeom prst="rect">
+            <a:avLst/>
+          </a:prstGeom>
+          <a:noFill/>
+        </p:spPr>
+        <p:txBody>
+          <a:bodyPr wrap="square" rtlCol="0">
+            <a:spAutoFit/>
+          </a:bodyPr>
+          <a:lstStyle/>
+          <a:p>
+            <a:r>
+              <a:rPr lang="en-US" dirty="0" smtClean="0"/>
+              <a:t>Class</a:t>
+            </a:r>
+            <a:endParaRPr lang="en-US" dirty="0"/>
+          </a:p>
+        </p:txBody>
+      </p:sp>
+      <p:cxnSp>
+        <p:nvCxnSpPr>
+          <p:cNvPr id="11" name="Straight Arrow Connector 10"/>
+          <p:cNvCxnSpPr>
+            <a:stCxn id="9" idx="1"/>
+          </p:cNvCxnSpPr>
+          <p:nvPr/>
+        </p:nvCxnSpPr>
+        <p:spPr>
+          <a:xfrm flipH="1">
+            <a:off x="5017710" y="1943014"/>
+            <a:ext cx="1314375" cy="184666"/>
+          </a:xfrm>
+          <a:prstGeom prst="straightConnector1">
+            <a:avLst/>
+          </a:prstGeom>
+          <a:ln>
+            <a:tailEnd type="arrow"/>
+          </a:ln>
+        </p:spPr>
+        <p:style>
+          <a:lnRef idx="2">
+            <a:schemeClr val="accent2"/>
+          </a:lnRef>
+          <a:fillRef idx="0">
+            <a:schemeClr val="accent2"/>
+          </a:fillRef>
+          <a:effectRef idx="1">
+            <a:schemeClr val="accent2"/>
+          </a:effectRef>
+          <a:fontRef idx="minor">
+            <a:schemeClr val="tx1"/>
+          </a:fontRef>
+        </p:style>
+      </p:cxnSp>
+      <p:sp>
+        <p:nvSpPr>
+          <p:cNvPr id="12" name="TextBox 11"/>
+          <p:cNvSpPr txBox="1"/>
+          <p:nvPr/>
+        </p:nvSpPr>
+        <p:spPr>
+          <a:xfrm>
+            <a:off x="6972934" y="2248603"/>
+            <a:ext cx="1073164" cy="369332"/>
+          </a:xfrm>
+          <a:prstGeom prst="rect">
+            <a:avLst/>
+          </a:prstGeom>
+          <a:noFill/>
+        </p:spPr>
+        <p:txBody>
+          <a:bodyPr wrap="square" rtlCol="0">
+            <a:spAutoFit/>
+          </a:bodyPr>
+          <a:lstStyle/>
+          <a:p>
+            <a:r>
+              <a:rPr lang="en-US" dirty="0" smtClean="0"/>
+              <a:t>Property</a:t>
+            </a:r>
+            <a:endParaRPr lang="en-US" dirty="0"/>
+          </a:p>
+        </p:txBody>
+      </p:sp>
+      <p:cxnSp>
+        <p:nvCxnSpPr>
+          <p:cNvPr id="13" name="Straight Arrow Connector 12"/>
+          <p:cNvCxnSpPr>
+            <a:stCxn id="12" idx="1"/>
+          </p:cNvCxnSpPr>
+          <p:nvPr/>
+        </p:nvCxnSpPr>
+        <p:spPr>
+          <a:xfrm flipH="1">
+            <a:off x="4520380" y="2433269"/>
+            <a:ext cx="2452554" cy="0"/>
+          </a:xfrm>
+          <a:prstGeom prst="straightConnector1">
+            <a:avLst/>
+          </a:prstGeom>
+          <a:ln>
+            <a:tailEnd type="arrow"/>
+          </a:ln>
+        </p:spPr>
+        <p:style>
+          <a:lnRef idx="2">
+            <a:schemeClr val="accent2"/>
+          </a:lnRef>
+          <a:fillRef idx="0">
+            <a:schemeClr val="accent2"/>
+          </a:fillRef>
+          <a:effectRef idx="1">
+            <a:schemeClr val="accent2"/>
+          </a:effectRef>
+          <a:fontRef idx="minor">
+            <a:schemeClr val="tx1"/>
+          </a:fontRef>
+        </p:style>
+      </p:cxnSp>
+      <p:sp>
+        <p:nvSpPr>
+          <p:cNvPr id="17" name="TextBox 16"/>
+          <p:cNvSpPr txBox="1"/>
+          <p:nvPr/>
+        </p:nvSpPr>
+        <p:spPr>
+          <a:xfrm>
+            <a:off x="852567" y="2062112"/>
+            <a:ext cx="1287731" cy="369332"/>
+          </a:xfrm>
+          <a:prstGeom prst="rect">
+            <a:avLst/>
+          </a:prstGeom>
+          <a:noFill/>
+        </p:spPr>
+        <p:txBody>
+          <a:bodyPr wrap="square" rtlCol="0">
+            <a:spAutoFit/>
+          </a:bodyPr>
+          <a:lstStyle/>
+          <a:p>
+            <a:r>
+              <a:rPr lang="en-US" dirty="0" smtClean="0"/>
+              <a:t>Stereotype</a:t>
+            </a:r>
+            <a:endParaRPr lang="en-US" dirty="0"/>
+          </a:p>
+        </p:txBody>
+      </p:sp>
+      <p:cxnSp>
+        <p:nvCxnSpPr>
+          <p:cNvPr id="18" name="Straight Arrow Connector 17"/>
+          <p:cNvCxnSpPr/>
+          <p:nvPr/>
+        </p:nvCxnSpPr>
+        <p:spPr>
+          <a:xfrm flipV="1">
+            <a:off x="2140298" y="1943014"/>
+            <a:ext cx="1953798" cy="305589"/>
+          </a:xfrm>
+          <a:prstGeom prst="straightConnector1">
+            <a:avLst/>
+          </a:prstGeom>
+          <a:ln>
+            <a:tailEnd type="arrow"/>
+          </a:ln>
+        </p:spPr>
+        <p:style>
+          <a:lnRef idx="2">
+            <a:schemeClr val="accent2"/>
+          </a:lnRef>
+          <a:fillRef idx="0">
+            <a:schemeClr val="accent2"/>
+          </a:fillRef>
+          <a:effectRef idx="1">
+            <a:schemeClr val="accent2"/>
+          </a:effectRef>
+          <a:fontRef idx="minor">
+            <a:schemeClr val="tx1"/>
+          </a:fontRef>
+        </p:style>
+      </p:cxnSp>
+      <p:sp>
+        <p:nvSpPr>
+          <p:cNvPr id="21" name="TextBox 20"/>
+          <p:cNvSpPr txBox="1"/>
+          <p:nvPr/>
+        </p:nvSpPr>
+        <p:spPr>
+          <a:xfrm>
+            <a:off x="861449" y="3066650"/>
+            <a:ext cx="1278849" cy="369332"/>
+          </a:xfrm>
+          <a:prstGeom prst="rect">
+            <a:avLst/>
+          </a:prstGeom>
+          <a:noFill/>
+        </p:spPr>
+        <p:txBody>
+          <a:bodyPr wrap="square" rtlCol="0">
+            <a:spAutoFit/>
+          </a:bodyPr>
+          <a:lstStyle/>
+          <a:p>
+            <a:r>
+              <a:rPr lang="en-US" dirty="0" smtClean="0"/>
+              <a:t>Operation</a:t>
+            </a:r>
+            <a:endParaRPr lang="en-US" dirty="0"/>
+          </a:p>
+        </p:txBody>
+      </p:sp>
+      <p:cxnSp>
+        <p:nvCxnSpPr>
+          <p:cNvPr id="22" name="Straight Arrow Connector 21"/>
+          <p:cNvCxnSpPr/>
+          <p:nvPr/>
+        </p:nvCxnSpPr>
+        <p:spPr>
+          <a:xfrm>
+            <a:off x="1953799" y="3438991"/>
+            <a:ext cx="1793942" cy="197592"/>
+          </a:xfrm>
+          <a:prstGeom prst="straightConnector1">
+            <a:avLst/>
+          </a:prstGeom>
+          <a:ln>
+            <a:tailEnd type="arrow"/>
+          </a:ln>
+        </p:spPr>
+        <p:style>
+          <a:lnRef idx="2">
+            <a:schemeClr val="accent2"/>
+          </a:lnRef>
+          <a:fillRef idx="0">
+            <a:schemeClr val="accent2"/>
+          </a:fillRef>
+          <a:effectRef idx="1">
+            <a:schemeClr val="accent2"/>
+          </a:effectRef>
+          <a:fontRef idx="minor">
+            <a:schemeClr val="tx1"/>
+          </a:fontRef>
+        </p:style>
+      </p:cxnSp>
+      <p:sp>
+        <p:nvSpPr>
+          <p:cNvPr id="26" name="TextBox 25"/>
+          <p:cNvSpPr txBox="1"/>
+          <p:nvPr/>
+        </p:nvSpPr>
+        <p:spPr>
+          <a:xfrm>
+            <a:off x="7095842" y="4279634"/>
+            <a:ext cx="1590958" cy="369332"/>
+          </a:xfrm>
+          <a:prstGeom prst="rect">
+            <a:avLst/>
+          </a:prstGeom>
+          <a:noFill/>
+        </p:spPr>
+        <p:txBody>
+          <a:bodyPr wrap="square" rtlCol="0">
+            <a:spAutoFit/>
+          </a:bodyPr>
+          <a:lstStyle/>
+          <a:p>
+            <a:r>
+              <a:rPr lang="en-US" dirty="0" smtClean="0"/>
+              <a:t>Specialization</a:t>
+            </a:r>
+            <a:endParaRPr lang="en-US" dirty="0"/>
+          </a:p>
+        </p:txBody>
+      </p:sp>
+      <p:cxnSp>
+        <p:nvCxnSpPr>
+          <p:cNvPr id="27" name="Straight Arrow Connector 26"/>
+          <p:cNvCxnSpPr>
+            <a:stCxn id="26" idx="1"/>
+          </p:cNvCxnSpPr>
+          <p:nvPr/>
+        </p:nvCxnSpPr>
+        <p:spPr>
+          <a:xfrm flipH="1">
+            <a:off x="5139196" y="4464300"/>
+            <a:ext cx="1956646" cy="721938"/>
+          </a:xfrm>
+          <a:prstGeom prst="straightConnector1">
+            <a:avLst/>
+          </a:prstGeom>
+          <a:ln>
+            <a:tailEnd type="arrow"/>
+          </a:ln>
+        </p:spPr>
+        <p:style>
+          <a:lnRef idx="2">
+            <a:schemeClr val="accent2"/>
+          </a:lnRef>
+          <a:fillRef idx="0">
+            <a:schemeClr val="accent2"/>
+          </a:fillRef>
+          <a:effectRef idx="1">
+            <a:schemeClr val="accent2"/>
+          </a:effectRef>
+          <a:fontRef idx="minor">
+            <a:schemeClr val="tx1"/>
+          </a:fontRef>
+        </p:style>
+      </p:cxnSp>
+      <p:pic>
+        <p:nvPicPr>
+          <p:cNvPr id="3" name="Picture 2" descr="Screen Shot 2015-04-21 at 4.37.25 PM.png"/>
+          <p:cNvPicPr>
+            <a:picLocks noChangeAspect="1"/>
+          </p:cNvPicPr>
+          <p:nvPr/>
+        </p:nvPicPr>
+        <p:blipFill>
+          <a:blip r:embed="rId4">
+            <a:extLst>
+              <a:ext uri="{28A0092B-C50C-407E-A947-70E740481C1C}">
+                <a14:useLocalDpi xmlns:a14="http://schemas.microsoft.com/office/drawing/2010/main" val="0"/>
+              </a:ext>
+            </a:extLst>
+          </a:blip>
+          <a:stretch>
+            <a:fillRect/>
+          </a:stretch>
+        </p:blipFill>
+        <p:spPr>
+          <a:xfrm>
+            <a:off x="457200" y="4974700"/>
+            <a:ext cx="2146300" cy="1473200"/>
+          </a:xfrm>
+          <a:prstGeom prst="rect">
+            <a:avLst/>
+          </a:prstGeom>
+        </p:spPr>
+      </p:pic>
+      <p:sp>
+        <p:nvSpPr>
+          <p:cNvPr id="19" name="TextBox 18"/>
+          <p:cNvSpPr txBox="1"/>
+          <p:nvPr/>
+        </p:nvSpPr>
+        <p:spPr>
+          <a:xfrm>
+            <a:off x="195380" y="3807386"/>
+            <a:ext cx="2495534" cy="646331"/>
+          </a:xfrm>
+          <a:prstGeom prst="rect">
+            <a:avLst/>
+          </a:prstGeom>
+          <a:noFill/>
+        </p:spPr>
+        <p:txBody>
+          <a:bodyPr wrap="square" rtlCol="0">
+            <a:spAutoFit/>
+          </a:bodyPr>
+          <a:lstStyle/>
+          <a:p>
+            <a:pPr algn="ctr"/>
+            <a:r>
+              <a:rPr lang="en-US" dirty="0" smtClean="0"/>
+              <a:t>Instance</a:t>
+            </a:r>
+          </a:p>
+          <a:p>
+            <a:pPr algn="ctr"/>
+            <a:r>
+              <a:rPr lang="en-US" dirty="0" smtClean="0"/>
+              <a:t> </a:t>
+            </a:r>
+            <a:r>
+              <a:rPr lang="en-US" sz="1100" dirty="0" smtClean="0"/>
+              <a:t>(of Class “A1C Test”)</a:t>
+            </a:r>
+            <a:endParaRPr lang="en-US" sz="1100" dirty="0"/>
+          </a:p>
+        </p:txBody>
+      </p:sp>
+      <p:cxnSp>
+        <p:nvCxnSpPr>
+          <p:cNvPr id="20" name="Straight Arrow Connector 19"/>
+          <p:cNvCxnSpPr>
+            <a:stCxn id="19" idx="2"/>
+          </p:cNvCxnSpPr>
+          <p:nvPr/>
+        </p:nvCxnSpPr>
+        <p:spPr>
+          <a:xfrm>
+            <a:off x="1443147" y="4453717"/>
+            <a:ext cx="155416" cy="520983"/>
+          </a:xfrm>
+          <a:prstGeom prst="straightConnector1">
+            <a:avLst/>
+          </a:prstGeom>
+          <a:ln>
+            <a:tailEnd type="arrow"/>
+          </a:ln>
+        </p:spPr>
+        <p:style>
+          <a:lnRef idx="2">
+            <a:schemeClr val="accent2"/>
+          </a:lnRef>
+          <a:fillRef idx="0">
+            <a:schemeClr val="accent2"/>
+          </a:fillRef>
+          <a:effectRef idx="1">
+            <a:schemeClr val="accent2"/>
+          </a:effectRef>
+          <a:fontRef idx="minor">
+            <a:schemeClr val="tx1"/>
+          </a:fontRef>
+        </p:style>
+      </p:cxnSp>
+    </p:spTree>
+    <p:extLst>
+      <p:ext uri="{BB962C8B-B14F-4D97-AF65-F5344CB8AC3E}">
+        <p14:creationId xmlns:p14="http://schemas.microsoft.com/office/powerpoint/2010/main" val="4227344205"/>
+      </p:ext>
+    </p:extLst>
+  </p:cSld>
+  <p:clrMapOvr>
+    <a:masterClrMapping/>
+  </p:clrMapOvr>
+  <p:timing>
+    <p:tnLst>
+      <p:par>
+        <p:cTn xmlns:p14="http://schemas.microsoft.com/office/powerpoint/2010/main" id="1" dur="indefinite" restart="never" nodeType="tmRoot"/>
+      </p:par>
+    </p:tnLst>
+  </p:timing>
+</p:sld>
+</file>
+
+<file path=ppt/slides/slide41.xml><?xml version="1.0" encoding="utf-8"?>
+<p:sld xmlns:a="http://schemas.openxmlformats.org/drawingml/2006/main" xmlns:r="http://schemas.openxmlformats.org/officeDocument/2006/relationships" xmlns:p="http://schemas.openxmlformats.org/presentationml/2006/main">
+  <p:cSld>
+    <p:spTree>
+      <p:nvGrpSpPr>
+        <p:cNvPr id="1" name=""/>
+        <p:cNvGrpSpPr/>
+        <p:nvPr/>
+      </p:nvGrpSpPr>
+      <p:grpSpPr>
+        <a:xfrm>
+          <a:off x="0" y="0"/>
+          <a:ext cx="0" cy="0"/>
+          <a:chOff x="0" y="0"/>
+          <a:chExt cx="0" cy="0"/>
+        </a:xfrm>
+      </p:grpSpPr>
+      <p:sp>
+        <p:nvSpPr>
+          <p:cNvPr id="2" name="Title 1"/>
+          <p:cNvSpPr>
+            <a:spLocks noGrp="1"/>
+          </p:cNvSpPr>
+          <p:nvPr>
+            <p:ph type="title"/>
+          </p:nvPr>
+        </p:nvSpPr>
+        <p:spPr>
+          <a:xfrm>
+            <a:off x="457200" y="274638"/>
+            <a:ext cx="8229600" cy="914337"/>
+          </a:xfrm>
+        </p:spPr>
+        <p:txBody>
+          <a:bodyPr>
+            <a:normAutofit/>
+          </a:bodyPr>
+          <a:lstStyle/>
+          <a:p>
+            <a:r>
+              <a:rPr lang="en-US" dirty="0" smtClean="0"/>
+              <a:t>XMI – XML </a:t>
+            </a:r>
+            <a:r>
+              <a:rPr lang="en-US" dirty="0"/>
+              <a:t>M</a:t>
+            </a:r>
+            <a:r>
+              <a:rPr lang="en-US" dirty="0" smtClean="0"/>
+              <a:t>etadata Interchange</a:t>
+            </a:r>
+            <a:endParaRPr lang="en-US" dirty="0"/>
+          </a:p>
+        </p:txBody>
+      </p:sp>
+      <p:sp>
+        <p:nvSpPr>
+          <p:cNvPr id="4" name="Footer Placeholder 3"/>
+          <p:cNvSpPr>
+            <a:spLocks noGrp="1"/>
+          </p:cNvSpPr>
+          <p:nvPr>
+            <p:ph type="ftr" sz="quarter" idx="11"/>
+          </p:nvPr>
+        </p:nvSpPr>
+        <p:spPr/>
+        <p:txBody>
+          <a:bodyPr/>
+          <a:lstStyle/>
+          <a:p>
+            <a:r>
+              <a:rPr lang="en-US" smtClean="0"/>
+              <a:t>Archetype Modeling Language</a:t>
+            </a:r>
+            <a:endParaRPr lang="en-US" dirty="0"/>
+          </a:p>
+        </p:txBody>
+      </p:sp>
+      <p:sp>
+        <p:nvSpPr>
+          <p:cNvPr id="5" name="Slide Number Placeholder 4"/>
+          <p:cNvSpPr>
+            <a:spLocks noGrp="1"/>
+          </p:cNvSpPr>
+          <p:nvPr>
+            <p:ph type="sldNum" sz="quarter" idx="12"/>
+          </p:nvPr>
+        </p:nvSpPr>
+        <p:spPr/>
+        <p:txBody>
+          <a:bodyPr/>
+          <a:lstStyle/>
+          <a:p>
+            <a:fld id="{F1C60CE6-A564-2C44-BB7B-900AEECBE3A4}" type="slidenum">
+              <a:rPr lang="en-US" smtClean="0"/>
+              <a:t>41</a:t>
+            </a:fld>
+            <a:endParaRPr lang="en-US" dirty="0"/>
+          </a:p>
+        </p:txBody>
+      </p:sp>
+      <p:cxnSp>
+        <p:nvCxnSpPr>
+          <p:cNvPr id="6" name="Straight Connector 5"/>
+          <p:cNvCxnSpPr/>
+          <p:nvPr/>
+        </p:nvCxnSpPr>
+        <p:spPr>
+          <a:xfrm flipV="1">
+            <a:off x="0" y="1188975"/>
+            <a:ext cx="9144000" cy="36030"/>
+          </a:xfrm>
+          <a:prstGeom prst="line">
+            <a:avLst/>
+          </a:prstGeom>
+        </p:spPr>
+        <p:style>
+          <a:lnRef idx="2">
+            <a:schemeClr val="accent1"/>
+          </a:lnRef>
+          <a:fillRef idx="0">
+            <a:schemeClr val="accent1"/>
+          </a:fillRef>
+          <a:effectRef idx="1">
+            <a:schemeClr val="accent1"/>
+          </a:effectRef>
+          <a:fontRef idx="minor">
+            <a:schemeClr val="tx1"/>
+          </a:fontRef>
+        </p:style>
+      </p:cxnSp>
+      <p:sp>
+        <p:nvSpPr>
+          <p:cNvPr id="7" name="TextBox 6"/>
+          <p:cNvSpPr txBox="1"/>
+          <p:nvPr/>
+        </p:nvSpPr>
+        <p:spPr>
+          <a:xfrm>
+            <a:off x="-1970690" y="639379"/>
+            <a:ext cx="184666" cy="369332"/>
+          </a:xfrm>
+          <a:prstGeom prst="rect">
+            <a:avLst/>
+          </a:prstGeom>
+          <a:noFill/>
+        </p:spPr>
+        <p:txBody>
+          <a:bodyPr wrap="none" rtlCol="0">
+            <a:spAutoFit/>
+          </a:bodyPr>
+          <a:lstStyle/>
+          <a:p>
+            <a:endParaRPr lang="en-US" dirty="0"/>
+          </a:p>
+        </p:txBody>
+      </p:sp>
+      <p:pic>
+        <p:nvPicPr>
+          <p:cNvPr id="14" name="Picture 13" descr="Screen Shot 2015-04-21 at 4.42.26 PM.png"/>
+          <p:cNvPicPr>
+            <a:picLocks noChangeAspect="1"/>
+          </p:cNvPicPr>
+          <p:nvPr/>
+        </p:nvPicPr>
+        <p:blipFill>
+          <a:blip r:embed="rId3">
+            <a:extLst>
+              <a:ext uri="{28A0092B-C50C-407E-A947-70E740481C1C}">
+                <a14:useLocalDpi xmlns:a14="http://schemas.microsoft.com/office/drawing/2010/main" val="0"/>
+              </a:ext>
+            </a:extLst>
+          </a:blip>
+          <a:stretch>
+            <a:fillRect/>
+          </a:stretch>
+        </p:blipFill>
+        <p:spPr>
+          <a:xfrm>
+            <a:off x="-1" y="1308575"/>
+            <a:ext cx="7018893" cy="5047775"/>
+          </a:xfrm>
+          <a:prstGeom prst="rect">
+            <a:avLst/>
+          </a:prstGeom>
+        </p:spPr>
+      </p:pic>
+      <p:sp>
+        <p:nvSpPr>
+          <p:cNvPr id="15" name="TextBox 14"/>
+          <p:cNvSpPr txBox="1"/>
+          <p:nvPr/>
+        </p:nvSpPr>
+        <p:spPr>
+          <a:xfrm>
+            <a:off x="5390708" y="2042525"/>
+            <a:ext cx="3419148" cy="369332"/>
+          </a:xfrm>
+          <a:prstGeom prst="rect">
+            <a:avLst/>
+          </a:prstGeom>
+          <a:solidFill>
+            <a:schemeClr val="bg1">
+              <a:lumMod val="65000"/>
+            </a:schemeClr>
+          </a:solidFill>
+        </p:spPr>
+        <p:txBody>
+          <a:bodyPr wrap="square" rtlCol="0">
+            <a:spAutoFit/>
+          </a:bodyPr>
+          <a:lstStyle/>
+          <a:p>
+            <a:r>
+              <a:rPr lang="en-US" dirty="0" smtClean="0">
+                <a:solidFill>
+                  <a:srgbClr val="FF0000"/>
+                </a:solidFill>
+              </a:rPr>
+              <a:t>Format for exchange UML models</a:t>
+            </a:r>
+            <a:endParaRPr lang="en-US" dirty="0">
+              <a:solidFill>
+                <a:srgbClr val="FF0000"/>
+              </a:solidFill>
+            </a:endParaRPr>
+          </a:p>
+        </p:txBody>
+      </p:sp>
+    </p:spTree>
+    <p:extLst>
+      <p:ext uri="{BB962C8B-B14F-4D97-AF65-F5344CB8AC3E}">
+        <p14:creationId xmlns:p14="http://schemas.microsoft.com/office/powerpoint/2010/main" val="4165701963"/>
+      </p:ext>
+    </p:extLst>
+  </p:cSld>
+  <p:clrMapOvr>
+    <a:masterClrMapping/>
+  </p:clrMapOvr>
+  <p:timing>
+    <p:tnLst>
+      <p:par>
+        <p:cTn xmlns:p14="http://schemas.microsoft.com/office/powerpoint/2010/main" id="1" dur="indefinite" restart="never" nodeType="tmRoot"/>
+      </p:par>
+    </p:tnLst>
+  </p:timing>
+</p:sld>
+</file>
+
+<file path=ppt/slides/slide42.xml><?xml version="1.0" encoding="utf-8"?>
+<p:sld xmlns:a="http://schemas.openxmlformats.org/drawingml/2006/main" xmlns:r="http://schemas.openxmlformats.org/officeDocument/2006/relationships" xmlns:p="http://schemas.openxmlformats.org/presentationml/2006/main">
+  <p:cSld>
+    <p:spTree>
+      <p:nvGrpSpPr>
+        <p:cNvPr id="1" name=""/>
+        <p:cNvGrpSpPr/>
+        <p:nvPr/>
+      </p:nvGrpSpPr>
+      <p:grpSpPr>
+        <a:xfrm>
+          <a:off x="0" y="0"/>
+          <a:ext cx="0" cy="0"/>
+          <a:chOff x="0" y="0"/>
+          <a:chExt cx="0" cy="0"/>
+        </a:xfrm>
+      </p:grpSpPr>
+      <p:sp>
+        <p:nvSpPr>
+          <p:cNvPr id="2" name="Title 1"/>
+          <p:cNvSpPr>
+            <a:spLocks noGrp="1"/>
+          </p:cNvSpPr>
+          <p:nvPr>
+            <p:ph type="title"/>
+          </p:nvPr>
+        </p:nvSpPr>
+        <p:spPr>
+          <a:xfrm>
+            <a:off x="457200" y="274638"/>
+            <a:ext cx="8229600" cy="914337"/>
+          </a:xfrm>
+        </p:spPr>
+        <p:txBody>
+          <a:bodyPr>
+            <a:normAutofit/>
+          </a:bodyPr>
+          <a:lstStyle/>
+          <a:p>
+            <a:r>
+              <a:rPr lang="en-US" dirty="0" smtClean="0"/>
+              <a:t>UML Extension mechanism</a:t>
+            </a:r>
+            <a:endParaRPr lang="en-US" dirty="0"/>
+          </a:p>
+        </p:txBody>
+      </p:sp>
+      <p:sp>
+        <p:nvSpPr>
+          <p:cNvPr id="4" name="Footer Placeholder 3"/>
+          <p:cNvSpPr>
+            <a:spLocks noGrp="1"/>
+          </p:cNvSpPr>
+          <p:nvPr>
+            <p:ph type="ftr" sz="quarter" idx="11"/>
+          </p:nvPr>
+        </p:nvSpPr>
+        <p:spPr/>
+        <p:txBody>
+          <a:bodyPr/>
+          <a:lstStyle/>
+          <a:p>
+            <a:r>
+              <a:rPr lang="en-US" smtClean="0"/>
+              <a:t>Archetype Modeling Language</a:t>
+            </a:r>
+            <a:endParaRPr lang="en-US" dirty="0"/>
+          </a:p>
+        </p:txBody>
+      </p:sp>
+      <p:sp>
+        <p:nvSpPr>
+          <p:cNvPr id="5" name="Slide Number Placeholder 4"/>
+          <p:cNvSpPr>
+            <a:spLocks noGrp="1"/>
+          </p:cNvSpPr>
+          <p:nvPr>
+            <p:ph type="sldNum" sz="quarter" idx="12"/>
+          </p:nvPr>
+        </p:nvSpPr>
+        <p:spPr/>
+        <p:txBody>
+          <a:bodyPr/>
+          <a:lstStyle/>
+          <a:p>
+            <a:fld id="{F1C60CE6-A564-2C44-BB7B-900AEECBE3A4}" type="slidenum">
+              <a:rPr lang="en-US" smtClean="0"/>
+              <a:t>42</a:t>
+            </a:fld>
+            <a:endParaRPr lang="en-US" dirty="0"/>
+          </a:p>
+        </p:txBody>
+      </p:sp>
+      <p:cxnSp>
+        <p:nvCxnSpPr>
+          <p:cNvPr id="6" name="Straight Connector 5"/>
+          <p:cNvCxnSpPr/>
+          <p:nvPr/>
+        </p:nvCxnSpPr>
+        <p:spPr>
+          <a:xfrm flipV="1">
+            <a:off x="0" y="1188975"/>
+            <a:ext cx="9144000" cy="36030"/>
+          </a:xfrm>
+          <a:prstGeom prst="line">
+            <a:avLst/>
+          </a:prstGeom>
+        </p:spPr>
+        <p:style>
+          <a:lnRef idx="2">
+            <a:schemeClr val="accent1"/>
+          </a:lnRef>
+          <a:fillRef idx="0">
+            <a:schemeClr val="accent1"/>
+          </a:fillRef>
+          <a:effectRef idx="1">
+            <a:schemeClr val="accent1"/>
+          </a:effectRef>
+          <a:fontRef idx="minor">
+            <a:schemeClr val="tx1"/>
+          </a:fontRef>
+        </p:style>
+      </p:cxnSp>
+      <p:sp>
+        <p:nvSpPr>
+          <p:cNvPr id="7" name="TextBox 6"/>
+          <p:cNvSpPr txBox="1"/>
+          <p:nvPr/>
+        </p:nvSpPr>
+        <p:spPr>
+          <a:xfrm>
+            <a:off x="-1970690" y="639379"/>
+            <a:ext cx="184666" cy="369332"/>
+          </a:xfrm>
+          <a:prstGeom prst="rect">
+            <a:avLst/>
+          </a:prstGeom>
+          <a:noFill/>
+        </p:spPr>
+        <p:txBody>
+          <a:bodyPr wrap="none" rtlCol="0">
+            <a:spAutoFit/>
+          </a:bodyPr>
+          <a:lstStyle/>
+          <a:p>
+            <a:endParaRPr lang="en-US" dirty="0"/>
+          </a:p>
+        </p:txBody>
+      </p:sp>
+      <p:sp>
+        <p:nvSpPr>
+          <p:cNvPr id="9" name="Rectangle 8"/>
+          <p:cNvSpPr/>
+          <p:nvPr/>
+        </p:nvSpPr>
+        <p:spPr>
+          <a:xfrm>
+            <a:off x="3124200" y="1536333"/>
+            <a:ext cx="2309035" cy="603877"/>
+          </a:xfrm>
+          <a:prstGeom prst="rect">
+            <a:avLst/>
+          </a:prstGeom>
+        </p:spPr>
+        <p:style>
+          <a:lnRef idx="1">
+            <a:schemeClr val="accent1"/>
+          </a:lnRef>
+          <a:fillRef idx="3">
+            <a:schemeClr val="accent1"/>
+          </a:fillRef>
+          <a:effectRef idx="2">
+            <a:schemeClr val="accent1"/>
+          </a:effectRef>
+          <a:fontRef idx="minor">
+            <a:schemeClr val="lt1"/>
+          </a:fontRef>
+        </p:style>
+        <p:txBody>
+          <a:bodyPr rtlCol="0" anchor="ctr"/>
+          <a:lstStyle/>
+          <a:p>
+            <a:pPr algn="ctr"/>
+            <a:r>
+              <a:rPr lang="en-US" dirty="0"/>
+              <a:t>UML </a:t>
+            </a:r>
+            <a:r>
+              <a:rPr lang="en-US" dirty="0" smtClean="0"/>
+              <a:t>Meta-model</a:t>
+            </a:r>
+            <a:endParaRPr lang="en-US" dirty="0"/>
+          </a:p>
+          <a:p>
+            <a:pPr algn="ctr"/>
+            <a:endParaRPr lang="en-US" dirty="0"/>
+          </a:p>
+        </p:txBody>
+      </p:sp>
+      <p:sp>
+        <p:nvSpPr>
+          <p:cNvPr id="12" name="Rectangle 11"/>
+          <p:cNvSpPr/>
+          <p:nvPr/>
+        </p:nvSpPr>
+        <p:spPr>
+          <a:xfrm>
+            <a:off x="3133081" y="2772159"/>
+            <a:ext cx="2309035" cy="603877"/>
+          </a:xfrm>
+          <a:prstGeom prst="rect">
+            <a:avLst/>
+          </a:prstGeom>
+        </p:spPr>
+        <p:style>
+          <a:lnRef idx="1">
+            <a:schemeClr val="accent1"/>
+          </a:lnRef>
+          <a:fillRef idx="3">
+            <a:schemeClr val="accent1"/>
+          </a:fillRef>
+          <a:effectRef idx="2">
+            <a:schemeClr val="accent1"/>
+          </a:effectRef>
+          <a:fontRef idx="minor">
+            <a:schemeClr val="lt1"/>
+          </a:fontRef>
+        </p:style>
+        <p:txBody>
+          <a:bodyPr rtlCol="0" anchor="ctr"/>
+          <a:lstStyle/>
+          <a:p>
+            <a:pPr algn="ctr"/>
+            <a:r>
+              <a:rPr lang="en-US" dirty="0" smtClean="0">
+                <a:solidFill>
+                  <a:schemeClr val="tx1"/>
+                </a:solidFill>
+              </a:rPr>
+              <a:t>UML Model</a:t>
+            </a:r>
+            <a:endParaRPr lang="en-US" dirty="0">
+              <a:solidFill>
+                <a:schemeClr val="tx1"/>
+              </a:solidFill>
+            </a:endParaRPr>
+          </a:p>
+          <a:p>
+            <a:pPr algn="ctr"/>
+            <a:endParaRPr lang="en-US" dirty="0"/>
+          </a:p>
+        </p:txBody>
+      </p:sp>
+      <p:sp>
+        <p:nvSpPr>
+          <p:cNvPr id="13" name="Rectangle 12"/>
+          <p:cNvSpPr/>
+          <p:nvPr/>
+        </p:nvSpPr>
+        <p:spPr>
+          <a:xfrm>
+            <a:off x="1617749" y="4077600"/>
+            <a:ext cx="1668185" cy="451477"/>
+          </a:xfrm>
+          <a:prstGeom prst="rect">
+            <a:avLst/>
+          </a:prstGeom>
+        </p:spPr>
+        <p:style>
+          <a:lnRef idx="1">
+            <a:schemeClr val="accent1"/>
+          </a:lnRef>
+          <a:fillRef idx="3">
+            <a:schemeClr val="accent1"/>
+          </a:fillRef>
+          <a:effectRef idx="2">
+            <a:schemeClr val="accent1"/>
+          </a:effectRef>
+          <a:fontRef idx="minor">
+            <a:schemeClr val="lt1"/>
+          </a:fontRef>
+        </p:style>
+        <p:txBody>
+          <a:bodyPr rtlCol="0" anchor="ctr"/>
+          <a:lstStyle/>
+          <a:p>
+            <a:pPr algn="ctr"/>
+            <a:r>
+              <a:rPr lang="en-US" dirty="0" smtClean="0">
+                <a:solidFill>
+                  <a:srgbClr val="000000"/>
+                </a:solidFill>
+              </a:rPr>
+              <a:t>Stereotypes</a:t>
+            </a:r>
+            <a:endParaRPr lang="en-US" dirty="0">
+              <a:solidFill>
+                <a:srgbClr val="000000"/>
+              </a:solidFill>
+            </a:endParaRPr>
+          </a:p>
+          <a:p>
+            <a:pPr algn="ctr"/>
+            <a:endParaRPr lang="en-US" dirty="0"/>
+          </a:p>
+        </p:txBody>
+      </p:sp>
+      <p:sp>
+        <p:nvSpPr>
+          <p:cNvPr id="16" name="Rectangle 15"/>
+          <p:cNvSpPr/>
+          <p:nvPr/>
+        </p:nvSpPr>
+        <p:spPr>
+          <a:xfrm>
+            <a:off x="3438334" y="4077600"/>
+            <a:ext cx="1668185" cy="451477"/>
+          </a:xfrm>
+          <a:prstGeom prst="rect">
+            <a:avLst/>
+          </a:prstGeom>
+        </p:spPr>
+        <p:style>
+          <a:lnRef idx="1">
+            <a:schemeClr val="accent1"/>
+          </a:lnRef>
+          <a:fillRef idx="3">
+            <a:schemeClr val="accent1"/>
+          </a:fillRef>
+          <a:effectRef idx="2">
+            <a:schemeClr val="accent1"/>
+          </a:effectRef>
+          <a:fontRef idx="minor">
+            <a:schemeClr val="lt1"/>
+          </a:fontRef>
+        </p:style>
+        <p:txBody>
+          <a:bodyPr rtlCol="0" anchor="ctr"/>
+          <a:lstStyle/>
+          <a:p>
+            <a:pPr algn="ctr"/>
+            <a:r>
+              <a:rPr lang="en-US" dirty="0" smtClean="0">
+                <a:solidFill>
+                  <a:srgbClr val="000000"/>
+                </a:solidFill>
+              </a:rPr>
+              <a:t>Tags</a:t>
+            </a:r>
+            <a:endParaRPr lang="en-US" dirty="0">
+              <a:solidFill>
+                <a:srgbClr val="000000"/>
+              </a:solidFill>
+            </a:endParaRPr>
+          </a:p>
+          <a:p>
+            <a:pPr algn="ctr"/>
+            <a:endParaRPr lang="en-US" dirty="0"/>
+          </a:p>
+        </p:txBody>
+      </p:sp>
+      <p:sp>
+        <p:nvSpPr>
+          <p:cNvPr id="17" name="Rectangle 16"/>
+          <p:cNvSpPr/>
+          <p:nvPr/>
+        </p:nvSpPr>
+        <p:spPr>
+          <a:xfrm>
+            <a:off x="5251463" y="4079030"/>
+            <a:ext cx="1668185" cy="451477"/>
+          </a:xfrm>
+          <a:prstGeom prst="rect">
+            <a:avLst/>
+          </a:prstGeom>
+        </p:spPr>
+        <p:style>
+          <a:lnRef idx="1">
+            <a:schemeClr val="accent1"/>
+          </a:lnRef>
+          <a:fillRef idx="3">
+            <a:schemeClr val="accent1"/>
+          </a:fillRef>
+          <a:effectRef idx="2">
+            <a:schemeClr val="accent1"/>
+          </a:effectRef>
+          <a:fontRef idx="minor">
+            <a:schemeClr val="lt1"/>
+          </a:fontRef>
+        </p:style>
+        <p:txBody>
+          <a:bodyPr rtlCol="0" anchor="ctr"/>
+          <a:lstStyle/>
+          <a:p>
+            <a:pPr algn="ctr"/>
+            <a:r>
+              <a:rPr lang="en-US" dirty="0" smtClean="0">
+                <a:solidFill>
+                  <a:srgbClr val="000000"/>
+                </a:solidFill>
+              </a:rPr>
+              <a:t>Constraints</a:t>
+            </a:r>
+            <a:endParaRPr lang="en-US" dirty="0">
+              <a:solidFill>
+                <a:srgbClr val="000000"/>
+              </a:solidFill>
+            </a:endParaRPr>
+          </a:p>
+          <a:p>
+            <a:pPr algn="ctr"/>
+            <a:endParaRPr lang="en-US" dirty="0"/>
+          </a:p>
+        </p:txBody>
+      </p:sp>
+    </p:spTree>
+    <p:extLst>
+      <p:ext uri="{BB962C8B-B14F-4D97-AF65-F5344CB8AC3E}">
+        <p14:creationId xmlns:p14="http://schemas.microsoft.com/office/powerpoint/2010/main" val="1508839005"/>
+      </p:ext>
+    </p:extLst>
+  </p:cSld>
+  <p:clrMapOvr>
+    <a:masterClrMapping/>
+  </p:clrMapOvr>
+  <p:timing>
+    <p:tnLst>
+      <p:par>
+        <p:cTn xmlns:p14="http://schemas.microsoft.com/office/powerpoint/2010/main" id="1" dur="indefinite" restart="never" nodeType="tmRoot"/>
+      </p:par>
+    </p:tnLst>
+  </p:timing>
+</p:sld>
+</file>
+
+<file path=ppt/slides/slide43.xml><?xml version="1.0" encoding="utf-8"?>
+<p:sld xmlns:a="http://schemas.openxmlformats.org/drawingml/2006/main" xmlns:r="http://schemas.openxmlformats.org/officeDocument/2006/relationships" xmlns:p="http://schemas.openxmlformats.org/presentationml/2006/main">
+  <p:cSld>
+    <p:spTree>
+      <p:nvGrpSpPr>
+        <p:cNvPr id="1" name=""/>
+        <p:cNvGrpSpPr/>
+        <p:nvPr/>
+      </p:nvGrpSpPr>
+      <p:grpSpPr>
+        <a:xfrm>
+          <a:off x="0" y="0"/>
+          <a:ext cx="0" cy="0"/>
+          <a:chOff x="0" y="0"/>
+          <a:chExt cx="0" cy="0"/>
+        </a:xfrm>
+      </p:grpSpPr>
+      <p:sp>
+        <p:nvSpPr>
+          <p:cNvPr id="2" name="Title 1"/>
+          <p:cNvSpPr>
+            <a:spLocks noGrp="1"/>
+          </p:cNvSpPr>
+          <p:nvPr>
+            <p:ph type="title"/>
+          </p:nvPr>
+        </p:nvSpPr>
+        <p:spPr>
+          <a:xfrm>
+            <a:off x="457200" y="274638"/>
+            <a:ext cx="8229600" cy="914337"/>
+          </a:xfrm>
+        </p:spPr>
+        <p:txBody>
+          <a:bodyPr>
+            <a:normAutofit/>
+          </a:bodyPr>
+          <a:lstStyle/>
+          <a:p>
+            <a:r>
+              <a:rPr lang="en-US" dirty="0" smtClean="0"/>
+              <a:t>UML Extension mechanism</a:t>
+            </a:r>
+            <a:endParaRPr lang="en-US" dirty="0"/>
+          </a:p>
+        </p:txBody>
+      </p:sp>
+      <p:sp>
+        <p:nvSpPr>
+          <p:cNvPr id="4" name="Footer Placeholder 3"/>
+          <p:cNvSpPr>
+            <a:spLocks noGrp="1"/>
+          </p:cNvSpPr>
+          <p:nvPr>
+            <p:ph type="ftr" sz="quarter" idx="11"/>
+          </p:nvPr>
+        </p:nvSpPr>
+        <p:spPr/>
+        <p:txBody>
+          <a:bodyPr/>
+          <a:lstStyle/>
+          <a:p>
+            <a:r>
+              <a:rPr lang="en-US" smtClean="0"/>
+              <a:t>Archetype Modeling Language</a:t>
+            </a:r>
+            <a:endParaRPr lang="en-US" dirty="0"/>
+          </a:p>
+        </p:txBody>
+      </p:sp>
+      <p:sp>
+        <p:nvSpPr>
+          <p:cNvPr id="5" name="Slide Number Placeholder 4"/>
+          <p:cNvSpPr>
+            <a:spLocks noGrp="1"/>
+          </p:cNvSpPr>
+          <p:nvPr>
+            <p:ph type="sldNum" sz="quarter" idx="12"/>
+          </p:nvPr>
+        </p:nvSpPr>
+        <p:spPr/>
+        <p:txBody>
+          <a:bodyPr/>
+          <a:lstStyle/>
+          <a:p>
+            <a:fld id="{F1C60CE6-A564-2C44-BB7B-900AEECBE3A4}" type="slidenum">
+              <a:rPr lang="en-US" smtClean="0"/>
+              <a:t>43</a:t>
+            </a:fld>
+            <a:endParaRPr lang="en-US" dirty="0"/>
+          </a:p>
+        </p:txBody>
+      </p:sp>
+      <p:cxnSp>
+        <p:nvCxnSpPr>
+          <p:cNvPr id="6" name="Straight Connector 5"/>
+          <p:cNvCxnSpPr/>
+          <p:nvPr/>
+        </p:nvCxnSpPr>
+        <p:spPr>
+          <a:xfrm flipV="1">
+            <a:off x="0" y="1188975"/>
+            <a:ext cx="9144000" cy="36030"/>
+          </a:xfrm>
+          <a:prstGeom prst="line">
+            <a:avLst/>
+          </a:prstGeom>
+        </p:spPr>
+        <p:style>
+          <a:lnRef idx="2">
+            <a:schemeClr val="accent1"/>
+          </a:lnRef>
+          <a:fillRef idx="0">
+            <a:schemeClr val="accent1"/>
+          </a:fillRef>
+          <a:effectRef idx="1">
+            <a:schemeClr val="accent1"/>
+          </a:effectRef>
+          <a:fontRef idx="minor">
+            <a:schemeClr val="tx1"/>
+          </a:fontRef>
+        </p:style>
+      </p:cxnSp>
+      <p:sp>
+        <p:nvSpPr>
+          <p:cNvPr id="7" name="TextBox 6"/>
+          <p:cNvSpPr txBox="1"/>
+          <p:nvPr/>
+        </p:nvSpPr>
+        <p:spPr>
+          <a:xfrm>
+            <a:off x="-1970690" y="639379"/>
+            <a:ext cx="184666" cy="369332"/>
+          </a:xfrm>
+          <a:prstGeom prst="rect">
+            <a:avLst/>
+          </a:prstGeom>
+          <a:noFill/>
+        </p:spPr>
+        <p:txBody>
+          <a:bodyPr wrap="none" rtlCol="0">
+            <a:spAutoFit/>
+          </a:bodyPr>
+          <a:lstStyle/>
+          <a:p>
+            <a:endParaRPr lang="en-US" dirty="0"/>
+          </a:p>
+        </p:txBody>
+      </p:sp>
+      <p:pic>
+        <p:nvPicPr>
+          <p:cNvPr id="15" name="Picture 14"/>
+          <p:cNvPicPr>
+            <a:picLocks noChangeAspect="1"/>
+          </p:cNvPicPr>
+          <p:nvPr/>
+        </p:nvPicPr>
+        <p:blipFill>
+          <a:blip r:embed="rId3"/>
+          <a:stretch>
+            <a:fillRect/>
+          </a:stretch>
+        </p:blipFill>
+        <p:spPr>
+          <a:xfrm>
+            <a:off x="1060548" y="1357449"/>
+            <a:ext cx="6830882" cy="4934082"/>
+          </a:xfrm>
+          <a:prstGeom prst="rect">
+            <a:avLst/>
+          </a:prstGeom>
+        </p:spPr>
+      </p:pic>
+      <p:sp>
+        <p:nvSpPr>
+          <p:cNvPr id="18" name="TextBox 17"/>
+          <p:cNvSpPr txBox="1"/>
+          <p:nvPr/>
+        </p:nvSpPr>
+        <p:spPr>
+          <a:xfrm>
+            <a:off x="480662" y="6430142"/>
+            <a:ext cx="3110515" cy="261610"/>
+          </a:xfrm>
+          <a:prstGeom prst="rect">
+            <a:avLst/>
+          </a:prstGeom>
+          <a:noFill/>
+        </p:spPr>
+        <p:txBody>
+          <a:bodyPr wrap="square" rtlCol="0">
+            <a:spAutoFit/>
+          </a:bodyPr>
+          <a:lstStyle/>
+          <a:p>
+            <a:r>
+              <a:rPr lang="en-US" sz="1100" i="1" dirty="0" smtClean="0"/>
+              <a:t>Courtesy: Harold </a:t>
+            </a:r>
+            <a:r>
+              <a:rPr lang="en-US" sz="1100" i="1" dirty="0" err="1" smtClean="0"/>
+              <a:t>Solbrig</a:t>
+            </a:r>
+            <a:endParaRPr lang="en-US" sz="1100" i="1" dirty="0"/>
+          </a:p>
+        </p:txBody>
+      </p:sp>
+      <p:sp>
+        <p:nvSpPr>
+          <p:cNvPr id="19" name="TextBox 18"/>
+          <p:cNvSpPr txBox="1"/>
+          <p:nvPr/>
+        </p:nvSpPr>
+        <p:spPr>
+          <a:xfrm>
+            <a:off x="421144" y="5273630"/>
+            <a:ext cx="710451" cy="523220"/>
+          </a:xfrm>
+          <a:prstGeom prst="rect">
+            <a:avLst/>
+          </a:prstGeom>
+          <a:noFill/>
+        </p:spPr>
+        <p:txBody>
+          <a:bodyPr wrap="none" rtlCol="0">
+            <a:spAutoFit/>
+          </a:bodyPr>
+          <a:lstStyle/>
+          <a:p>
+            <a:r>
+              <a:rPr lang="en-US" sz="2800" b="1" dirty="0" smtClean="0"/>
+              <a:t>Tag</a:t>
+            </a:r>
+            <a:endParaRPr lang="en-US" b="1" dirty="0"/>
+          </a:p>
+        </p:txBody>
+      </p:sp>
+      <p:cxnSp>
+        <p:nvCxnSpPr>
+          <p:cNvPr id="20" name="Straight Arrow Connector 19"/>
+          <p:cNvCxnSpPr/>
+          <p:nvPr/>
+        </p:nvCxnSpPr>
+        <p:spPr>
+          <a:xfrm>
+            <a:off x="1131595" y="5649201"/>
+            <a:ext cx="643070" cy="16280"/>
+          </a:xfrm>
+          <a:prstGeom prst="straightConnector1">
+            <a:avLst/>
+          </a:prstGeom>
+          <a:ln>
+            <a:tailEnd type="arrow"/>
+          </a:ln>
+        </p:spPr>
+        <p:style>
+          <a:lnRef idx="2">
+            <a:schemeClr val="accent1"/>
+          </a:lnRef>
+          <a:fillRef idx="0">
+            <a:schemeClr val="accent1"/>
+          </a:fillRef>
+          <a:effectRef idx="1">
+            <a:schemeClr val="accent1"/>
+          </a:effectRef>
+          <a:fontRef idx="minor">
+            <a:schemeClr val="tx1"/>
+          </a:fontRef>
+        </p:style>
+      </p:cxnSp>
+      <p:sp>
+        <p:nvSpPr>
+          <p:cNvPr id="21" name="TextBox 20"/>
+          <p:cNvSpPr txBox="1"/>
+          <p:nvPr/>
+        </p:nvSpPr>
+        <p:spPr>
+          <a:xfrm>
+            <a:off x="218318" y="4188741"/>
+            <a:ext cx="1797337" cy="523220"/>
+          </a:xfrm>
+          <a:prstGeom prst="rect">
+            <a:avLst/>
+          </a:prstGeom>
+          <a:noFill/>
+        </p:spPr>
+        <p:txBody>
+          <a:bodyPr wrap="none" rtlCol="0">
+            <a:spAutoFit/>
+          </a:bodyPr>
+          <a:lstStyle/>
+          <a:p>
+            <a:r>
+              <a:rPr lang="en-US" sz="2800" b="1" dirty="0" smtClean="0"/>
+              <a:t>Restriction</a:t>
+            </a:r>
+            <a:endParaRPr lang="en-US" b="1" dirty="0"/>
+          </a:p>
+        </p:txBody>
+      </p:sp>
+      <p:cxnSp>
+        <p:nvCxnSpPr>
+          <p:cNvPr id="22" name="Straight Arrow Connector 21"/>
+          <p:cNvCxnSpPr/>
+          <p:nvPr/>
+        </p:nvCxnSpPr>
+        <p:spPr>
+          <a:xfrm>
+            <a:off x="962460" y="4668999"/>
+            <a:ext cx="812205" cy="394118"/>
+          </a:xfrm>
+          <a:prstGeom prst="straightConnector1">
+            <a:avLst/>
+          </a:prstGeom>
+          <a:ln>
+            <a:tailEnd type="arrow"/>
+          </a:ln>
+        </p:spPr>
+        <p:style>
+          <a:lnRef idx="2">
+            <a:schemeClr val="accent1"/>
+          </a:lnRef>
+          <a:fillRef idx="0">
+            <a:schemeClr val="accent1"/>
+          </a:fillRef>
+          <a:effectRef idx="1">
+            <a:schemeClr val="accent1"/>
+          </a:effectRef>
+          <a:fontRef idx="minor">
+            <a:schemeClr val="tx1"/>
+          </a:fontRef>
+        </p:style>
+      </p:cxnSp>
+    </p:spTree>
+    <p:extLst>
+      <p:ext uri="{BB962C8B-B14F-4D97-AF65-F5344CB8AC3E}">
+        <p14:creationId xmlns:p14="http://schemas.microsoft.com/office/powerpoint/2010/main" val="1735046244"/>
+      </p:ext>
+    </p:extLst>
+  </p:cSld>
+  <p:clrMapOvr>
+    <a:masterClrMapping/>
+  </p:clrMapOvr>
+  <p:timing>
+    <p:tnLst>
+      <p:par>
+        <p:cTn xmlns:p14="http://schemas.microsoft.com/office/powerpoint/2010/main" id="1" dur="indefinite" restart="never" nodeType="tmRoot"/>
+      </p:par>
+    </p:tnLst>
+  </p:timing>
+</p:sld>
+</file>
+
+<file path=ppt/slides/slide44.xml><?xml version="1.0" encoding="utf-8"?>
+<p:sld xmlns:a="http://schemas.openxmlformats.org/drawingml/2006/main" xmlns:r="http://schemas.openxmlformats.org/officeDocument/2006/relationships" xmlns:p="http://schemas.openxmlformats.org/presentationml/2006/main">
+  <p:cSld>
+    <p:spTree>
+      <p:nvGrpSpPr>
+        <p:cNvPr id="1" name=""/>
+        <p:cNvGrpSpPr/>
+        <p:nvPr/>
+      </p:nvGrpSpPr>
+      <p:grpSpPr>
+        <a:xfrm>
+          <a:off x="0" y="0"/>
+          <a:ext cx="0" cy="0"/>
+          <a:chOff x="0" y="0"/>
+          <a:chExt cx="0" cy="0"/>
+        </a:xfrm>
+      </p:grpSpPr>
+      <p:sp>
+        <p:nvSpPr>
+          <p:cNvPr id="2" name="Title 1"/>
+          <p:cNvSpPr>
+            <a:spLocks noGrp="1"/>
+          </p:cNvSpPr>
+          <p:nvPr>
+            <p:ph type="title"/>
+          </p:nvPr>
+        </p:nvSpPr>
+        <p:spPr>
+          <a:xfrm>
+            <a:off x="457200" y="274638"/>
+            <a:ext cx="8229600" cy="914337"/>
+          </a:xfrm>
+        </p:spPr>
+        <p:txBody>
+          <a:bodyPr>
+            <a:normAutofit/>
+          </a:bodyPr>
+          <a:lstStyle/>
+          <a:p>
+            <a:r>
+              <a:rPr lang="en-US" dirty="0" smtClean="0"/>
+              <a:t>UML Profile</a:t>
+            </a:r>
+            <a:endParaRPr lang="en-US" dirty="0"/>
+          </a:p>
+        </p:txBody>
+      </p:sp>
+      <p:sp>
+        <p:nvSpPr>
+          <p:cNvPr id="4" name="Footer Placeholder 3"/>
+          <p:cNvSpPr>
+            <a:spLocks noGrp="1"/>
+          </p:cNvSpPr>
+          <p:nvPr>
+            <p:ph type="ftr" sz="quarter" idx="11"/>
+          </p:nvPr>
+        </p:nvSpPr>
+        <p:spPr/>
+        <p:txBody>
+          <a:bodyPr/>
+          <a:lstStyle/>
+          <a:p>
+            <a:r>
+              <a:rPr lang="en-US" smtClean="0"/>
+              <a:t>Archetype Modeling Language</a:t>
+            </a:r>
+            <a:endParaRPr lang="en-US" dirty="0"/>
+          </a:p>
+        </p:txBody>
+      </p:sp>
+      <p:sp>
+        <p:nvSpPr>
+          <p:cNvPr id="5" name="Slide Number Placeholder 4"/>
+          <p:cNvSpPr>
+            <a:spLocks noGrp="1"/>
+          </p:cNvSpPr>
+          <p:nvPr>
+            <p:ph type="sldNum" sz="quarter" idx="12"/>
+          </p:nvPr>
+        </p:nvSpPr>
+        <p:spPr/>
+        <p:txBody>
+          <a:bodyPr/>
+          <a:lstStyle/>
+          <a:p>
+            <a:fld id="{F1C60CE6-A564-2C44-BB7B-900AEECBE3A4}" type="slidenum">
+              <a:rPr lang="en-US" smtClean="0"/>
+              <a:t>44</a:t>
+            </a:fld>
+            <a:endParaRPr lang="en-US" dirty="0"/>
+          </a:p>
+        </p:txBody>
+      </p:sp>
+      <p:cxnSp>
+        <p:nvCxnSpPr>
+          <p:cNvPr id="6" name="Straight Connector 5"/>
+          <p:cNvCxnSpPr/>
+          <p:nvPr/>
+        </p:nvCxnSpPr>
+        <p:spPr>
+          <a:xfrm flipV="1">
+            <a:off x="0" y="1188975"/>
+            <a:ext cx="9144000" cy="36030"/>
+          </a:xfrm>
+          <a:prstGeom prst="line">
+            <a:avLst/>
+          </a:prstGeom>
+        </p:spPr>
+        <p:style>
+          <a:lnRef idx="2">
+            <a:schemeClr val="accent1"/>
+          </a:lnRef>
+          <a:fillRef idx="0">
+            <a:schemeClr val="accent1"/>
+          </a:fillRef>
+          <a:effectRef idx="1">
+            <a:schemeClr val="accent1"/>
+          </a:effectRef>
+          <a:fontRef idx="minor">
+            <a:schemeClr val="tx1"/>
+          </a:fontRef>
+        </p:style>
+      </p:cxnSp>
+      <p:sp>
+        <p:nvSpPr>
+          <p:cNvPr id="7" name="TextBox 6"/>
+          <p:cNvSpPr txBox="1"/>
+          <p:nvPr/>
+        </p:nvSpPr>
+        <p:spPr>
+          <a:xfrm>
+            <a:off x="-1970690" y="639379"/>
+            <a:ext cx="184666" cy="369332"/>
+          </a:xfrm>
+          <a:prstGeom prst="rect">
+            <a:avLst/>
+          </a:prstGeom>
+          <a:noFill/>
+        </p:spPr>
+        <p:txBody>
+          <a:bodyPr wrap="none" rtlCol="0">
+            <a:spAutoFit/>
+          </a:bodyPr>
+          <a:lstStyle/>
+          <a:p>
+            <a:endParaRPr lang="en-US" dirty="0"/>
+          </a:p>
+        </p:txBody>
+      </p:sp>
+      <p:sp>
+        <p:nvSpPr>
+          <p:cNvPr id="18" name="TextBox 17"/>
+          <p:cNvSpPr txBox="1"/>
+          <p:nvPr/>
+        </p:nvSpPr>
+        <p:spPr>
+          <a:xfrm>
+            <a:off x="480662" y="6430142"/>
+            <a:ext cx="3110515" cy="261610"/>
+          </a:xfrm>
+          <a:prstGeom prst="rect">
+            <a:avLst/>
+          </a:prstGeom>
+          <a:noFill/>
+        </p:spPr>
+        <p:txBody>
+          <a:bodyPr wrap="square" rtlCol="0">
+            <a:spAutoFit/>
+          </a:bodyPr>
+          <a:lstStyle/>
+          <a:p>
+            <a:r>
+              <a:rPr lang="en-US" sz="1100" i="1" dirty="0" smtClean="0"/>
+              <a:t>Courtesy: Harold </a:t>
+            </a:r>
+            <a:r>
+              <a:rPr lang="en-US" sz="1100" i="1" dirty="0" err="1" smtClean="0"/>
+              <a:t>Solbrig</a:t>
+            </a:r>
+            <a:endParaRPr lang="en-US" sz="1100" i="1" dirty="0"/>
+          </a:p>
+        </p:txBody>
+      </p:sp>
+      <p:sp>
+        <p:nvSpPr>
+          <p:cNvPr id="3" name="TextBox 2"/>
+          <p:cNvSpPr txBox="1"/>
+          <p:nvPr/>
+        </p:nvSpPr>
+        <p:spPr>
+          <a:xfrm>
+            <a:off x="728234" y="1651781"/>
+            <a:ext cx="7282341" cy="4031873"/>
+          </a:xfrm>
+          <a:prstGeom prst="rect">
+            <a:avLst/>
+          </a:prstGeom>
+          <a:noFill/>
+        </p:spPr>
+        <p:txBody>
+          <a:bodyPr wrap="square" rtlCol="0">
+            <a:spAutoFit/>
+          </a:bodyPr>
+          <a:lstStyle/>
+          <a:p>
+            <a:r>
+              <a:rPr lang="en-US" sz="3200" dirty="0" smtClean="0"/>
+              <a:t>A Profile is a Collection of Stereotypes and Classes.</a:t>
+            </a:r>
+          </a:p>
+          <a:p>
+            <a:pPr marL="285750" indent="-285750">
+              <a:buFont typeface="Arial"/>
+              <a:buChar char="•"/>
+            </a:pPr>
+            <a:endParaRPr lang="en-US" sz="3200" dirty="0" smtClean="0"/>
+          </a:p>
+          <a:p>
+            <a:pPr marL="285750" indent="-285750">
+              <a:buFont typeface="Arial"/>
+              <a:buChar char="•"/>
+            </a:pPr>
+            <a:endParaRPr lang="en-US" sz="3200" dirty="0"/>
+          </a:p>
+          <a:p>
+            <a:r>
+              <a:rPr lang="en-US" sz="3200" dirty="0" smtClean="0"/>
+              <a:t>The </a:t>
+            </a:r>
+            <a:r>
+              <a:rPr lang="en-US" sz="3200" dirty="0"/>
+              <a:t>(or “A”) GOAL is to have UML model vendors incorporate profiles as first class items into their tools…</a:t>
+            </a:r>
+          </a:p>
+          <a:p>
+            <a:endParaRPr lang="en-US" sz="3200" dirty="0"/>
+          </a:p>
+        </p:txBody>
+      </p:sp>
+    </p:spTree>
+    <p:extLst>
+      <p:ext uri="{BB962C8B-B14F-4D97-AF65-F5344CB8AC3E}">
+        <p14:creationId xmlns:p14="http://schemas.microsoft.com/office/powerpoint/2010/main" val="502184149"/>
+      </p:ext>
+    </p:extLst>
+  </p:cSld>
+  <p:clrMapOvr>
+    <a:masterClrMapping/>
+  </p:clrMapOvr>
+  <p:timing>
+    <p:tnLst>
+      <p:par>
+        <p:cTn xmlns:p14="http://schemas.microsoft.com/office/powerpoint/2010/main" id="1" dur="indefinite" restart="never" nodeType="tmRoot"/>
+      </p:par>
+    </p:tnLst>
+  </p:timing>
+</p:sld>
+</file>
+
+<file path=ppt/slides/slide45.xml><?xml version="1.0" encoding="utf-8"?>
+<p:sld xmlns:a="http://schemas.openxmlformats.org/drawingml/2006/main" xmlns:r="http://schemas.openxmlformats.org/officeDocument/2006/relationships" xmlns:p="http://schemas.openxmlformats.org/presentationml/2006/main">
+  <p:cSld>
+    <p:spTree>
+      <p:nvGrpSpPr>
+        <p:cNvPr id="1" name=""/>
+        <p:cNvGrpSpPr/>
+        <p:nvPr/>
+      </p:nvGrpSpPr>
+      <p:grpSpPr>
+        <a:xfrm>
+          <a:off x="0" y="0"/>
+          <a:ext cx="0" cy="0"/>
+          <a:chOff x="0" y="0"/>
+          <a:chExt cx="0" cy="0"/>
+        </a:xfrm>
+      </p:grpSpPr>
+      <p:sp>
+        <p:nvSpPr>
+          <p:cNvPr id="2" name="Title 1"/>
+          <p:cNvSpPr>
+            <a:spLocks noGrp="1"/>
+          </p:cNvSpPr>
+          <p:nvPr>
+            <p:ph type="title"/>
+          </p:nvPr>
+        </p:nvSpPr>
+        <p:spPr>
+          <a:xfrm>
+            <a:off x="457200" y="274638"/>
+            <a:ext cx="8229600" cy="914337"/>
+          </a:xfrm>
+        </p:spPr>
+        <p:txBody>
+          <a:bodyPr>
+            <a:normAutofit/>
+          </a:bodyPr>
+          <a:lstStyle/>
+          <a:p>
+            <a:r>
+              <a:rPr lang="en-US" dirty="0" smtClean="0"/>
+              <a:t>Archetypes in UML</a:t>
+            </a:r>
+            <a:endParaRPr lang="en-US" dirty="0"/>
+          </a:p>
+        </p:txBody>
+      </p:sp>
+      <p:sp>
+        <p:nvSpPr>
+          <p:cNvPr id="3" name="Content Placeholder 2"/>
+          <p:cNvSpPr>
+            <a:spLocks noGrp="1"/>
+          </p:cNvSpPr>
+          <p:nvPr>
+            <p:ph idx="1"/>
+          </p:nvPr>
+        </p:nvSpPr>
+        <p:spPr/>
+        <p:txBody>
+          <a:bodyPr>
+            <a:normAutofit/>
+          </a:bodyPr>
+          <a:lstStyle/>
+          <a:p>
+            <a:pPr lvl="1">
+              <a:buFontTx/>
+              <a:buChar char="-"/>
+            </a:pPr>
+            <a:r>
+              <a:rPr lang="en-US" dirty="0" smtClean="0">
+                <a:solidFill>
+                  <a:srgbClr val="000000"/>
+                </a:solidFill>
+              </a:rPr>
+              <a:t>UML is OMG standard, non-proprietary.</a:t>
+            </a:r>
+          </a:p>
+          <a:p>
+            <a:pPr lvl="1">
+              <a:buFontTx/>
+              <a:buChar char="-"/>
+            </a:pPr>
+            <a:r>
+              <a:rPr lang="en-US" dirty="0" smtClean="0">
+                <a:solidFill>
+                  <a:srgbClr val="000000"/>
+                </a:solidFill>
+              </a:rPr>
+              <a:t>UML is familiar to most modelers.</a:t>
+            </a:r>
+          </a:p>
+          <a:p>
+            <a:pPr lvl="1">
+              <a:buFontTx/>
+              <a:buChar char="-"/>
+            </a:pPr>
+            <a:r>
+              <a:rPr lang="en-US" dirty="0" smtClean="0">
+                <a:solidFill>
+                  <a:srgbClr val="000000"/>
+                </a:solidFill>
+              </a:rPr>
+              <a:t>Model-Driven Architecture/UML tools.</a:t>
+            </a:r>
+          </a:p>
+          <a:p>
+            <a:pPr lvl="1">
+              <a:buFontTx/>
+              <a:buChar char="-"/>
+            </a:pPr>
+            <a:r>
+              <a:rPr lang="en-US" dirty="0" smtClean="0">
+                <a:solidFill>
+                  <a:srgbClr val="000000"/>
+                </a:solidFill>
+              </a:rPr>
+              <a:t>Future CIMI support.</a:t>
+            </a:r>
+          </a:p>
+          <a:p>
+            <a:pPr lvl="1">
+              <a:buFontTx/>
+              <a:buChar char="-"/>
+            </a:pPr>
+            <a:r>
+              <a:rPr lang="en-US" dirty="0" smtClean="0">
+                <a:solidFill>
+                  <a:srgbClr val="000000"/>
+                </a:solidFill>
+              </a:rPr>
+              <a:t>AML allows directly work with UML </a:t>
+            </a:r>
+            <a:r>
+              <a:rPr lang="en-US" dirty="0" err="1" smtClean="0">
+                <a:solidFill>
+                  <a:srgbClr val="000000"/>
+                </a:solidFill>
+              </a:rPr>
+              <a:t>RMs.</a:t>
+            </a:r>
+            <a:endParaRPr lang="en-US" dirty="0" smtClean="0">
+              <a:solidFill>
+                <a:srgbClr val="000000"/>
+              </a:solidFill>
+            </a:endParaRPr>
+          </a:p>
+          <a:p>
+            <a:pPr lvl="1">
+              <a:buFontTx/>
+              <a:buChar char="-"/>
+            </a:pPr>
+            <a:r>
+              <a:rPr lang="en-US" dirty="0" smtClean="0">
+                <a:solidFill>
+                  <a:srgbClr val="000000"/>
+                </a:solidFill>
+              </a:rPr>
+              <a:t>Data Query and Validation</a:t>
+            </a:r>
+          </a:p>
+          <a:p>
+            <a:pPr lvl="1">
+              <a:buFontTx/>
+              <a:buChar char="-"/>
+            </a:pPr>
+            <a:r>
+              <a:rPr lang="en-US" dirty="0" smtClean="0">
+                <a:solidFill>
+                  <a:srgbClr val="000000"/>
+                </a:solidFill>
+              </a:rPr>
+              <a:t>Existing and future UML tools can be used.</a:t>
+            </a:r>
+          </a:p>
+          <a:p>
+            <a:pPr lvl="1">
+              <a:buFontTx/>
+              <a:buChar char="-"/>
+            </a:pPr>
+            <a:endParaRPr lang="en-US" dirty="0" smtClean="0">
+              <a:solidFill>
+                <a:srgbClr val="000000"/>
+              </a:solidFill>
+            </a:endParaRPr>
+          </a:p>
+          <a:p>
+            <a:pPr>
+              <a:buFontTx/>
+              <a:buChar char="-"/>
+            </a:pPr>
+            <a:endParaRPr lang="en-US" dirty="0" smtClean="0">
+              <a:solidFill>
+                <a:srgbClr val="000000"/>
+              </a:solidFill>
+            </a:endParaRPr>
+          </a:p>
+        </p:txBody>
+      </p:sp>
+      <p:sp>
+        <p:nvSpPr>
+          <p:cNvPr id="4" name="Footer Placeholder 3"/>
+          <p:cNvSpPr>
+            <a:spLocks noGrp="1"/>
+          </p:cNvSpPr>
+          <p:nvPr>
+            <p:ph type="ftr" sz="quarter" idx="11"/>
+          </p:nvPr>
+        </p:nvSpPr>
+        <p:spPr/>
+        <p:txBody>
+          <a:bodyPr/>
+          <a:lstStyle/>
+          <a:p>
+            <a:r>
+              <a:rPr lang="en-US" smtClean="0"/>
+              <a:t>Archetype Modeling Language</a:t>
+            </a:r>
+            <a:endParaRPr lang="en-US" dirty="0"/>
+          </a:p>
+        </p:txBody>
+      </p:sp>
+      <p:sp>
+        <p:nvSpPr>
+          <p:cNvPr id="5" name="Slide Number Placeholder 4"/>
+          <p:cNvSpPr>
+            <a:spLocks noGrp="1"/>
+          </p:cNvSpPr>
+          <p:nvPr>
+            <p:ph type="sldNum" sz="quarter" idx="12"/>
+          </p:nvPr>
+        </p:nvSpPr>
+        <p:spPr/>
+        <p:txBody>
+          <a:bodyPr/>
+          <a:lstStyle/>
+          <a:p>
+            <a:fld id="{F1C60CE6-A564-2C44-BB7B-900AEECBE3A4}" type="slidenum">
+              <a:rPr lang="en-US" smtClean="0"/>
+              <a:t>45</a:t>
+            </a:fld>
+            <a:endParaRPr lang="en-US" dirty="0"/>
+          </a:p>
+        </p:txBody>
+      </p:sp>
+      <p:cxnSp>
+        <p:nvCxnSpPr>
+          <p:cNvPr id="6" name="Straight Connector 5"/>
+          <p:cNvCxnSpPr/>
+          <p:nvPr/>
+        </p:nvCxnSpPr>
+        <p:spPr>
+          <a:xfrm flipV="1">
+            <a:off x="0" y="1188975"/>
+            <a:ext cx="9144000" cy="36030"/>
+          </a:xfrm>
+          <a:prstGeom prst="line">
+            <a:avLst/>
+          </a:prstGeom>
+        </p:spPr>
+        <p:style>
+          <a:lnRef idx="2">
+            <a:schemeClr val="accent1"/>
+          </a:lnRef>
+          <a:fillRef idx="0">
+            <a:schemeClr val="accent1"/>
+          </a:fillRef>
+          <a:effectRef idx="1">
+            <a:schemeClr val="accent1"/>
+          </a:effectRef>
+          <a:fontRef idx="minor">
+            <a:schemeClr val="tx1"/>
+          </a:fontRef>
+        </p:style>
+      </p:cxnSp>
+      <p:sp>
+        <p:nvSpPr>
+          <p:cNvPr id="7" name="TextBox 6"/>
+          <p:cNvSpPr txBox="1"/>
+          <p:nvPr/>
+        </p:nvSpPr>
+        <p:spPr>
+          <a:xfrm>
+            <a:off x="-1970690" y="639379"/>
+            <a:ext cx="184666" cy="369332"/>
+          </a:xfrm>
+          <a:prstGeom prst="rect">
+            <a:avLst/>
+          </a:prstGeom>
+          <a:noFill/>
+        </p:spPr>
+        <p:txBody>
+          <a:bodyPr wrap="none" rtlCol="0">
+            <a:spAutoFit/>
+          </a:bodyPr>
+          <a:lstStyle/>
+          <a:p>
+            <a:endParaRPr lang="en-US" dirty="0"/>
+          </a:p>
+        </p:txBody>
+      </p:sp>
+    </p:spTree>
+    <p:extLst>
+      <p:ext uri="{BB962C8B-B14F-4D97-AF65-F5344CB8AC3E}">
+        <p14:creationId xmlns:p14="http://schemas.microsoft.com/office/powerpoint/2010/main" val="1058080185"/>
+      </p:ext>
+    </p:extLst>
+  </p:cSld>
+  <p:clrMapOvr>
+    <a:masterClrMapping/>
+  </p:clrMapOvr>
+  <p:timing>
+    <p:tnLst>
+      <p:par>
+        <p:cTn xmlns:p14="http://schemas.microsoft.com/office/powerpoint/2010/main" id="1" dur="indefinite" restart="never" nodeType="tmRoot"/>
+      </p:par>
+    </p:tnLst>
+  </p:timing>
+</p:sld>
+</file>
+
+<file path=ppt/slides/slide46.xml><?xml version="1.0" encoding="utf-8"?>
+<p:sld xmlns:a="http://schemas.openxmlformats.org/drawingml/2006/main" xmlns:r="http://schemas.openxmlformats.org/officeDocument/2006/relationships" xmlns:p="http://schemas.openxmlformats.org/presentationml/2006/main">
+  <p:cSld>
+    <p:spTree>
+      <p:nvGrpSpPr>
+        <p:cNvPr id="1" name=""/>
+        <p:cNvGrpSpPr/>
+        <p:nvPr/>
+      </p:nvGrpSpPr>
+      <p:grpSpPr>
+        <a:xfrm>
+          <a:off x="0" y="0"/>
+          <a:ext cx="0" cy="0"/>
+          <a:chOff x="0" y="0"/>
+          <a:chExt cx="0" cy="0"/>
+        </a:xfrm>
+      </p:grpSpPr>
+      <p:sp>
+        <p:nvSpPr>
+          <p:cNvPr id="2" name="Title 1"/>
+          <p:cNvSpPr>
+            <a:spLocks noGrp="1"/>
+          </p:cNvSpPr>
+          <p:nvPr>
+            <p:ph type="title"/>
+          </p:nvPr>
+        </p:nvSpPr>
+        <p:spPr>
+          <a:xfrm>
+            <a:off x="457200" y="274638"/>
+            <a:ext cx="8229600" cy="914337"/>
+          </a:xfrm>
+        </p:spPr>
+        <p:txBody>
+          <a:bodyPr>
+            <a:normAutofit/>
+          </a:bodyPr>
+          <a:lstStyle/>
+          <a:p>
+            <a:r>
+              <a:rPr lang="en-US" dirty="0" smtClean="0"/>
+              <a:t>Clinical Models</a:t>
+            </a:r>
+            <a:endParaRPr lang="en-US" dirty="0"/>
+          </a:p>
+        </p:txBody>
+      </p:sp>
+      <p:sp>
+        <p:nvSpPr>
+          <p:cNvPr id="4" name="Footer Placeholder 3"/>
+          <p:cNvSpPr>
+            <a:spLocks noGrp="1"/>
+          </p:cNvSpPr>
+          <p:nvPr>
+            <p:ph type="ftr" sz="quarter" idx="11"/>
+          </p:nvPr>
+        </p:nvSpPr>
+        <p:spPr/>
+        <p:txBody>
+          <a:bodyPr/>
+          <a:lstStyle/>
+          <a:p>
+            <a:r>
+              <a:rPr lang="en-US" smtClean="0"/>
+              <a:t>Archetype Modeling Language</a:t>
+            </a:r>
+            <a:endParaRPr lang="en-US" dirty="0"/>
+          </a:p>
+        </p:txBody>
+      </p:sp>
+      <p:sp>
+        <p:nvSpPr>
+          <p:cNvPr id="5" name="Slide Number Placeholder 4"/>
+          <p:cNvSpPr>
+            <a:spLocks noGrp="1"/>
+          </p:cNvSpPr>
+          <p:nvPr>
+            <p:ph type="sldNum" sz="quarter" idx="12"/>
+          </p:nvPr>
+        </p:nvSpPr>
+        <p:spPr/>
+        <p:txBody>
+          <a:bodyPr/>
+          <a:lstStyle/>
+          <a:p>
+            <a:fld id="{F1C60CE6-A564-2C44-BB7B-900AEECBE3A4}" type="slidenum">
+              <a:rPr lang="en-US" smtClean="0"/>
+              <a:t>46</a:t>
+            </a:fld>
+            <a:endParaRPr lang="en-US" dirty="0"/>
+          </a:p>
+        </p:txBody>
+      </p:sp>
+      <p:cxnSp>
+        <p:nvCxnSpPr>
+          <p:cNvPr id="6" name="Straight Connector 5"/>
+          <p:cNvCxnSpPr/>
+          <p:nvPr/>
+        </p:nvCxnSpPr>
+        <p:spPr>
+          <a:xfrm flipV="1">
+            <a:off x="0" y="1188975"/>
+            <a:ext cx="9144000" cy="36030"/>
+          </a:xfrm>
+          <a:prstGeom prst="line">
+            <a:avLst/>
+          </a:prstGeom>
+        </p:spPr>
+        <p:style>
+          <a:lnRef idx="2">
+            <a:schemeClr val="accent1"/>
+          </a:lnRef>
+          <a:fillRef idx="0">
+            <a:schemeClr val="accent1"/>
+          </a:fillRef>
+          <a:effectRef idx="1">
+            <a:schemeClr val="accent1"/>
+          </a:effectRef>
+          <a:fontRef idx="minor">
+            <a:schemeClr val="tx1"/>
+          </a:fontRef>
+        </p:style>
+      </p:cxnSp>
+      <p:sp>
+        <p:nvSpPr>
+          <p:cNvPr id="7" name="TextBox 6"/>
+          <p:cNvSpPr txBox="1"/>
+          <p:nvPr/>
+        </p:nvSpPr>
+        <p:spPr>
+          <a:xfrm>
+            <a:off x="-1970690" y="639379"/>
+            <a:ext cx="184666" cy="369332"/>
+          </a:xfrm>
+          <a:prstGeom prst="rect">
+            <a:avLst/>
+          </a:prstGeom>
+          <a:noFill/>
+        </p:spPr>
+        <p:txBody>
+          <a:bodyPr wrap="none" rtlCol="0">
+            <a:spAutoFit/>
+          </a:bodyPr>
+          <a:lstStyle/>
+          <a:p>
+            <a:endParaRPr lang="en-US" dirty="0"/>
+          </a:p>
+        </p:txBody>
+      </p:sp>
+      <p:sp>
+        <p:nvSpPr>
+          <p:cNvPr id="8" name="Rectangle 7"/>
+          <p:cNvSpPr/>
+          <p:nvPr/>
+        </p:nvSpPr>
+        <p:spPr>
+          <a:xfrm>
+            <a:off x="603902" y="1491931"/>
+            <a:ext cx="1731776" cy="577236"/>
+          </a:xfrm>
+          <a:prstGeom prst="rect">
+            <a:avLst/>
+          </a:prstGeom>
+        </p:spPr>
+        <p:style>
+          <a:lnRef idx="1">
+            <a:schemeClr val="accent1"/>
+          </a:lnRef>
+          <a:fillRef idx="3">
+            <a:schemeClr val="accent1"/>
+          </a:fillRef>
+          <a:effectRef idx="2">
+            <a:schemeClr val="accent1"/>
+          </a:effectRef>
+          <a:fontRef idx="minor">
+            <a:schemeClr val="lt1"/>
+          </a:fontRef>
+        </p:style>
+        <p:txBody>
+          <a:bodyPr rtlCol="0" anchor="ctr"/>
+          <a:lstStyle/>
+          <a:p>
+            <a:pPr algn="ctr"/>
+            <a:r>
+              <a:rPr lang="en-US" dirty="0" smtClean="0"/>
+              <a:t>UML Meta Model</a:t>
+            </a:r>
+            <a:endParaRPr lang="en-US" dirty="0"/>
+          </a:p>
+        </p:txBody>
+      </p:sp>
+      <p:sp>
+        <p:nvSpPr>
+          <p:cNvPr id="9" name="Rectangle 8"/>
+          <p:cNvSpPr/>
+          <p:nvPr/>
+        </p:nvSpPr>
+        <p:spPr>
+          <a:xfrm>
+            <a:off x="603902" y="2408058"/>
+            <a:ext cx="1731776" cy="577236"/>
+          </a:xfrm>
+          <a:prstGeom prst="rect">
+            <a:avLst/>
+          </a:prstGeom>
+        </p:spPr>
+        <p:style>
+          <a:lnRef idx="1">
+            <a:schemeClr val="accent5"/>
+          </a:lnRef>
+          <a:fillRef idx="3">
+            <a:schemeClr val="accent5"/>
+          </a:fillRef>
+          <a:effectRef idx="2">
+            <a:schemeClr val="accent5"/>
+          </a:effectRef>
+          <a:fontRef idx="minor">
+            <a:schemeClr val="lt1"/>
+          </a:fontRef>
+        </p:style>
+        <p:txBody>
+          <a:bodyPr rtlCol="0" anchor="ctr"/>
+          <a:lstStyle/>
+          <a:p>
+            <a:pPr algn="ctr"/>
+            <a:r>
+              <a:rPr lang="en-US" dirty="0" smtClean="0">
+                <a:solidFill>
+                  <a:srgbClr val="000000"/>
+                </a:solidFill>
+              </a:rPr>
+              <a:t>AML</a:t>
+            </a:r>
+            <a:endParaRPr lang="en-US" dirty="0">
+              <a:solidFill>
+                <a:srgbClr val="000000"/>
+              </a:solidFill>
+            </a:endParaRPr>
+          </a:p>
+        </p:txBody>
+      </p:sp>
+      <p:pic>
+        <p:nvPicPr>
+          <p:cNvPr id="10" name="Picture 9" descr="Screen Shot 2015-04-20 at 10.47.15 PM.png"/>
+          <p:cNvPicPr>
+            <a:picLocks noChangeAspect="1"/>
+          </p:cNvPicPr>
+          <p:nvPr/>
+        </p:nvPicPr>
+        <p:blipFill>
+          <a:blip r:embed="rId3">
+            <a:extLst>
+              <a:ext uri="{28A0092B-C50C-407E-A947-70E740481C1C}">
+                <a14:useLocalDpi xmlns:a14="http://schemas.microsoft.com/office/drawing/2010/main" val="0"/>
+              </a:ext>
+            </a:extLst>
+          </a:blip>
+          <a:stretch>
+            <a:fillRect/>
+          </a:stretch>
+        </p:blipFill>
+        <p:spPr>
+          <a:xfrm>
+            <a:off x="559539" y="3321139"/>
+            <a:ext cx="1820501" cy="2458941"/>
+          </a:xfrm>
+          <a:prstGeom prst="rect">
+            <a:avLst/>
+          </a:prstGeom>
+        </p:spPr>
+      </p:pic>
+      <p:sp>
+        <p:nvSpPr>
+          <p:cNvPr id="11" name="TextBox 10"/>
+          <p:cNvSpPr txBox="1"/>
+          <p:nvPr/>
+        </p:nvSpPr>
+        <p:spPr>
+          <a:xfrm>
+            <a:off x="843686" y="5780080"/>
+            <a:ext cx="1243326" cy="369332"/>
+          </a:xfrm>
+          <a:prstGeom prst="rect">
+            <a:avLst/>
+          </a:prstGeom>
+          <a:noFill/>
+        </p:spPr>
+        <p:txBody>
+          <a:bodyPr wrap="square" rtlCol="0">
+            <a:spAutoFit/>
+          </a:bodyPr>
+          <a:lstStyle/>
+          <a:p>
+            <a:r>
+              <a:rPr lang="en-US" dirty="0" smtClean="0"/>
+              <a:t>Archetypes</a:t>
+            </a:r>
+            <a:endParaRPr lang="en-US" dirty="0"/>
+          </a:p>
+        </p:txBody>
+      </p:sp>
+      <p:sp>
+        <p:nvSpPr>
+          <p:cNvPr id="12" name="Rectangle 11"/>
+          <p:cNvSpPr/>
+          <p:nvPr/>
+        </p:nvSpPr>
+        <p:spPr>
+          <a:xfrm>
+            <a:off x="2689036" y="4363208"/>
+            <a:ext cx="1731776" cy="577236"/>
+          </a:xfrm>
+          <a:prstGeom prst="rect">
+            <a:avLst/>
+          </a:prstGeom>
+          <a:solidFill>
+            <a:schemeClr val="accent5">
+              <a:lumMod val="60000"/>
+              <a:lumOff val="40000"/>
+            </a:schemeClr>
+          </a:solidFill>
+        </p:spPr>
+        <p:style>
+          <a:lnRef idx="1">
+            <a:schemeClr val="accent1"/>
+          </a:lnRef>
+          <a:fillRef idx="3">
+            <a:schemeClr val="accent1"/>
+          </a:fillRef>
+          <a:effectRef idx="2">
+            <a:schemeClr val="accent1"/>
+          </a:effectRef>
+          <a:fontRef idx="minor">
+            <a:schemeClr val="lt1"/>
+          </a:fontRef>
+        </p:style>
+        <p:txBody>
+          <a:bodyPr rtlCol="0" anchor="ctr"/>
+          <a:lstStyle/>
+          <a:p>
+            <a:pPr algn="ctr"/>
+            <a:r>
+              <a:rPr lang="en-US" dirty="0" smtClean="0">
+                <a:solidFill>
+                  <a:srgbClr val="000000"/>
+                </a:solidFill>
+              </a:rPr>
+              <a:t>Clinical Model</a:t>
+            </a:r>
+            <a:endParaRPr lang="en-US" dirty="0">
+              <a:solidFill>
+                <a:srgbClr val="000000"/>
+              </a:solidFill>
+            </a:endParaRPr>
+          </a:p>
+        </p:txBody>
+      </p:sp>
+      <p:sp>
+        <p:nvSpPr>
+          <p:cNvPr id="13" name="Rectangle 12"/>
+          <p:cNvSpPr/>
+          <p:nvPr/>
+        </p:nvSpPr>
+        <p:spPr>
+          <a:xfrm>
+            <a:off x="2797031" y="4447574"/>
+            <a:ext cx="1731776" cy="577236"/>
+          </a:xfrm>
+          <a:prstGeom prst="rect">
+            <a:avLst/>
+          </a:prstGeom>
+          <a:solidFill>
+            <a:schemeClr val="accent6">
+              <a:lumMod val="40000"/>
+              <a:lumOff val="60000"/>
+            </a:schemeClr>
+          </a:solidFill>
+        </p:spPr>
+        <p:style>
+          <a:lnRef idx="1">
+            <a:schemeClr val="accent1"/>
+          </a:lnRef>
+          <a:fillRef idx="3">
+            <a:schemeClr val="accent1"/>
+          </a:fillRef>
+          <a:effectRef idx="2">
+            <a:schemeClr val="accent1"/>
+          </a:effectRef>
+          <a:fontRef idx="minor">
+            <a:schemeClr val="lt1"/>
+          </a:fontRef>
+        </p:style>
+        <p:txBody>
+          <a:bodyPr rtlCol="0" anchor="ctr"/>
+          <a:lstStyle/>
+          <a:p>
+            <a:pPr algn="ctr"/>
+            <a:r>
+              <a:rPr lang="en-US" dirty="0" smtClean="0">
+                <a:solidFill>
+                  <a:srgbClr val="000000"/>
+                </a:solidFill>
+              </a:rPr>
+              <a:t>Clinical Model</a:t>
+            </a:r>
+            <a:endParaRPr lang="en-US" dirty="0">
+              <a:solidFill>
+                <a:srgbClr val="000000"/>
+              </a:solidFill>
+            </a:endParaRPr>
+          </a:p>
+        </p:txBody>
+      </p:sp>
+      <p:sp>
+        <p:nvSpPr>
+          <p:cNvPr id="14" name="Rectangle 13"/>
+          <p:cNvSpPr/>
+          <p:nvPr/>
+        </p:nvSpPr>
+        <p:spPr>
+          <a:xfrm>
+            <a:off x="2930245" y="4515608"/>
+            <a:ext cx="1731776" cy="577236"/>
+          </a:xfrm>
+          <a:prstGeom prst="rect">
+            <a:avLst/>
+          </a:prstGeom>
+        </p:spPr>
+        <p:style>
+          <a:lnRef idx="1">
+            <a:schemeClr val="accent1"/>
+          </a:lnRef>
+          <a:fillRef idx="3">
+            <a:schemeClr val="accent1"/>
+          </a:fillRef>
+          <a:effectRef idx="2">
+            <a:schemeClr val="accent1"/>
+          </a:effectRef>
+          <a:fontRef idx="minor">
+            <a:schemeClr val="lt1"/>
+          </a:fontRef>
+        </p:style>
+        <p:txBody>
+          <a:bodyPr rtlCol="0" anchor="ctr"/>
+          <a:lstStyle/>
+          <a:p>
+            <a:pPr algn="ctr"/>
+            <a:r>
+              <a:rPr lang="en-US" dirty="0" smtClean="0">
+                <a:solidFill>
+                  <a:srgbClr val="000000"/>
+                </a:solidFill>
+              </a:rPr>
+              <a:t>Clinical Model</a:t>
+            </a:r>
+            <a:endParaRPr lang="en-US" dirty="0">
+              <a:solidFill>
+                <a:srgbClr val="000000"/>
+              </a:solidFill>
+            </a:endParaRPr>
+          </a:p>
+        </p:txBody>
+      </p:sp>
+      <p:sp>
+        <p:nvSpPr>
+          <p:cNvPr id="15" name="Rectangle 14"/>
+          <p:cNvSpPr/>
+          <p:nvPr/>
+        </p:nvSpPr>
+        <p:spPr>
+          <a:xfrm>
+            <a:off x="3062033" y="4651826"/>
+            <a:ext cx="1731776" cy="577236"/>
+          </a:xfrm>
+          <a:prstGeom prst="rect">
+            <a:avLst/>
+          </a:prstGeom>
+          <a:solidFill>
+            <a:schemeClr val="bg1">
+              <a:lumMod val="85000"/>
+            </a:schemeClr>
+          </a:solidFill>
+        </p:spPr>
+        <p:style>
+          <a:lnRef idx="1">
+            <a:schemeClr val="accent1"/>
+          </a:lnRef>
+          <a:fillRef idx="3">
+            <a:schemeClr val="accent1"/>
+          </a:fillRef>
+          <a:effectRef idx="2">
+            <a:schemeClr val="accent1"/>
+          </a:effectRef>
+          <a:fontRef idx="minor">
+            <a:schemeClr val="lt1"/>
+          </a:fontRef>
+        </p:style>
+        <p:txBody>
+          <a:bodyPr rtlCol="0" anchor="ctr"/>
+          <a:lstStyle/>
+          <a:p>
+            <a:pPr algn="ctr"/>
+            <a:r>
+              <a:rPr lang="en-US" dirty="0" smtClean="0">
+                <a:solidFill>
+                  <a:srgbClr val="000000"/>
+                </a:solidFill>
+              </a:rPr>
+              <a:t>Clinical Model</a:t>
+            </a:r>
+            <a:endParaRPr lang="en-US" dirty="0">
+              <a:solidFill>
+                <a:srgbClr val="000000"/>
+              </a:solidFill>
+            </a:endParaRPr>
+          </a:p>
+        </p:txBody>
+      </p:sp>
+      <p:sp>
+        <p:nvSpPr>
+          <p:cNvPr id="16" name="Sun 15"/>
+          <p:cNvSpPr/>
+          <p:nvPr/>
+        </p:nvSpPr>
+        <p:spPr>
+          <a:xfrm>
+            <a:off x="4221417" y="2640383"/>
+            <a:ext cx="1927156" cy="1722825"/>
+          </a:xfrm>
+          <a:prstGeom prst="sun">
+            <a:avLst/>
+          </a:prstGeom>
+          <a:solidFill>
+            <a:schemeClr val="accent3">
+              <a:lumMod val="60000"/>
+              <a:lumOff val="40000"/>
+            </a:schemeClr>
+          </a:solidFill>
+        </p:spPr>
+        <p:style>
+          <a:lnRef idx="1">
+            <a:schemeClr val="accent1"/>
+          </a:lnRef>
+          <a:fillRef idx="3">
+            <a:schemeClr val="accent1"/>
+          </a:fillRef>
+          <a:effectRef idx="2">
+            <a:schemeClr val="accent1"/>
+          </a:effectRef>
+          <a:fontRef idx="minor">
+            <a:schemeClr val="lt1"/>
+          </a:fontRef>
+        </p:style>
+        <p:txBody>
+          <a:bodyPr rtlCol="0" anchor="ctr"/>
+          <a:lstStyle/>
+          <a:p>
+            <a:pPr algn="ctr"/>
+            <a:r>
+              <a:rPr lang="en-US" dirty="0" smtClean="0">
+                <a:solidFill>
+                  <a:srgbClr val="000000"/>
+                </a:solidFill>
+              </a:rPr>
+              <a:t>MDA</a:t>
+            </a:r>
+            <a:endParaRPr lang="en-US" dirty="0">
+              <a:solidFill>
+                <a:srgbClr val="000000"/>
+              </a:solidFill>
+            </a:endParaRPr>
+          </a:p>
+        </p:txBody>
+      </p:sp>
+      <p:sp>
+        <p:nvSpPr>
+          <p:cNvPr id="17" name="Rectangle 16"/>
+          <p:cNvSpPr/>
+          <p:nvPr/>
+        </p:nvSpPr>
+        <p:spPr>
+          <a:xfrm>
+            <a:off x="2722678" y="2595979"/>
+            <a:ext cx="1203620" cy="577236"/>
+          </a:xfrm>
+          <a:prstGeom prst="rect">
+            <a:avLst/>
+          </a:prstGeom>
+        </p:spPr>
+        <p:style>
+          <a:lnRef idx="1">
+            <a:schemeClr val="accent1"/>
+          </a:lnRef>
+          <a:fillRef idx="3">
+            <a:schemeClr val="accent1"/>
+          </a:fillRef>
+          <a:effectRef idx="2">
+            <a:schemeClr val="accent1"/>
+          </a:effectRef>
+          <a:fontRef idx="minor">
+            <a:schemeClr val="lt1"/>
+          </a:fontRef>
+        </p:style>
+        <p:txBody>
+          <a:bodyPr rtlCol="0" anchor="ctr"/>
+          <a:lstStyle/>
+          <a:p>
+            <a:pPr algn="ctr"/>
+            <a:r>
+              <a:rPr lang="en-US" dirty="0" smtClean="0">
+                <a:solidFill>
+                  <a:srgbClr val="000000"/>
+                </a:solidFill>
+              </a:rPr>
+              <a:t>RM</a:t>
+            </a:r>
+            <a:endParaRPr lang="en-US" dirty="0">
+              <a:solidFill>
+                <a:srgbClr val="000000"/>
+              </a:solidFill>
+            </a:endParaRPr>
+          </a:p>
+        </p:txBody>
+      </p:sp>
+      <p:sp>
+        <p:nvSpPr>
+          <p:cNvPr id="18" name="Folded Corner 17"/>
+          <p:cNvSpPr/>
+          <p:nvPr/>
+        </p:nvSpPr>
+        <p:spPr>
+          <a:xfrm>
+            <a:off x="6553200" y="2884597"/>
+            <a:ext cx="1046670" cy="933247"/>
+          </a:xfrm>
+          <a:prstGeom prst="foldedCorner">
+            <a:avLst/>
+          </a:prstGeom>
+        </p:spPr>
+        <p:style>
+          <a:lnRef idx="1">
+            <a:schemeClr val="accent1"/>
+          </a:lnRef>
+          <a:fillRef idx="3">
+            <a:schemeClr val="accent1"/>
+          </a:fillRef>
+          <a:effectRef idx="2">
+            <a:schemeClr val="accent1"/>
+          </a:effectRef>
+          <a:fontRef idx="minor">
+            <a:schemeClr val="lt1"/>
+          </a:fontRef>
+        </p:style>
+        <p:txBody>
+          <a:bodyPr rtlCol="0" anchor="ctr"/>
+          <a:lstStyle/>
+          <a:p>
+            <a:pPr algn="ctr"/>
+            <a:r>
+              <a:rPr lang="en-US" sz="1200" dirty="0" smtClean="0">
+                <a:solidFill>
+                  <a:srgbClr val="000000"/>
+                </a:solidFill>
+              </a:rPr>
+              <a:t>Application Template</a:t>
+            </a:r>
+            <a:endParaRPr lang="en-US" sz="1200" dirty="0">
+              <a:solidFill>
+                <a:srgbClr val="000000"/>
+              </a:solidFill>
+            </a:endParaRPr>
+          </a:p>
+        </p:txBody>
+      </p:sp>
+      <p:sp>
+        <p:nvSpPr>
+          <p:cNvPr id="20" name="Bevel 19"/>
+          <p:cNvSpPr/>
+          <p:nvPr/>
+        </p:nvSpPr>
+        <p:spPr>
+          <a:xfrm>
+            <a:off x="6485955" y="4605386"/>
+            <a:ext cx="1181160" cy="670116"/>
+          </a:xfrm>
+          <a:prstGeom prst="bevel">
+            <a:avLst/>
+          </a:prstGeom>
+          <a:solidFill>
+            <a:schemeClr val="bg2">
+              <a:lumMod val="50000"/>
+            </a:schemeClr>
+          </a:solidFill>
+        </p:spPr>
+        <p:style>
+          <a:lnRef idx="1">
+            <a:schemeClr val="accent1"/>
+          </a:lnRef>
+          <a:fillRef idx="3">
+            <a:schemeClr val="accent1"/>
+          </a:fillRef>
+          <a:effectRef idx="2">
+            <a:schemeClr val="accent1"/>
+          </a:effectRef>
+          <a:fontRef idx="minor">
+            <a:schemeClr val="lt1"/>
+          </a:fontRef>
+        </p:style>
+        <p:txBody>
+          <a:bodyPr rtlCol="0" anchor="ctr"/>
+          <a:lstStyle/>
+          <a:p>
+            <a:pPr algn="ctr"/>
+            <a:r>
+              <a:rPr lang="en-US" sz="1400" dirty="0" smtClean="0">
+                <a:solidFill>
+                  <a:srgbClr val="000000"/>
+                </a:solidFill>
+              </a:rPr>
+              <a:t>Application</a:t>
+            </a:r>
+            <a:endParaRPr lang="en-US" sz="1400" dirty="0">
+              <a:solidFill>
+                <a:srgbClr val="000000"/>
+              </a:solidFill>
+            </a:endParaRPr>
+          </a:p>
+        </p:txBody>
+      </p:sp>
+      <p:cxnSp>
+        <p:nvCxnSpPr>
+          <p:cNvPr id="23" name="Straight Arrow Connector 22"/>
+          <p:cNvCxnSpPr>
+            <a:stCxn id="20" idx="6"/>
+            <a:endCxn id="18" idx="2"/>
+          </p:cNvCxnSpPr>
+          <p:nvPr/>
+        </p:nvCxnSpPr>
+        <p:spPr>
+          <a:xfrm flipV="1">
+            <a:off x="7076535" y="3817844"/>
+            <a:ext cx="0" cy="787542"/>
+          </a:xfrm>
+          <a:prstGeom prst="straightConnector1">
+            <a:avLst/>
+          </a:prstGeom>
+          <a:ln>
+            <a:tailEnd type="arrow"/>
+          </a:ln>
+        </p:spPr>
+        <p:style>
+          <a:lnRef idx="2">
+            <a:schemeClr val="accent1"/>
+          </a:lnRef>
+          <a:fillRef idx="0">
+            <a:schemeClr val="accent1"/>
+          </a:fillRef>
+          <a:effectRef idx="1">
+            <a:schemeClr val="accent1"/>
+          </a:effectRef>
+          <a:fontRef idx="minor">
+            <a:schemeClr val="tx1"/>
+          </a:fontRef>
+        </p:style>
+      </p:cxnSp>
+      <p:sp>
+        <p:nvSpPr>
+          <p:cNvPr id="26" name="Rectangle 25"/>
+          <p:cNvSpPr/>
+          <p:nvPr/>
+        </p:nvSpPr>
+        <p:spPr>
+          <a:xfrm>
+            <a:off x="6326099" y="5780080"/>
+            <a:ext cx="1731776" cy="577236"/>
+          </a:xfrm>
+          <a:prstGeom prst="rect">
+            <a:avLst/>
+          </a:prstGeom>
+          <a:solidFill>
+            <a:schemeClr val="bg1">
+              <a:lumMod val="85000"/>
+            </a:schemeClr>
+          </a:solidFill>
+        </p:spPr>
+        <p:style>
+          <a:lnRef idx="1">
+            <a:schemeClr val="accent1"/>
+          </a:lnRef>
+          <a:fillRef idx="3">
+            <a:schemeClr val="accent1"/>
+          </a:fillRef>
+          <a:effectRef idx="2">
+            <a:schemeClr val="accent1"/>
+          </a:effectRef>
+          <a:fontRef idx="minor">
+            <a:schemeClr val="lt1"/>
+          </a:fontRef>
+        </p:style>
+        <p:txBody>
+          <a:bodyPr rtlCol="0" anchor="ctr"/>
+          <a:lstStyle/>
+          <a:p>
+            <a:pPr algn="ctr"/>
+            <a:r>
+              <a:rPr lang="en-US" dirty="0" smtClean="0">
+                <a:solidFill>
+                  <a:srgbClr val="000000"/>
+                </a:solidFill>
+              </a:rPr>
+              <a:t>Instance Data</a:t>
+            </a:r>
+            <a:endParaRPr lang="en-US" dirty="0">
+              <a:solidFill>
+                <a:srgbClr val="000000"/>
+              </a:solidFill>
+            </a:endParaRPr>
+          </a:p>
+        </p:txBody>
+      </p:sp>
+      <p:cxnSp>
+        <p:nvCxnSpPr>
+          <p:cNvPr id="30" name="Straight Arrow Connector 29"/>
+          <p:cNvCxnSpPr>
+            <a:stCxn id="10" idx="0"/>
+            <a:endCxn id="9" idx="2"/>
+          </p:cNvCxnSpPr>
+          <p:nvPr/>
+        </p:nvCxnSpPr>
+        <p:spPr>
+          <a:xfrm flipV="1">
+            <a:off x="1469790" y="2985294"/>
+            <a:ext cx="0" cy="335845"/>
+          </a:xfrm>
+          <a:prstGeom prst="straightConnector1">
+            <a:avLst/>
+          </a:prstGeom>
+          <a:ln>
+            <a:solidFill>
+              <a:srgbClr val="FF0000"/>
+            </a:solidFill>
+            <a:tailEnd type="arrow"/>
+          </a:ln>
+        </p:spPr>
+        <p:style>
+          <a:lnRef idx="2">
+            <a:schemeClr val="accent1"/>
+          </a:lnRef>
+          <a:fillRef idx="0">
+            <a:schemeClr val="accent1"/>
+          </a:fillRef>
+          <a:effectRef idx="1">
+            <a:schemeClr val="accent1"/>
+          </a:effectRef>
+          <a:fontRef idx="minor">
+            <a:schemeClr val="tx1"/>
+          </a:fontRef>
+        </p:style>
+      </p:cxnSp>
+      <p:cxnSp>
+        <p:nvCxnSpPr>
+          <p:cNvPr id="32" name="Straight Arrow Connector 31"/>
+          <p:cNvCxnSpPr>
+            <a:endCxn id="17" idx="1"/>
+          </p:cNvCxnSpPr>
+          <p:nvPr/>
+        </p:nvCxnSpPr>
+        <p:spPr>
+          <a:xfrm flipV="1">
+            <a:off x="2078131" y="2884597"/>
+            <a:ext cx="644547" cy="763543"/>
+          </a:xfrm>
+          <a:prstGeom prst="straightConnector1">
+            <a:avLst/>
+          </a:prstGeom>
+          <a:ln>
+            <a:tailEnd type="arrow"/>
+          </a:ln>
+        </p:spPr>
+        <p:style>
+          <a:lnRef idx="2">
+            <a:schemeClr val="accent1"/>
+          </a:lnRef>
+          <a:fillRef idx="0">
+            <a:schemeClr val="accent1"/>
+          </a:fillRef>
+          <a:effectRef idx="1">
+            <a:schemeClr val="accent1"/>
+          </a:effectRef>
+          <a:fontRef idx="minor">
+            <a:schemeClr val="tx1"/>
+          </a:fontRef>
+        </p:style>
+      </p:cxnSp>
+      <p:cxnSp>
+        <p:nvCxnSpPr>
+          <p:cNvPr id="35" name="Straight Arrow Connector 34"/>
+          <p:cNvCxnSpPr/>
+          <p:nvPr/>
+        </p:nvCxnSpPr>
+        <p:spPr>
+          <a:xfrm flipH="1" flipV="1">
+            <a:off x="1793942" y="4786614"/>
+            <a:ext cx="1563526" cy="306230"/>
+          </a:xfrm>
+          <a:prstGeom prst="straightConnector1">
+            <a:avLst/>
+          </a:prstGeom>
+          <a:ln>
+            <a:tailEnd type="arrow"/>
+          </a:ln>
+        </p:spPr>
+        <p:style>
+          <a:lnRef idx="2">
+            <a:schemeClr val="accent2"/>
+          </a:lnRef>
+          <a:fillRef idx="0">
+            <a:schemeClr val="accent2"/>
+          </a:fillRef>
+          <a:effectRef idx="1">
+            <a:schemeClr val="accent2"/>
+          </a:effectRef>
+          <a:fontRef idx="minor">
+            <a:schemeClr val="tx1"/>
+          </a:fontRef>
+        </p:style>
+      </p:cxnSp>
+      <p:cxnSp>
+        <p:nvCxnSpPr>
+          <p:cNvPr id="41" name="Straight Arrow Connector 40"/>
+          <p:cNvCxnSpPr/>
+          <p:nvPr/>
+        </p:nvCxnSpPr>
+        <p:spPr>
+          <a:xfrm flipH="1">
+            <a:off x="1047947" y="5092844"/>
+            <a:ext cx="2309521" cy="359810"/>
+          </a:xfrm>
+          <a:prstGeom prst="straightConnector1">
+            <a:avLst/>
+          </a:prstGeom>
+          <a:ln>
+            <a:tailEnd type="arrow"/>
+          </a:ln>
+        </p:spPr>
+        <p:style>
+          <a:lnRef idx="2">
+            <a:schemeClr val="accent2"/>
+          </a:lnRef>
+          <a:fillRef idx="0">
+            <a:schemeClr val="accent2"/>
+          </a:fillRef>
+          <a:effectRef idx="1">
+            <a:schemeClr val="accent2"/>
+          </a:effectRef>
+          <a:fontRef idx="minor">
+            <a:schemeClr val="tx1"/>
+          </a:fontRef>
+        </p:style>
+      </p:cxnSp>
+      <p:cxnSp>
+        <p:nvCxnSpPr>
+          <p:cNvPr id="46" name="Straight Arrow Connector 45"/>
+          <p:cNvCxnSpPr/>
+          <p:nvPr/>
+        </p:nvCxnSpPr>
+        <p:spPr>
+          <a:xfrm flipH="1" flipV="1">
+            <a:off x="1900513" y="4218258"/>
+            <a:ext cx="1456955" cy="874586"/>
+          </a:xfrm>
+          <a:prstGeom prst="straightConnector1">
+            <a:avLst/>
+          </a:prstGeom>
+          <a:ln>
+            <a:tailEnd type="arrow"/>
+          </a:ln>
+        </p:spPr>
+        <p:style>
+          <a:lnRef idx="2">
+            <a:schemeClr val="accent2"/>
+          </a:lnRef>
+          <a:fillRef idx="0">
+            <a:schemeClr val="accent2"/>
+          </a:fillRef>
+          <a:effectRef idx="1">
+            <a:schemeClr val="accent2"/>
+          </a:effectRef>
+          <a:fontRef idx="minor">
+            <a:schemeClr val="tx1"/>
+          </a:fontRef>
+        </p:style>
+      </p:cxnSp>
+      <p:cxnSp>
+        <p:nvCxnSpPr>
+          <p:cNvPr id="49" name="Straight Arrow Connector 48"/>
+          <p:cNvCxnSpPr>
+            <a:stCxn id="26" idx="1"/>
+          </p:cNvCxnSpPr>
+          <p:nvPr/>
+        </p:nvCxnSpPr>
+        <p:spPr>
+          <a:xfrm flipH="1" flipV="1">
+            <a:off x="4793809" y="5229062"/>
+            <a:ext cx="1532290" cy="839636"/>
+          </a:xfrm>
+          <a:prstGeom prst="straightConnector1">
+            <a:avLst/>
+          </a:prstGeom>
+          <a:ln>
+            <a:prstDash val="sysDash"/>
+            <a:tailEnd type="arrow"/>
+          </a:ln>
+        </p:spPr>
+        <p:style>
+          <a:lnRef idx="2">
+            <a:schemeClr val="dk1"/>
+          </a:lnRef>
+          <a:fillRef idx="0">
+            <a:schemeClr val="dk1"/>
+          </a:fillRef>
+          <a:effectRef idx="1">
+            <a:schemeClr val="dk1"/>
+          </a:effectRef>
+          <a:fontRef idx="minor">
+            <a:schemeClr val="tx1"/>
+          </a:fontRef>
+        </p:style>
+      </p:cxnSp>
+      <p:sp>
+        <p:nvSpPr>
+          <p:cNvPr id="51" name="Striped Right Arrow 50"/>
+          <p:cNvSpPr/>
+          <p:nvPr/>
+        </p:nvSpPr>
+        <p:spPr>
+          <a:xfrm rot="16200000" flipH="1" flipV="1">
+            <a:off x="6638699" y="5270850"/>
+            <a:ext cx="875671" cy="519660"/>
+          </a:xfrm>
+          <a:prstGeom prst="stripedRightArrow">
+            <a:avLst>
+              <a:gd name="adj1" fmla="val 50000"/>
+              <a:gd name="adj2" fmla="val 53993"/>
+            </a:avLst>
+          </a:prstGeom>
+        </p:spPr>
+        <p:style>
+          <a:lnRef idx="1">
+            <a:schemeClr val="accent1"/>
+          </a:lnRef>
+          <a:fillRef idx="3">
+            <a:schemeClr val="accent1"/>
+          </a:fillRef>
+          <a:effectRef idx="2">
+            <a:schemeClr val="accent1"/>
+          </a:effectRef>
+          <a:fontRef idx="minor">
+            <a:schemeClr val="lt1"/>
+          </a:fontRef>
+        </p:style>
+        <p:txBody>
+          <a:bodyPr rtlCol="0" anchor="ctr"/>
+          <a:lstStyle/>
+          <a:p>
+            <a:pPr algn="ctr"/>
+            <a:endParaRPr lang="en-US"/>
+          </a:p>
+        </p:txBody>
+      </p:sp>
+      <p:sp>
+        <p:nvSpPr>
+          <p:cNvPr id="52" name="TextBox 51"/>
+          <p:cNvSpPr txBox="1"/>
+          <p:nvPr/>
+        </p:nvSpPr>
+        <p:spPr>
+          <a:xfrm>
+            <a:off x="7076535" y="5321849"/>
+            <a:ext cx="781519" cy="261610"/>
+          </a:xfrm>
+          <a:prstGeom prst="rect">
+            <a:avLst/>
+          </a:prstGeom>
+          <a:noFill/>
+        </p:spPr>
+        <p:txBody>
+          <a:bodyPr wrap="square" rtlCol="0">
+            <a:spAutoFit/>
+          </a:bodyPr>
+          <a:lstStyle/>
+          <a:p>
+            <a:r>
+              <a:rPr lang="en-US" sz="1100" dirty="0" smtClean="0"/>
+              <a:t>Validates</a:t>
+            </a:r>
+            <a:endParaRPr lang="en-US" sz="1100" dirty="0"/>
+          </a:p>
+        </p:txBody>
+      </p:sp>
+      <p:sp>
+        <p:nvSpPr>
+          <p:cNvPr id="53" name="Bent Arrow 52"/>
+          <p:cNvSpPr/>
+          <p:nvPr/>
+        </p:nvSpPr>
+        <p:spPr>
+          <a:xfrm>
+            <a:off x="3685576" y="3571374"/>
+            <a:ext cx="535842" cy="646884"/>
+          </a:xfrm>
+          <a:prstGeom prst="bentArrow">
+            <a:avLst/>
+          </a:prstGeom>
+        </p:spPr>
+        <p:style>
+          <a:lnRef idx="1">
+            <a:schemeClr val="accent1"/>
+          </a:lnRef>
+          <a:fillRef idx="3">
+            <a:schemeClr val="accent1"/>
+          </a:fillRef>
+          <a:effectRef idx="2">
+            <a:schemeClr val="accent1"/>
+          </a:effectRef>
+          <a:fontRef idx="minor">
+            <a:schemeClr val="lt1"/>
+          </a:fontRef>
+        </p:style>
+        <p:txBody>
+          <a:bodyPr rtlCol="0" anchor="ctr"/>
+          <a:lstStyle/>
+          <a:p>
+            <a:pPr algn="ctr"/>
+            <a:endParaRPr lang="en-US">
+              <a:solidFill>
+                <a:schemeClr val="tx1"/>
+              </a:solidFill>
+            </a:endParaRPr>
+          </a:p>
+        </p:txBody>
+      </p:sp>
+      <p:sp>
+        <p:nvSpPr>
+          <p:cNvPr id="54" name="Right Arrow 53"/>
+          <p:cNvSpPr/>
+          <p:nvPr/>
+        </p:nvSpPr>
+        <p:spPr>
+          <a:xfrm>
+            <a:off x="6019800" y="3214757"/>
+            <a:ext cx="466155" cy="212949"/>
+          </a:xfrm>
+          <a:prstGeom prst="rightArrow">
+            <a:avLst/>
+          </a:prstGeom>
+        </p:spPr>
+        <p:style>
+          <a:lnRef idx="1">
+            <a:schemeClr val="accent1"/>
+          </a:lnRef>
+          <a:fillRef idx="3">
+            <a:schemeClr val="accent1"/>
+          </a:fillRef>
+          <a:effectRef idx="2">
+            <a:schemeClr val="accent1"/>
+          </a:effectRef>
+          <a:fontRef idx="minor">
+            <a:schemeClr val="lt1"/>
+          </a:fontRef>
+        </p:style>
+        <p:txBody>
+          <a:bodyPr rtlCol="0" anchor="ctr"/>
+          <a:lstStyle/>
+          <a:p>
+            <a:pPr algn="ctr"/>
+            <a:endParaRPr lang="en-US"/>
+          </a:p>
+        </p:txBody>
+      </p:sp>
+      <p:sp>
+        <p:nvSpPr>
+          <p:cNvPr id="55" name="TextBox 54"/>
+          <p:cNvSpPr txBox="1"/>
+          <p:nvPr/>
+        </p:nvSpPr>
+        <p:spPr>
+          <a:xfrm>
+            <a:off x="5771681" y="2953147"/>
+            <a:ext cx="781519" cy="261610"/>
+          </a:xfrm>
+          <a:prstGeom prst="rect">
+            <a:avLst/>
+          </a:prstGeom>
+          <a:noFill/>
+        </p:spPr>
+        <p:txBody>
+          <a:bodyPr wrap="square" rtlCol="0">
+            <a:spAutoFit/>
+          </a:bodyPr>
+          <a:lstStyle/>
+          <a:p>
+            <a:r>
+              <a:rPr lang="en-US" sz="1100" dirty="0" smtClean="0"/>
+              <a:t>Generate</a:t>
+            </a:r>
+            <a:endParaRPr lang="en-US" sz="1100" dirty="0"/>
+          </a:p>
+        </p:txBody>
+      </p:sp>
+      <p:sp>
+        <p:nvSpPr>
+          <p:cNvPr id="56" name="TextBox 55"/>
+          <p:cNvSpPr txBox="1"/>
+          <p:nvPr/>
+        </p:nvSpPr>
+        <p:spPr>
+          <a:xfrm>
+            <a:off x="3880502" y="3907073"/>
+            <a:ext cx="781519" cy="261610"/>
+          </a:xfrm>
+          <a:prstGeom prst="rect">
+            <a:avLst/>
+          </a:prstGeom>
+          <a:noFill/>
+        </p:spPr>
+        <p:txBody>
+          <a:bodyPr wrap="square" rtlCol="0">
+            <a:spAutoFit/>
+          </a:bodyPr>
+          <a:lstStyle/>
+          <a:p>
+            <a:r>
+              <a:rPr lang="en-US" sz="1100" dirty="0" smtClean="0"/>
+              <a:t>Transform</a:t>
+            </a:r>
+            <a:endParaRPr lang="en-US" sz="1100" dirty="0"/>
+          </a:p>
+        </p:txBody>
+      </p:sp>
+      <p:sp>
+        <p:nvSpPr>
+          <p:cNvPr id="58" name="TextBox 57"/>
+          <p:cNvSpPr txBox="1"/>
+          <p:nvPr/>
+        </p:nvSpPr>
+        <p:spPr>
+          <a:xfrm>
+            <a:off x="2118053" y="3522352"/>
+            <a:ext cx="523974" cy="246221"/>
+          </a:xfrm>
+          <a:prstGeom prst="rect">
+            <a:avLst/>
+          </a:prstGeom>
+          <a:solidFill>
+            <a:schemeClr val="bg1">
+              <a:lumMod val="95000"/>
+            </a:schemeClr>
+          </a:solidFill>
+        </p:spPr>
+        <p:txBody>
+          <a:bodyPr wrap="square" rtlCol="0">
+            <a:spAutoFit/>
+          </a:bodyPr>
+          <a:lstStyle/>
+          <a:p>
+            <a:r>
+              <a:rPr lang="en-US" sz="1000" dirty="0" smtClean="0"/>
+              <a:t>about</a:t>
+            </a:r>
+            <a:endParaRPr lang="en-US" sz="1000" dirty="0"/>
+          </a:p>
+        </p:txBody>
+      </p:sp>
+      <p:sp>
+        <p:nvSpPr>
+          <p:cNvPr id="59" name="TextBox 58"/>
+          <p:cNvSpPr txBox="1"/>
+          <p:nvPr/>
+        </p:nvSpPr>
+        <p:spPr>
+          <a:xfrm>
+            <a:off x="1509753" y="3007953"/>
+            <a:ext cx="1012424" cy="261610"/>
+          </a:xfrm>
+          <a:prstGeom prst="rect">
+            <a:avLst/>
+          </a:prstGeom>
+          <a:noFill/>
+        </p:spPr>
+        <p:txBody>
+          <a:bodyPr wrap="square" rtlCol="0">
+            <a:spAutoFit/>
+          </a:bodyPr>
+          <a:lstStyle/>
+          <a:p>
+            <a:r>
+              <a:rPr lang="en-US" sz="1100" dirty="0" smtClean="0"/>
+              <a:t>Meta-model</a:t>
+            </a:r>
+            <a:endParaRPr lang="en-US" sz="1100" dirty="0"/>
+          </a:p>
+        </p:txBody>
+      </p:sp>
+      <p:sp>
+        <p:nvSpPr>
+          <p:cNvPr id="60" name="TextBox 59"/>
+          <p:cNvSpPr txBox="1"/>
+          <p:nvPr/>
+        </p:nvSpPr>
+        <p:spPr>
+          <a:xfrm>
+            <a:off x="559539" y="2769181"/>
+            <a:ext cx="905852" cy="238772"/>
+          </a:xfrm>
+          <a:prstGeom prst="rect">
+            <a:avLst/>
+          </a:prstGeom>
+          <a:noFill/>
+        </p:spPr>
+        <p:txBody>
+          <a:bodyPr wrap="square" rtlCol="0">
+            <a:spAutoFit/>
+          </a:bodyPr>
+          <a:lstStyle/>
+          <a:p>
+            <a:r>
+              <a:rPr lang="en-US" sz="900" dirty="0" smtClean="0"/>
+              <a:t>UML Profiles</a:t>
+            </a:r>
+            <a:endParaRPr lang="en-US" sz="900" dirty="0"/>
+          </a:p>
+        </p:txBody>
+      </p:sp>
+      <p:sp>
+        <p:nvSpPr>
+          <p:cNvPr id="61" name="TextBox 60"/>
+          <p:cNvSpPr txBox="1"/>
+          <p:nvPr/>
+        </p:nvSpPr>
+        <p:spPr>
+          <a:xfrm>
+            <a:off x="1323254" y="5518470"/>
+            <a:ext cx="541736" cy="261610"/>
+          </a:xfrm>
+          <a:prstGeom prst="rect">
+            <a:avLst/>
+          </a:prstGeom>
+          <a:noFill/>
+        </p:spPr>
+        <p:txBody>
+          <a:bodyPr wrap="square" rtlCol="0">
+            <a:spAutoFit/>
+          </a:bodyPr>
+          <a:lstStyle/>
+          <a:p>
+            <a:r>
+              <a:rPr lang="en-US" sz="1100" dirty="0" smtClean="0"/>
+              <a:t>UML</a:t>
+            </a:r>
+            <a:endParaRPr lang="en-US" sz="1100" dirty="0"/>
+          </a:p>
+        </p:txBody>
+      </p:sp>
+      <p:cxnSp>
+        <p:nvCxnSpPr>
+          <p:cNvPr id="62" name="Straight Arrow Connector 61"/>
+          <p:cNvCxnSpPr>
+            <a:stCxn id="9" idx="0"/>
+            <a:endCxn id="8" idx="2"/>
+          </p:cNvCxnSpPr>
+          <p:nvPr/>
+        </p:nvCxnSpPr>
+        <p:spPr>
+          <a:xfrm flipV="1">
+            <a:off x="1469790" y="2069167"/>
+            <a:ext cx="0" cy="338891"/>
+          </a:xfrm>
+          <a:prstGeom prst="straightConnector1">
+            <a:avLst/>
+          </a:prstGeom>
+          <a:ln>
+            <a:prstDash val="sysDash"/>
+            <a:tailEnd type="arrow"/>
+          </a:ln>
+        </p:spPr>
+        <p:style>
+          <a:lnRef idx="2">
+            <a:schemeClr val="dk1"/>
+          </a:lnRef>
+          <a:fillRef idx="0">
+            <a:schemeClr val="dk1"/>
+          </a:fillRef>
+          <a:effectRef idx="1">
+            <a:schemeClr val="dk1"/>
+          </a:effectRef>
+          <a:fontRef idx="minor">
+            <a:schemeClr val="tx1"/>
+          </a:fontRef>
+        </p:style>
+      </p:cxnSp>
+      <p:sp>
+        <p:nvSpPr>
+          <p:cNvPr id="66" name="TextBox 65"/>
+          <p:cNvSpPr txBox="1"/>
+          <p:nvPr/>
+        </p:nvSpPr>
+        <p:spPr>
+          <a:xfrm>
+            <a:off x="3609634" y="2953147"/>
+            <a:ext cx="541736" cy="230832"/>
+          </a:xfrm>
+          <a:prstGeom prst="rect">
+            <a:avLst/>
+          </a:prstGeom>
+          <a:noFill/>
+        </p:spPr>
+        <p:txBody>
+          <a:bodyPr wrap="square" rtlCol="0">
+            <a:spAutoFit/>
+          </a:bodyPr>
+          <a:lstStyle/>
+          <a:p>
+            <a:r>
+              <a:rPr lang="en-US" sz="900" dirty="0" smtClean="0"/>
+              <a:t>UML</a:t>
+            </a:r>
+            <a:endParaRPr lang="en-US" sz="900" dirty="0"/>
+          </a:p>
+        </p:txBody>
+      </p:sp>
+      <p:sp>
+        <p:nvSpPr>
+          <p:cNvPr id="70" name="TextBox 69"/>
+          <p:cNvSpPr txBox="1"/>
+          <p:nvPr/>
+        </p:nvSpPr>
+        <p:spPr>
+          <a:xfrm>
+            <a:off x="4420812" y="4977428"/>
+            <a:ext cx="541736" cy="230832"/>
+          </a:xfrm>
+          <a:prstGeom prst="rect">
+            <a:avLst/>
+          </a:prstGeom>
+          <a:noFill/>
+        </p:spPr>
+        <p:txBody>
+          <a:bodyPr wrap="square" rtlCol="0">
+            <a:spAutoFit/>
+          </a:bodyPr>
+          <a:lstStyle/>
+          <a:p>
+            <a:r>
+              <a:rPr lang="en-US" sz="900" dirty="0" smtClean="0"/>
+              <a:t>UML</a:t>
+            </a:r>
+            <a:endParaRPr lang="en-US" sz="900" dirty="0"/>
+          </a:p>
+        </p:txBody>
+      </p:sp>
+    </p:spTree>
+    <p:extLst>
+      <p:ext uri="{BB962C8B-B14F-4D97-AF65-F5344CB8AC3E}">
+        <p14:creationId xmlns:p14="http://schemas.microsoft.com/office/powerpoint/2010/main" val="3848260707"/>
       </p:ext>
     </p:extLst>
   </p:cSld>
